--- a/16 空间态势感知概念与特性测量.pptx
+++ b/16 空间态势感知概念与特性测量.pptx
@@ -5,15 +5,16 @@
     <p:sldMasterId id="2147483648" r:id="rId1"/>
   </p:sldMasterIdLst>
   <p:notesMasterIdLst>
-    <p:notesMasterId r:id="rId8"/>
+    <p:notesMasterId r:id="rId9"/>
   </p:notesMasterIdLst>
   <p:sldIdLst>
     <p:sldId id="294" r:id="rId2"/>
     <p:sldId id="293" r:id="rId3"/>
     <p:sldId id="299" r:id="rId4"/>
     <p:sldId id="296" r:id="rId5"/>
-    <p:sldId id="297" r:id="rId6"/>
-    <p:sldId id="298" r:id="rId7"/>
+    <p:sldId id="301" r:id="rId6"/>
+    <p:sldId id="300" r:id="rId7"/>
+    <p:sldId id="297" r:id="rId8"/>
   </p:sldIdLst>
   <p:sldSz cx="12192000" cy="6858000"/>
   <p:notesSz cx="6858000" cy="9144000"/>
@@ -223,7 +224,7 @@
           <a:p>
             <a:fld id="{26DDD1A4-63E9-4C41-BD0C-A6576214358F}" type="datetimeFigureOut">
               <a:rPr kumimoji="1" lang="zh-CN" altLang="en-US" smtClean="0"/>
-              <a:t>2023/7/20</a:t>
+              <a:t>2023/8/7</a:t>
             </a:fld>
             <a:endParaRPr kumimoji="1" lang="zh-CN" altLang="en-US"/>
           </a:p>
@@ -817,7 +818,7 @@
           <a:p>
             <a:fld id="{8664C608-40B1-4030-A28D-5B74BC98ADCE}" type="datetimeFigureOut">
               <a:rPr lang="en-US" smtClean="0"/>
-              <a:t>7/20/2023</a:t>
+              <a:t>8/7/2023</a:t>
             </a:fld>
             <a:endParaRPr lang="en-US" dirty="0"/>
           </a:p>
@@ -2291,13 +2292,13 @@
   <p:clrMapOvr>
     <a:masterClrMapping/>
   </p:clrMapOvr>
-  <mc:AlternateContent xmlns:mc="http://schemas.openxmlformats.org/markup-compatibility/2006">
-    <mc:Choice xmlns:p159="http://schemas.microsoft.com/office/powerpoint/2015/09/main" Requires="p159">
+  <mc:AlternateContent xmlns:mc="http://schemas.openxmlformats.org/markup-compatibility/2006" xmlns:p159="http://schemas.microsoft.com/office/powerpoint/2015/09/main">
+    <mc:Choice Requires="p159">
       <p:transition spd="slow">
         <p159:morph option="byObject"/>
       </p:transition>
     </mc:Choice>
-    <mc:Fallback>
+    <mc:Fallback xmlns="">
       <p:transition spd="slow">
         <p:fade/>
       </p:transition>
@@ -2646,13 +2647,13 @@
   <p:clrMapOvr>
     <a:masterClrMapping/>
   </p:clrMapOvr>
-  <mc:AlternateContent xmlns:mc="http://schemas.openxmlformats.org/markup-compatibility/2006">
-    <mc:Choice xmlns:p159="http://schemas.microsoft.com/office/powerpoint/2015/09/main" Requires="p159">
+  <mc:AlternateContent xmlns:mc="http://schemas.openxmlformats.org/markup-compatibility/2006" xmlns:p159="http://schemas.microsoft.com/office/powerpoint/2015/09/main">
+    <mc:Choice Requires="p159">
       <p:transition spd="slow">
         <p159:morph option="byObject"/>
       </p:transition>
     </mc:Choice>
-    <mc:Fallback>
+    <mc:Fallback xmlns="">
       <p:transition spd="slow">
         <p:fade/>
       </p:transition>
@@ -3165,13 +3166,13 @@
   <p:clrMapOvr>
     <a:masterClrMapping/>
   </p:clrMapOvr>
-  <mc:AlternateContent xmlns:mc="http://schemas.openxmlformats.org/markup-compatibility/2006">
-    <mc:Choice xmlns:p159="http://schemas.microsoft.com/office/powerpoint/2015/09/main" Requires="p159">
+  <mc:AlternateContent xmlns:mc="http://schemas.openxmlformats.org/markup-compatibility/2006" xmlns:p159="http://schemas.microsoft.com/office/powerpoint/2015/09/main">
+    <mc:Choice Requires="p159">
       <p:transition spd="slow">
         <p159:morph option="byObject"/>
       </p:transition>
     </mc:Choice>
-    <mc:Fallback>
+    <mc:Fallback xmlns="">
       <p:transition spd="slow">
         <p:fade/>
       </p:transition>
@@ -3465,7 +3466,7 @@
         <p:spPr>
           <a:xfrm>
             <a:off x="407987" y="1052513"/>
-            <a:ext cx="11376025" cy="662554"/>
+            <a:ext cx="11376025" cy="1308884"/>
           </a:xfrm>
           <a:prstGeom prst="rect">
             <a:avLst/>
@@ -3492,8 +3493,9 @@
                 <a:solidFill>
                   <a:schemeClr val="tx1"/>
                 </a:solidFill>
-                <a:latin typeface="微软雅黑" panose="020B0503020204020204" pitchFamily="34" charset="-122"/>
+                <a:latin typeface="Times New Roman" panose="02020603050405020304" pitchFamily="18" charset="0"/>
                 <a:ea typeface="微软雅黑" panose="020B0503020204020204" pitchFamily="34" charset="-122"/>
+                <a:cs typeface="Times New Roman" panose="02020603050405020304" pitchFamily="18" charset="0"/>
                 <a:sym typeface="+mn-ea"/>
               </a:rPr>
               <a:t>。</a:t>
@@ -3502,8 +3504,30 @@
               <a:solidFill>
                 <a:schemeClr val="tx1"/>
               </a:solidFill>
-              <a:latin typeface="微软雅黑" panose="020B0503020204020204" pitchFamily="34" charset="-122"/>
+              <a:latin typeface="Times New Roman" panose="02020603050405020304" pitchFamily="18" charset="0"/>
               <a:ea typeface="微软雅黑" panose="020B0503020204020204" pitchFamily="34" charset="-122"/>
+              <a:cs typeface="Times New Roman" panose="02020603050405020304" pitchFamily="18" charset="0"/>
+              <a:sym typeface="+mn-ea"/>
+            </a:endParaRPr>
+          </a:p>
+          <a:p>
+            <a:pPr marL="342900" indent="-342900" fontAlgn="auto">
+              <a:lnSpc>
+                <a:spcPct val="150000"/>
+              </a:lnSpc>
+              <a:spcAft>
+                <a:spcPts val="0"/>
+              </a:spcAft>
+              <a:buFont typeface="Arial" panose="020B0604020202020204" pitchFamily="34" charset="0"/>
+              <a:buChar char="•"/>
+            </a:pPr>
+            <a:endParaRPr lang="en-US" altLang="zh-CN" sz="2800" b="1" dirty="0">
+              <a:solidFill>
+                <a:schemeClr val="tx1"/>
+              </a:solidFill>
+              <a:latin typeface="Times New Roman" panose="02020603050405020304" pitchFamily="18" charset="0"/>
+              <a:ea typeface="微软雅黑" panose="020B0503020204020204" pitchFamily="34" charset="-122"/>
+              <a:cs typeface="Times New Roman" panose="02020603050405020304" pitchFamily="18" charset="0"/>
               <a:sym typeface="+mn-ea"/>
             </a:endParaRPr>
           </a:p>
@@ -3529,48 +3553,6 @@
               <a:t>4</a:t>
             </a:fld>
             <a:endParaRPr kumimoji="1" lang="zh-CN" altLang="en-US"/>
-          </a:p>
-        </p:txBody>
-      </p:sp>
-      <p:sp>
-        <p:nvSpPr>
-          <p:cNvPr id="6" name="矩形 5"/>
-          <p:cNvSpPr/>
-          <p:nvPr/>
-        </p:nvSpPr>
-        <p:spPr>
-          <a:xfrm>
-            <a:off x="3327171" y="6023928"/>
-            <a:ext cx="6082030" cy="645160"/>
-          </a:xfrm>
-          <a:prstGeom prst="rect">
-            <a:avLst/>
-          </a:prstGeom>
-        </p:spPr>
-        <p:txBody>
-          <a:bodyPr wrap="square">
-            <a:spAutoFit/>
-          </a:bodyPr>
-          <a:lstStyle/>
-          <a:p>
-            <a:pPr algn="ctr" fontAlgn="auto">
-              <a:lnSpc>
-                <a:spcPct val="150000"/>
-              </a:lnSpc>
-              <a:spcAft>
-                <a:spcPts val="0"/>
-              </a:spcAft>
-            </a:pPr>
-            <a:r>
-              <a:rPr lang="zh-CN" sz="2400" b="1" dirty="0">
-                <a:solidFill>
-                  <a:srgbClr val="FF0000"/>
-                </a:solidFill>
-                <a:latin typeface="微软雅黑" panose="020B0503020204020204" pitchFamily="34" charset="-122"/>
-                <a:ea typeface="微软雅黑" panose="020B0503020204020204" pitchFamily="34" charset="-122"/>
-              </a:rPr>
-              <a:t>根据页面具体情况可略微调整</a:t>
-            </a:r>
           </a:p>
         </p:txBody>
       </p:sp>
@@ -3630,22 +3612,58 @@
           </a:p>
         </p:txBody>
       </p:sp>
+    </p:spTree>
+    <p:extLst>
+      <p:ext uri="{BB962C8B-B14F-4D97-AF65-F5344CB8AC3E}">
+        <p14:creationId xmlns:p14="http://schemas.microsoft.com/office/powerpoint/2010/main" val="4149395127"/>
+      </p:ext>
+    </p:extLst>
+  </p:cSld>
+  <p:clrMapOvr>
+    <a:masterClrMapping/>
+  </p:clrMapOvr>
+  <mc:AlternateContent xmlns:mc="http://schemas.openxmlformats.org/markup-compatibility/2006" xmlns:p159="http://schemas.microsoft.com/office/powerpoint/2015/09/main">
+    <mc:Choice Requires="p159">
+      <p:transition spd="slow">
+        <p159:morph option="byObject"/>
+      </p:transition>
+    </mc:Choice>
+    <mc:Fallback xmlns="">
+      <p:transition spd="slow">
+        <p:fade/>
+      </p:transition>
+    </mc:Fallback>
+  </mc:AlternateContent>
+</p:sld>
+</file>
+
+<file path=ppt/slides/slide5.xml><?xml version="1.0" encoding="utf-8"?>
+<p:sld xmlns:a="http://schemas.openxmlformats.org/drawingml/2006/main" xmlns:r="http://schemas.openxmlformats.org/officeDocument/2006/relationships" xmlns:p="http://schemas.openxmlformats.org/presentationml/2006/main">
+  <p:cSld>
+    <p:spTree>
+      <p:nvGrpSpPr>
+        <p:cNvPr id="1" name=""/>
+        <p:cNvGrpSpPr/>
+        <p:nvPr/>
+      </p:nvGrpSpPr>
+      <p:grpSpPr>
+        <a:xfrm>
+          <a:off x="0" y="0"/>
+          <a:ext cx="0" cy="0"/>
+          <a:chOff x="0" y="0"/>
+          <a:chExt cx="0" cy="0"/>
+        </a:xfrm>
+      </p:grpSpPr>
       <p:sp>
         <p:nvSpPr>
-          <p:cNvPr id="2" name="矩形 1">
-            <a:extLst>
-              <a:ext uri="{FF2B5EF4-FFF2-40B4-BE49-F238E27FC236}">
-                <a16:creationId xmlns:a16="http://schemas.microsoft.com/office/drawing/2014/main" id="{DB137D2F-3D2D-1A02-6EDC-F20B39211DD8}"/>
-              </a:ext>
-            </a:extLst>
-          </p:cNvPr>
+          <p:cNvPr id="3" name="矩形 2"/>
           <p:cNvSpPr/>
           <p:nvPr/>
         </p:nvSpPr>
         <p:spPr>
           <a:xfrm>
-            <a:off x="1157466" y="5573644"/>
-            <a:ext cx="10421439" cy="662554"/>
+            <a:off x="407987" y="1052513"/>
+            <a:ext cx="11376025" cy="1308884"/>
           </a:xfrm>
           <a:prstGeom prst="rect">
             <a:avLst/>
@@ -3668,92 +3686,146 @@
               <a:buChar char="•"/>
             </a:pPr>
             <a:r>
-              <a:rPr lang="zh-CN" sz="2800" b="1" dirty="0">
-                <a:latin typeface="微软雅黑" panose="020B0503020204020204" pitchFamily="34" charset="-122"/>
+              <a:rPr lang="zh-CN" altLang="en-US" sz="2800" b="1" dirty="0">
+                <a:solidFill>
+                  <a:schemeClr val="tx1"/>
+                </a:solidFill>
+                <a:latin typeface="Times New Roman" panose="02020603050405020304" pitchFamily="18" charset="0"/>
                 <a:ea typeface="微软雅黑" panose="020B0503020204020204" pitchFamily="34" charset="-122"/>
-              </a:rPr>
-              <a:t>版式：</a:t>
-            </a:r>
-            <a:r>
-              <a:rPr lang="zh-CN" sz="2800" b="1" dirty="0">
-                <a:latin typeface="微软雅黑" panose="020B0503020204020204" pitchFamily="34" charset="-122"/>
-                <a:ea typeface="微软雅黑" panose="020B0503020204020204" pitchFamily="34" charset="-122"/>
+                <a:cs typeface="Times New Roman" panose="02020603050405020304" pitchFamily="18" charset="0"/>
                 <a:sym typeface="+mn-ea"/>
               </a:rPr>
-              <a:t>文）、</a:t>
-            </a:r>
-            <a:r>
-              <a:rPr lang="zh-CN" altLang="en-US" sz="2800" b="1" dirty="0">
-                <a:solidFill>
-                  <a:srgbClr val="0000FF"/>
-                </a:solidFill>
-                <a:latin typeface="微软雅黑" panose="020B0503020204020204" pitchFamily="34" charset="-122"/>
-                <a:ea typeface="微软雅黑" panose="020B0503020204020204" pitchFamily="34" charset="-122"/>
-                <a:sym typeface="+mn-ea"/>
-              </a:rPr>
-              <a:t>蓝色（突出）、</a:t>
-            </a:r>
-            <a:r>
-              <a:rPr lang="zh-CN" sz="2800" b="1" dirty="0">
-                <a:solidFill>
-                  <a:srgbClr val="FF0000"/>
-                </a:solidFill>
-                <a:latin typeface="微软雅黑" panose="020B0503020204020204" pitchFamily="34" charset="-122"/>
-                <a:ea typeface="微软雅黑" panose="020B0503020204020204" pitchFamily="34" charset="-122"/>
-                <a:sym typeface="+mn-ea"/>
-              </a:rPr>
-              <a:t>红色（强调）</a:t>
-            </a:r>
+              <a:t>。</a:t>
+            </a:r>
+            <a:endParaRPr lang="en-US" altLang="zh-CN" sz="2800" b="1" dirty="0">
+              <a:solidFill>
+                <a:schemeClr val="tx1"/>
+              </a:solidFill>
+              <a:latin typeface="Times New Roman" panose="02020603050405020304" pitchFamily="18" charset="0"/>
+              <a:ea typeface="微软雅黑" panose="020B0503020204020204" pitchFamily="34" charset="-122"/>
+              <a:cs typeface="Times New Roman" panose="02020603050405020304" pitchFamily="18" charset="0"/>
+              <a:sym typeface="+mn-ea"/>
+            </a:endParaRPr>
+          </a:p>
+          <a:p>
+            <a:pPr marL="342900" indent="-342900" fontAlgn="auto">
+              <a:lnSpc>
+                <a:spcPct val="150000"/>
+              </a:lnSpc>
+              <a:spcAft>
+                <a:spcPts val="0"/>
+              </a:spcAft>
+              <a:buFont typeface="Arial" panose="020B0604020202020204" pitchFamily="34" charset="0"/>
+              <a:buChar char="•"/>
+            </a:pPr>
+            <a:endParaRPr lang="en-US" altLang="zh-CN" sz="2800" b="1" dirty="0">
+              <a:solidFill>
+                <a:schemeClr val="tx1"/>
+              </a:solidFill>
+              <a:latin typeface="Times New Roman" panose="02020603050405020304" pitchFamily="18" charset="0"/>
+              <a:ea typeface="微软雅黑" panose="020B0503020204020204" pitchFamily="34" charset="-122"/>
+              <a:cs typeface="Times New Roman" panose="02020603050405020304" pitchFamily="18" charset="0"/>
+              <a:sym typeface="+mn-ea"/>
+            </a:endParaRPr>
           </a:p>
         </p:txBody>
       </p:sp>
-      <p:pic>
-        <p:nvPicPr>
-          <p:cNvPr id="4" name="图片 3">
-            <a:extLst>
-              <a:ext uri="{FF2B5EF4-FFF2-40B4-BE49-F238E27FC236}">
-                <a16:creationId xmlns:a16="http://schemas.microsoft.com/office/drawing/2014/main" id="{322BA332-7E88-9B17-4B19-264745F53CDB}"/>
-              </a:ext>
-            </a:extLst>
-          </p:cNvPr>
-          <p:cNvPicPr>
-            <a:picLocks noChangeAspect="1"/>
-          </p:cNvPicPr>
+      <p:sp>
+        <p:nvSpPr>
+          <p:cNvPr id="5" name="灯片编号占位符 4"/>
+          <p:cNvSpPr>
+            <a:spLocks noGrp="1"/>
+          </p:cNvSpPr>
+          <p:nvPr>
+            <p:ph type="sldNum" sz="quarter" idx="4"/>
+          </p:nvPr>
+        </p:nvSpPr>
+        <p:spPr/>
+        <p:txBody>
+          <a:bodyPr/>
+          <a:lstStyle/>
+          <a:p>
+            <a:fld id="{5F1D8F20-F945-584B-B149-8CCFBEFE168A}" type="slidenum">
+              <a:rPr kumimoji="1" lang="zh-CN" altLang="en-US" smtClean="0"/>
+              <a:t>5</a:t>
+            </a:fld>
+            <a:endParaRPr kumimoji="1" lang="zh-CN" altLang="en-US"/>
+          </a:p>
+        </p:txBody>
+      </p:sp>
+      <p:sp>
+        <p:nvSpPr>
+          <p:cNvPr id="26" name="标题 1"/>
+          <p:cNvSpPr txBox="1"/>
           <p:nvPr/>
-        </p:nvPicPr>
-        <p:blipFill>
-          <a:blip r:embed="rId2"/>
-          <a:stretch>
-            <a:fillRect/>
-          </a:stretch>
-        </p:blipFill>
+        </p:nvSpPr>
         <p:spPr>
           <a:xfrm>
-            <a:off x="1697665" y="1788089"/>
-            <a:ext cx="8402223" cy="2781688"/>
+            <a:off x="0" y="0"/>
+            <a:ext cx="12187555" cy="711200"/>
           </a:xfrm>
           <a:prstGeom prst="rect">
             <a:avLst/>
           </a:prstGeom>
+          <a:noFill/>
         </p:spPr>
-      </p:pic>
+        <p:txBody>
+          <a:bodyPr vert="horz" lIns="91440" tIns="45720" rIns="91440" bIns="45720" rtlCol="0" anchor="ctr"/>
+          <a:lstStyle/>
+          <a:p>
+            <a:pPr marL="0" marR="0" lvl="0" indent="0" algn="ctr" defTabSz="914400" rtl="0" eaLnBrk="1" fontAlgn="base" latinLnBrk="0" hangingPunct="1">
+              <a:lnSpc>
+                <a:spcPct val="100000"/>
+              </a:lnSpc>
+              <a:spcBef>
+                <a:spcPct val="0"/>
+              </a:spcBef>
+              <a:spcAft>
+                <a:spcPct val="0"/>
+              </a:spcAft>
+              <a:buClrTx/>
+              <a:buSzTx/>
+              <a:buFontTx/>
+              <a:buNone/>
+              <a:defRPr/>
+            </a:pPr>
+            <a:r>
+              <a:rPr kumimoji="0" lang="zh-CN" altLang="en-US" sz="3200" b="1" i="0" u="none" strike="noStrike" kern="1200" cap="none" spc="0" normalizeH="0" baseline="0" noProof="0" dirty="0">
+                <a:ln>
+                  <a:noFill/>
+                </a:ln>
+                <a:solidFill>
+                  <a:schemeClr val="bg1"/>
+                </a:solidFill>
+                <a:effectLst/>
+                <a:uLnTx/>
+                <a:uFillTx/>
+                <a:latin typeface="微软雅黑" panose="020B0503020204020204" pitchFamily="34" charset="-122"/>
+                <a:ea typeface="微软雅黑" panose="020B0503020204020204" pitchFamily="34" charset="-122"/>
+                <a:cs typeface="+mj-cs"/>
+              </a:rPr>
+              <a:t>版式、字体、字号、颜色等</a:t>
+            </a:r>
+          </a:p>
+        </p:txBody>
+      </p:sp>
     </p:spTree>
     <p:extLst>
       <p:ext uri="{BB962C8B-B14F-4D97-AF65-F5344CB8AC3E}">
-        <p14:creationId xmlns:p14="http://schemas.microsoft.com/office/powerpoint/2010/main" val="4149395127"/>
+        <p14:creationId xmlns:p14="http://schemas.microsoft.com/office/powerpoint/2010/main" val="915063817"/>
       </p:ext>
     </p:extLst>
   </p:cSld>
   <p:clrMapOvr>
     <a:masterClrMapping/>
   </p:clrMapOvr>
-  <mc:AlternateContent xmlns:mc="http://schemas.openxmlformats.org/markup-compatibility/2006">
-    <mc:Choice xmlns:p159="http://schemas.microsoft.com/office/powerpoint/2015/09/main" Requires="p159">
+  <mc:AlternateContent xmlns:mc="http://schemas.openxmlformats.org/markup-compatibility/2006" xmlns:p159="http://schemas.microsoft.com/office/powerpoint/2015/09/main">
+    <mc:Choice Requires="p159">
       <p:transition spd="slow">
         <p159:morph option="byObject"/>
       </p:transition>
     </mc:Choice>
-    <mc:Fallback>
+    <mc:Fallback xmlns="">
       <p:transition spd="slow">
         <p:fade/>
       </p:transition>
@@ -3762,7 +3834,207 @@
 </p:sld>
 </file>
 
-<file path=ppt/slides/slide5.xml><?xml version="1.0" encoding="utf-8"?>
+<file path=ppt/slides/slide6.xml><?xml version="1.0" encoding="utf-8"?>
+<p:sld xmlns:a="http://schemas.openxmlformats.org/drawingml/2006/main" xmlns:r="http://schemas.openxmlformats.org/officeDocument/2006/relationships" xmlns:p="http://schemas.openxmlformats.org/presentationml/2006/main">
+  <p:cSld>
+    <p:spTree>
+      <p:nvGrpSpPr>
+        <p:cNvPr id="1" name=""/>
+        <p:cNvGrpSpPr/>
+        <p:nvPr/>
+      </p:nvGrpSpPr>
+      <p:grpSpPr>
+        <a:xfrm>
+          <a:off x="0" y="0"/>
+          <a:ext cx="0" cy="0"/>
+          <a:chOff x="0" y="0"/>
+          <a:chExt cx="0" cy="0"/>
+        </a:xfrm>
+      </p:grpSpPr>
+      <p:sp>
+        <p:nvSpPr>
+          <p:cNvPr id="3" name="矩形 2"/>
+          <p:cNvSpPr/>
+          <p:nvPr/>
+        </p:nvSpPr>
+        <p:spPr>
+          <a:xfrm>
+            <a:off x="407987" y="1052513"/>
+            <a:ext cx="11376025" cy="1308884"/>
+          </a:xfrm>
+          <a:prstGeom prst="rect">
+            <a:avLst/>
+          </a:prstGeom>
+        </p:spPr>
+        <p:txBody>
+          <a:bodyPr wrap="square">
+            <a:spAutoFit/>
+          </a:bodyPr>
+          <a:lstStyle/>
+          <a:p>
+            <a:pPr marL="342900" indent="-342900" fontAlgn="auto">
+              <a:lnSpc>
+                <a:spcPct val="150000"/>
+              </a:lnSpc>
+              <a:spcAft>
+                <a:spcPts val="0"/>
+              </a:spcAft>
+              <a:buFont typeface="Arial" panose="020B0604020202020204" pitchFamily="34" charset="0"/>
+              <a:buChar char="•"/>
+            </a:pPr>
+            <a:r>
+              <a:rPr lang="zh-CN" altLang="en-US" sz="2800" b="1" dirty="0">
+                <a:solidFill>
+                  <a:schemeClr val="tx1"/>
+                </a:solidFill>
+                <a:latin typeface="Times New Roman" panose="02020603050405020304" pitchFamily="18" charset="0"/>
+                <a:ea typeface="微软雅黑" panose="020B0503020204020204" pitchFamily="34" charset="-122"/>
+                <a:cs typeface="Times New Roman" panose="02020603050405020304" pitchFamily="18" charset="0"/>
+                <a:sym typeface="+mn-ea"/>
+              </a:rPr>
+              <a:t>。</a:t>
+            </a:r>
+            <a:r>
+              <a:rPr lang="en-US" altLang="zh-CN" sz="2800" b="1" dirty="0">
+                <a:solidFill>
+                  <a:schemeClr val="tx1"/>
+                </a:solidFill>
+                <a:latin typeface="Times New Roman" panose="02020603050405020304" pitchFamily="18" charset="0"/>
+                <a:ea typeface="微软雅黑" panose="020B0503020204020204" pitchFamily="34" charset="-122"/>
+                <a:cs typeface="Times New Roman" panose="02020603050405020304" pitchFamily="18" charset="0"/>
+                <a:sym typeface="+mn-ea"/>
+              </a:rPr>
+              <a:t>2022-11-18</a:t>
+            </a:r>
+          </a:p>
+          <a:p>
+            <a:pPr marL="342900" indent="-342900" fontAlgn="auto">
+              <a:lnSpc>
+                <a:spcPct val="150000"/>
+              </a:lnSpc>
+              <a:spcAft>
+                <a:spcPts val="0"/>
+              </a:spcAft>
+              <a:buFont typeface="Arial" panose="020B0604020202020204" pitchFamily="34" charset="0"/>
+              <a:buChar char="•"/>
+            </a:pPr>
+            <a:endParaRPr lang="en-US" altLang="zh-CN" sz="2800" b="1" dirty="0">
+              <a:solidFill>
+                <a:schemeClr val="tx1"/>
+              </a:solidFill>
+              <a:latin typeface="Times New Roman" panose="02020603050405020304" pitchFamily="18" charset="0"/>
+              <a:ea typeface="微软雅黑" panose="020B0503020204020204" pitchFamily="34" charset="-122"/>
+              <a:cs typeface="Times New Roman" panose="02020603050405020304" pitchFamily="18" charset="0"/>
+              <a:sym typeface="+mn-ea"/>
+            </a:endParaRPr>
+          </a:p>
+        </p:txBody>
+      </p:sp>
+      <p:sp>
+        <p:nvSpPr>
+          <p:cNvPr id="5" name="灯片编号占位符 4"/>
+          <p:cNvSpPr>
+            <a:spLocks noGrp="1"/>
+          </p:cNvSpPr>
+          <p:nvPr>
+            <p:ph type="sldNum" sz="quarter" idx="4"/>
+          </p:nvPr>
+        </p:nvSpPr>
+        <p:spPr/>
+        <p:txBody>
+          <a:bodyPr/>
+          <a:lstStyle/>
+          <a:p>
+            <a:fld id="{5F1D8F20-F945-584B-B149-8CCFBEFE168A}" type="slidenum">
+              <a:rPr kumimoji="1" lang="zh-CN" altLang="en-US" smtClean="0"/>
+              <a:t>6</a:t>
+            </a:fld>
+            <a:endParaRPr kumimoji="1" lang="zh-CN" altLang="en-US"/>
+          </a:p>
+        </p:txBody>
+      </p:sp>
+      <p:sp>
+        <p:nvSpPr>
+          <p:cNvPr id="26" name="标题 1"/>
+          <p:cNvSpPr txBox="1"/>
+          <p:nvPr/>
+        </p:nvSpPr>
+        <p:spPr>
+          <a:xfrm>
+            <a:off x="0" y="0"/>
+            <a:ext cx="12187555" cy="711200"/>
+          </a:xfrm>
+          <a:prstGeom prst="rect">
+            <a:avLst/>
+          </a:prstGeom>
+          <a:noFill/>
+        </p:spPr>
+        <p:txBody>
+          <a:bodyPr vert="horz" lIns="91440" tIns="45720" rIns="91440" bIns="45720" rtlCol="0" anchor="ctr"/>
+          <a:lstStyle/>
+          <a:p>
+            <a:pPr marL="0" marR="0" lvl="0" indent="0" algn="ctr" defTabSz="914400" rtl="0" eaLnBrk="1" fontAlgn="base" latinLnBrk="0" hangingPunct="1">
+              <a:lnSpc>
+                <a:spcPct val="100000"/>
+              </a:lnSpc>
+              <a:spcBef>
+                <a:spcPct val="0"/>
+              </a:spcBef>
+              <a:spcAft>
+                <a:spcPct val="0"/>
+              </a:spcAft>
+              <a:buClrTx/>
+              <a:buSzTx/>
+              <a:buFontTx/>
+              <a:buNone/>
+              <a:defRPr/>
+            </a:pPr>
+            <a:r>
+              <a:rPr kumimoji="0" lang="zh-CN" altLang="en-US" sz="3200" b="1" i="0" u="none" strike="noStrike" kern="1200" cap="none" spc="0" normalizeH="0" baseline="0" noProof="0" dirty="0">
+                <a:ln>
+                  <a:noFill/>
+                </a:ln>
+                <a:solidFill>
+                  <a:schemeClr val="bg1"/>
+                </a:solidFill>
+                <a:effectLst/>
+                <a:uLnTx/>
+                <a:uFillTx/>
+                <a:latin typeface="微软雅黑" panose="020B0503020204020204" pitchFamily="34" charset="-122"/>
+                <a:ea typeface="微软雅黑" panose="020B0503020204020204" pitchFamily="34" charset="-122"/>
+                <a:cs typeface="+mj-cs"/>
+              </a:rPr>
+              <a:t>天基</a:t>
+            </a:r>
+          </a:p>
+        </p:txBody>
+      </p:sp>
+    </p:spTree>
+    <p:extLst>
+      <p:ext uri="{BB962C8B-B14F-4D97-AF65-F5344CB8AC3E}">
+        <p14:creationId xmlns:p14="http://schemas.microsoft.com/office/powerpoint/2010/main" val="4052551725"/>
+      </p:ext>
+    </p:extLst>
+  </p:cSld>
+  <p:clrMapOvr>
+    <a:masterClrMapping/>
+  </p:clrMapOvr>
+  <mc:AlternateContent xmlns:mc="http://schemas.openxmlformats.org/markup-compatibility/2006" xmlns:p159="http://schemas.microsoft.com/office/powerpoint/2015/09/main">
+    <mc:Choice Requires="p159">
+      <p:transition spd="slow">
+        <p159:morph option="byObject"/>
+      </p:transition>
+    </mc:Choice>
+    <mc:Fallback xmlns="">
+      <p:transition spd="slow">
+        <p:fade/>
+      </p:transition>
+    </mc:Fallback>
+  </mc:AlternateContent>
+</p:sld>
+</file>
+
+<file path=ppt/slides/slide7.xml><?xml version="1.0" encoding="utf-8"?>
 <p:sld xmlns:a="http://schemas.openxmlformats.org/drawingml/2006/main" xmlns:r="http://schemas.openxmlformats.org/officeDocument/2006/relationships" xmlns:p="http://schemas.openxmlformats.org/presentationml/2006/main">
   <p:cSld>
     <p:spTree>
@@ -3819,7 +4091,7 @@
                 <a:ea typeface="微软雅黑" panose="020B0503020204020204" pitchFamily="34" charset="-122"/>
                 <a:sym typeface="+mn-ea"/>
               </a:rPr>
-              <a:t>。毕业论文绪论</a:t>
+              <a:t>绪论</a:t>
             </a:r>
             <a:endParaRPr lang="en-US" altLang="zh-CN" sz="2800" b="1" dirty="0">
               <a:solidFill>
@@ -3849,51 +4121,9 @@
           <a:p>
             <a:fld id="{5F1D8F20-F945-584B-B149-8CCFBEFE168A}" type="slidenum">
               <a:rPr kumimoji="1" lang="zh-CN" altLang="en-US" smtClean="0"/>
-              <a:t>5</a:t>
+              <a:t>7</a:t>
             </a:fld>
             <a:endParaRPr kumimoji="1" lang="zh-CN" altLang="en-US"/>
-          </a:p>
-        </p:txBody>
-      </p:sp>
-      <p:sp>
-        <p:nvSpPr>
-          <p:cNvPr id="6" name="矩形 5"/>
-          <p:cNvSpPr/>
-          <p:nvPr/>
-        </p:nvSpPr>
-        <p:spPr>
-          <a:xfrm>
-            <a:off x="3327171" y="6023928"/>
-            <a:ext cx="6082030" cy="645160"/>
-          </a:xfrm>
-          <a:prstGeom prst="rect">
-            <a:avLst/>
-          </a:prstGeom>
-        </p:spPr>
-        <p:txBody>
-          <a:bodyPr wrap="square">
-            <a:spAutoFit/>
-          </a:bodyPr>
-          <a:lstStyle/>
-          <a:p>
-            <a:pPr algn="ctr" fontAlgn="auto">
-              <a:lnSpc>
-                <a:spcPct val="150000"/>
-              </a:lnSpc>
-              <a:spcAft>
-                <a:spcPts val="0"/>
-              </a:spcAft>
-            </a:pPr>
-            <a:r>
-              <a:rPr lang="zh-CN" sz="2400" b="1" dirty="0">
-                <a:solidFill>
-                  <a:srgbClr val="FF0000"/>
-                </a:solidFill>
-                <a:latin typeface="微软雅黑" panose="020B0503020204020204" pitchFamily="34" charset="-122"/>
-                <a:ea typeface="微软雅黑" panose="020B0503020204020204" pitchFamily="34" charset="-122"/>
-              </a:rPr>
-              <a:t>根据页面具体情况可略微调整</a:t>
-            </a:r>
           </a:p>
         </p:txBody>
       </p:sp>
@@ -3949,83 +4179,6 @@
                 <a:cs typeface="+mj-cs"/>
               </a:rPr>
               <a:t>特性测量</a:t>
-            </a:r>
-          </a:p>
-        </p:txBody>
-      </p:sp>
-      <p:sp>
-        <p:nvSpPr>
-          <p:cNvPr id="2" name="矩形 1">
-            <a:extLst>
-              <a:ext uri="{FF2B5EF4-FFF2-40B4-BE49-F238E27FC236}">
-                <a16:creationId xmlns:a16="http://schemas.microsoft.com/office/drawing/2014/main" id="{DB137D2F-3D2D-1A02-6EDC-F20B39211DD8}"/>
-              </a:ext>
-            </a:extLst>
-          </p:cNvPr>
-          <p:cNvSpPr/>
-          <p:nvPr/>
-        </p:nvSpPr>
-        <p:spPr>
-          <a:xfrm>
-            <a:off x="1157466" y="5573644"/>
-            <a:ext cx="10421439" cy="662554"/>
-          </a:xfrm>
-          <a:prstGeom prst="rect">
-            <a:avLst/>
-          </a:prstGeom>
-        </p:spPr>
-        <p:txBody>
-          <a:bodyPr wrap="square">
-            <a:spAutoFit/>
-          </a:bodyPr>
-          <a:lstStyle/>
-          <a:p>
-            <a:pPr marL="342900" indent="-342900" fontAlgn="auto">
-              <a:lnSpc>
-                <a:spcPct val="150000"/>
-              </a:lnSpc>
-              <a:spcAft>
-                <a:spcPts val="0"/>
-              </a:spcAft>
-              <a:buFont typeface="Arial" panose="020B0604020202020204" pitchFamily="34" charset="0"/>
-              <a:buChar char="•"/>
-            </a:pPr>
-            <a:r>
-              <a:rPr lang="zh-CN" sz="2800" b="1" dirty="0">
-                <a:latin typeface="微软雅黑" panose="020B0503020204020204" pitchFamily="34" charset="-122"/>
-                <a:ea typeface="微软雅黑" panose="020B0503020204020204" pitchFamily="34" charset="-122"/>
-              </a:rPr>
-              <a:t>版式：</a:t>
-            </a:r>
-            <a:r>
-              <a:rPr lang="zh-CN" sz="2800" b="1" dirty="0">
-                <a:latin typeface="微软雅黑" panose="020B0503020204020204" pitchFamily="34" charset="-122"/>
-                <a:ea typeface="微软雅黑" panose="020B0503020204020204" pitchFamily="34" charset="-122"/>
-                <a:sym typeface="+mn-ea"/>
-              </a:rPr>
-              <a:t>文）、</a:t>
-            </a:r>
-            <a:r>
-              <a:rPr lang="zh-CN" altLang="en-US" sz="2800" b="1" dirty="0">
-                <a:solidFill>
-                  <a:srgbClr val="0000FF"/>
-                </a:solidFill>
-                <a:latin typeface="微软雅黑" panose="020B0503020204020204" pitchFamily="34" charset="-122"/>
-                <a:ea typeface="微软雅黑" panose="020B0503020204020204" pitchFamily="34" charset="-122"/>
-                <a:sym typeface="+mn-ea"/>
-              </a:rPr>
-              <a:t>蓝色（突出）、</a:t>
-            </a:r>
-            <a:r>
-              <a:rPr lang="zh-CN" sz="2800" b="1" dirty="0">
-                <a:solidFill>
-                  <a:srgbClr val="FF0000"/>
-                </a:solidFill>
-                <a:latin typeface="微软雅黑" panose="020B0503020204020204" pitchFamily="34" charset="-122"/>
-                <a:ea typeface="微软雅黑" panose="020B0503020204020204" pitchFamily="34" charset="-122"/>
-                <a:sym typeface="+mn-ea"/>
-              </a:rPr>
-              <a:t>红色（强调）</a:t>
             </a:r>
           </a:p>
         </p:txBody>
@@ -4070,306 +4223,13 @@
   <p:clrMapOvr>
     <a:masterClrMapping/>
   </p:clrMapOvr>
-  <mc:AlternateContent xmlns:mc="http://schemas.openxmlformats.org/markup-compatibility/2006">
-    <mc:Choice xmlns:p159="http://schemas.microsoft.com/office/powerpoint/2015/09/main" Requires="p159">
+  <mc:AlternateContent xmlns:mc="http://schemas.openxmlformats.org/markup-compatibility/2006" xmlns:p159="http://schemas.microsoft.com/office/powerpoint/2015/09/main">
+    <mc:Choice Requires="p159">
       <p:transition spd="slow">
         <p159:morph option="byObject"/>
       </p:transition>
     </mc:Choice>
-    <mc:Fallback>
-      <p:transition spd="slow">
-        <p:fade/>
-      </p:transition>
-    </mc:Fallback>
-  </mc:AlternateContent>
-</p:sld>
-</file>
-
-<file path=ppt/slides/slide6.xml><?xml version="1.0" encoding="utf-8"?>
-<p:sld xmlns:a="http://schemas.openxmlformats.org/drawingml/2006/main" xmlns:r="http://schemas.openxmlformats.org/officeDocument/2006/relationships" xmlns:p="http://schemas.openxmlformats.org/presentationml/2006/main">
-  <p:cSld>
-    <p:spTree>
-      <p:nvGrpSpPr>
-        <p:cNvPr id="1" name=""/>
-        <p:cNvGrpSpPr/>
-        <p:nvPr/>
-      </p:nvGrpSpPr>
-      <p:grpSpPr>
-        <a:xfrm>
-          <a:off x="0" y="0"/>
-          <a:ext cx="0" cy="0"/>
-          <a:chOff x="0" y="0"/>
-          <a:chExt cx="0" cy="0"/>
-        </a:xfrm>
-      </p:grpSpPr>
-      <p:sp>
-        <p:nvSpPr>
-          <p:cNvPr id="3" name="矩形 2"/>
-          <p:cNvSpPr/>
-          <p:nvPr/>
-        </p:nvSpPr>
-        <p:spPr>
-          <a:xfrm>
-            <a:off x="407987" y="1052513"/>
-            <a:ext cx="11376025" cy="662554"/>
-          </a:xfrm>
-          <a:prstGeom prst="rect">
-            <a:avLst/>
-          </a:prstGeom>
-        </p:spPr>
-        <p:txBody>
-          <a:bodyPr wrap="square">
-            <a:spAutoFit/>
-          </a:bodyPr>
-          <a:lstStyle/>
-          <a:p>
-            <a:pPr marL="342900" indent="-342900" fontAlgn="auto">
-              <a:lnSpc>
-                <a:spcPct val="150000"/>
-              </a:lnSpc>
-              <a:spcAft>
-                <a:spcPts val="0"/>
-              </a:spcAft>
-              <a:buFont typeface="Arial" panose="020B0604020202020204" pitchFamily="34" charset="0"/>
-              <a:buChar char="•"/>
-            </a:pPr>
-            <a:r>
-              <a:rPr lang="zh-CN" altLang="en-US" sz="2800" b="1" dirty="0">
-                <a:solidFill>
-                  <a:schemeClr val="tx1"/>
-                </a:solidFill>
-                <a:latin typeface="微软雅黑" panose="020B0503020204020204" pitchFamily="34" charset="-122"/>
-                <a:ea typeface="微软雅黑" panose="020B0503020204020204" pitchFamily="34" charset="-122"/>
-                <a:sym typeface="+mn-ea"/>
-              </a:rPr>
-              <a:t>。</a:t>
-            </a:r>
-            <a:endParaRPr lang="en-US" altLang="zh-CN" sz="2800" b="1" dirty="0">
-              <a:solidFill>
-                <a:schemeClr val="tx1"/>
-              </a:solidFill>
-              <a:latin typeface="微软雅黑" panose="020B0503020204020204" pitchFamily="34" charset="-122"/>
-              <a:ea typeface="微软雅黑" panose="020B0503020204020204" pitchFamily="34" charset="-122"/>
-              <a:sym typeface="+mn-ea"/>
-            </a:endParaRPr>
-          </a:p>
-        </p:txBody>
-      </p:sp>
-      <p:sp>
-        <p:nvSpPr>
-          <p:cNvPr id="5" name="灯片编号占位符 4"/>
-          <p:cNvSpPr>
-            <a:spLocks noGrp="1"/>
-          </p:cNvSpPr>
-          <p:nvPr>
-            <p:ph type="sldNum" sz="quarter" idx="4"/>
-          </p:nvPr>
-        </p:nvSpPr>
-        <p:spPr/>
-        <p:txBody>
-          <a:bodyPr/>
-          <a:lstStyle/>
-          <a:p>
-            <a:fld id="{5F1D8F20-F945-584B-B149-8CCFBEFE168A}" type="slidenum">
-              <a:rPr kumimoji="1" lang="zh-CN" altLang="en-US" smtClean="0"/>
-              <a:t>6</a:t>
-            </a:fld>
-            <a:endParaRPr kumimoji="1" lang="zh-CN" altLang="en-US"/>
-          </a:p>
-        </p:txBody>
-      </p:sp>
-      <p:sp>
-        <p:nvSpPr>
-          <p:cNvPr id="6" name="矩形 5"/>
-          <p:cNvSpPr/>
-          <p:nvPr/>
-        </p:nvSpPr>
-        <p:spPr>
-          <a:xfrm>
-            <a:off x="3327171" y="6023928"/>
-            <a:ext cx="6082030" cy="645160"/>
-          </a:xfrm>
-          <a:prstGeom prst="rect">
-            <a:avLst/>
-          </a:prstGeom>
-        </p:spPr>
-        <p:txBody>
-          <a:bodyPr wrap="square">
-            <a:spAutoFit/>
-          </a:bodyPr>
-          <a:lstStyle/>
-          <a:p>
-            <a:pPr algn="ctr" fontAlgn="auto">
-              <a:lnSpc>
-                <a:spcPct val="150000"/>
-              </a:lnSpc>
-              <a:spcAft>
-                <a:spcPts val="0"/>
-              </a:spcAft>
-            </a:pPr>
-            <a:r>
-              <a:rPr lang="zh-CN" sz="2400" b="1" dirty="0">
-                <a:solidFill>
-                  <a:srgbClr val="FF0000"/>
-                </a:solidFill>
-                <a:latin typeface="微软雅黑" panose="020B0503020204020204" pitchFamily="34" charset="-122"/>
-                <a:ea typeface="微软雅黑" panose="020B0503020204020204" pitchFamily="34" charset="-122"/>
-              </a:rPr>
-              <a:t>根据页面具体情况可略微调整</a:t>
-            </a:r>
-          </a:p>
-        </p:txBody>
-      </p:sp>
-      <p:sp>
-        <p:nvSpPr>
-          <p:cNvPr id="26" name="标题 1"/>
-          <p:cNvSpPr txBox="1"/>
-          <p:nvPr/>
-        </p:nvSpPr>
-        <p:spPr>
-          <a:xfrm>
-            <a:off x="0" y="0"/>
-            <a:ext cx="12187555" cy="711200"/>
-          </a:xfrm>
-          <a:prstGeom prst="rect">
-            <a:avLst/>
-          </a:prstGeom>
-          <a:noFill/>
-        </p:spPr>
-        <p:txBody>
-          <a:bodyPr vert="horz" lIns="91440" tIns="45720" rIns="91440" bIns="45720" rtlCol="0" anchor="ctr"/>
-          <a:lstStyle/>
-          <a:p>
-            <a:pPr marL="0" marR="0" lvl="0" indent="0" algn="ctr" defTabSz="914400" rtl="0" eaLnBrk="1" fontAlgn="base" latinLnBrk="0" hangingPunct="1">
-              <a:lnSpc>
-                <a:spcPct val="100000"/>
-              </a:lnSpc>
-              <a:spcBef>
-                <a:spcPct val="0"/>
-              </a:spcBef>
-              <a:spcAft>
-                <a:spcPct val="0"/>
-              </a:spcAft>
-              <a:buClrTx/>
-              <a:buSzTx/>
-              <a:buFontTx/>
-              <a:buNone/>
-              <a:defRPr/>
-            </a:pPr>
-            <a:r>
-              <a:rPr kumimoji="0" lang="zh-CN" altLang="en-US" sz="3200" b="1" i="0" u="none" strike="noStrike" kern="1200" cap="none" spc="0" normalizeH="0" baseline="0" noProof="0" dirty="0">
-                <a:ln>
-                  <a:noFill/>
-                </a:ln>
-                <a:solidFill>
-                  <a:schemeClr val="bg1"/>
-                </a:solidFill>
-                <a:effectLst/>
-                <a:uLnTx/>
-                <a:uFillTx/>
-                <a:latin typeface="微软雅黑" panose="020B0503020204020204" pitchFamily="34" charset="-122"/>
-                <a:ea typeface="微软雅黑" panose="020B0503020204020204" pitchFamily="34" charset="-122"/>
-                <a:cs typeface="+mj-cs"/>
-              </a:rPr>
-              <a:t>版式、字体、字号、颜色等</a:t>
-            </a:r>
-          </a:p>
-        </p:txBody>
-      </p:sp>
-      <p:sp>
-        <p:nvSpPr>
-          <p:cNvPr id="2" name="矩形 1">
-            <a:extLst>
-              <a:ext uri="{FF2B5EF4-FFF2-40B4-BE49-F238E27FC236}">
-                <a16:creationId xmlns:a16="http://schemas.microsoft.com/office/drawing/2014/main" id="{DB137D2F-3D2D-1A02-6EDC-F20B39211DD8}"/>
-              </a:ext>
-            </a:extLst>
-          </p:cNvPr>
-          <p:cNvSpPr/>
-          <p:nvPr/>
-        </p:nvSpPr>
-        <p:spPr>
-          <a:xfrm>
-            <a:off x="1157466" y="5573644"/>
-            <a:ext cx="10421439" cy="662554"/>
-          </a:xfrm>
-          <a:prstGeom prst="rect">
-            <a:avLst/>
-          </a:prstGeom>
-        </p:spPr>
-        <p:txBody>
-          <a:bodyPr wrap="square">
-            <a:spAutoFit/>
-          </a:bodyPr>
-          <a:lstStyle/>
-          <a:p>
-            <a:pPr marL="342900" indent="-342900" fontAlgn="auto">
-              <a:lnSpc>
-                <a:spcPct val="150000"/>
-              </a:lnSpc>
-              <a:spcAft>
-                <a:spcPts val="0"/>
-              </a:spcAft>
-              <a:buFont typeface="Arial" panose="020B0604020202020204" pitchFamily="34" charset="0"/>
-              <a:buChar char="•"/>
-            </a:pPr>
-            <a:r>
-              <a:rPr lang="zh-CN" sz="2800" b="1" dirty="0">
-                <a:latin typeface="微软雅黑" panose="020B0503020204020204" pitchFamily="34" charset="-122"/>
-                <a:ea typeface="微软雅黑" panose="020B0503020204020204" pitchFamily="34" charset="-122"/>
-              </a:rPr>
-              <a:t>版式：</a:t>
-            </a:r>
-            <a:r>
-              <a:rPr lang="zh-CN" sz="2800" b="1" dirty="0">
-                <a:latin typeface="微软雅黑" panose="020B0503020204020204" pitchFamily="34" charset="-122"/>
-                <a:ea typeface="微软雅黑" panose="020B0503020204020204" pitchFamily="34" charset="-122"/>
-                <a:sym typeface="+mn-ea"/>
-              </a:rPr>
-              <a:t>文）、</a:t>
-            </a:r>
-            <a:r>
-              <a:rPr lang="zh-CN" altLang="en-US" sz="2800" b="1" dirty="0">
-                <a:solidFill>
-                  <a:srgbClr val="0000FF"/>
-                </a:solidFill>
-                <a:latin typeface="微软雅黑" panose="020B0503020204020204" pitchFamily="34" charset="-122"/>
-                <a:ea typeface="微软雅黑" panose="020B0503020204020204" pitchFamily="34" charset="-122"/>
-                <a:sym typeface="+mn-ea"/>
-              </a:rPr>
-              <a:t>蓝色（突出）、</a:t>
-            </a:r>
-            <a:r>
-              <a:rPr lang="zh-CN" sz="2800" b="1" dirty="0">
-                <a:solidFill>
-                  <a:srgbClr val="FF0000"/>
-                </a:solidFill>
-                <a:latin typeface="微软雅黑" panose="020B0503020204020204" pitchFamily="34" charset="-122"/>
-                <a:ea typeface="微软雅黑" panose="020B0503020204020204" pitchFamily="34" charset="-122"/>
-                <a:sym typeface="+mn-ea"/>
-              </a:rPr>
-              <a:t>红色（强调）</a:t>
-            </a:r>
-          </a:p>
-        </p:txBody>
-      </p:sp>
-    </p:spTree>
-    <p:extLst>
-      <p:ext uri="{BB962C8B-B14F-4D97-AF65-F5344CB8AC3E}">
-        <p14:creationId xmlns:p14="http://schemas.microsoft.com/office/powerpoint/2010/main" val="2363545140"/>
-      </p:ext>
-    </p:extLst>
-  </p:cSld>
-  <p:clrMapOvr>
-    <a:masterClrMapping/>
-  </p:clrMapOvr>
-  <mc:AlternateContent xmlns:mc="http://schemas.openxmlformats.org/markup-compatibility/2006">
-    <mc:Choice xmlns:p159="http://schemas.microsoft.com/office/powerpoint/2015/09/main" Requires="p159">
-      <p:transition spd="slow">
-        <p159:morph option="byObject"/>
-      </p:transition>
-    </mc:Choice>
-    <mc:Fallback>
+    <mc:Fallback xmlns="">
       <p:transition spd="slow">
         <p:fade/>
       </p:transition>

--- a/16 空间态势感知概念与特性测量.pptx
+++ b/16 空间态势感知概念与特性测量.pptx
@@ -5,16 +5,22 @@
     <p:sldMasterId id="2147483648" r:id="rId1"/>
   </p:sldMasterIdLst>
   <p:notesMasterIdLst>
-    <p:notesMasterId r:id="rId9"/>
+    <p:notesMasterId r:id="rId15"/>
   </p:notesMasterIdLst>
   <p:sldIdLst>
     <p:sldId id="294" r:id="rId2"/>
     <p:sldId id="293" r:id="rId3"/>
     <p:sldId id="299" r:id="rId4"/>
     <p:sldId id="296" r:id="rId5"/>
-    <p:sldId id="301" r:id="rId6"/>
-    <p:sldId id="300" r:id="rId7"/>
+    <p:sldId id="303" r:id="rId6"/>
+    <p:sldId id="924" r:id="rId7"/>
     <p:sldId id="297" r:id="rId8"/>
+    <p:sldId id="925" r:id="rId9"/>
+    <p:sldId id="922" r:id="rId10"/>
+    <p:sldId id="923" r:id="rId11"/>
+    <p:sldId id="926" r:id="rId12"/>
+    <p:sldId id="927" r:id="rId13"/>
+    <p:sldId id="300" r:id="rId14"/>
   </p:sldIdLst>
   <p:sldSz cx="12192000" cy="6858000"/>
   <p:notesSz cx="6858000" cy="9144000"/>
@@ -142,6 +148,2553 @@
 </p:presentation>
 </file>
 
+<file path=ppt/diagrams/colors1.xml><?xml version="1.0" encoding="utf-8"?>
+<dgm:colorsDef xmlns:dgm="http://schemas.openxmlformats.org/drawingml/2006/diagram" xmlns:a="http://schemas.openxmlformats.org/drawingml/2006/main" uniqueId="urn:microsoft.com/office/officeart/2005/8/colors/accent1_2#4">
+  <dgm:title val=""/>
+  <dgm:desc val=""/>
+  <dgm:catLst>
+    <dgm:cat type="accent1" pri="11200"/>
+  </dgm:catLst>
+  <dgm:styleLbl name="node0">
+    <dgm:fillClrLst meth="repeat">
+      <a:schemeClr val="accent1"/>
+    </dgm:fillClrLst>
+    <dgm:linClrLst meth="repeat">
+      <a:schemeClr val="lt1"/>
+    </dgm:linClrLst>
+    <dgm:effectClrLst/>
+    <dgm:txLinClrLst/>
+    <dgm:txFillClrLst/>
+    <dgm:txEffectClrLst/>
+  </dgm:styleLbl>
+  <dgm:styleLbl name="alignNode1">
+    <dgm:fillClrLst meth="repeat">
+      <a:schemeClr val="accent1"/>
+    </dgm:fillClrLst>
+    <dgm:linClrLst meth="repeat">
+      <a:schemeClr val="accent1"/>
+    </dgm:linClrLst>
+    <dgm:effectClrLst/>
+    <dgm:txLinClrLst/>
+    <dgm:txFillClrLst/>
+    <dgm:txEffectClrLst/>
+  </dgm:styleLbl>
+  <dgm:styleLbl name="node1">
+    <dgm:fillClrLst meth="repeat">
+      <a:schemeClr val="accent1"/>
+    </dgm:fillClrLst>
+    <dgm:linClrLst meth="repeat">
+      <a:schemeClr val="lt1"/>
+    </dgm:linClrLst>
+    <dgm:effectClrLst/>
+    <dgm:txLinClrLst/>
+    <dgm:txFillClrLst/>
+    <dgm:txEffectClrLst/>
+  </dgm:styleLbl>
+  <dgm:styleLbl name="lnNode1">
+    <dgm:fillClrLst meth="repeat">
+      <a:schemeClr val="accent1"/>
+    </dgm:fillClrLst>
+    <dgm:linClrLst meth="repeat">
+      <a:schemeClr val="lt1"/>
+    </dgm:linClrLst>
+    <dgm:effectClrLst/>
+    <dgm:txLinClrLst/>
+    <dgm:txFillClrLst/>
+    <dgm:txEffectClrLst/>
+  </dgm:styleLbl>
+  <dgm:styleLbl name="vennNode1">
+    <dgm:fillClrLst meth="repeat">
+      <a:schemeClr val="accent1">
+        <a:alpha val="50000"/>
+      </a:schemeClr>
+    </dgm:fillClrLst>
+    <dgm:linClrLst meth="repeat">
+      <a:schemeClr val="lt1"/>
+    </dgm:linClrLst>
+    <dgm:effectClrLst/>
+    <dgm:txLinClrLst/>
+    <dgm:txFillClrLst/>
+    <dgm:txEffectClrLst/>
+  </dgm:styleLbl>
+  <dgm:styleLbl name="node2">
+    <dgm:fillClrLst meth="repeat">
+      <a:schemeClr val="accent1"/>
+    </dgm:fillClrLst>
+    <dgm:linClrLst meth="repeat">
+      <a:schemeClr val="lt1"/>
+    </dgm:linClrLst>
+    <dgm:effectClrLst/>
+    <dgm:txLinClrLst/>
+    <dgm:txFillClrLst/>
+    <dgm:txEffectClrLst/>
+  </dgm:styleLbl>
+  <dgm:styleLbl name="node3">
+    <dgm:fillClrLst meth="repeat">
+      <a:schemeClr val="accent1"/>
+    </dgm:fillClrLst>
+    <dgm:linClrLst meth="repeat">
+      <a:schemeClr val="lt1"/>
+    </dgm:linClrLst>
+    <dgm:effectClrLst/>
+    <dgm:txLinClrLst/>
+    <dgm:txFillClrLst/>
+    <dgm:txEffectClrLst/>
+  </dgm:styleLbl>
+  <dgm:styleLbl name="node4">
+    <dgm:fillClrLst meth="repeat">
+      <a:schemeClr val="accent1"/>
+    </dgm:fillClrLst>
+    <dgm:linClrLst meth="repeat">
+      <a:schemeClr val="lt1"/>
+    </dgm:linClrLst>
+    <dgm:effectClrLst/>
+    <dgm:txLinClrLst/>
+    <dgm:txFillClrLst/>
+    <dgm:txEffectClrLst/>
+  </dgm:styleLbl>
+  <dgm:styleLbl name="fgImgPlace1">
+    <dgm:fillClrLst meth="repeat">
+      <a:schemeClr val="accent1">
+        <a:tint val="50000"/>
+      </a:schemeClr>
+    </dgm:fillClrLst>
+    <dgm:linClrLst meth="repeat">
+      <a:schemeClr val="lt1"/>
+    </dgm:linClrLst>
+    <dgm:effectClrLst/>
+    <dgm:txLinClrLst/>
+    <dgm:txFillClrLst meth="repeat">
+      <a:schemeClr val="lt1"/>
+    </dgm:txFillClrLst>
+    <dgm:txEffectClrLst/>
+  </dgm:styleLbl>
+  <dgm:styleLbl name="alignImgPlace1">
+    <dgm:fillClrLst meth="repeat">
+      <a:schemeClr val="accent1">
+        <a:tint val="50000"/>
+      </a:schemeClr>
+    </dgm:fillClrLst>
+    <dgm:linClrLst meth="repeat">
+      <a:schemeClr val="lt1"/>
+    </dgm:linClrLst>
+    <dgm:effectClrLst/>
+    <dgm:txLinClrLst/>
+    <dgm:txFillClrLst meth="repeat">
+      <a:schemeClr val="lt1"/>
+    </dgm:txFillClrLst>
+    <dgm:txEffectClrLst/>
+  </dgm:styleLbl>
+  <dgm:styleLbl name="bgImgPlace1">
+    <dgm:fillClrLst meth="repeat">
+      <a:schemeClr val="accent1">
+        <a:tint val="50000"/>
+      </a:schemeClr>
+    </dgm:fillClrLst>
+    <dgm:linClrLst meth="repeat">
+      <a:schemeClr val="lt1"/>
+    </dgm:linClrLst>
+    <dgm:effectClrLst/>
+    <dgm:txLinClrLst/>
+    <dgm:txFillClrLst meth="repeat">
+      <a:schemeClr val="lt1"/>
+    </dgm:txFillClrLst>
+    <dgm:txEffectClrLst/>
+  </dgm:styleLbl>
+  <dgm:styleLbl name="sibTrans2D1">
+    <dgm:fillClrLst meth="repeat">
+      <a:schemeClr val="accent1">
+        <a:tint val="60000"/>
+      </a:schemeClr>
+    </dgm:fillClrLst>
+    <dgm:linClrLst meth="repeat">
+      <a:schemeClr val="accent1">
+        <a:tint val="60000"/>
+      </a:schemeClr>
+    </dgm:linClrLst>
+    <dgm:effectClrLst/>
+    <dgm:txLinClrLst/>
+    <dgm:txFillClrLst/>
+    <dgm:txEffectClrLst/>
+  </dgm:styleLbl>
+  <dgm:styleLbl name="fgSibTrans2D1">
+    <dgm:fillClrLst meth="repeat">
+      <a:schemeClr val="accent1">
+        <a:tint val="60000"/>
+      </a:schemeClr>
+    </dgm:fillClrLst>
+    <dgm:linClrLst meth="repeat">
+      <a:schemeClr val="accent1">
+        <a:tint val="60000"/>
+      </a:schemeClr>
+    </dgm:linClrLst>
+    <dgm:effectClrLst/>
+    <dgm:txLinClrLst/>
+    <dgm:txFillClrLst/>
+    <dgm:txEffectClrLst/>
+  </dgm:styleLbl>
+  <dgm:styleLbl name="bgSibTrans2D1">
+    <dgm:fillClrLst meth="repeat">
+      <a:schemeClr val="accent1">
+        <a:tint val="60000"/>
+      </a:schemeClr>
+    </dgm:fillClrLst>
+    <dgm:linClrLst meth="repeat">
+      <a:schemeClr val="accent1">
+        <a:tint val="60000"/>
+      </a:schemeClr>
+    </dgm:linClrLst>
+    <dgm:effectClrLst/>
+    <dgm:txLinClrLst/>
+    <dgm:txFillClrLst/>
+    <dgm:txEffectClrLst/>
+  </dgm:styleLbl>
+  <dgm:styleLbl name="sibTrans1D1">
+    <dgm:fillClrLst meth="repeat">
+      <a:schemeClr val="accent1"/>
+    </dgm:fillClrLst>
+    <dgm:linClrLst meth="repeat">
+      <a:schemeClr val="accent1"/>
+    </dgm:linClrLst>
+    <dgm:effectClrLst/>
+    <dgm:txLinClrLst/>
+    <dgm:txFillClrLst meth="repeat">
+      <a:schemeClr val="tx1"/>
+    </dgm:txFillClrLst>
+    <dgm:txEffectClrLst/>
+  </dgm:styleLbl>
+  <dgm:styleLbl name="callout">
+    <dgm:fillClrLst meth="repeat">
+      <a:schemeClr val="accent1"/>
+    </dgm:fillClrLst>
+    <dgm:linClrLst meth="repeat">
+      <a:schemeClr val="accent1">
+        <a:tint val="50000"/>
+      </a:schemeClr>
+    </dgm:linClrLst>
+    <dgm:effectClrLst/>
+    <dgm:txLinClrLst/>
+    <dgm:txFillClrLst meth="repeat">
+      <a:schemeClr val="tx1"/>
+    </dgm:txFillClrLst>
+    <dgm:txEffectClrLst/>
+  </dgm:styleLbl>
+  <dgm:styleLbl name="asst0">
+    <dgm:fillClrLst meth="repeat">
+      <a:schemeClr val="accent1"/>
+    </dgm:fillClrLst>
+    <dgm:linClrLst meth="repeat">
+      <a:schemeClr val="lt1"/>
+    </dgm:linClrLst>
+    <dgm:effectClrLst/>
+    <dgm:txLinClrLst/>
+    <dgm:txFillClrLst/>
+    <dgm:txEffectClrLst/>
+  </dgm:styleLbl>
+  <dgm:styleLbl name="asst1">
+    <dgm:fillClrLst meth="repeat">
+      <a:schemeClr val="accent1"/>
+    </dgm:fillClrLst>
+    <dgm:linClrLst meth="repeat">
+      <a:schemeClr val="lt1"/>
+    </dgm:linClrLst>
+    <dgm:effectClrLst/>
+    <dgm:txLinClrLst/>
+    <dgm:txFillClrLst/>
+    <dgm:txEffectClrLst/>
+  </dgm:styleLbl>
+  <dgm:styleLbl name="asst2">
+    <dgm:fillClrLst meth="repeat">
+      <a:schemeClr val="accent1"/>
+    </dgm:fillClrLst>
+    <dgm:linClrLst meth="repeat">
+      <a:schemeClr val="lt1"/>
+    </dgm:linClrLst>
+    <dgm:effectClrLst/>
+    <dgm:txLinClrLst/>
+    <dgm:txFillClrLst/>
+    <dgm:txEffectClrLst/>
+  </dgm:styleLbl>
+  <dgm:styleLbl name="asst3">
+    <dgm:fillClrLst meth="repeat">
+      <a:schemeClr val="accent1"/>
+    </dgm:fillClrLst>
+    <dgm:linClrLst meth="repeat">
+      <a:schemeClr val="lt1"/>
+    </dgm:linClrLst>
+    <dgm:effectClrLst/>
+    <dgm:txLinClrLst/>
+    <dgm:txFillClrLst/>
+    <dgm:txEffectClrLst/>
+  </dgm:styleLbl>
+  <dgm:styleLbl name="asst4">
+    <dgm:fillClrLst meth="repeat">
+      <a:schemeClr val="accent1"/>
+    </dgm:fillClrLst>
+    <dgm:linClrLst meth="repeat">
+      <a:schemeClr val="lt1"/>
+    </dgm:linClrLst>
+    <dgm:effectClrLst/>
+    <dgm:txLinClrLst/>
+    <dgm:txFillClrLst/>
+    <dgm:txEffectClrLst/>
+  </dgm:styleLbl>
+  <dgm:styleLbl name="parChTrans2D1">
+    <dgm:fillClrLst meth="repeat">
+      <a:schemeClr val="accent1">
+        <a:tint val="60000"/>
+      </a:schemeClr>
+    </dgm:fillClrLst>
+    <dgm:linClrLst meth="repeat">
+      <a:schemeClr val="accent1">
+        <a:tint val="60000"/>
+      </a:schemeClr>
+    </dgm:linClrLst>
+    <dgm:effectClrLst/>
+    <dgm:txLinClrLst/>
+    <dgm:txFillClrLst meth="repeat">
+      <a:schemeClr val="lt1"/>
+    </dgm:txFillClrLst>
+    <dgm:txEffectClrLst/>
+  </dgm:styleLbl>
+  <dgm:styleLbl name="parChTrans2D2">
+    <dgm:fillClrLst meth="repeat">
+      <a:schemeClr val="accent1"/>
+    </dgm:fillClrLst>
+    <dgm:linClrLst meth="repeat">
+      <a:schemeClr val="accent1"/>
+    </dgm:linClrLst>
+    <dgm:effectClrLst/>
+    <dgm:txLinClrLst/>
+    <dgm:txFillClrLst meth="repeat">
+      <a:schemeClr val="lt1"/>
+    </dgm:txFillClrLst>
+    <dgm:txEffectClrLst/>
+  </dgm:styleLbl>
+  <dgm:styleLbl name="parChTrans2D3">
+    <dgm:fillClrLst meth="repeat">
+      <a:schemeClr val="accent1"/>
+    </dgm:fillClrLst>
+    <dgm:linClrLst meth="repeat">
+      <a:schemeClr val="accent1"/>
+    </dgm:linClrLst>
+    <dgm:effectClrLst/>
+    <dgm:txLinClrLst/>
+    <dgm:txFillClrLst meth="repeat">
+      <a:schemeClr val="lt1"/>
+    </dgm:txFillClrLst>
+    <dgm:txEffectClrLst/>
+  </dgm:styleLbl>
+  <dgm:styleLbl name="parChTrans2D4">
+    <dgm:fillClrLst meth="repeat">
+      <a:schemeClr val="accent1"/>
+    </dgm:fillClrLst>
+    <dgm:linClrLst meth="repeat">
+      <a:schemeClr val="accent1"/>
+    </dgm:linClrLst>
+    <dgm:effectClrLst/>
+    <dgm:txLinClrLst/>
+    <dgm:txFillClrLst meth="repeat">
+      <a:schemeClr val="lt1"/>
+    </dgm:txFillClrLst>
+    <dgm:txEffectClrLst/>
+  </dgm:styleLbl>
+  <dgm:styleLbl name="parChTrans1D1">
+    <dgm:fillClrLst meth="repeat">
+      <a:schemeClr val="accent1"/>
+    </dgm:fillClrLst>
+    <dgm:linClrLst meth="repeat">
+      <a:schemeClr val="accent1">
+        <a:shade val="60000"/>
+      </a:schemeClr>
+    </dgm:linClrLst>
+    <dgm:effectClrLst/>
+    <dgm:txLinClrLst/>
+    <dgm:txFillClrLst meth="repeat">
+      <a:schemeClr val="tx1"/>
+    </dgm:txFillClrLst>
+    <dgm:txEffectClrLst/>
+  </dgm:styleLbl>
+  <dgm:styleLbl name="parChTrans1D2">
+    <dgm:fillClrLst meth="repeat">
+      <a:schemeClr val="accent1"/>
+    </dgm:fillClrLst>
+    <dgm:linClrLst meth="repeat">
+      <a:schemeClr val="accent1">
+        <a:shade val="60000"/>
+      </a:schemeClr>
+    </dgm:linClrLst>
+    <dgm:effectClrLst/>
+    <dgm:txLinClrLst/>
+    <dgm:txFillClrLst meth="repeat">
+      <a:schemeClr val="tx1"/>
+    </dgm:txFillClrLst>
+    <dgm:txEffectClrLst/>
+  </dgm:styleLbl>
+  <dgm:styleLbl name="parChTrans1D3">
+    <dgm:fillClrLst meth="repeat">
+      <a:schemeClr val="accent1"/>
+    </dgm:fillClrLst>
+    <dgm:linClrLst meth="repeat">
+      <a:schemeClr val="accent1">
+        <a:shade val="80000"/>
+      </a:schemeClr>
+    </dgm:linClrLst>
+    <dgm:effectClrLst/>
+    <dgm:txLinClrLst/>
+    <dgm:txFillClrLst meth="repeat">
+      <a:schemeClr val="tx1"/>
+    </dgm:txFillClrLst>
+    <dgm:txEffectClrLst/>
+  </dgm:styleLbl>
+  <dgm:styleLbl name="parChTrans1D4">
+    <dgm:fillClrLst meth="repeat">
+      <a:schemeClr val="accent1"/>
+    </dgm:fillClrLst>
+    <dgm:linClrLst meth="repeat">
+      <a:schemeClr val="accent1">
+        <a:shade val="80000"/>
+      </a:schemeClr>
+    </dgm:linClrLst>
+    <dgm:effectClrLst/>
+    <dgm:txLinClrLst/>
+    <dgm:txFillClrLst meth="repeat">
+      <a:schemeClr val="tx1"/>
+    </dgm:txFillClrLst>
+    <dgm:txEffectClrLst/>
+  </dgm:styleLbl>
+  <dgm:styleLbl name="fgAcc1">
+    <dgm:fillClrLst meth="repeat">
+      <a:schemeClr val="lt1">
+        <a:alpha val="90000"/>
+      </a:schemeClr>
+    </dgm:fillClrLst>
+    <dgm:linClrLst meth="repeat">
+      <a:schemeClr val="accent1"/>
+    </dgm:linClrLst>
+    <dgm:effectClrLst/>
+    <dgm:txLinClrLst/>
+    <dgm:txFillClrLst meth="repeat">
+      <a:schemeClr val="dk1"/>
+    </dgm:txFillClrLst>
+    <dgm:txEffectClrLst/>
+  </dgm:styleLbl>
+  <dgm:styleLbl name="conFgAcc1">
+    <dgm:fillClrLst meth="repeat">
+      <a:schemeClr val="lt1">
+        <a:alpha val="90000"/>
+      </a:schemeClr>
+    </dgm:fillClrLst>
+    <dgm:linClrLst meth="repeat">
+      <a:schemeClr val="accent1"/>
+    </dgm:linClrLst>
+    <dgm:effectClrLst/>
+    <dgm:txLinClrLst/>
+    <dgm:txFillClrLst meth="repeat">
+      <a:schemeClr val="dk1"/>
+    </dgm:txFillClrLst>
+    <dgm:txEffectClrLst/>
+  </dgm:styleLbl>
+  <dgm:styleLbl name="alignAcc1">
+    <dgm:fillClrLst meth="repeat">
+      <a:schemeClr val="lt1">
+        <a:alpha val="90000"/>
+      </a:schemeClr>
+    </dgm:fillClrLst>
+    <dgm:linClrLst meth="repeat">
+      <a:schemeClr val="accent1"/>
+    </dgm:linClrLst>
+    <dgm:effectClrLst/>
+    <dgm:txLinClrLst/>
+    <dgm:txFillClrLst meth="repeat">
+      <a:schemeClr val="dk1"/>
+    </dgm:txFillClrLst>
+    <dgm:txEffectClrLst/>
+  </dgm:styleLbl>
+  <dgm:styleLbl name="trAlignAcc1">
+    <dgm:fillClrLst meth="repeat">
+      <a:schemeClr val="lt1">
+        <a:alpha val="40000"/>
+      </a:schemeClr>
+    </dgm:fillClrLst>
+    <dgm:linClrLst meth="repeat">
+      <a:schemeClr val="accent1"/>
+    </dgm:linClrLst>
+    <dgm:effectClrLst/>
+    <dgm:txLinClrLst/>
+    <dgm:txFillClrLst meth="repeat">
+      <a:schemeClr val="dk1"/>
+    </dgm:txFillClrLst>
+    <dgm:txEffectClrLst/>
+  </dgm:styleLbl>
+  <dgm:styleLbl name="bgAcc1">
+    <dgm:fillClrLst meth="repeat">
+      <a:schemeClr val="lt1">
+        <a:alpha val="90000"/>
+      </a:schemeClr>
+    </dgm:fillClrLst>
+    <dgm:linClrLst meth="repeat">
+      <a:schemeClr val="accent1"/>
+    </dgm:linClrLst>
+    <dgm:effectClrLst/>
+    <dgm:txLinClrLst/>
+    <dgm:txFillClrLst meth="repeat">
+      <a:schemeClr val="dk1"/>
+    </dgm:txFillClrLst>
+    <dgm:txEffectClrLst/>
+  </dgm:styleLbl>
+  <dgm:styleLbl name="solidFgAcc1">
+    <dgm:fillClrLst meth="repeat">
+      <a:schemeClr val="lt1"/>
+    </dgm:fillClrLst>
+    <dgm:linClrLst meth="repeat">
+      <a:schemeClr val="accent1"/>
+    </dgm:linClrLst>
+    <dgm:effectClrLst/>
+    <dgm:txLinClrLst/>
+    <dgm:txFillClrLst meth="repeat">
+      <a:schemeClr val="dk1"/>
+    </dgm:txFillClrLst>
+    <dgm:txEffectClrLst/>
+  </dgm:styleLbl>
+  <dgm:styleLbl name="solidAlignAcc1">
+    <dgm:fillClrLst meth="repeat">
+      <a:schemeClr val="lt1"/>
+    </dgm:fillClrLst>
+    <dgm:linClrLst meth="repeat">
+      <a:schemeClr val="accent1"/>
+    </dgm:linClrLst>
+    <dgm:effectClrLst/>
+    <dgm:txLinClrLst/>
+    <dgm:txFillClrLst meth="repeat">
+      <a:schemeClr val="dk1"/>
+    </dgm:txFillClrLst>
+    <dgm:txEffectClrLst/>
+  </dgm:styleLbl>
+  <dgm:styleLbl name="solidBgAcc1">
+    <dgm:fillClrLst meth="repeat">
+      <a:schemeClr val="lt1"/>
+    </dgm:fillClrLst>
+    <dgm:linClrLst meth="repeat">
+      <a:schemeClr val="accent1"/>
+    </dgm:linClrLst>
+    <dgm:effectClrLst/>
+    <dgm:txLinClrLst/>
+    <dgm:txFillClrLst meth="repeat">
+      <a:schemeClr val="dk1"/>
+    </dgm:txFillClrLst>
+    <dgm:txEffectClrLst/>
+  </dgm:styleLbl>
+  <dgm:styleLbl name="fgAccFollowNode1">
+    <dgm:fillClrLst meth="repeat">
+      <a:schemeClr val="accent1">
+        <a:alpha val="90000"/>
+        <a:tint val="40000"/>
+      </a:schemeClr>
+    </dgm:fillClrLst>
+    <dgm:linClrLst meth="repeat">
+      <a:schemeClr val="accent1">
+        <a:alpha val="90000"/>
+        <a:tint val="40000"/>
+      </a:schemeClr>
+    </dgm:linClrLst>
+    <dgm:effectClrLst/>
+    <dgm:txLinClrLst/>
+    <dgm:txFillClrLst meth="repeat">
+      <a:schemeClr val="dk1"/>
+    </dgm:txFillClrLst>
+    <dgm:txEffectClrLst/>
+  </dgm:styleLbl>
+  <dgm:styleLbl name="alignAccFollowNode1">
+    <dgm:fillClrLst meth="repeat">
+      <a:schemeClr val="accent1">
+        <a:alpha val="90000"/>
+        <a:tint val="40000"/>
+      </a:schemeClr>
+    </dgm:fillClrLst>
+    <dgm:linClrLst meth="repeat">
+      <a:schemeClr val="accent1">
+        <a:alpha val="90000"/>
+        <a:tint val="40000"/>
+      </a:schemeClr>
+    </dgm:linClrLst>
+    <dgm:effectClrLst/>
+    <dgm:txLinClrLst/>
+    <dgm:txFillClrLst meth="repeat">
+      <a:schemeClr val="dk1"/>
+    </dgm:txFillClrLst>
+    <dgm:txEffectClrLst/>
+  </dgm:styleLbl>
+  <dgm:styleLbl name="bgAccFollowNode1">
+    <dgm:fillClrLst meth="repeat">
+      <a:schemeClr val="accent1">
+        <a:alpha val="90000"/>
+        <a:tint val="40000"/>
+      </a:schemeClr>
+    </dgm:fillClrLst>
+    <dgm:linClrLst meth="repeat">
+      <a:schemeClr val="accent1">
+        <a:alpha val="90000"/>
+        <a:tint val="40000"/>
+      </a:schemeClr>
+    </dgm:linClrLst>
+    <dgm:effectClrLst/>
+    <dgm:txLinClrLst/>
+    <dgm:txFillClrLst meth="repeat">
+      <a:schemeClr val="dk1"/>
+    </dgm:txFillClrLst>
+    <dgm:txEffectClrLst/>
+  </dgm:styleLbl>
+  <dgm:styleLbl name="fgAcc0">
+    <dgm:fillClrLst meth="repeat">
+      <a:schemeClr val="lt1">
+        <a:alpha val="90000"/>
+      </a:schemeClr>
+    </dgm:fillClrLst>
+    <dgm:linClrLst meth="repeat">
+      <a:schemeClr val="accent1"/>
+    </dgm:linClrLst>
+    <dgm:effectClrLst/>
+    <dgm:txLinClrLst/>
+    <dgm:txFillClrLst meth="repeat">
+      <a:schemeClr val="dk1"/>
+    </dgm:txFillClrLst>
+    <dgm:txEffectClrLst/>
+  </dgm:styleLbl>
+  <dgm:styleLbl name="fgAcc2">
+    <dgm:fillClrLst meth="repeat">
+      <a:schemeClr val="lt1">
+        <a:alpha val="90000"/>
+      </a:schemeClr>
+    </dgm:fillClrLst>
+    <dgm:linClrLst meth="repeat">
+      <a:schemeClr val="accent1"/>
+    </dgm:linClrLst>
+    <dgm:effectClrLst/>
+    <dgm:txLinClrLst/>
+    <dgm:txFillClrLst meth="repeat">
+      <a:schemeClr val="dk1"/>
+    </dgm:txFillClrLst>
+    <dgm:txEffectClrLst/>
+  </dgm:styleLbl>
+  <dgm:styleLbl name="fgAcc3">
+    <dgm:fillClrLst meth="repeat">
+      <a:schemeClr val="lt1">
+        <a:alpha val="90000"/>
+      </a:schemeClr>
+    </dgm:fillClrLst>
+    <dgm:linClrLst meth="repeat">
+      <a:schemeClr val="accent1"/>
+    </dgm:linClrLst>
+    <dgm:effectClrLst/>
+    <dgm:txLinClrLst/>
+    <dgm:txFillClrLst meth="repeat">
+      <a:schemeClr val="dk1"/>
+    </dgm:txFillClrLst>
+    <dgm:txEffectClrLst/>
+  </dgm:styleLbl>
+  <dgm:styleLbl name="fgAcc4">
+    <dgm:fillClrLst meth="repeat">
+      <a:schemeClr val="lt1">
+        <a:alpha val="90000"/>
+      </a:schemeClr>
+    </dgm:fillClrLst>
+    <dgm:linClrLst meth="repeat">
+      <a:schemeClr val="accent1"/>
+    </dgm:linClrLst>
+    <dgm:effectClrLst/>
+    <dgm:txLinClrLst/>
+    <dgm:txFillClrLst meth="repeat">
+      <a:schemeClr val="dk1"/>
+    </dgm:txFillClrLst>
+    <dgm:txEffectClrLst/>
+  </dgm:styleLbl>
+  <dgm:styleLbl name="bgShp">
+    <dgm:fillClrLst meth="repeat">
+      <a:schemeClr val="accent1">
+        <a:tint val="40000"/>
+      </a:schemeClr>
+    </dgm:fillClrLst>
+    <dgm:linClrLst meth="repeat">
+      <a:schemeClr val="accent1"/>
+    </dgm:linClrLst>
+    <dgm:effectClrLst/>
+    <dgm:txLinClrLst/>
+    <dgm:txFillClrLst meth="repeat">
+      <a:schemeClr val="dk1"/>
+    </dgm:txFillClrLst>
+    <dgm:txEffectClrLst/>
+  </dgm:styleLbl>
+  <dgm:styleLbl name="dkBgShp">
+    <dgm:fillClrLst meth="repeat">
+      <a:schemeClr val="accent1">
+        <a:shade val="80000"/>
+      </a:schemeClr>
+    </dgm:fillClrLst>
+    <dgm:linClrLst meth="repeat">
+      <a:schemeClr val="accent1"/>
+    </dgm:linClrLst>
+    <dgm:effectClrLst/>
+    <dgm:txLinClrLst/>
+    <dgm:txFillClrLst meth="repeat">
+      <a:schemeClr val="lt1"/>
+    </dgm:txFillClrLst>
+    <dgm:txEffectClrLst/>
+  </dgm:styleLbl>
+  <dgm:styleLbl name="trBgShp">
+    <dgm:fillClrLst meth="repeat">
+      <a:schemeClr val="accent1">
+        <a:tint val="50000"/>
+        <a:alpha val="40000"/>
+      </a:schemeClr>
+    </dgm:fillClrLst>
+    <dgm:linClrLst meth="repeat">
+      <a:schemeClr val="accent1"/>
+    </dgm:linClrLst>
+    <dgm:effectClrLst/>
+    <dgm:txLinClrLst/>
+    <dgm:txFillClrLst meth="repeat">
+      <a:schemeClr val="lt1"/>
+    </dgm:txFillClrLst>
+    <dgm:txEffectClrLst/>
+  </dgm:styleLbl>
+  <dgm:styleLbl name="fgShp">
+    <dgm:fillClrLst meth="repeat">
+      <a:schemeClr val="accent1">
+        <a:tint val="60000"/>
+      </a:schemeClr>
+    </dgm:fillClrLst>
+    <dgm:linClrLst meth="repeat">
+      <a:schemeClr val="lt1"/>
+    </dgm:linClrLst>
+    <dgm:effectClrLst/>
+    <dgm:txLinClrLst/>
+    <dgm:txFillClrLst meth="repeat">
+      <a:schemeClr val="dk1"/>
+    </dgm:txFillClrLst>
+    <dgm:txEffectClrLst/>
+  </dgm:styleLbl>
+  <dgm:styleLbl name="revTx">
+    <dgm:fillClrLst meth="repeat">
+      <a:schemeClr val="lt1">
+        <a:alpha val="0"/>
+      </a:schemeClr>
+    </dgm:fillClrLst>
+    <dgm:linClrLst meth="repeat">
+      <a:schemeClr val="dk1">
+        <a:alpha val="0"/>
+      </a:schemeClr>
+    </dgm:linClrLst>
+    <dgm:effectClrLst/>
+    <dgm:txLinClrLst/>
+    <dgm:txFillClrLst meth="repeat">
+      <a:schemeClr val="tx1"/>
+    </dgm:txFillClrLst>
+    <dgm:txEffectClrLst/>
+  </dgm:styleLbl>
+</dgm:colorsDef>
+</file>
+
+<file path=ppt/diagrams/data1.xml><?xml version="1.0" encoding="utf-8"?>
+<dgm:dataModel xmlns:dgm="http://schemas.openxmlformats.org/drawingml/2006/diagram" xmlns:a="http://schemas.openxmlformats.org/drawingml/2006/main">
+  <dgm:ptLst>
+    <dgm:pt modelId="{D45C7AA7-5FD2-41F7-A3D5-A121ACDCD00A}" type="doc">
+      <dgm:prSet loTypeId="urn:microsoft.com/office/officeart/2005/8/layout/process1" loCatId="process" qsTypeId="urn:microsoft.com/office/officeart/2005/8/quickstyle/simple1#4" qsCatId="simple" csTypeId="urn:microsoft.com/office/officeart/2005/8/colors/accent1_2#4" csCatId="accent1" phldr="1"/>
+      <dgm:spPr/>
+    </dgm:pt>
+    <dgm:pt modelId="{CB709AC0-7B9C-4D78-A2C9-0FA676B3F8A8}">
+      <dgm:prSet phldrT="[文本]"/>
+      <dgm:spPr>
+        <a:solidFill>
+          <a:schemeClr val="bg2"/>
+        </a:solidFill>
+      </dgm:spPr>
+      <dgm:t>
+        <a:bodyPr/>
+        <a:lstStyle/>
+        <a:p>
+          <a:r>
+            <a:rPr lang="zh-CN" altLang="en-US" b="1" dirty="0">
+              <a:solidFill>
+                <a:srgbClr val="000090"/>
+              </a:solidFill>
+              <a:ea typeface="楷体" pitchFamily="49" charset="-122"/>
+            </a:rPr>
+            <a:t>目标姿态变化</a:t>
+          </a:r>
+          <a:endParaRPr lang="zh-CN" altLang="en-US" dirty="0"/>
+        </a:p>
+      </dgm:t>
+    </dgm:pt>
+    <dgm:pt modelId="{01452AE1-986E-4B33-8EB0-60990A7B8AFD}" type="parTrans" cxnId="{CD2F51B6-9D19-4DE9-A5D4-F57D038E90B6}">
+      <dgm:prSet/>
+      <dgm:spPr/>
+      <dgm:t>
+        <a:bodyPr/>
+        <a:lstStyle/>
+        <a:p>
+          <a:endParaRPr lang="zh-CN" altLang="en-US"/>
+        </a:p>
+      </dgm:t>
+    </dgm:pt>
+    <dgm:pt modelId="{CAEC6D71-7B67-4B5D-84AB-799C018DB499}" type="sibTrans" cxnId="{CD2F51B6-9D19-4DE9-A5D4-F57D038E90B6}">
+      <dgm:prSet/>
+      <dgm:spPr/>
+      <dgm:t>
+        <a:bodyPr/>
+        <a:lstStyle/>
+        <a:p>
+          <a:endParaRPr lang="zh-CN" altLang="en-US"/>
+        </a:p>
+      </dgm:t>
+    </dgm:pt>
+    <dgm:pt modelId="{9B113605-583A-4C5C-9C2C-D0BC63ACE2F5}">
+      <dgm:prSet phldrT="[文本]"/>
+      <dgm:spPr>
+        <a:solidFill>
+          <a:schemeClr val="bg2"/>
+        </a:solidFill>
+      </dgm:spPr>
+      <dgm:t>
+        <a:bodyPr/>
+        <a:lstStyle/>
+        <a:p>
+          <a:r>
+            <a:rPr lang="zh-CN" altLang="en-US" b="1" dirty="0">
+              <a:solidFill>
+                <a:srgbClr val="000090"/>
+              </a:solidFill>
+              <a:ea typeface="楷体" pitchFamily="49" charset="-122"/>
+            </a:rPr>
+            <a:t>观测散射截面变化 </a:t>
+          </a:r>
+          <a:endParaRPr lang="zh-CN" altLang="en-US" dirty="0"/>
+        </a:p>
+      </dgm:t>
+    </dgm:pt>
+    <dgm:pt modelId="{4F4747E9-8556-456E-8ABD-526BC44B4D09}" type="parTrans" cxnId="{DBDAA333-1443-46C4-BAF3-1AD7F23FAA53}">
+      <dgm:prSet/>
+      <dgm:spPr/>
+      <dgm:t>
+        <a:bodyPr/>
+        <a:lstStyle/>
+        <a:p>
+          <a:endParaRPr lang="zh-CN" altLang="en-US"/>
+        </a:p>
+      </dgm:t>
+    </dgm:pt>
+    <dgm:pt modelId="{30314A2E-6219-487B-9011-865F44AAB6ED}" type="sibTrans" cxnId="{DBDAA333-1443-46C4-BAF3-1AD7F23FAA53}">
+      <dgm:prSet/>
+      <dgm:spPr/>
+      <dgm:t>
+        <a:bodyPr/>
+        <a:lstStyle/>
+        <a:p>
+          <a:endParaRPr lang="zh-CN" altLang="en-US"/>
+        </a:p>
+      </dgm:t>
+    </dgm:pt>
+    <dgm:pt modelId="{EB2DE513-C696-4739-9341-94CC5A0B55D8}">
+      <dgm:prSet phldrT="[文本]"/>
+      <dgm:spPr>
+        <a:solidFill>
+          <a:schemeClr val="bg2"/>
+        </a:solidFill>
+      </dgm:spPr>
+      <dgm:t>
+        <a:bodyPr/>
+        <a:lstStyle/>
+        <a:p>
+          <a:r>
+            <a:rPr lang="zh-CN" altLang="en-US" b="1" dirty="0">
+              <a:solidFill>
+                <a:srgbClr val="000090"/>
+              </a:solidFill>
+              <a:ea typeface="楷体" pitchFamily="49" charset="-122"/>
+            </a:rPr>
+            <a:t>散射特征变化</a:t>
+          </a:r>
+          <a:endParaRPr lang="zh-CN" altLang="en-US" dirty="0"/>
+        </a:p>
+      </dgm:t>
+    </dgm:pt>
+    <dgm:pt modelId="{A254D7E8-BB23-453F-9CC9-811C6F5FAACB}" type="parTrans" cxnId="{AD59285B-FD55-46A1-87F0-3FCCBCB68AB9}">
+      <dgm:prSet/>
+      <dgm:spPr/>
+      <dgm:t>
+        <a:bodyPr/>
+        <a:lstStyle/>
+        <a:p>
+          <a:endParaRPr lang="zh-CN" altLang="en-US"/>
+        </a:p>
+      </dgm:t>
+    </dgm:pt>
+    <dgm:pt modelId="{A4B584E1-7DF2-4430-91C0-AAAB668D090C}" type="sibTrans" cxnId="{AD59285B-FD55-46A1-87F0-3FCCBCB68AB9}">
+      <dgm:prSet/>
+      <dgm:spPr/>
+      <dgm:t>
+        <a:bodyPr/>
+        <a:lstStyle/>
+        <a:p>
+          <a:endParaRPr lang="zh-CN" altLang="en-US"/>
+        </a:p>
+      </dgm:t>
+    </dgm:pt>
+    <dgm:pt modelId="{74A1E328-16C4-46E8-838F-CEB0FFABED3F}" type="pres">
+      <dgm:prSet presAssocID="{D45C7AA7-5FD2-41F7-A3D5-A121ACDCD00A}" presName="Name0" presStyleCnt="0">
+        <dgm:presLayoutVars>
+          <dgm:dir/>
+          <dgm:resizeHandles val="exact"/>
+        </dgm:presLayoutVars>
+      </dgm:prSet>
+      <dgm:spPr/>
+    </dgm:pt>
+    <dgm:pt modelId="{37AC90E6-1BDC-4A04-9264-EF8908D26B5F}" type="pres">
+      <dgm:prSet presAssocID="{CB709AC0-7B9C-4D78-A2C9-0FA676B3F8A8}" presName="node" presStyleLbl="node1" presStyleIdx="0" presStyleCnt="3">
+        <dgm:presLayoutVars>
+          <dgm:bulletEnabled val="1"/>
+        </dgm:presLayoutVars>
+      </dgm:prSet>
+      <dgm:spPr/>
+    </dgm:pt>
+    <dgm:pt modelId="{8473F472-A6DA-499E-A9E3-6181C25AA393}" type="pres">
+      <dgm:prSet presAssocID="{CAEC6D71-7B67-4B5D-84AB-799C018DB499}" presName="sibTrans" presStyleLbl="sibTrans2D1" presStyleIdx="0" presStyleCnt="2"/>
+      <dgm:spPr/>
+    </dgm:pt>
+    <dgm:pt modelId="{FC533F3E-21C4-4586-877B-1049A244C79F}" type="pres">
+      <dgm:prSet presAssocID="{CAEC6D71-7B67-4B5D-84AB-799C018DB499}" presName="connectorText" presStyleLbl="sibTrans2D1" presStyleIdx="0" presStyleCnt="2"/>
+      <dgm:spPr/>
+    </dgm:pt>
+    <dgm:pt modelId="{0763760D-A53B-47DB-ABA0-2E83E245FB6D}" type="pres">
+      <dgm:prSet presAssocID="{9B113605-583A-4C5C-9C2C-D0BC63ACE2F5}" presName="node" presStyleLbl="node1" presStyleIdx="1" presStyleCnt="3">
+        <dgm:presLayoutVars>
+          <dgm:bulletEnabled val="1"/>
+        </dgm:presLayoutVars>
+      </dgm:prSet>
+      <dgm:spPr/>
+    </dgm:pt>
+    <dgm:pt modelId="{289C9159-A2BE-48F7-B603-3FB7BA6BC1B0}" type="pres">
+      <dgm:prSet presAssocID="{30314A2E-6219-487B-9011-865F44AAB6ED}" presName="sibTrans" presStyleLbl="sibTrans2D1" presStyleIdx="1" presStyleCnt="2"/>
+      <dgm:spPr/>
+    </dgm:pt>
+    <dgm:pt modelId="{D2A4AD9F-10AC-4A5C-A11F-052B814E5BE0}" type="pres">
+      <dgm:prSet presAssocID="{30314A2E-6219-487B-9011-865F44AAB6ED}" presName="connectorText" presStyleLbl="sibTrans2D1" presStyleIdx="1" presStyleCnt="2"/>
+      <dgm:spPr/>
+    </dgm:pt>
+    <dgm:pt modelId="{4E44A7E9-E87B-41CE-A12B-521BA66A893F}" type="pres">
+      <dgm:prSet presAssocID="{EB2DE513-C696-4739-9341-94CC5A0B55D8}" presName="node" presStyleLbl="node1" presStyleIdx="2" presStyleCnt="3">
+        <dgm:presLayoutVars>
+          <dgm:bulletEnabled val="1"/>
+        </dgm:presLayoutVars>
+      </dgm:prSet>
+      <dgm:spPr/>
+    </dgm:pt>
+  </dgm:ptLst>
+  <dgm:cxnLst>
+    <dgm:cxn modelId="{2262E320-B7EB-4A7E-AEA1-8B5C01A22A27}" type="presOf" srcId="{CAEC6D71-7B67-4B5D-84AB-799C018DB499}" destId="{FC533F3E-21C4-4586-877B-1049A244C79F}" srcOrd="1" destOrd="0" presId="urn:microsoft.com/office/officeart/2005/8/layout/process1"/>
+    <dgm:cxn modelId="{DBDAA333-1443-46C4-BAF3-1AD7F23FAA53}" srcId="{D45C7AA7-5FD2-41F7-A3D5-A121ACDCD00A}" destId="{9B113605-583A-4C5C-9C2C-D0BC63ACE2F5}" srcOrd="1" destOrd="0" parTransId="{4F4747E9-8556-456E-8ABD-526BC44B4D09}" sibTransId="{30314A2E-6219-487B-9011-865F44AAB6ED}"/>
+    <dgm:cxn modelId="{AD59285B-FD55-46A1-87F0-3FCCBCB68AB9}" srcId="{D45C7AA7-5FD2-41F7-A3D5-A121ACDCD00A}" destId="{EB2DE513-C696-4739-9341-94CC5A0B55D8}" srcOrd="2" destOrd="0" parTransId="{A254D7E8-BB23-453F-9CC9-811C6F5FAACB}" sibTransId="{A4B584E1-7DF2-4430-91C0-AAAB668D090C}"/>
+    <dgm:cxn modelId="{9FAC8F5C-14D8-4051-B815-9B153E3BCD1F}" type="presOf" srcId="{CB709AC0-7B9C-4D78-A2C9-0FA676B3F8A8}" destId="{37AC90E6-1BDC-4A04-9264-EF8908D26B5F}" srcOrd="0" destOrd="0" presId="urn:microsoft.com/office/officeart/2005/8/layout/process1"/>
+    <dgm:cxn modelId="{392E1063-AE3A-4480-861A-80F996F0B8F3}" type="presOf" srcId="{30314A2E-6219-487B-9011-865F44AAB6ED}" destId="{D2A4AD9F-10AC-4A5C-A11F-052B814E5BE0}" srcOrd="1" destOrd="0" presId="urn:microsoft.com/office/officeart/2005/8/layout/process1"/>
+    <dgm:cxn modelId="{F9D2D447-AF08-4E1E-B2A4-37063AA9D639}" type="presOf" srcId="{EB2DE513-C696-4739-9341-94CC5A0B55D8}" destId="{4E44A7E9-E87B-41CE-A12B-521BA66A893F}" srcOrd="0" destOrd="0" presId="urn:microsoft.com/office/officeart/2005/8/layout/process1"/>
+    <dgm:cxn modelId="{66B61A7B-1ACE-4395-B75C-4AB08FCA77A9}" type="presOf" srcId="{D45C7AA7-5FD2-41F7-A3D5-A121ACDCD00A}" destId="{74A1E328-16C4-46E8-838F-CEB0FFABED3F}" srcOrd="0" destOrd="0" presId="urn:microsoft.com/office/officeart/2005/8/layout/process1"/>
+    <dgm:cxn modelId="{CD2F51B6-9D19-4DE9-A5D4-F57D038E90B6}" srcId="{D45C7AA7-5FD2-41F7-A3D5-A121ACDCD00A}" destId="{CB709AC0-7B9C-4D78-A2C9-0FA676B3F8A8}" srcOrd="0" destOrd="0" parTransId="{01452AE1-986E-4B33-8EB0-60990A7B8AFD}" sibTransId="{CAEC6D71-7B67-4B5D-84AB-799C018DB499}"/>
+    <dgm:cxn modelId="{03A7ABDD-76E2-47A9-9454-324CB9353974}" type="presOf" srcId="{9B113605-583A-4C5C-9C2C-D0BC63ACE2F5}" destId="{0763760D-A53B-47DB-ABA0-2E83E245FB6D}" srcOrd="0" destOrd="0" presId="urn:microsoft.com/office/officeart/2005/8/layout/process1"/>
+    <dgm:cxn modelId="{F875D6DF-7B7F-4FDF-B0FD-781357673ACC}" type="presOf" srcId="{30314A2E-6219-487B-9011-865F44AAB6ED}" destId="{289C9159-A2BE-48F7-B603-3FB7BA6BC1B0}" srcOrd="0" destOrd="0" presId="urn:microsoft.com/office/officeart/2005/8/layout/process1"/>
+    <dgm:cxn modelId="{5D3A9DE8-469A-45F3-BB21-CFA544AEA601}" type="presOf" srcId="{CAEC6D71-7B67-4B5D-84AB-799C018DB499}" destId="{8473F472-A6DA-499E-A9E3-6181C25AA393}" srcOrd="0" destOrd="0" presId="urn:microsoft.com/office/officeart/2005/8/layout/process1"/>
+    <dgm:cxn modelId="{31295FB8-5C49-42F1-ADA0-81DCF150BA66}" type="presParOf" srcId="{74A1E328-16C4-46E8-838F-CEB0FFABED3F}" destId="{37AC90E6-1BDC-4A04-9264-EF8908D26B5F}" srcOrd="0" destOrd="0" presId="urn:microsoft.com/office/officeart/2005/8/layout/process1"/>
+    <dgm:cxn modelId="{13AF508A-1DE8-4AA0-B05A-AC7FCF894BBE}" type="presParOf" srcId="{74A1E328-16C4-46E8-838F-CEB0FFABED3F}" destId="{8473F472-A6DA-499E-A9E3-6181C25AA393}" srcOrd="1" destOrd="0" presId="urn:microsoft.com/office/officeart/2005/8/layout/process1"/>
+    <dgm:cxn modelId="{6F5F066F-990F-4860-9FA7-7DC0554A6FAF}" type="presParOf" srcId="{8473F472-A6DA-499E-A9E3-6181C25AA393}" destId="{FC533F3E-21C4-4586-877B-1049A244C79F}" srcOrd="0" destOrd="0" presId="urn:microsoft.com/office/officeart/2005/8/layout/process1"/>
+    <dgm:cxn modelId="{2A060BD8-08FF-4596-8443-4716A0F809A1}" type="presParOf" srcId="{74A1E328-16C4-46E8-838F-CEB0FFABED3F}" destId="{0763760D-A53B-47DB-ABA0-2E83E245FB6D}" srcOrd="2" destOrd="0" presId="urn:microsoft.com/office/officeart/2005/8/layout/process1"/>
+    <dgm:cxn modelId="{458046B8-502B-4FA7-9B6C-E2997F3E190E}" type="presParOf" srcId="{74A1E328-16C4-46E8-838F-CEB0FFABED3F}" destId="{289C9159-A2BE-48F7-B603-3FB7BA6BC1B0}" srcOrd="3" destOrd="0" presId="urn:microsoft.com/office/officeart/2005/8/layout/process1"/>
+    <dgm:cxn modelId="{1A86E463-533E-4835-8DF5-B340E5000D38}" type="presParOf" srcId="{289C9159-A2BE-48F7-B603-3FB7BA6BC1B0}" destId="{D2A4AD9F-10AC-4A5C-A11F-052B814E5BE0}" srcOrd="0" destOrd="0" presId="urn:microsoft.com/office/officeart/2005/8/layout/process1"/>
+    <dgm:cxn modelId="{52B94CDD-F7FC-4A84-A6D4-4A6FDA56EB54}" type="presParOf" srcId="{74A1E328-16C4-46E8-838F-CEB0FFABED3F}" destId="{4E44A7E9-E87B-41CE-A12B-521BA66A893F}" srcOrd="4" destOrd="0" presId="urn:microsoft.com/office/officeart/2005/8/layout/process1"/>
+  </dgm:cxnLst>
+  <dgm:bg/>
+  <dgm:whole/>
+  <dgm:extLst>
+    <a:ext uri="http://schemas.microsoft.com/office/drawing/2008/diagram">
+      <dsp:dataModelExt xmlns:dsp="http://schemas.microsoft.com/office/drawing/2008/diagram" relId="rId6" minVer="http://schemas.openxmlformats.org/drawingml/2006/diagram"/>
+    </a:ext>
+  </dgm:extLst>
+</dgm:dataModel>
+</file>
+
+<file path=ppt/diagrams/drawing1.xml><?xml version="1.0" encoding="utf-8"?>
+<dsp:drawing xmlns:dgm="http://schemas.openxmlformats.org/drawingml/2006/diagram" xmlns:dsp="http://schemas.microsoft.com/office/drawing/2008/diagram" xmlns:a="http://schemas.openxmlformats.org/drawingml/2006/main">
+  <dsp:spTree>
+    <dsp:nvGrpSpPr>
+      <dsp:cNvPr id="0" name=""/>
+      <dsp:cNvGrpSpPr/>
+    </dsp:nvGrpSpPr>
+    <dsp:grpSpPr/>
+    <dsp:sp modelId="{37AC90E6-1BDC-4A04-9264-EF8908D26B5F}">
+      <dsp:nvSpPr>
+        <dsp:cNvPr id="0" name=""/>
+        <dsp:cNvSpPr/>
+      </dsp:nvSpPr>
+      <dsp:spPr>
+        <a:xfrm>
+          <a:off x="5602" y="290019"/>
+          <a:ext cx="1674497" cy="1004698"/>
+        </a:xfrm>
+        <a:prstGeom prst="roundRect">
+          <a:avLst>
+            <a:gd name="adj" fmla="val 10000"/>
+          </a:avLst>
+        </a:prstGeom>
+        <a:solidFill>
+          <a:schemeClr val="bg2"/>
+        </a:solidFill>
+        <a:ln w="12700" cap="flat" cmpd="sng" algn="ctr">
+          <a:solidFill>
+            <a:schemeClr val="lt1">
+              <a:hueOff val="0"/>
+              <a:satOff val="0"/>
+              <a:lumOff val="0"/>
+              <a:alphaOff val="0"/>
+            </a:schemeClr>
+          </a:solidFill>
+          <a:prstDash val="solid"/>
+          <a:miter lim="800000"/>
+        </a:ln>
+        <a:effectLst/>
+      </dsp:spPr>
+      <dsp:style>
+        <a:lnRef idx="2">
+          <a:scrgbClr r="0" g="0" b="0"/>
+        </a:lnRef>
+        <a:fillRef idx="1">
+          <a:scrgbClr r="0" g="0" b="0"/>
+        </a:fillRef>
+        <a:effectRef idx="0">
+          <a:scrgbClr r="0" g="0" b="0"/>
+        </a:effectRef>
+        <a:fontRef idx="minor">
+          <a:schemeClr val="lt1"/>
+        </a:fontRef>
+      </dsp:style>
+      <dsp:txBody>
+        <a:bodyPr spcFirstLastPara="0" vert="horz" wrap="square" lIns="95250" tIns="95250" rIns="95250" bIns="95250" numCol="1" spcCol="1270" anchor="ctr" anchorCtr="0">
+          <a:noAutofit/>
+        </a:bodyPr>
+        <a:lstStyle/>
+        <a:p>
+          <a:pPr marL="0" lvl="0" indent="0" algn="ctr" defTabSz="1111250">
+            <a:lnSpc>
+              <a:spcPct val="90000"/>
+            </a:lnSpc>
+            <a:spcBef>
+              <a:spcPct val="0"/>
+            </a:spcBef>
+            <a:spcAft>
+              <a:spcPct val="35000"/>
+            </a:spcAft>
+            <a:buNone/>
+          </a:pPr>
+          <a:r>
+            <a:rPr lang="zh-CN" altLang="en-US" sz="2500" b="1" kern="1200" dirty="0">
+              <a:solidFill>
+                <a:srgbClr val="000090"/>
+              </a:solidFill>
+              <a:ea typeface="楷体" pitchFamily="49" charset="-122"/>
+            </a:rPr>
+            <a:t>目标姿态变化</a:t>
+          </a:r>
+          <a:endParaRPr lang="zh-CN" altLang="en-US" sz="2500" kern="1200" dirty="0"/>
+        </a:p>
+      </dsp:txBody>
+      <dsp:txXfrm>
+        <a:off x="35029" y="319446"/>
+        <a:ext cx="1615643" cy="945844"/>
+      </dsp:txXfrm>
+    </dsp:sp>
+    <dsp:sp modelId="{8473F472-A6DA-499E-A9E3-6181C25AA393}">
+      <dsp:nvSpPr>
+        <dsp:cNvPr id="0" name=""/>
+        <dsp:cNvSpPr/>
+      </dsp:nvSpPr>
+      <dsp:spPr>
+        <a:xfrm>
+          <a:off x="1847549" y="584731"/>
+          <a:ext cx="354993" cy="415275"/>
+        </a:xfrm>
+        <a:prstGeom prst="rightArrow">
+          <a:avLst>
+            <a:gd name="adj1" fmla="val 60000"/>
+            <a:gd name="adj2" fmla="val 50000"/>
+          </a:avLst>
+        </a:prstGeom>
+        <a:solidFill>
+          <a:schemeClr val="accent1">
+            <a:tint val="60000"/>
+            <a:hueOff val="0"/>
+            <a:satOff val="0"/>
+            <a:lumOff val="0"/>
+            <a:alphaOff val="0"/>
+          </a:schemeClr>
+        </a:solidFill>
+        <a:ln>
+          <a:noFill/>
+        </a:ln>
+        <a:effectLst/>
+      </dsp:spPr>
+      <dsp:style>
+        <a:lnRef idx="0">
+          <a:scrgbClr r="0" g="0" b="0"/>
+        </a:lnRef>
+        <a:fillRef idx="1">
+          <a:scrgbClr r="0" g="0" b="0"/>
+        </a:fillRef>
+        <a:effectRef idx="0">
+          <a:scrgbClr r="0" g="0" b="0"/>
+        </a:effectRef>
+        <a:fontRef idx="minor">
+          <a:schemeClr val="lt1"/>
+        </a:fontRef>
+      </dsp:style>
+      <dsp:txBody>
+        <a:bodyPr spcFirstLastPara="0" vert="horz" wrap="square" lIns="0" tIns="0" rIns="0" bIns="0" numCol="1" spcCol="1270" anchor="ctr" anchorCtr="0">
+          <a:noAutofit/>
+        </a:bodyPr>
+        <a:lstStyle/>
+        <a:p>
+          <a:pPr marL="0" lvl="0" indent="0" algn="ctr" defTabSz="755650">
+            <a:lnSpc>
+              <a:spcPct val="90000"/>
+            </a:lnSpc>
+            <a:spcBef>
+              <a:spcPct val="0"/>
+            </a:spcBef>
+            <a:spcAft>
+              <a:spcPct val="35000"/>
+            </a:spcAft>
+            <a:buNone/>
+          </a:pPr>
+          <a:endParaRPr lang="zh-CN" altLang="en-US" sz="1700" kern="1200"/>
+        </a:p>
+      </dsp:txBody>
+      <dsp:txXfrm>
+        <a:off x="1847549" y="667786"/>
+        <a:ext cx="248495" cy="249165"/>
+      </dsp:txXfrm>
+    </dsp:sp>
+    <dsp:sp modelId="{0763760D-A53B-47DB-ABA0-2E83E245FB6D}">
+      <dsp:nvSpPr>
+        <dsp:cNvPr id="0" name=""/>
+        <dsp:cNvSpPr/>
+      </dsp:nvSpPr>
+      <dsp:spPr>
+        <a:xfrm>
+          <a:off x="2349899" y="290019"/>
+          <a:ext cx="1674497" cy="1004698"/>
+        </a:xfrm>
+        <a:prstGeom prst="roundRect">
+          <a:avLst>
+            <a:gd name="adj" fmla="val 10000"/>
+          </a:avLst>
+        </a:prstGeom>
+        <a:solidFill>
+          <a:schemeClr val="bg2"/>
+        </a:solidFill>
+        <a:ln w="12700" cap="flat" cmpd="sng" algn="ctr">
+          <a:solidFill>
+            <a:schemeClr val="lt1">
+              <a:hueOff val="0"/>
+              <a:satOff val="0"/>
+              <a:lumOff val="0"/>
+              <a:alphaOff val="0"/>
+            </a:schemeClr>
+          </a:solidFill>
+          <a:prstDash val="solid"/>
+          <a:miter lim="800000"/>
+        </a:ln>
+        <a:effectLst/>
+      </dsp:spPr>
+      <dsp:style>
+        <a:lnRef idx="2">
+          <a:scrgbClr r="0" g="0" b="0"/>
+        </a:lnRef>
+        <a:fillRef idx="1">
+          <a:scrgbClr r="0" g="0" b="0"/>
+        </a:fillRef>
+        <a:effectRef idx="0">
+          <a:scrgbClr r="0" g="0" b="0"/>
+        </a:effectRef>
+        <a:fontRef idx="minor">
+          <a:schemeClr val="lt1"/>
+        </a:fontRef>
+      </dsp:style>
+      <dsp:txBody>
+        <a:bodyPr spcFirstLastPara="0" vert="horz" wrap="square" lIns="95250" tIns="95250" rIns="95250" bIns="95250" numCol="1" spcCol="1270" anchor="ctr" anchorCtr="0">
+          <a:noAutofit/>
+        </a:bodyPr>
+        <a:lstStyle/>
+        <a:p>
+          <a:pPr marL="0" lvl="0" indent="0" algn="ctr" defTabSz="1111250">
+            <a:lnSpc>
+              <a:spcPct val="90000"/>
+            </a:lnSpc>
+            <a:spcBef>
+              <a:spcPct val="0"/>
+            </a:spcBef>
+            <a:spcAft>
+              <a:spcPct val="35000"/>
+            </a:spcAft>
+            <a:buNone/>
+          </a:pPr>
+          <a:r>
+            <a:rPr lang="zh-CN" altLang="en-US" sz="2500" b="1" kern="1200" dirty="0">
+              <a:solidFill>
+                <a:srgbClr val="000090"/>
+              </a:solidFill>
+              <a:ea typeface="楷体" pitchFamily="49" charset="-122"/>
+            </a:rPr>
+            <a:t>观测散射截面变化 </a:t>
+          </a:r>
+          <a:endParaRPr lang="zh-CN" altLang="en-US" sz="2500" kern="1200" dirty="0"/>
+        </a:p>
+      </dsp:txBody>
+      <dsp:txXfrm>
+        <a:off x="2379326" y="319446"/>
+        <a:ext cx="1615643" cy="945844"/>
+      </dsp:txXfrm>
+    </dsp:sp>
+    <dsp:sp modelId="{289C9159-A2BE-48F7-B603-3FB7BA6BC1B0}">
+      <dsp:nvSpPr>
+        <dsp:cNvPr id="0" name=""/>
+        <dsp:cNvSpPr/>
+      </dsp:nvSpPr>
+      <dsp:spPr>
+        <a:xfrm>
+          <a:off x="4191846" y="584731"/>
+          <a:ext cx="354993" cy="415275"/>
+        </a:xfrm>
+        <a:prstGeom prst="rightArrow">
+          <a:avLst>
+            <a:gd name="adj1" fmla="val 60000"/>
+            <a:gd name="adj2" fmla="val 50000"/>
+          </a:avLst>
+        </a:prstGeom>
+        <a:solidFill>
+          <a:schemeClr val="accent1">
+            <a:tint val="60000"/>
+            <a:hueOff val="0"/>
+            <a:satOff val="0"/>
+            <a:lumOff val="0"/>
+            <a:alphaOff val="0"/>
+          </a:schemeClr>
+        </a:solidFill>
+        <a:ln>
+          <a:noFill/>
+        </a:ln>
+        <a:effectLst/>
+      </dsp:spPr>
+      <dsp:style>
+        <a:lnRef idx="0">
+          <a:scrgbClr r="0" g="0" b="0"/>
+        </a:lnRef>
+        <a:fillRef idx="1">
+          <a:scrgbClr r="0" g="0" b="0"/>
+        </a:fillRef>
+        <a:effectRef idx="0">
+          <a:scrgbClr r="0" g="0" b="0"/>
+        </a:effectRef>
+        <a:fontRef idx="minor">
+          <a:schemeClr val="lt1"/>
+        </a:fontRef>
+      </dsp:style>
+      <dsp:txBody>
+        <a:bodyPr spcFirstLastPara="0" vert="horz" wrap="square" lIns="0" tIns="0" rIns="0" bIns="0" numCol="1" spcCol="1270" anchor="ctr" anchorCtr="0">
+          <a:noAutofit/>
+        </a:bodyPr>
+        <a:lstStyle/>
+        <a:p>
+          <a:pPr marL="0" lvl="0" indent="0" algn="ctr" defTabSz="755650">
+            <a:lnSpc>
+              <a:spcPct val="90000"/>
+            </a:lnSpc>
+            <a:spcBef>
+              <a:spcPct val="0"/>
+            </a:spcBef>
+            <a:spcAft>
+              <a:spcPct val="35000"/>
+            </a:spcAft>
+            <a:buNone/>
+          </a:pPr>
+          <a:endParaRPr lang="zh-CN" altLang="en-US" sz="1700" kern="1200"/>
+        </a:p>
+      </dsp:txBody>
+      <dsp:txXfrm>
+        <a:off x="4191846" y="667786"/>
+        <a:ext cx="248495" cy="249165"/>
+      </dsp:txXfrm>
+    </dsp:sp>
+    <dsp:sp modelId="{4E44A7E9-E87B-41CE-A12B-521BA66A893F}">
+      <dsp:nvSpPr>
+        <dsp:cNvPr id="0" name=""/>
+        <dsp:cNvSpPr/>
+      </dsp:nvSpPr>
+      <dsp:spPr>
+        <a:xfrm>
+          <a:off x="4694195" y="290019"/>
+          <a:ext cx="1674497" cy="1004698"/>
+        </a:xfrm>
+        <a:prstGeom prst="roundRect">
+          <a:avLst>
+            <a:gd name="adj" fmla="val 10000"/>
+          </a:avLst>
+        </a:prstGeom>
+        <a:solidFill>
+          <a:schemeClr val="bg2"/>
+        </a:solidFill>
+        <a:ln w="12700" cap="flat" cmpd="sng" algn="ctr">
+          <a:solidFill>
+            <a:schemeClr val="lt1">
+              <a:hueOff val="0"/>
+              <a:satOff val="0"/>
+              <a:lumOff val="0"/>
+              <a:alphaOff val="0"/>
+            </a:schemeClr>
+          </a:solidFill>
+          <a:prstDash val="solid"/>
+          <a:miter lim="800000"/>
+        </a:ln>
+        <a:effectLst/>
+      </dsp:spPr>
+      <dsp:style>
+        <a:lnRef idx="2">
+          <a:scrgbClr r="0" g="0" b="0"/>
+        </a:lnRef>
+        <a:fillRef idx="1">
+          <a:scrgbClr r="0" g="0" b="0"/>
+        </a:fillRef>
+        <a:effectRef idx="0">
+          <a:scrgbClr r="0" g="0" b="0"/>
+        </a:effectRef>
+        <a:fontRef idx="minor">
+          <a:schemeClr val="lt1"/>
+        </a:fontRef>
+      </dsp:style>
+      <dsp:txBody>
+        <a:bodyPr spcFirstLastPara="0" vert="horz" wrap="square" lIns="95250" tIns="95250" rIns="95250" bIns="95250" numCol="1" spcCol="1270" anchor="ctr" anchorCtr="0">
+          <a:noAutofit/>
+        </a:bodyPr>
+        <a:lstStyle/>
+        <a:p>
+          <a:pPr marL="0" lvl="0" indent="0" algn="ctr" defTabSz="1111250">
+            <a:lnSpc>
+              <a:spcPct val="90000"/>
+            </a:lnSpc>
+            <a:spcBef>
+              <a:spcPct val="0"/>
+            </a:spcBef>
+            <a:spcAft>
+              <a:spcPct val="35000"/>
+            </a:spcAft>
+            <a:buNone/>
+          </a:pPr>
+          <a:r>
+            <a:rPr lang="zh-CN" altLang="en-US" sz="2500" b="1" kern="1200" dirty="0">
+              <a:solidFill>
+                <a:srgbClr val="000090"/>
+              </a:solidFill>
+              <a:ea typeface="楷体" pitchFamily="49" charset="-122"/>
+            </a:rPr>
+            <a:t>散射特征变化</a:t>
+          </a:r>
+          <a:endParaRPr lang="zh-CN" altLang="en-US" sz="2500" kern="1200" dirty="0"/>
+        </a:p>
+      </dsp:txBody>
+      <dsp:txXfrm>
+        <a:off x="4723622" y="319446"/>
+        <a:ext cx="1615643" cy="945844"/>
+      </dsp:txXfrm>
+    </dsp:sp>
+  </dsp:spTree>
+</dsp:drawing>
+</file>
+
+<file path=ppt/diagrams/layout1.xml><?xml version="1.0" encoding="utf-8"?>
+<dgm:layoutDef xmlns:dgm="http://schemas.openxmlformats.org/drawingml/2006/diagram" xmlns:a="http://schemas.openxmlformats.org/drawingml/2006/main" uniqueId="urn:microsoft.com/office/officeart/2005/8/layout/process1">
+  <dgm:title val=""/>
+  <dgm:desc val=""/>
+  <dgm:catLst>
+    <dgm:cat type="process" pri="1000"/>
+    <dgm:cat type="convert" pri="15000"/>
+  </dgm:catLst>
+  <dgm:sampData useDef="1">
+    <dgm:dataModel>
+      <dgm:ptLst/>
+      <dgm:bg/>
+      <dgm:whole/>
+    </dgm:dataModel>
+  </dgm:sampData>
+  <dgm:styleData>
+    <dgm:dataModel>
+      <dgm:ptLst>
+        <dgm:pt modelId="0" type="doc"/>
+        <dgm:pt modelId="1"/>
+        <dgm:pt modelId="2"/>
+      </dgm:ptLst>
+      <dgm:cxnLst>
+        <dgm:cxn modelId="3" srcId="0" destId="1" srcOrd="0" destOrd="0"/>
+        <dgm:cxn modelId="4" srcId="0" destId="2" srcOrd="1" destOrd="0"/>
+      </dgm:cxnLst>
+      <dgm:bg/>
+      <dgm:whole/>
+    </dgm:dataModel>
+  </dgm:styleData>
+  <dgm:clrData>
+    <dgm:dataModel>
+      <dgm:ptLst>
+        <dgm:pt modelId="0" type="doc"/>
+        <dgm:pt modelId="1"/>
+        <dgm:pt modelId="2"/>
+        <dgm:pt modelId="3"/>
+        <dgm:pt modelId="4"/>
+      </dgm:ptLst>
+      <dgm:cxnLst>
+        <dgm:cxn modelId="5" srcId="0" destId="1" srcOrd="0" destOrd="0"/>
+        <dgm:cxn modelId="6" srcId="0" destId="2" srcOrd="1" destOrd="0"/>
+        <dgm:cxn modelId="7" srcId="0" destId="3" srcOrd="2" destOrd="0"/>
+        <dgm:cxn modelId="8" srcId="0" destId="4" srcOrd="3" destOrd="0"/>
+      </dgm:cxnLst>
+      <dgm:bg/>
+      <dgm:whole/>
+    </dgm:dataModel>
+  </dgm:clrData>
+  <dgm:layoutNode name="Name0">
+    <dgm:varLst>
+      <dgm:dir/>
+      <dgm:resizeHandles val="exact"/>
+    </dgm:varLst>
+    <dgm:choose name="Name1">
+      <dgm:if name="Name2" func="var" arg="dir" op="equ" val="norm">
+        <dgm:alg type="lin"/>
+      </dgm:if>
+      <dgm:else name="Name3">
+        <dgm:alg type="lin">
+          <dgm:param type="linDir" val="fromR"/>
+        </dgm:alg>
+      </dgm:else>
+    </dgm:choose>
+    <dgm:shape xmlns:r="http://schemas.openxmlformats.org/officeDocument/2006/relationships" r:blip="">
+      <dgm:adjLst/>
+    </dgm:shape>
+    <dgm:presOf/>
+    <dgm:constrLst>
+      <dgm:constr type="w" for="ch" ptType="node" refType="w"/>
+      <dgm:constr type="h" for="ch" ptType="node" op="equ"/>
+      <dgm:constr type="primFontSz" for="ch" ptType="node" op="equ" val="65"/>
+      <dgm:constr type="w" for="ch" ptType="sibTrans" refType="w" refFor="ch" refPtType="node" op="equ" fact="0.4"/>
+      <dgm:constr type="h" for="ch" ptType="sibTrans" op="equ"/>
+      <dgm:constr type="primFontSz" for="des" forName="connectorText" op="equ" val="55"/>
+      <dgm:constr type="primFontSz" for="des" forName="connectorText" refType="primFontSz" refFor="ch" refPtType="node" op="lte" fact="0.8"/>
+    </dgm:constrLst>
+    <dgm:ruleLst/>
+    <dgm:forEach name="nodesForEach" axis="ch" ptType="node">
+      <dgm:layoutNode name="node">
+        <dgm:varLst>
+          <dgm:bulletEnabled val="1"/>
+        </dgm:varLst>
+        <dgm:alg type="tx"/>
+        <dgm:shape xmlns:r="http://schemas.openxmlformats.org/officeDocument/2006/relationships" type="roundRect" r:blip="">
+          <dgm:adjLst>
+            <dgm:adj idx="1" val="0.1"/>
+          </dgm:adjLst>
+        </dgm:shape>
+        <dgm:presOf axis="desOrSelf" ptType="node"/>
+        <dgm:constrLst>
+          <dgm:constr type="h" refType="w" fact="0.6"/>
+          <dgm:constr type="tMarg" refType="primFontSz" fact="0.3"/>
+          <dgm:constr type="bMarg" refType="primFontSz" fact="0.3"/>
+          <dgm:constr type="lMarg" refType="primFontSz" fact="0.3"/>
+          <dgm:constr type="rMarg" refType="primFontSz" fact="0.3"/>
+        </dgm:constrLst>
+        <dgm:ruleLst>
+          <dgm:rule type="primFontSz" val="18" fact="NaN" max="NaN"/>
+          <dgm:rule type="h" val="NaN" fact="1.5" max="NaN"/>
+          <dgm:rule type="primFontSz" val="5" fact="NaN" max="NaN"/>
+          <dgm:rule type="h" val="INF" fact="NaN" max="NaN"/>
+        </dgm:ruleLst>
+      </dgm:layoutNode>
+      <dgm:forEach name="sibTransForEach" axis="followSib" ptType="sibTrans" cnt="1">
+        <dgm:layoutNode name="sibTrans">
+          <dgm:alg type="conn">
+            <dgm:param type="begPts" val="auto"/>
+            <dgm:param type="endPts" val="auto"/>
+          </dgm:alg>
+          <dgm:shape xmlns:r="http://schemas.openxmlformats.org/officeDocument/2006/relationships" type="conn" r:blip="">
+            <dgm:adjLst/>
+          </dgm:shape>
+          <dgm:presOf axis="self"/>
+          <dgm:constrLst>
+            <dgm:constr type="h" refType="w" fact="0.62"/>
+            <dgm:constr type="connDist"/>
+            <dgm:constr type="begPad" refType="connDist" fact="0.25"/>
+            <dgm:constr type="endPad" refType="connDist" fact="0.22"/>
+          </dgm:constrLst>
+          <dgm:ruleLst/>
+          <dgm:layoutNode name="connectorText">
+            <dgm:alg type="tx">
+              <dgm:param type="autoTxRot" val="grav"/>
+            </dgm:alg>
+            <dgm:shape xmlns:r="http://schemas.openxmlformats.org/officeDocument/2006/relationships" type="conn" r:blip="" hideGeom="1">
+              <dgm:adjLst/>
+            </dgm:shape>
+            <dgm:presOf axis="self"/>
+            <dgm:constrLst>
+              <dgm:constr type="lMarg"/>
+              <dgm:constr type="rMarg"/>
+              <dgm:constr type="tMarg"/>
+              <dgm:constr type="bMarg"/>
+            </dgm:constrLst>
+            <dgm:ruleLst>
+              <dgm:rule type="primFontSz" val="5" fact="NaN" max="NaN"/>
+            </dgm:ruleLst>
+          </dgm:layoutNode>
+        </dgm:layoutNode>
+      </dgm:forEach>
+    </dgm:forEach>
+  </dgm:layoutNode>
+</dgm:layoutDef>
+</file>
+
+<file path=ppt/diagrams/quickStyle1.xml><?xml version="1.0" encoding="utf-8"?>
+<dgm:styleDef xmlns:dgm="http://schemas.openxmlformats.org/drawingml/2006/diagram" xmlns:a="http://schemas.openxmlformats.org/drawingml/2006/main" uniqueId="urn:microsoft.com/office/officeart/2005/8/quickstyle/simple1#4">
+  <dgm:title val=""/>
+  <dgm:desc val=""/>
+  <dgm:catLst>
+    <dgm:cat type="simple" pri="10100"/>
+  </dgm:catLst>
+  <dgm:scene3d>
+    <a:camera prst="orthographicFront"/>
+    <a:lightRig rig="threePt" dir="t"/>
+  </dgm:scene3d>
+  <dgm:styleLbl name="node0">
+    <dgm:scene3d>
+      <a:camera prst="orthographicFront"/>
+      <a:lightRig rig="threePt" dir="t"/>
+    </dgm:scene3d>
+    <dgm:sp3d/>
+    <dgm:txPr/>
+    <dgm:style>
+      <a:lnRef idx="2">
+        <a:scrgbClr r="0" g="0" b="0"/>
+      </a:lnRef>
+      <a:fillRef idx="1">
+        <a:scrgbClr r="0" g="0" b="0"/>
+      </a:fillRef>
+      <a:effectRef idx="0">
+        <a:scrgbClr r="0" g="0" b="0"/>
+      </a:effectRef>
+      <a:fontRef idx="minor">
+        <a:schemeClr val="lt1"/>
+      </a:fontRef>
+    </dgm:style>
+  </dgm:styleLbl>
+  <dgm:styleLbl name="lnNode1">
+    <dgm:scene3d>
+      <a:camera prst="orthographicFront"/>
+      <a:lightRig rig="threePt" dir="t"/>
+    </dgm:scene3d>
+    <dgm:sp3d/>
+    <dgm:txPr/>
+    <dgm:style>
+      <a:lnRef idx="2">
+        <a:scrgbClr r="0" g="0" b="0"/>
+      </a:lnRef>
+      <a:fillRef idx="1">
+        <a:scrgbClr r="0" g="0" b="0"/>
+      </a:fillRef>
+      <a:effectRef idx="0">
+        <a:scrgbClr r="0" g="0" b="0"/>
+      </a:effectRef>
+      <a:fontRef idx="minor">
+        <a:schemeClr val="lt1"/>
+      </a:fontRef>
+    </dgm:style>
+  </dgm:styleLbl>
+  <dgm:styleLbl name="vennNode1">
+    <dgm:scene3d>
+      <a:camera prst="orthographicFront"/>
+      <a:lightRig rig="threePt" dir="t"/>
+    </dgm:scene3d>
+    <dgm:sp3d/>
+    <dgm:txPr/>
+    <dgm:style>
+      <a:lnRef idx="2">
+        <a:scrgbClr r="0" g="0" b="0"/>
+      </a:lnRef>
+      <a:fillRef idx="1">
+        <a:scrgbClr r="0" g="0" b="0"/>
+      </a:fillRef>
+      <a:effectRef idx="0">
+        <a:scrgbClr r="0" g="0" b="0"/>
+      </a:effectRef>
+      <a:fontRef idx="minor">
+        <a:schemeClr val="tx1"/>
+      </a:fontRef>
+    </dgm:style>
+  </dgm:styleLbl>
+  <dgm:styleLbl name="alignNode1">
+    <dgm:scene3d>
+      <a:camera prst="orthographicFront"/>
+      <a:lightRig rig="threePt" dir="t"/>
+    </dgm:scene3d>
+    <dgm:sp3d/>
+    <dgm:txPr/>
+    <dgm:style>
+      <a:lnRef idx="2">
+        <a:scrgbClr r="0" g="0" b="0"/>
+      </a:lnRef>
+      <a:fillRef idx="1">
+        <a:scrgbClr r="0" g="0" b="0"/>
+      </a:fillRef>
+      <a:effectRef idx="0">
+        <a:scrgbClr r="0" g="0" b="0"/>
+      </a:effectRef>
+      <a:fontRef idx="minor">
+        <a:schemeClr val="lt1"/>
+      </a:fontRef>
+    </dgm:style>
+  </dgm:styleLbl>
+  <dgm:styleLbl name="node1">
+    <dgm:scene3d>
+      <a:camera prst="orthographicFront"/>
+      <a:lightRig rig="threePt" dir="t"/>
+    </dgm:scene3d>
+    <dgm:sp3d/>
+    <dgm:txPr/>
+    <dgm:style>
+      <a:lnRef idx="2">
+        <a:scrgbClr r="0" g="0" b="0"/>
+      </a:lnRef>
+      <a:fillRef idx="1">
+        <a:scrgbClr r="0" g="0" b="0"/>
+      </a:fillRef>
+      <a:effectRef idx="0">
+        <a:scrgbClr r="0" g="0" b="0"/>
+      </a:effectRef>
+      <a:fontRef idx="minor">
+        <a:schemeClr val="lt1"/>
+      </a:fontRef>
+    </dgm:style>
+  </dgm:styleLbl>
+  <dgm:styleLbl name="node2">
+    <dgm:scene3d>
+      <a:camera prst="orthographicFront"/>
+      <a:lightRig rig="threePt" dir="t"/>
+    </dgm:scene3d>
+    <dgm:sp3d/>
+    <dgm:txPr/>
+    <dgm:style>
+      <a:lnRef idx="2">
+        <a:scrgbClr r="0" g="0" b="0"/>
+      </a:lnRef>
+      <a:fillRef idx="1">
+        <a:scrgbClr r="0" g="0" b="0"/>
+      </a:fillRef>
+      <a:effectRef idx="0">
+        <a:scrgbClr r="0" g="0" b="0"/>
+      </a:effectRef>
+      <a:fontRef idx="minor">
+        <a:schemeClr val="lt1"/>
+      </a:fontRef>
+    </dgm:style>
+  </dgm:styleLbl>
+  <dgm:styleLbl name="node3">
+    <dgm:scene3d>
+      <a:camera prst="orthographicFront"/>
+      <a:lightRig rig="threePt" dir="t"/>
+    </dgm:scene3d>
+    <dgm:sp3d/>
+    <dgm:txPr/>
+    <dgm:style>
+      <a:lnRef idx="2">
+        <a:scrgbClr r="0" g="0" b="0"/>
+      </a:lnRef>
+      <a:fillRef idx="1">
+        <a:scrgbClr r="0" g="0" b="0"/>
+      </a:fillRef>
+      <a:effectRef idx="0">
+        <a:scrgbClr r="0" g="0" b="0"/>
+      </a:effectRef>
+      <a:fontRef idx="minor">
+        <a:schemeClr val="lt1"/>
+      </a:fontRef>
+    </dgm:style>
+  </dgm:styleLbl>
+  <dgm:styleLbl name="node4">
+    <dgm:scene3d>
+      <a:camera prst="orthographicFront"/>
+      <a:lightRig rig="threePt" dir="t"/>
+    </dgm:scene3d>
+    <dgm:sp3d/>
+    <dgm:txPr/>
+    <dgm:style>
+      <a:lnRef idx="2">
+        <a:scrgbClr r="0" g="0" b="0"/>
+      </a:lnRef>
+      <a:fillRef idx="1">
+        <a:scrgbClr r="0" g="0" b="0"/>
+      </a:fillRef>
+      <a:effectRef idx="0">
+        <a:scrgbClr r="0" g="0" b="0"/>
+      </a:effectRef>
+      <a:fontRef idx="minor">
+        <a:schemeClr val="lt1"/>
+      </a:fontRef>
+    </dgm:style>
+  </dgm:styleLbl>
+  <dgm:styleLbl name="fgImgPlace1">
+    <dgm:scene3d>
+      <a:camera prst="orthographicFront"/>
+      <a:lightRig rig="threePt" dir="t"/>
+    </dgm:scene3d>
+    <dgm:sp3d/>
+    <dgm:txPr/>
+    <dgm:style>
+      <a:lnRef idx="2">
+        <a:scrgbClr r="0" g="0" b="0"/>
+      </a:lnRef>
+      <a:fillRef idx="1">
+        <a:scrgbClr r="0" g="0" b="0"/>
+      </a:fillRef>
+      <a:effectRef idx="0">
+        <a:scrgbClr r="0" g="0" b="0"/>
+      </a:effectRef>
+      <a:fontRef idx="minor"/>
+    </dgm:style>
+  </dgm:styleLbl>
+  <dgm:styleLbl name="alignImgPlace1">
+    <dgm:scene3d>
+      <a:camera prst="orthographicFront"/>
+      <a:lightRig rig="threePt" dir="t"/>
+    </dgm:scene3d>
+    <dgm:sp3d/>
+    <dgm:txPr/>
+    <dgm:style>
+      <a:lnRef idx="2">
+        <a:scrgbClr r="0" g="0" b="0"/>
+      </a:lnRef>
+      <a:fillRef idx="1">
+        <a:scrgbClr r="0" g="0" b="0"/>
+      </a:fillRef>
+      <a:effectRef idx="0">
+        <a:scrgbClr r="0" g="0" b="0"/>
+      </a:effectRef>
+      <a:fontRef idx="minor"/>
+    </dgm:style>
+  </dgm:styleLbl>
+  <dgm:styleLbl name="bgImgPlace1">
+    <dgm:scene3d>
+      <a:camera prst="orthographicFront"/>
+      <a:lightRig rig="threePt" dir="t"/>
+    </dgm:scene3d>
+    <dgm:sp3d/>
+    <dgm:txPr/>
+    <dgm:style>
+      <a:lnRef idx="2">
+        <a:scrgbClr r="0" g="0" b="0"/>
+      </a:lnRef>
+      <a:fillRef idx="1">
+        <a:scrgbClr r="0" g="0" b="0"/>
+      </a:fillRef>
+      <a:effectRef idx="0">
+        <a:scrgbClr r="0" g="0" b="0"/>
+      </a:effectRef>
+      <a:fontRef idx="minor"/>
+    </dgm:style>
+  </dgm:styleLbl>
+  <dgm:styleLbl name="sibTrans2D1">
+    <dgm:scene3d>
+      <a:camera prst="orthographicFront"/>
+      <a:lightRig rig="threePt" dir="t"/>
+    </dgm:scene3d>
+    <dgm:sp3d/>
+    <dgm:txPr/>
+    <dgm:style>
+      <a:lnRef idx="0">
+        <a:scrgbClr r="0" g="0" b="0"/>
+      </a:lnRef>
+      <a:fillRef idx="1">
+        <a:scrgbClr r="0" g="0" b="0"/>
+      </a:fillRef>
+      <a:effectRef idx="0">
+        <a:scrgbClr r="0" g="0" b="0"/>
+      </a:effectRef>
+      <a:fontRef idx="minor">
+        <a:schemeClr val="lt1"/>
+      </a:fontRef>
+    </dgm:style>
+  </dgm:styleLbl>
+  <dgm:styleLbl name="fgSibTrans2D1">
+    <dgm:scene3d>
+      <a:camera prst="orthographicFront"/>
+      <a:lightRig rig="threePt" dir="t"/>
+    </dgm:scene3d>
+    <dgm:sp3d/>
+    <dgm:txPr/>
+    <dgm:style>
+      <a:lnRef idx="0">
+        <a:scrgbClr r="0" g="0" b="0"/>
+      </a:lnRef>
+      <a:fillRef idx="1">
+        <a:scrgbClr r="0" g="0" b="0"/>
+      </a:fillRef>
+      <a:effectRef idx="0">
+        <a:scrgbClr r="0" g="0" b="0"/>
+      </a:effectRef>
+      <a:fontRef idx="minor">
+        <a:schemeClr val="lt1"/>
+      </a:fontRef>
+    </dgm:style>
+  </dgm:styleLbl>
+  <dgm:styleLbl name="bgSibTrans2D1">
+    <dgm:scene3d>
+      <a:camera prst="orthographicFront"/>
+      <a:lightRig rig="threePt" dir="t"/>
+    </dgm:scene3d>
+    <dgm:sp3d/>
+    <dgm:txPr/>
+    <dgm:style>
+      <a:lnRef idx="0">
+        <a:scrgbClr r="0" g="0" b="0"/>
+      </a:lnRef>
+      <a:fillRef idx="1">
+        <a:scrgbClr r="0" g="0" b="0"/>
+      </a:fillRef>
+      <a:effectRef idx="0">
+        <a:scrgbClr r="0" g="0" b="0"/>
+      </a:effectRef>
+      <a:fontRef idx="minor">
+        <a:schemeClr val="lt1"/>
+      </a:fontRef>
+    </dgm:style>
+  </dgm:styleLbl>
+  <dgm:styleLbl name="sibTrans1D1">
+    <dgm:scene3d>
+      <a:camera prst="orthographicFront"/>
+      <a:lightRig rig="threePt" dir="t"/>
+    </dgm:scene3d>
+    <dgm:sp3d/>
+    <dgm:txPr/>
+    <dgm:style>
+      <a:lnRef idx="1">
+        <a:scrgbClr r="0" g="0" b="0"/>
+      </a:lnRef>
+      <a:fillRef idx="0">
+        <a:scrgbClr r="0" g="0" b="0"/>
+      </a:fillRef>
+      <a:effectRef idx="0">
+        <a:scrgbClr r="0" g="0" b="0"/>
+      </a:effectRef>
+      <a:fontRef idx="minor"/>
+    </dgm:style>
+  </dgm:styleLbl>
+  <dgm:styleLbl name="callout">
+    <dgm:scene3d>
+      <a:camera prst="orthographicFront"/>
+      <a:lightRig rig="threePt" dir="t"/>
+    </dgm:scene3d>
+    <dgm:sp3d/>
+    <dgm:txPr/>
+    <dgm:style>
+      <a:lnRef idx="2">
+        <a:scrgbClr r="0" g="0" b="0"/>
+      </a:lnRef>
+      <a:fillRef idx="1">
+        <a:scrgbClr r="0" g="0" b="0"/>
+      </a:fillRef>
+      <a:effectRef idx="0">
+        <a:scrgbClr r="0" g="0" b="0"/>
+      </a:effectRef>
+      <a:fontRef idx="minor"/>
+    </dgm:style>
+  </dgm:styleLbl>
+  <dgm:styleLbl name="asst0">
+    <dgm:scene3d>
+      <a:camera prst="orthographicFront"/>
+      <a:lightRig rig="threePt" dir="t"/>
+    </dgm:scene3d>
+    <dgm:sp3d/>
+    <dgm:txPr/>
+    <dgm:style>
+      <a:lnRef idx="2">
+        <a:scrgbClr r="0" g="0" b="0"/>
+      </a:lnRef>
+      <a:fillRef idx="1">
+        <a:scrgbClr r="0" g="0" b="0"/>
+      </a:fillRef>
+      <a:effectRef idx="0">
+        <a:scrgbClr r="0" g="0" b="0"/>
+      </a:effectRef>
+      <a:fontRef idx="minor">
+        <a:schemeClr val="lt1"/>
+      </a:fontRef>
+    </dgm:style>
+  </dgm:styleLbl>
+  <dgm:styleLbl name="asst1">
+    <dgm:scene3d>
+      <a:camera prst="orthographicFront"/>
+      <a:lightRig rig="threePt" dir="t"/>
+    </dgm:scene3d>
+    <dgm:sp3d/>
+    <dgm:txPr/>
+    <dgm:style>
+      <a:lnRef idx="2">
+        <a:scrgbClr r="0" g="0" b="0"/>
+      </a:lnRef>
+      <a:fillRef idx="1">
+        <a:scrgbClr r="0" g="0" b="0"/>
+      </a:fillRef>
+      <a:effectRef idx="0">
+        <a:scrgbClr r="0" g="0" b="0"/>
+      </a:effectRef>
+      <a:fontRef idx="minor">
+        <a:schemeClr val="lt1"/>
+      </a:fontRef>
+    </dgm:style>
+  </dgm:styleLbl>
+  <dgm:styleLbl name="asst2">
+    <dgm:scene3d>
+      <a:camera prst="orthographicFront"/>
+      <a:lightRig rig="threePt" dir="t"/>
+    </dgm:scene3d>
+    <dgm:sp3d/>
+    <dgm:txPr/>
+    <dgm:style>
+      <a:lnRef idx="2">
+        <a:scrgbClr r="0" g="0" b="0"/>
+      </a:lnRef>
+      <a:fillRef idx="1">
+        <a:scrgbClr r="0" g="0" b="0"/>
+      </a:fillRef>
+      <a:effectRef idx="0">
+        <a:scrgbClr r="0" g="0" b="0"/>
+      </a:effectRef>
+      <a:fontRef idx="minor">
+        <a:schemeClr val="lt1"/>
+      </a:fontRef>
+    </dgm:style>
+  </dgm:styleLbl>
+  <dgm:styleLbl name="asst3">
+    <dgm:scene3d>
+      <a:camera prst="orthographicFront"/>
+      <a:lightRig rig="threePt" dir="t"/>
+    </dgm:scene3d>
+    <dgm:sp3d/>
+    <dgm:txPr/>
+    <dgm:style>
+      <a:lnRef idx="2">
+        <a:scrgbClr r="0" g="0" b="0"/>
+      </a:lnRef>
+      <a:fillRef idx="1">
+        <a:scrgbClr r="0" g="0" b="0"/>
+      </a:fillRef>
+      <a:effectRef idx="0">
+        <a:scrgbClr r="0" g="0" b="0"/>
+      </a:effectRef>
+      <a:fontRef idx="minor">
+        <a:schemeClr val="lt1"/>
+      </a:fontRef>
+    </dgm:style>
+  </dgm:styleLbl>
+  <dgm:styleLbl name="asst4">
+    <dgm:scene3d>
+      <a:camera prst="orthographicFront"/>
+      <a:lightRig rig="threePt" dir="t"/>
+    </dgm:scene3d>
+    <dgm:sp3d/>
+    <dgm:txPr/>
+    <dgm:style>
+      <a:lnRef idx="2">
+        <a:scrgbClr r="0" g="0" b="0"/>
+      </a:lnRef>
+      <a:fillRef idx="1">
+        <a:scrgbClr r="0" g="0" b="0"/>
+      </a:fillRef>
+      <a:effectRef idx="0">
+        <a:scrgbClr r="0" g="0" b="0"/>
+      </a:effectRef>
+      <a:fontRef idx="minor">
+        <a:schemeClr val="lt1"/>
+      </a:fontRef>
+    </dgm:style>
+  </dgm:styleLbl>
+  <dgm:styleLbl name="parChTrans2D1">
+    <dgm:scene3d>
+      <a:camera prst="orthographicFront"/>
+      <a:lightRig rig="threePt" dir="t"/>
+    </dgm:scene3d>
+    <dgm:sp3d/>
+    <dgm:txPr/>
+    <dgm:style>
+      <a:lnRef idx="2">
+        <a:scrgbClr r="0" g="0" b="0"/>
+      </a:lnRef>
+      <a:fillRef idx="1">
+        <a:scrgbClr r="0" g="0" b="0"/>
+      </a:fillRef>
+      <a:effectRef idx="0">
+        <a:scrgbClr r="0" g="0" b="0"/>
+      </a:effectRef>
+      <a:fontRef idx="minor">
+        <a:schemeClr val="lt1"/>
+      </a:fontRef>
+    </dgm:style>
+  </dgm:styleLbl>
+  <dgm:styleLbl name="parChTrans2D2">
+    <dgm:scene3d>
+      <a:camera prst="orthographicFront"/>
+      <a:lightRig rig="threePt" dir="t"/>
+    </dgm:scene3d>
+    <dgm:sp3d/>
+    <dgm:txPr/>
+    <dgm:style>
+      <a:lnRef idx="2">
+        <a:scrgbClr r="0" g="0" b="0"/>
+      </a:lnRef>
+      <a:fillRef idx="1">
+        <a:scrgbClr r="0" g="0" b="0"/>
+      </a:fillRef>
+      <a:effectRef idx="0">
+        <a:scrgbClr r="0" g="0" b="0"/>
+      </a:effectRef>
+      <a:fontRef idx="minor">
+        <a:schemeClr val="lt1"/>
+      </a:fontRef>
+    </dgm:style>
+  </dgm:styleLbl>
+  <dgm:styleLbl name="parChTrans2D3">
+    <dgm:scene3d>
+      <a:camera prst="orthographicFront"/>
+      <a:lightRig rig="threePt" dir="t"/>
+    </dgm:scene3d>
+    <dgm:sp3d/>
+    <dgm:txPr/>
+    <dgm:style>
+      <a:lnRef idx="2">
+        <a:scrgbClr r="0" g="0" b="0"/>
+      </a:lnRef>
+      <a:fillRef idx="1">
+        <a:scrgbClr r="0" g="0" b="0"/>
+      </a:fillRef>
+      <a:effectRef idx="0">
+        <a:scrgbClr r="0" g="0" b="0"/>
+      </a:effectRef>
+      <a:fontRef idx="minor">
+        <a:schemeClr val="lt1"/>
+      </a:fontRef>
+    </dgm:style>
+  </dgm:styleLbl>
+  <dgm:styleLbl name="parChTrans2D4">
+    <dgm:scene3d>
+      <a:camera prst="orthographicFront"/>
+      <a:lightRig rig="threePt" dir="t"/>
+    </dgm:scene3d>
+    <dgm:sp3d/>
+    <dgm:txPr/>
+    <dgm:style>
+      <a:lnRef idx="2">
+        <a:scrgbClr r="0" g="0" b="0"/>
+      </a:lnRef>
+      <a:fillRef idx="1">
+        <a:scrgbClr r="0" g="0" b="0"/>
+      </a:fillRef>
+      <a:effectRef idx="0">
+        <a:scrgbClr r="0" g="0" b="0"/>
+      </a:effectRef>
+      <a:fontRef idx="minor">
+        <a:schemeClr val="lt1"/>
+      </a:fontRef>
+    </dgm:style>
+  </dgm:styleLbl>
+  <dgm:styleLbl name="parChTrans1D1">
+    <dgm:scene3d>
+      <a:camera prst="orthographicFront"/>
+      <a:lightRig rig="threePt" dir="t"/>
+    </dgm:scene3d>
+    <dgm:sp3d/>
+    <dgm:txPr/>
+    <dgm:style>
+      <a:lnRef idx="2">
+        <a:scrgbClr r="0" g="0" b="0"/>
+      </a:lnRef>
+      <a:fillRef idx="0">
+        <a:scrgbClr r="0" g="0" b="0"/>
+      </a:fillRef>
+      <a:effectRef idx="0">
+        <a:scrgbClr r="0" g="0" b="0"/>
+      </a:effectRef>
+      <a:fontRef idx="minor"/>
+    </dgm:style>
+  </dgm:styleLbl>
+  <dgm:styleLbl name="parChTrans1D2">
+    <dgm:scene3d>
+      <a:camera prst="orthographicFront"/>
+      <a:lightRig rig="threePt" dir="t"/>
+    </dgm:scene3d>
+    <dgm:sp3d/>
+    <dgm:txPr/>
+    <dgm:style>
+      <a:lnRef idx="2">
+        <a:scrgbClr r="0" g="0" b="0"/>
+      </a:lnRef>
+      <a:fillRef idx="0">
+        <a:scrgbClr r="0" g="0" b="0"/>
+      </a:fillRef>
+      <a:effectRef idx="0">
+        <a:scrgbClr r="0" g="0" b="0"/>
+      </a:effectRef>
+      <a:fontRef idx="minor"/>
+    </dgm:style>
+  </dgm:styleLbl>
+  <dgm:styleLbl name="parChTrans1D3">
+    <dgm:scene3d>
+      <a:camera prst="orthographicFront"/>
+      <a:lightRig rig="threePt" dir="t"/>
+    </dgm:scene3d>
+    <dgm:sp3d/>
+    <dgm:txPr/>
+    <dgm:style>
+      <a:lnRef idx="2">
+        <a:scrgbClr r="0" g="0" b="0"/>
+      </a:lnRef>
+      <a:fillRef idx="0">
+        <a:scrgbClr r="0" g="0" b="0"/>
+      </a:fillRef>
+      <a:effectRef idx="0">
+        <a:scrgbClr r="0" g="0" b="0"/>
+      </a:effectRef>
+      <a:fontRef idx="minor"/>
+    </dgm:style>
+  </dgm:styleLbl>
+  <dgm:styleLbl name="parChTrans1D4">
+    <dgm:scene3d>
+      <a:camera prst="orthographicFront"/>
+      <a:lightRig rig="threePt" dir="t"/>
+    </dgm:scene3d>
+    <dgm:sp3d/>
+    <dgm:txPr/>
+    <dgm:style>
+      <a:lnRef idx="2">
+        <a:scrgbClr r="0" g="0" b="0"/>
+      </a:lnRef>
+      <a:fillRef idx="0">
+        <a:scrgbClr r="0" g="0" b="0"/>
+      </a:fillRef>
+      <a:effectRef idx="0">
+        <a:scrgbClr r="0" g="0" b="0"/>
+      </a:effectRef>
+      <a:fontRef idx="minor"/>
+    </dgm:style>
+  </dgm:styleLbl>
+  <dgm:styleLbl name="fgAcc1">
+    <dgm:scene3d>
+      <a:camera prst="orthographicFront"/>
+      <a:lightRig rig="threePt" dir="t"/>
+    </dgm:scene3d>
+    <dgm:sp3d/>
+    <dgm:txPr/>
+    <dgm:style>
+      <a:lnRef idx="2">
+        <a:scrgbClr r="0" g="0" b="0"/>
+      </a:lnRef>
+      <a:fillRef idx="1">
+        <a:scrgbClr r="0" g="0" b="0"/>
+      </a:fillRef>
+      <a:effectRef idx="0">
+        <a:scrgbClr r="0" g="0" b="0"/>
+      </a:effectRef>
+      <a:fontRef idx="minor"/>
+    </dgm:style>
+  </dgm:styleLbl>
+  <dgm:styleLbl name="conFgAcc1">
+    <dgm:scene3d>
+      <a:camera prst="orthographicFront"/>
+      <a:lightRig rig="threePt" dir="t"/>
+    </dgm:scene3d>
+    <dgm:sp3d/>
+    <dgm:txPr/>
+    <dgm:style>
+      <a:lnRef idx="2">
+        <a:scrgbClr r="0" g="0" b="0"/>
+      </a:lnRef>
+      <a:fillRef idx="1">
+        <a:scrgbClr r="0" g="0" b="0"/>
+      </a:fillRef>
+      <a:effectRef idx="0">
+        <a:scrgbClr r="0" g="0" b="0"/>
+      </a:effectRef>
+      <a:fontRef idx="minor"/>
+    </dgm:style>
+  </dgm:styleLbl>
+  <dgm:styleLbl name="alignAcc1">
+    <dgm:scene3d>
+      <a:camera prst="orthographicFront"/>
+      <a:lightRig rig="threePt" dir="t"/>
+    </dgm:scene3d>
+    <dgm:sp3d/>
+    <dgm:txPr/>
+    <dgm:style>
+      <a:lnRef idx="2">
+        <a:scrgbClr r="0" g="0" b="0"/>
+      </a:lnRef>
+      <a:fillRef idx="1">
+        <a:scrgbClr r="0" g="0" b="0"/>
+      </a:fillRef>
+      <a:effectRef idx="0">
+        <a:scrgbClr r="0" g="0" b="0"/>
+      </a:effectRef>
+      <a:fontRef idx="minor"/>
+    </dgm:style>
+  </dgm:styleLbl>
+  <dgm:styleLbl name="trAlignAcc1">
+    <dgm:scene3d>
+      <a:camera prst="orthographicFront"/>
+      <a:lightRig rig="threePt" dir="t"/>
+    </dgm:scene3d>
+    <dgm:sp3d/>
+    <dgm:txPr/>
+    <dgm:style>
+      <a:lnRef idx="1">
+        <a:scrgbClr r="0" g="0" b="0"/>
+      </a:lnRef>
+      <a:fillRef idx="1">
+        <a:scrgbClr r="0" g="0" b="0"/>
+      </a:fillRef>
+      <a:effectRef idx="0">
+        <a:scrgbClr r="0" g="0" b="0"/>
+      </a:effectRef>
+      <a:fontRef idx="minor"/>
+    </dgm:style>
+  </dgm:styleLbl>
+  <dgm:styleLbl name="bgAcc1">
+    <dgm:scene3d>
+      <a:camera prst="orthographicFront"/>
+      <a:lightRig rig="threePt" dir="t"/>
+    </dgm:scene3d>
+    <dgm:sp3d/>
+    <dgm:txPr/>
+    <dgm:style>
+      <a:lnRef idx="2">
+        <a:scrgbClr r="0" g="0" b="0"/>
+      </a:lnRef>
+      <a:fillRef idx="1">
+        <a:scrgbClr r="0" g="0" b="0"/>
+      </a:fillRef>
+      <a:effectRef idx="0">
+        <a:scrgbClr r="0" g="0" b="0"/>
+      </a:effectRef>
+      <a:fontRef idx="minor"/>
+    </dgm:style>
+  </dgm:styleLbl>
+  <dgm:styleLbl name="solidFgAcc1">
+    <dgm:scene3d>
+      <a:camera prst="orthographicFront"/>
+      <a:lightRig rig="threePt" dir="t"/>
+    </dgm:scene3d>
+    <dgm:sp3d/>
+    <dgm:txPr/>
+    <dgm:style>
+      <a:lnRef idx="2">
+        <a:scrgbClr r="0" g="0" b="0"/>
+      </a:lnRef>
+      <a:fillRef idx="1">
+        <a:scrgbClr r="0" g="0" b="0"/>
+      </a:fillRef>
+      <a:effectRef idx="0">
+        <a:scrgbClr r="0" g="0" b="0"/>
+      </a:effectRef>
+      <a:fontRef idx="minor"/>
+    </dgm:style>
+  </dgm:styleLbl>
+  <dgm:styleLbl name="solidAlignAcc1">
+    <dgm:scene3d>
+      <a:camera prst="orthographicFront"/>
+      <a:lightRig rig="threePt" dir="t"/>
+    </dgm:scene3d>
+    <dgm:sp3d/>
+    <dgm:txPr/>
+    <dgm:style>
+      <a:lnRef idx="2">
+        <a:scrgbClr r="0" g="0" b="0"/>
+      </a:lnRef>
+      <a:fillRef idx="1">
+        <a:scrgbClr r="0" g="0" b="0"/>
+      </a:fillRef>
+      <a:effectRef idx="0">
+        <a:scrgbClr r="0" g="0" b="0"/>
+      </a:effectRef>
+      <a:fontRef idx="minor"/>
+    </dgm:style>
+  </dgm:styleLbl>
+  <dgm:styleLbl name="solidBgAcc1">
+    <dgm:scene3d>
+      <a:camera prst="orthographicFront"/>
+      <a:lightRig rig="threePt" dir="t"/>
+    </dgm:scene3d>
+    <dgm:sp3d/>
+    <dgm:txPr/>
+    <dgm:style>
+      <a:lnRef idx="2">
+        <a:scrgbClr r="0" g="0" b="0"/>
+      </a:lnRef>
+      <a:fillRef idx="1">
+        <a:scrgbClr r="0" g="0" b="0"/>
+      </a:fillRef>
+      <a:effectRef idx="0">
+        <a:scrgbClr r="0" g="0" b="0"/>
+      </a:effectRef>
+      <a:fontRef idx="minor"/>
+    </dgm:style>
+  </dgm:styleLbl>
+  <dgm:styleLbl name="fgAccFollowNode1">
+    <dgm:scene3d>
+      <a:camera prst="orthographicFront"/>
+      <a:lightRig rig="threePt" dir="t"/>
+    </dgm:scene3d>
+    <dgm:sp3d/>
+    <dgm:txPr/>
+    <dgm:style>
+      <a:lnRef idx="2">
+        <a:scrgbClr r="0" g="0" b="0"/>
+      </a:lnRef>
+      <a:fillRef idx="1">
+        <a:scrgbClr r="0" g="0" b="0"/>
+      </a:fillRef>
+      <a:effectRef idx="0">
+        <a:scrgbClr r="0" g="0" b="0"/>
+      </a:effectRef>
+      <a:fontRef idx="minor"/>
+    </dgm:style>
+  </dgm:styleLbl>
+  <dgm:styleLbl name="alignAccFollowNode1">
+    <dgm:scene3d>
+      <a:camera prst="orthographicFront"/>
+      <a:lightRig rig="threePt" dir="t"/>
+    </dgm:scene3d>
+    <dgm:sp3d/>
+    <dgm:txPr/>
+    <dgm:style>
+      <a:lnRef idx="2">
+        <a:scrgbClr r="0" g="0" b="0"/>
+      </a:lnRef>
+      <a:fillRef idx="1">
+        <a:scrgbClr r="0" g="0" b="0"/>
+      </a:fillRef>
+      <a:effectRef idx="0">
+        <a:scrgbClr r="0" g="0" b="0"/>
+      </a:effectRef>
+      <a:fontRef idx="minor"/>
+    </dgm:style>
+  </dgm:styleLbl>
+  <dgm:styleLbl name="bgAccFollowNode1">
+    <dgm:scene3d>
+      <a:camera prst="orthographicFront"/>
+      <a:lightRig rig="threePt" dir="t"/>
+    </dgm:scene3d>
+    <dgm:sp3d/>
+    <dgm:txPr/>
+    <dgm:style>
+      <a:lnRef idx="2">
+        <a:scrgbClr r="0" g="0" b="0"/>
+      </a:lnRef>
+      <a:fillRef idx="1">
+        <a:scrgbClr r="0" g="0" b="0"/>
+      </a:fillRef>
+      <a:effectRef idx="0">
+        <a:scrgbClr r="0" g="0" b="0"/>
+      </a:effectRef>
+      <a:fontRef idx="minor"/>
+    </dgm:style>
+  </dgm:styleLbl>
+  <dgm:styleLbl name="fgAcc0">
+    <dgm:scene3d>
+      <a:camera prst="orthographicFront"/>
+      <a:lightRig rig="threePt" dir="t"/>
+    </dgm:scene3d>
+    <dgm:sp3d/>
+    <dgm:txPr/>
+    <dgm:style>
+      <a:lnRef idx="2">
+        <a:scrgbClr r="0" g="0" b="0"/>
+      </a:lnRef>
+      <a:fillRef idx="1">
+        <a:scrgbClr r="0" g="0" b="0"/>
+      </a:fillRef>
+      <a:effectRef idx="0">
+        <a:scrgbClr r="0" g="0" b="0"/>
+      </a:effectRef>
+      <a:fontRef idx="minor"/>
+    </dgm:style>
+  </dgm:styleLbl>
+  <dgm:styleLbl name="fgAcc2">
+    <dgm:scene3d>
+      <a:camera prst="orthographicFront"/>
+      <a:lightRig rig="threePt" dir="t"/>
+    </dgm:scene3d>
+    <dgm:sp3d/>
+    <dgm:txPr/>
+    <dgm:style>
+      <a:lnRef idx="2">
+        <a:scrgbClr r="0" g="0" b="0"/>
+      </a:lnRef>
+      <a:fillRef idx="1">
+        <a:scrgbClr r="0" g="0" b="0"/>
+      </a:fillRef>
+      <a:effectRef idx="0">
+        <a:scrgbClr r="0" g="0" b="0"/>
+      </a:effectRef>
+      <a:fontRef idx="minor"/>
+    </dgm:style>
+  </dgm:styleLbl>
+  <dgm:styleLbl name="fgAcc3">
+    <dgm:scene3d>
+      <a:camera prst="orthographicFront"/>
+      <a:lightRig rig="threePt" dir="t"/>
+    </dgm:scene3d>
+    <dgm:sp3d/>
+    <dgm:txPr/>
+    <dgm:style>
+      <a:lnRef idx="2">
+        <a:scrgbClr r="0" g="0" b="0"/>
+      </a:lnRef>
+      <a:fillRef idx="1">
+        <a:scrgbClr r="0" g="0" b="0"/>
+      </a:fillRef>
+      <a:effectRef idx="0">
+        <a:scrgbClr r="0" g="0" b="0"/>
+      </a:effectRef>
+      <a:fontRef idx="minor"/>
+    </dgm:style>
+  </dgm:styleLbl>
+  <dgm:styleLbl name="fgAcc4">
+    <dgm:scene3d>
+      <a:camera prst="orthographicFront"/>
+      <a:lightRig rig="threePt" dir="t"/>
+    </dgm:scene3d>
+    <dgm:sp3d/>
+    <dgm:txPr/>
+    <dgm:style>
+      <a:lnRef idx="2">
+        <a:scrgbClr r="0" g="0" b="0"/>
+      </a:lnRef>
+      <a:fillRef idx="1">
+        <a:scrgbClr r="0" g="0" b="0"/>
+      </a:fillRef>
+      <a:effectRef idx="0">
+        <a:scrgbClr r="0" g="0" b="0"/>
+      </a:effectRef>
+      <a:fontRef idx="minor"/>
+    </dgm:style>
+  </dgm:styleLbl>
+  <dgm:styleLbl name="bgShp">
+    <dgm:scene3d>
+      <a:camera prst="orthographicFront"/>
+      <a:lightRig rig="threePt" dir="t"/>
+    </dgm:scene3d>
+    <dgm:sp3d/>
+    <dgm:txPr/>
+    <dgm:style>
+      <a:lnRef idx="0">
+        <a:scrgbClr r="0" g="0" b="0"/>
+      </a:lnRef>
+      <a:fillRef idx="1">
+        <a:scrgbClr r="0" g="0" b="0"/>
+      </a:fillRef>
+      <a:effectRef idx="0">
+        <a:scrgbClr r="0" g="0" b="0"/>
+      </a:effectRef>
+      <a:fontRef idx="minor"/>
+    </dgm:style>
+  </dgm:styleLbl>
+  <dgm:styleLbl name="dkBgShp">
+    <dgm:scene3d>
+      <a:camera prst="orthographicFront"/>
+      <a:lightRig rig="threePt" dir="t"/>
+    </dgm:scene3d>
+    <dgm:sp3d/>
+    <dgm:txPr/>
+    <dgm:style>
+      <a:lnRef idx="0">
+        <a:scrgbClr r="0" g="0" b="0"/>
+      </a:lnRef>
+      <a:fillRef idx="1">
+        <a:scrgbClr r="0" g="0" b="0"/>
+      </a:fillRef>
+      <a:effectRef idx="0">
+        <a:scrgbClr r="0" g="0" b="0"/>
+      </a:effectRef>
+      <a:fontRef idx="minor"/>
+    </dgm:style>
+  </dgm:styleLbl>
+  <dgm:styleLbl name="trBgShp">
+    <dgm:scene3d>
+      <a:camera prst="orthographicFront"/>
+      <a:lightRig rig="threePt" dir="t"/>
+    </dgm:scene3d>
+    <dgm:sp3d/>
+    <dgm:txPr/>
+    <dgm:style>
+      <a:lnRef idx="0">
+        <a:scrgbClr r="0" g="0" b="0"/>
+      </a:lnRef>
+      <a:fillRef idx="1">
+        <a:scrgbClr r="0" g="0" b="0"/>
+      </a:fillRef>
+      <a:effectRef idx="0">
+        <a:scrgbClr r="0" g="0" b="0"/>
+      </a:effectRef>
+      <a:fontRef idx="minor"/>
+    </dgm:style>
+  </dgm:styleLbl>
+  <dgm:styleLbl name="fgShp">
+    <dgm:scene3d>
+      <a:camera prst="orthographicFront"/>
+      <a:lightRig rig="threePt" dir="t"/>
+    </dgm:scene3d>
+    <dgm:sp3d/>
+    <dgm:txPr/>
+    <dgm:style>
+      <a:lnRef idx="2">
+        <a:scrgbClr r="0" g="0" b="0"/>
+      </a:lnRef>
+      <a:fillRef idx="1">
+        <a:scrgbClr r="0" g="0" b="0"/>
+      </a:fillRef>
+      <a:effectRef idx="0">
+        <a:scrgbClr r="0" g="0" b="0"/>
+      </a:effectRef>
+      <a:fontRef idx="minor"/>
+    </dgm:style>
+  </dgm:styleLbl>
+  <dgm:styleLbl name="revTx">
+    <dgm:scene3d>
+      <a:camera prst="orthographicFront"/>
+      <a:lightRig rig="threePt" dir="t"/>
+    </dgm:scene3d>
+    <dgm:sp3d/>
+    <dgm:txPr/>
+    <dgm:style>
+      <a:lnRef idx="0">
+        <a:scrgbClr r="0" g="0" b="0"/>
+      </a:lnRef>
+      <a:fillRef idx="0">
+        <a:scrgbClr r="0" g="0" b="0"/>
+      </a:fillRef>
+      <a:effectRef idx="0">
+        <a:scrgbClr r="0" g="0" b="0"/>
+      </a:effectRef>
+      <a:fontRef idx="minor"/>
+    </dgm:style>
+  </dgm:styleLbl>
+</dgm:styleDef>
+</file>
+
 <file path=ppt/notesMasters/notesMaster1.xml><?xml version="1.0" encoding="utf-8"?>
 <p:notesMaster xmlns:a="http://schemas.openxmlformats.org/drawingml/2006/main" xmlns:r="http://schemas.openxmlformats.org/officeDocument/2006/relationships" xmlns:p="http://schemas.openxmlformats.org/presentationml/2006/main">
   <p:cSld>
@@ -224,7 +2777,7 @@
           <a:p>
             <a:fld id="{26DDD1A4-63E9-4C41-BD0C-A6576214358F}" type="datetimeFigureOut">
               <a:rPr kumimoji="1" lang="zh-CN" altLang="en-US" smtClean="0"/>
-              <a:t>2023/8/7</a:t>
+              <a:t>2023/8/16</a:t>
             </a:fld>
             <a:endParaRPr kumimoji="1" lang="zh-CN" altLang="en-US"/>
           </a:p>
@@ -818,7 +3371,7 @@
           <a:p>
             <a:fld id="{8664C608-40B1-4030-A28D-5B74BC98ADCE}" type="datetimeFigureOut">
               <a:rPr lang="en-US" smtClean="0"/>
-              <a:t>8/7/2023</a:t>
+              <a:t>8/16/2023</a:t>
             </a:fld>
             <a:endParaRPr lang="en-US" dirty="0"/>
           </a:p>
@@ -2028,7 +4581,7 @@
         <p:spPr>
           <a:xfrm>
             <a:off x="3003414" y="4516087"/>
-            <a:ext cx="5626779" cy="1308628"/>
+            <a:ext cx="5626779" cy="1953868"/>
           </a:xfrm>
           <a:prstGeom prst="rect">
             <a:avLst/>
@@ -2072,73 +4625,8 @@
                 <a:ea typeface="微软雅黑" panose="020B0503020204020204" pitchFamily="34" charset="-122"/>
                 <a:cs typeface="Times New Roman" panose="02020603050405020304" pitchFamily="18" charset="0"/>
               </a:rPr>
-              <a:t>《</a:t>
-            </a:r>
-            <a:r>
-              <a:rPr kumimoji="0" lang="zh-CN" altLang="en-US" sz="2800" b="1" i="0" u="none" strike="noStrike" kern="1200" cap="none" spc="0" normalizeH="0" baseline="0" noProof="0" dirty="0">
-                <a:ln>
-                  <a:noFill/>
-                </a:ln>
-                <a:solidFill>
-                  <a:prstClr val="black"/>
-                </a:solidFill>
-                <a:effectLst/>
-                <a:uLnTx/>
-                <a:uFillTx/>
-                <a:latin typeface="Times New Roman" panose="02020603050405020304" pitchFamily="18" charset="0"/>
-                <a:ea typeface="微软雅黑" panose="020B0503020204020204" pitchFamily="34" charset="-122"/>
-                <a:cs typeface="Times New Roman" panose="02020603050405020304" pitchFamily="18" charset="0"/>
-              </a:rPr>
-              <a:t>空间</a:t>
-            </a:r>
-            <a:r>
-              <a:rPr kumimoji="0" lang="en-US" altLang="zh-CN" sz="2800" b="1" i="0" u="none" strike="noStrike" kern="1200" cap="none" spc="0" normalizeH="0" baseline="0" noProof="0" dirty="0">
-                <a:ln>
-                  <a:noFill/>
-                </a:ln>
-                <a:solidFill>
-                  <a:prstClr val="black"/>
-                </a:solidFill>
-                <a:effectLst/>
-                <a:uLnTx/>
-                <a:uFillTx/>
-                <a:latin typeface="Times New Roman" panose="02020603050405020304" pitchFamily="18" charset="0"/>
-                <a:ea typeface="微软雅黑" panose="020B0503020204020204" pitchFamily="34" charset="-122"/>
-                <a:cs typeface="Times New Roman" panose="02020603050405020304" pitchFamily="18" charset="0"/>
-              </a:rPr>
-              <a:t>》</a:t>
-            </a:r>
-            <a:r>
-              <a:rPr kumimoji="0" lang="zh-CN" altLang="en-US" sz="2800" b="1" i="0" u="none" strike="noStrike" kern="1200" cap="none" spc="0" normalizeH="0" baseline="0" noProof="0" dirty="0">
-                <a:ln>
-                  <a:noFill/>
-                </a:ln>
-                <a:solidFill>
-                  <a:prstClr val="black"/>
-                </a:solidFill>
-                <a:effectLst/>
-                <a:uLnTx/>
-                <a:uFillTx/>
-                <a:latin typeface="Times New Roman" panose="02020603050405020304" pitchFamily="18" charset="0"/>
-                <a:ea typeface="微软雅黑" panose="020B0503020204020204" pitchFamily="34" charset="-122"/>
-                <a:cs typeface="Times New Roman" panose="02020603050405020304" pitchFamily="18" charset="0"/>
-              </a:rPr>
-              <a:t>第？章</a:t>
-            </a:r>
-            <a:endParaRPr kumimoji="0" lang="en-US" altLang="zh-CN" sz="2800" b="1" i="0" u="none" strike="noStrike" kern="1200" cap="none" spc="0" normalizeH="0" baseline="0" noProof="0" dirty="0">
-              <a:ln>
-                <a:noFill/>
-              </a:ln>
-              <a:solidFill>
-                <a:prstClr val="black"/>
-              </a:solidFill>
-              <a:effectLst/>
-              <a:uLnTx/>
-              <a:uFillTx/>
-              <a:latin typeface="Times New Roman" panose="02020603050405020304" pitchFamily="18" charset="0"/>
-              <a:ea typeface="微软雅黑" panose="020B0503020204020204" pitchFamily="34" charset="-122"/>
-              <a:cs typeface="Times New Roman" panose="02020603050405020304" pitchFamily="18" charset="0"/>
-            </a:endParaRPr>
+              <a:t>Google</a:t>
+            </a:r>
           </a:p>
           <a:p>
             <a:pPr marL="0" marR="0" lvl="0" indent="0" algn="l" defTabSz="914400" rtl="0" eaLnBrk="1" fontAlgn="auto" latinLnBrk="0" hangingPunct="1">
@@ -2159,40 +4647,47 @@
               <a:defRPr/>
             </a:pPr>
             <a:r>
-              <a:rPr kumimoji="0" lang="en-US" altLang="zh-CN" sz="2800" b="1" i="0" u="none" strike="noStrike" kern="1200" cap="none" spc="0" normalizeH="0" baseline="0" noProof="0" dirty="0">
-                <a:ln>
-                  <a:noFill/>
-                </a:ln>
+              <a:rPr lang="en-US" altLang="zh-CN" sz="2800" b="1" dirty="0">
                 <a:solidFill>
                   <a:prstClr val="black"/>
                 </a:solidFill>
-                <a:effectLst/>
-                <a:uLnTx/>
-                <a:uFillTx/>
                 <a:latin typeface="Times New Roman" panose="02020603050405020304" pitchFamily="18" charset="0"/>
                 <a:ea typeface="微软雅黑" panose="020B0503020204020204" pitchFamily="34" charset="-122"/>
                 <a:cs typeface="Times New Roman" panose="02020603050405020304" pitchFamily="18" charset="0"/>
               </a:rPr>
-              <a:t>《》</a:t>
-            </a:r>
-            <a:r>
-              <a:rPr kumimoji="0" lang="zh-CN" altLang="en-US" sz="2800" b="1" i="0" u="none" strike="noStrike" kern="1200" cap="none" spc="0" normalizeH="0" baseline="0" noProof="0" dirty="0">
-                <a:ln>
-                  <a:noFill/>
-                </a:ln>
+              <a:t>Bing</a:t>
+            </a:r>
+          </a:p>
+          <a:p>
+            <a:pPr marL="0" marR="0" lvl="0" indent="0" algn="l" defTabSz="914400" rtl="0" eaLnBrk="1" fontAlgn="auto" latinLnBrk="0" hangingPunct="1">
+              <a:lnSpc>
+                <a:spcPct val="150000"/>
+              </a:lnSpc>
+              <a:spcBef>
+                <a:spcPts val="0"/>
+              </a:spcBef>
+              <a:spcAft>
+                <a:spcPts val="0"/>
+              </a:spcAft>
+              <a:buClrTx/>
+              <a:buSzTx/>
+              <a:buFontTx/>
+              <a:buNone/>
+              <a:tabLst/>
+              <a:defRPr/>
+            </a:pPr>
+            <a:r>
+              <a:rPr lang="en-US" altLang="zh-CN" sz="2800" b="1" strike="sngStrike" dirty="0">
                 <a:solidFill>
                   <a:prstClr val="black"/>
                 </a:solidFill>
-                <a:effectLst/>
-                <a:uLnTx/>
-                <a:uFillTx/>
                 <a:latin typeface="Times New Roman" panose="02020603050405020304" pitchFamily="18" charset="0"/>
                 <a:ea typeface="微软雅黑" panose="020B0503020204020204" pitchFamily="34" charset="-122"/>
                 <a:cs typeface="Times New Roman" panose="02020603050405020304" pitchFamily="18" charset="0"/>
               </a:rPr>
-              <a:t> 第章</a:t>
-            </a:r>
-            <a:endParaRPr kumimoji="0" lang="en-US" altLang="zh-CN" sz="2800" b="1" i="0" u="none" strike="noStrike" kern="1200" cap="none" spc="0" normalizeH="0" baseline="0" noProof="0" dirty="0">
+              <a:t> Baidu  </a:t>
+            </a:r>
+            <a:endParaRPr kumimoji="0" lang="en-US" altLang="zh-CN" sz="2800" b="1" i="0" u="none" strike="sngStrike" kern="1200" cap="none" spc="0" normalizeH="0" baseline="0" noProof="0" dirty="0">
               <a:ln>
                 <a:noFill/>
               </a:ln>
@@ -2288,6 +4783,1532 @@
         </p:txBody>
       </p:sp>
     </p:spTree>
+  </p:cSld>
+  <p:clrMapOvr>
+    <a:masterClrMapping/>
+  </p:clrMapOvr>
+  <mc:AlternateContent xmlns:mc="http://schemas.openxmlformats.org/markup-compatibility/2006" xmlns:p159="http://schemas.microsoft.com/office/powerpoint/2015/09/main">
+    <mc:Choice Requires="p159">
+      <p:transition spd="slow">
+        <p159:morph option="byObject"/>
+      </p:transition>
+    </mc:Choice>
+    <mc:Fallback xmlns="">
+      <p:transition spd="slow">
+        <p:fade/>
+      </p:transition>
+    </mc:Fallback>
+  </mc:AlternateContent>
+</p:sld>
+</file>
+
+<file path=ppt/slides/slide10.xml><?xml version="1.0" encoding="utf-8"?>
+<p:sld xmlns:a="http://schemas.openxmlformats.org/drawingml/2006/main" xmlns:r="http://schemas.openxmlformats.org/officeDocument/2006/relationships" xmlns:p="http://schemas.openxmlformats.org/presentationml/2006/main">
+  <p:cSld>
+    <p:spTree>
+      <p:nvGrpSpPr>
+        <p:cNvPr id="1" name=""/>
+        <p:cNvGrpSpPr/>
+        <p:nvPr/>
+      </p:nvGrpSpPr>
+      <p:grpSpPr>
+        <a:xfrm>
+          <a:off x="0" y="0"/>
+          <a:ext cx="0" cy="0"/>
+          <a:chOff x="0" y="0"/>
+          <a:chExt cx="0" cy="0"/>
+        </a:xfrm>
+      </p:grpSpPr>
+      <p:sp>
+        <p:nvSpPr>
+          <p:cNvPr id="3" name="矩形 2"/>
+          <p:cNvSpPr/>
+          <p:nvPr/>
+        </p:nvSpPr>
+        <p:spPr>
+          <a:xfrm>
+            <a:off x="407987" y="1052513"/>
+            <a:ext cx="8012113" cy="5185522"/>
+          </a:xfrm>
+          <a:prstGeom prst="rect">
+            <a:avLst/>
+          </a:prstGeom>
+        </p:spPr>
+        <p:txBody>
+          <a:bodyPr wrap="square">
+            <a:spAutoFit/>
+          </a:bodyPr>
+          <a:lstStyle/>
+          <a:p>
+            <a:pPr marL="342900" indent="-342900">
+              <a:lnSpc>
+                <a:spcPct val="150000"/>
+              </a:lnSpc>
+              <a:buFont typeface="Arial" panose="020B0604020202020204" pitchFamily="34" charset="0"/>
+              <a:buChar char="•"/>
+            </a:pPr>
+            <a:r>
+              <a:rPr lang="zh-CN" altLang="en-US" sz="2800" b="1" dirty="0">
+                <a:solidFill>
+                  <a:schemeClr val="tx1"/>
+                </a:solidFill>
+                <a:latin typeface="Times New Roman" panose="02020603050405020304" pitchFamily="18" charset="0"/>
+                <a:ea typeface="微软雅黑" panose="020B0503020204020204" pitchFamily="34" charset="-122"/>
+                <a:cs typeface="Times New Roman" panose="02020603050405020304" pitchFamily="18" charset="0"/>
+                <a:sym typeface="+mn-ea"/>
+              </a:rPr>
+              <a:t>雷达散射截面 </a:t>
+            </a:r>
+            <a:r>
+              <a:rPr lang="en-GB" altLang="zh-CN" sz="2800" b="1" dirty="0">
+                <a:solidFill>
+                  <a:schemeClr val="tx1"/>
+                </a:solidFill>
+                <a:latin typeface="Times New Roman" panose="02020603050405020304" pitchFamily="18" charset="0"/>
+                <a:ea typeface="微软雅黑" panose="020B0503020204020204" pitchFamily="34" charset="-122"/>
+                <a:cs typeface="Times New Roman" panose="02020603050405020304" pitchFamily="18" charset="0"/>
+                <a:sym typeface="+mn-ea"/>
+              </a:rPr>
+              <a:t>RCS</a:t>
+            </a:r>
+          </a:p>
+          <a:p>
+            <a:pPr marL="800100" lvl="1" indent="-342900">
+              <a:lnSpc>
+                <a:spcPct val="150000"/>
+              </a:lnSpc>
+              <a:buFont typeface="Arial" panose="020B0604020202020204" pitchFamily="34" charset="0"/>
+              <a:buChar char="•"/>
+            </a:pPr>
+            <a:r>
+              <a:rPr lang="en-US" altLang="zh-CN" sz="2000" b="1" dirty="0">
+                <a:solidFill>
+                  <a:schemeClr val="tx1"/>
+                </a:solidFill>
+                <a:latin typeface="Times New Roman" panose="02020603050405020304" pitchFamily="18" charset="0"/>
+                <a:ea typeface="微软雅黑" panose="020B0503020204020204" pitchFamily="34" charset="-122"/>
+                <a:cs typeface="Times New Roman" panose="02020603050405020304" pitchFamily="18" charset="0"/>
+                <a:sym typeface="+mn-ea"/>
+              </a:rPr>
+              <a:t>RCS</a:t>
+            </a:r>
+            <a:r>
+              <a:rPr lang="zh-CN" altLang="en-US" sz="2000" b="1" dirty="0">
+                <a:solidFill>
+                  <a:schemeClr val="tx1"/>
+                </a:solidFill>
+                <a:latin typeface="Times New Roman" panose="02020603050405020304" pitchFamily="18" charset="0"/>
+                <a:ea typeface="微软雅黑" panose="020B0503020204020204" pitchFamily="34" charset="-122"/>
+                <a:cs typeface="Times New Roman" panose="02020603050405020304" pitchFamily="18" charset="0"/>
+                <a:sym typeface="+mn-ea"/>
+              </a:rPr>
+              <a:t>是目标对入射雷达电磁波的有效散射截面积，是表征目标散射能力强弱的物理量。</a:t>
+            </a:r>
+          </a:p>
+          <a:p>
+            <a:pPr marL="800100" lvl="1" indent="-342900">
+              <a:lnSpc>
+                <a:spcPct val="150000"/>
+              </a:lnSpc>
+              <a:buFont typeface="Arial" panose="020B0604020202020204" pitchFamily="34" charset="0"/>
+              <a:buChar char="•"/>
+            </a:pPr>
+            <a:r>
+              <a:rPr lang="en-US" altLang="zh-CN" sz="2000" b="1" dirty="0">
+                <a:solidFill>
+                  <a:schemeClr val="tx1"/>
+                </a:solidFill>
+                <a:latin typeface="Times New Roman" panose="02020603050405020304" pitchFamily="18" charset="0"/>
+                <a:ea typeface="微软雅黑" panose="020B0503020204020204" pitchFamily="34" charset="-122"/>
+                <a:cs typeface="Times New Roman" panose="02020603050405020304" pitchFamily="18" charset="0"/>
+                <a:sym typeface="+mn-ea"/>
+              </a:rPr>
+              <a:t>RCS</a:t>
+            </a:r>
+            <a:r>
+              <a:rPr lang="zh-CN" altLang="en-US" sz="2000" b="1" dirty="0">
+                <a:solidFill>
+                  <a:schemeClr val="tx1"/>
+                </a:solidFill>
+                <a:latin typeface="Times New Roman" panose="02020603050405020304" pitchFamily="18" charset="0"/>
+                <a:ea typeface="微软雅黑" panose="020B0503020204020204" pitchFamily="34" charset="-122"/>
+                <a:cs typeface="Times New Roman" panose="02020603050405020304" pitchFamily="18" charset="0"/>
+                <a:sym typeface="+mn-ea"/>
+              </a:rPr>
+              <a:t>理论计算与目标几何尺寸和雷达频率范围紧密关联，具体可大致分为低频区、谐振区、高频区</a:t>
+            </a:r>
+            <a:endParaRPr lang="en-US" altLang="zh-CN" sz="2000" b="1" dirty="0">
+              <a:solidFill>
+                <a:schemeClr val="tx1"/>
+              </a:solidFill>
+              <a:latin typeface="Times New Roman" panose="02020603050405020304" pitchFamily="18" charset="0"/>
+              <a:ea typeface="微软雅黑" panose="020B0503020204020204" pitchFamily="34" charset="-122"/>
+              <a:cs typeface="Times New Roman" panose="02020603050405020304" pitchFamily="18" charset="0"/>
+              <a:sym typeface="+mn-ea"/>
+            </a:endParaRPr>
+          </a:p>
+          <a:p>
+            <a:pPr marL="800100" lvl="1" indent="-342900">
+              <a:lnSpc>
+                <a:spcPct val="150000"/>
+              </a:lnSpc>
+              <a:buFont typeface="Arial" panose="020B0604020202020204" pitchFamily="34" charset="0"/>
+              <a:buChar char="•"/>
+            </a:pPr>
+            <a:endParaRPr lang="en-US" altLang="zh-CN" sz="2000" b="1" dirty="0">
+              <a:latin typeface="Times New Roman" panose="02020603050405020304" pitchFamily="18" charset="0"/>
+              <a:ea typeface="微软雅黑" panose="020B0503020204020204" pitchFamily="34" charset="-122"/>
+              <a:cs typeface="Times New Roman" panose="02020603050405020304" pitchFamily="18" charset="0"/>
+              <a:sym typeface="+mn-ea"/>
+            </a:endParaRPr>
+          </a:p>
+          <a:p>
+            <a:pPr marL="342900" indent="-342900">
+              <a:lnSpc>
+                <a:spcPct val="150000"/>
+              </a:lnSpc>
+              <a:buFont typeface="Arial" panose="020B0604020202020204" pitchFamily="34" charset="0"/>
+              <a:buChar char="•"/>
+            </a:pPr>
+            <a:r>
+              <a:rPr lang="zh-CN" altLang="en-US" sz="2800" b="1" dirty="0">
+                <a:solidFill>
+                  <a:schemeClr val="tx1"/>
+                </a:solidFill>
+                <a:latin typeface="Times New Roman" panose="02020603050405020304" pitchFamily="18" charset="0"/>
+                <a:ea typeface="微软雅黑" panose="020B0503020204020204" pitchFamily="34" charset="-122"/>
+                <a:cs typeface="Times New Roman" panose="02020603050405020304" pitchFamily="18" charset="0"/>
+                <a:sym typeface="+mn-ea"/>
+              </a:rPr>
+              <a:t>逆合成孔径雷达 </a:t>
+            </a:r>
+            <a:r>
+              <a:rPr lang="en-GB" altLang="zh-CN" sz="2800" b="1" dirty="0">
+                <a:solidFill>
+                  <a:schemeClr val="tx1"/>
+                </a:solidFill>
+                <a:latin typeface="Times New Roman" panose="02020603050405020304" pitchFamily="18" charset="0"/>
+                <a:ea typeface="微软雅黑" panose="020B0503020204020204" pitchFamily="34" charset="-122"/>
+                <a:cs typeface="Times New Roman" panose="02020603050405020304" pitchFamily="18" charset="0"/>
+                <a:sym typeface="+mn-ea"/>
+              </a:rPr>
+              <a:t>ISAR</a:t>
+            </a:r>
+          </a:p>
+          <a:p>
+            <a:pPr marL="800100" lvl="1" indent="-342900">
+              <a:lnSpc>
+                <a:spcPct val="150000"/>
+              </a:lnSpc>
+              <a:buFont typeface="Arial" panose="020B0604020202020204" pitchFamily="34" charset="0"/>
+              <a:buChar char="•"/>
+            </a:pPr>
+            <a:endParaRPr lang="en-GB" altLang="zh-CN" sz="2000" b="1" dirty="0">
+              <a:latin typeface="Times New Roman" panose="02020603050405020304" pitchFamily="18" charset="0"/>
+              <a:ea typeface="微软雅黑" panose="020B0503020204020204" pitchFamily="34" charset="-122"/>
+              <a:cs typeface="Times New Roman" panose="02020603050405020304" pitchFamily="18" charset="0"/>
+              <a:sym typeface="+mn-ea"/>
+            </a:endParaRPr>
+          </a:p>
+          <a:p>
+            <a:pPr marL="342900" indent="-342900">
+              <a:lnSpc>
+                <a:spcPct val="150000"/>
+              </a:lnSpc>
+              <a:buFont typeface="Arial" panose="020B0604020202020204" pitchFamily="34" charset="0"/>
+              <a:buChar char="•"/>
+            </a:pPr>
+            <a:endParaRPr lang="en-US" altLang="zh-CN" sz="2000" b="1" dirty="0">
+              <a:solidFill>
+                <a:schemeClr val="tx1"/>
+              </a:solidFill>
+              <a:latin typeface="Times New Roman" panose="02020603050405020304" pitchFamily="18" charset="0"/>
+              <a:ea typeface="微软雅黑" panose="020B0503020204020204" pitchFamily="34" charset="-122"/>
+              <a:cs typeface="Times New Roman" panose="02020603050405020304" pitchFamily="18" charset="0"/>
+              <a:sym typeface="+mn-ea"/>
+            </a:endParaRPr>
+          </a:p>
+          <a:p>
+            <a:pPr marL="342900" indent="-342900" fontAlgn="auto">
+              <a:lnSpc>
+                <a:spcPct val="150000"/>
+              </a:lnSpc>
+              <a:spcAft>
+                <a:spcPts val="0"/>
+              </a:spcAft>
+              <a:buFont typeface="Arial" panose="020B0604020202020204" pitchFamily="34" charset="0"/>
+              <a:buChar char="•"/>
+            </a:pPr>
+            <a:endParaRPr lang="en-US" altLang="zh-CN" sz="2800" b="1" dirty="0">
+              <a:solidFill>
+                <a:schemeClr val="tx1"/>
+              </a:solidFill>
+              <a:latin typeface="Times New Roman" panose="02020603050405020304" pitchFamily="18" charset="0"/>
+              <a:ea typeface="微软雅黑" panose="020B0503020204020204" pitchFamily="34" charset="-122"/>
+              <a:cs typeface="Times New Roman" panose="02020603050405020304" pitchFamily="18" charset="0"/>
+              <a:sym typeface="+mn-ea"/>
+            </a:endParaRPr>
+          </a:p>
+        </p:txBody>
+      </p:sp>
+      <p:sp>
+        <p:nvSpPr>
+          <p:cNvPr id="5" name="灯片编号占位符 4"/>
+          <p:cNvSpPr>
+            <a:spLocks noGrp="1"/>
+          </p:cNvSpPr>
+          <p:nvPr>
+            <p:ph type="sldNum" sz="quarter" idx="4"/>
+          </p:nvPr>
+        </p:nvSpPr>
+        <p:spPr/>
+        <p:txBody>
+          <a:bodyPr/>
+          <a:lstStyle/>
+          <a:p>
+            <a:fld id="{5F1D8F20-F945-584B-B149-8CCFBEFE168A}" type="slidenum">
+              <a:rPr kumimoji="1" lang="zh-CN" altLang="en-US" smtClean="0"/>
+              <a:t>10</a:t>
+            </a:fld>
+            <a:endParaRPr kumimoji="1" lang="zh-CN" altLang="en-US"/>
+          </a:p>
+        </p:txBody>
+      </p:sp>
+      <p:sp>
+        <p:nvSpPr>
+          <p:cNvPr id="26" name="标题 1"/>
+          <p:cNvSpPr txBox="1"/>
+          <p:nvPr/>
+        </p:nvSpPr>
+        <p:spPr>
+          <a:xfrm>
+            <a:off x="0" y="0"/>
+            <a:ext cx="12187555" cy="711200"/>
+          </a:xfrm>
+          <a:prstGeom prst="rect">
+            <a:avLst/>
+          </a:prstGeom>
+          <a:noFill/>
+        </p:spPr>
+        <p:txBody>
+          <a:bodyPr vert="horz" lIns="91440" tIns="45720" rIns="91440" bIns="45720" rtlCol="0" anchor="ctr"/>
+          <a:lstStyle/>
+          <a:p>
+            <a:pPr marL="0" marR="0" lvl="0" indent="0" algn="ctr" defTabSz="914400" rtl="0" eaLnBrk="1" fontAlgn="base" latinLnBrk="0" hangingPunct="1">
+              <a:lnSpc>
+                <a:spcPct val="100000"/>
+              </a:lnSpc>
+              <a:spcBef>
+                <a:spcPct val="0"/>
+              </a:spcBef>
+              <a:spcAft>
+                <a:spcPct val="0"/>
+              </a:spcAft>
+              <a:buClrTx/>
+              <a:buSzTx/>
+              <a:buFontTx/>
+              <a:buNone/>
+              <a:defRPr/>
+            </a:pPr>
+            <a:r>
+              <a:rPr kumimoji="0" lang="zh-CN" altLang="en-US" sz="3200" b="1" i="0" u="none" strike="noStrike" kern="1200" cap="none" spc="0" normalizeH="0" baseline="0" noProof="0" dirty="0">
+                <a:ln>
+                  <a:noFill/>
+                </a:ln>
+                <a:solidFill>
+                  <a:schemeClr val="bg1"/>
+                </a:solidFill>
+                <a:effectLst/>
+                <a:uLnTx/>
+                <a:uFillTx/>
+                <a:latin typeface="微软雅黑" panose="020B0503020204020204" pitchFamily="34" charset="-122"/>
+                <a:ea typeface="微软雅黑" panose="020B0503020204020204" pitchFamily="34" charset="-122"/>
+                <a:cs typeface="+mj-cs"/>
+              </a:rPr>
+              <a:t>特性测量</a:t>
+            </a:r>
+          </a:p>
+        </p:txBody>
+      </p:sp>
+      <p:pic>
+        <p:nvPicPr>
+          <p:cNvPr id="2" name="图片 1">
+            <a:extLst>
+              <a:ext uri="{FF2B5EF4-FFF2-40B4-BE49-F238E27FC236}">
+                <a16:creationId xmlns:a16="http://schemas.microsoft.com/office/drawing/2014/main" id="{27A51D09-8337-EDC0-C977-0582CECFBFD9}"/>
+              </a:ext>
+            </a:extLst>
+          </p:cNvPr>
+          <p:cNvPicPr>
+            <a:picLocks noChangeAspect="1"/>
+          </p:cNvPicPr>
+          <p:nvPr/>
+        </p:nvPicPr>
+        <p:blipFill>
+          <a:blip r:embed="rId2">
+            <a:extLst>
+              <a:ext uri="{28A0092B-C50C-407E-A947-70E740481C1C}">
+                <a14:useLocalDpi xmlns:a14="http://schemas.microsoft.com/office/drawing/2010/main" val="0"/>
+              </a:ext>
+            </a:extLst>
+          </a:blip>
+          <a:stretch>
+            <a:fillRect/>
+          </a:stretch>
+        </p:blipFill>
+        <p:spPr>
+          <a:xfrm>
+            <a:off x="8806664" y="1052513"/>
+            <a:ext cx="2946551" cy="2813195"/>
+          </a:xfrm>
+          <a:prstGeom prst="rect">
+            <a:avLst/>
+          </a:prstGeom>
+        </p:spPr>
+      </p:pic>
+      <p:pic>
+        <p:nvPicPr>
+          <p:cNvPr id="1026" name="Picture 2" descr="空间目标的ISAR成像及轮廓特征提取 * - 北京航空航天大学论文文献 - Free考研考试">
+            <a:extLst>
+              <a:ext uri="{FF2B5EF4-FFF2-40B4-BE49-F238E27FC236}">
+                <a16:creationId xmlns:a16="http://schemas.microsoft.com/office/drawing/2014/main" id="{06142A11-D591-BA15-2EFF-2DB72E69DE10}"/>
+              </a:ext>
+            </a:extLst>
+          </p:cNvPr>
+          <p:cNvPicPr>
+            <a:picLocks noChangeAspect="1" noChangeArrowheads="1"/>
+          </p:cNvPicPr>
+          <p:nvPr/>
+        </p:nvPicPr>
+        <p:blipFill>
+          <a:blip r:embed="rId3">
+            <a:extLst>
+              <a:ext uri="{28A0092B-C50C-407E-A947-70E740481C1C}">
+                <a14:useLocalDpi xmlns:a14="http://schemas.microsoft.com/office/drawing/2010/main" val="0"/>
+              </a:ext>
+            </a:extLst>
+          </a:blip>
+          <a:srcRect/>
+          <a:stretch>
+            <a:fillRect/>
+          </a:stretch>
+        </p:blipFill>
+        <p:spPr bwMode="auto">
+          <a:xfrm>
+            <a:off x="4812031" y="3986587"/>
+            <a:ext cx="2844722" cy="2592761"/>
+          </a:xfrm>
+          <a:prstGeom prst="rect">
+            <a:avLst/>
+          </a:prstGeom>
+          <a:noFill/>
+          <a:extLst>
+            <a:ext uri="{909E8E84-426E-40DD-AFC4-6F175D3DCCD1}">
+              <a14:hiddenFill xmlns:a14="http://schemas.microsoft.com/office/drawing/2010/main">
+                <a:solidFill>
+                  <a:srgbClr val="FFFFFF"/>
+                </a:solidFill>
+              </a14:hiddenFill>
+            </a:ext>
+          </a:extLst>
+        </p:spPr>
+      </p:pic>
+    </p:spTree>
+    <p:extLst>
+      <p:ext uri="{BB962C8B-B14F-4D97-AF65-F5344CB8AC3E}">
+        <p14:creationId xmlns:p14="http://schemas.microsoft.com/office/powerpoint/2010/main" val="3094537351"/>
+      </p:ext>
+    </p:extLst>
+  </p:cSld>
+  <p:clrMapOvr>
+    <a:masterClrMapping/>
+  </p:clrMapOvr>
+  <mc:AlternateContent xmlns:mc="http://schemas.openxmlformats.org/markup-compatibility/2006" xmlns:p159="http://schemas.microsoft.com/office/powerpoint/2015/09/main">
+    <mc:Choice Requires="p159">
+      <p:transition spd="slow">
+        <p159:morph option="byObject"/>
+      </p:transition>
+    </mc:Choice>
+    <mc:Fallback xmlns="">
+      <p:transition spd="slow">
+        <p:fade/>
+      </p:transition>
+    </mc:Fallback>
+  </mc:AlternateContent>
+  <p:timing>
+    <p:tnLst>
+      <p:par>
+        <p:cTn id="1" dur="indefinite" restart="never" nodeType="tmRoot">
+          <p:childTnLst>
+            <p:seq concurrent="1" nextAc="seek">
+              <p:cTn id="2" dur="indefinite" nodeType="mainSeq">
+                <p:childTnLst>
+                  <p:par>
+                    <p:cTn id="3" fill="hold">
+                      <p:stCondLst>
+                        <p:cond delay="indefinite"/>
+                        <p:cond evt="onBegin" delay="0">
+                          <p:tn val="2"/>
+                        </p:cond>
+                      </p:stCondLst>
+                      <p:childTnLst>
+                        <p:par>
+                          <p:cTn id="4" fill="hold">
+                            <p:stCondLst>
+                              <p:cond delay="0"/>
+                            </p:stCondLst>
+                            <p:childTnLst>
+                              <p:par>
+                                <p:cTn id="5" presetID="1" presetClass="entr" presetSubtype="0" fill="hold" nodeType="withEffect">
+                                  <p:stCondLst>
+                                    <p:cond delay="0"/>
+                                  </p:stCondLst>
+                                  <p:childTnLst>
+                                    <p:set>
+                                      <p:cBhvr>
+                                        <p:cTn id="6" dur="1" fill="hold">
+                                          <p:stCondLst>
+                                            <p:cond delay="0"/>
+                                          </p:stCondLst>
+                                        </p:cTn>
+                                        <p:tgtEl>
+                                          <p:spTgt spid="2"/>
+                                        </p:tgtEl>
+                                        <p:attrNameLst>
+                                          <p:attrName>style.visibility</p:attrName>
+                                        </p:attrNameLst>
+                                      </p:cBhvr>
+                                      <p:to>
+                                        <p:strVal val="visible"/>
+                                      </p:to>
+                                    </p:set>
+                                  </p:childTnLst>
+                                </p:cTn>
+                              </p:par>
+                            </p:childTnLst>
+                          </p:cTn>
+                        </p:par>
+                      </p:childTnLst>
+                    </p:cTn>
+                  </p:par>
+                </p:childTnLst>
+              </p:cTn>
+              <p:prevCondLst>
+                <p:cond evt="onPrev" delay="0">
+                  <p:tgtEl>
+                    <p:sldTgt/>
+                  </p:tgtEl>
+                </p:cond>
+              </p:prevCondLst>
+              <p:nextCondLst>
+                <p:cond evt="onNext" delay="0">
+                  <p:tgtEl>
+                    <p:sldTgt/>
+                  </p:tgtEl>
+                </p:cond>
+              </p:nextCondLst>
+            </p:seq>
+          </p:childTnLst>
+        </p:cTn>
+      </p:par>
+    </p:tnLst>
+  </p:timing>
+</p:sld>
+</file>
+
+<file path=ppt/slides/slide11.xml><?xml version="1.0" encoding="utf-8"?>
+<p:sld xmlns:a="http://schemas.openxmlformats.org/drawingml/2006/main" xmlns:r="http://schemas.openxmlformats.org/officeDocument/2006/relationships" xmlns:p="http://schemas.openxmlformats.org/presentationml/2006/main">
+  <p:cSld>
+    <p:spTree>
+      <p:nvGrpSpPr>
+        <p:cNvPr id="1" name=""/>
+        <p:cNvGrpSpPr/>
+        <p:nvPr/>
+      </p:nvGrpSpPr>
+      <p:grpSpPr>
+        <a:xfrm>
+          <a:off x="0" y="0"/>
+          <a:ext cx="0" cy="0"/>
+          <a:chOff x="0" y="0"/>
+          <a:chExt cx="0" cy="0"/>
+        </a:xfrm>
+      </p:grpSpPr>
+      <p:sp>
+        <p:nvSpPr>
+          <p:cNvPr id="3" name="矩形 2"/>
+          <p:cNvSpPr/>
+          <p:nvPr/>
+        </p:nvSpPr>
+        <p:spPr>
+          <a:xfrm>
+            <a:off x="407987" y="1052513"/>
+            <a:ext cx="6625273" cy="3523529"/>
+          </a:xfrm>
+          <a:prstGeom prst="rect">
+            <a:avLst/>
+          </a:prstGeom>
+        </p:spPr>
+        <p:txBody>
+          <a:bodyPr wrap="square">
+            <a:spAutoFit/>
+          </a:bodyPr>
+          <a:lstStyle/>
+          <a:p>
+            <a:pPr marL="342900" indent="-342900" fontAlgn="auto">
+              <a:lnSpc>
+                <a:spcPct val="150000"/>
+              </a:lnSpc>
+              <a:spcAft>
+                <a:spcPts val="0"/>
+              </a:spcAft>
+              <a:buFont typeface="Arial" panose="020B0604020202020204" pitchFamily="34" charset="0"/>
+              <a:buChar char="•"/>
+            </a:pPr>
+            <a:r>
+              <a:rPr lang="zh-CN" altLang="en-US" sz="2800" b="1" dirty="0">
+                <a:solidFill>
+                  <a:schemeClr val="tx1"/>
+                </a:solidFill>
+                <a:latin typeface="Times New Roman" panose="02020603050405020304" pitchFamily="18" charset="0"/>
+                <a:ea typeface="微软雅黑" panose="020B0503020204020204" pitchFamily="34" charset="-122"/>
+                <a:cs typeface="Times New Roman" panose="02020603050405020304" pitchFamily="18" charset="0"/>
+                <a:sym typeface="+mn-ea"/>
+              </a:rPr>
+              <a:t>激光测量</a:t>
+            </a:r>
+          </a:p>
+          <a:p>
+            <a:pPr marL="342900" indent="-342900" fontAlgn="auto">
+              <a:lnSpc>
+                <a:spcPct val="150000"/>
+              </a:lnSpc>
+              <a:spcAft>
+                <a:spcPts val="0"/>
+              </a:spcAft>
+              <a:buFont typeface="Arial" panose="020B0604020202020204" pitchFamily="34" charset="0"/>
+              <a:buChar char="•"/>
+            </a:pPr>
+            <a:r>
+              <a:rPr lang="zh-CN" altLang="en-US" sz="2400" b="1" dirty="0">
+                <a:solidFill>
+                  <a:schemeClr val="tx1"/>
+                </a:solidFill>
+                <a:latin typeface="Times New Roman" panose="02020603050405020304" pitchFamily="18" charset="0"/>
+                <a:ea typeface="微软雅黑" panose="020B0503020204020204" pitchFamily="34" charset="-122"/>
+                <a:cs typeface="Times New Roman" panose="02020603050405020304" pitchFamily="18" charset="0"/>
+                <a:sym typeface="+mn-ea"/>
+              </a:rPr>
+              <a:t>高重复频率激光测距：目标捕获快、回波数多、测距精度高、标准点数据密度高</a:t>
+            </a:r>
+          </a:p>
+          <a:p>
+            <a:pPr marL="800100" lvl="1" indent="-342900">
+              <a:lnSpc>
+                <a:spcPct val="150000"/>
+              </a:lnSpc>
+              <a:buFont typeface="Arial" panose="020B0604020202020204" pitchFamily="34" charset="0"/>
+              <a:buChar char="•"/>
+            </a:pPr>
+            <a:r>
+              <a:rPr lang="zh-CN" altLang="en-US" sz="2400" b="1" dirty="0">
+                <a:solidFill>
+                  <a:schemeClr val="tx1"/>
+                </a:solidFill>
+                <a:latin typeface="Times New Roman" panose="02020603050405020304" pitchFamily="18" charset="0"/>
+                <a:ea typeface="微软雅黑" panose="020B0503020204020204" pitchFamily="34" charset="-122"/>
+                <a:cs typeface="Times New Roman" panose="02020603050405020304" pitchFamily="18" charset="0"/>
+                <a:sym typeface="+mn-ea"/>
+              </a:rPr>
+              <a:t>合作目标：带角反射器</a:t>
+            </a:r>
+            <a:endParaRPr lang="en-US" altLang="zh-CN" sz="2400" b="1" dirty="0">
+              <a:solidFill>
+                <a:schemeClr val="tx1"/>
+              </a:solidFill>
+              <a:latin typeface="Times New Roman" panose="02020603050405020304" pitchFamily="18" charset="0"/>
+              <a:ea typeface="微软雅黑" panose="020B0503020204020204" pitchFamily="34" charset="-122"/>
+              <a:cs typeface="Times New Roman" panose="02020603050405020304" pitchFamily="18" charset="0"/>
+              <a:sym typeface="+mn-ea"/>
+            </a:endParaRPr>
+          </a:p>
+          <a:p>
+            <a:pPr marL="800100" lvl="1" indent="-342900">
+              <a:lnSpc>
+                <a:spcPct val="150000"/>
+              </a:lnSpc>
+              <a:buFont typeface="Arial" panose="020B0604020202020204" pitchFamily="34" charset="0"/>
+              <a:buChar char="•"/>
+            </a:pPr>
+            <a:r>
+              <a:rPr lang="zh-CN" altLang="en-US" sz="2400" b="1" dirty="0">
+                <a:solidFill>
+                  <a:schemeClr val="tx1"/>
+                </a:solidFill>
+                <a:latin typeface="Times New Roman" panose="02020603050405020304" pitchFamily="18" charset="0"/>
+                <a:ea typeface="微软雅黑" panose="020B0503020204020204" pitchFamily="34" charset="-122"/>
+                <a:cs typeface="Times New Roman" panose="02020603050405020304" pitchFamily="18" charset="0"/>
+                <a:sym typeface="+mn-ea"/>
+              </a:rPr>
+              <a:t>非合作目标：激光漫反射</a:t>
+            </a:r>
+            <a:endParaRPr lang="en-US" altLang="zh-CN" sz="2400" b="1" dirty="0">
+              <a:solidFill>
+                <a:schemeClr val="tx1"/>
+              </a:solidFill>
+              <a:latin typeface="Times New Roman" panose="02020603050405020304" pitchFamily="18" charset="0"/>
+              <a:ea typeface="微软雅黑" panose="020B0503020204020204" pitchFamily="34" charset="-122"/>
+              <a:cs typeface="Times New Roman" panose="02020603050405020304" pitchFamily="18" charset="0"/>
+              <a:sym typeface="+mn-ea"/>
+            </a:endParaRPr>
+          </a:p>
+          <a:p>
+            <a:pPr marL="342900" indent="-342900" fontAlgn="auto">
+              <a:lnSpc>
+                <a:spcPct val="150000"/>
+              </a:lnSpc>
+              <a:spcAft>
+                <a:spcPts val="0"/>
+              </a:spcAft>
+              <a:buFont typeface="Arial" panose="020B0604020202020204" pitchFamily="34" charset="0"/>
+              <a:buChar char="•"/>
+            </a:pPr>
+            <a:endParaRPr lang="en-US" altLang="zh-CN" sz="2800" b="1" dirty="0">
+              <a:solidFill>
+                <a:schemeClr val="tx1"/>
+              </a:solidFill>
+              <a:latin typeface="Times New Roman" panose="02020603050405020304" pitchFamily="18" charset="0"/>
+              <a:ea typeface="微软雅黑" panose="020B0503020204020204" pitchFamily="34" charset="-122"/>
+              <a:cs typeface="Times New Roman" panose="02020603050405020304" pitchFamily="18" charset="0"/>
+              <a:sym typeface="+mn-ea"/>
+            </a:endParaRPr>
+          </a:p>
+        </p:txBody>
+      </p:sp>
+      <p:sp>
+        <p:nvSpPr>
+          <p:cNvPr id="5" name="灯片编号占位符 4"/>
+          <p:cNvSpPr>
+            <a:spLocks noGrp="1"/>
+          </p:cNvSpPr>
+          <p:nvPr>
+            <p:ph type="sldNum" sz="quarter" idx="4"/>
+          </p:nvPr>
+        </p:nvSpPr>
+        <p:spPr/>
+        <p:txBody>
+          <a:bodyPr/>
+          <a:lstStyle/>
+          <a:p>
+            <a:fld id="{5F1D8F20-F945-584B-B149-8CCFBEFE168A}" type="slidenum">
+              <a:rPr kumimoji="1" lang="zh-CN" altLang="en-US" smtClean="0"/>
+              <a:t>11</a:t>
+            </a:fld>
+            <a:endParaRPr kumimoji="1" lang="zh-CN" altLang="en-US"/>
+          </a:p>
+        </p:txBody>
+      </p:sp>
+      <p:sp>
+        <p:nvSpPr>
+          <p:cNvPr id="26" name="标题 1"/>
+          <p:cNvSpPr txBox="1"/>
+          <p:nvPr/>
+        </p:nvSpPr>
+        <p:spPr>
+          <a:xfrm>
+            <a:off x="0" y="0"/>
+            <a:ext cx="12187555" cy="711200"/>
+          </a:xfrm>
+          <a:prstGeom prst="rect">
+            <a:avLst/>
+          </a:prstGeom>
+          <a:noFill/>
+        </p:spPr>
+        <p:txBody>
+          <a:bodyPr vert="horz" lIns="91440" tIns="45720" rIns="91440" bIns="45720" rtlCol="0" anchor="ctr"/>
+          <a:lstStyle/>
+          <a:p>
+            <a:pPr marL="0" marR="0" lvl="0" indent="0" algn="ctr" defTabSz="914400" rtl="0" eaLnBrk="1" fontAlgn="base" latinLnBrk="0" hangingPunct="1">
+              <a:lnSpc>
+                <a:spcPct val="100000"/>
+              </a:lnSpc>
+              <a:spcBef>
+                <a:spcPct val="0"/>
+              </a:spcBef>
+              <a:spcAft>
+                <a:spcPct val="0"/>
+              </a:spcAft>
+              <a:buClrTx/>
+              <a:buSzTx/>
+              <a:buFontTx/>
+              <a:buNone/>
+              <a:defRPr/>
+            </a:pPr>
+            <a:r>
+              <a:rPr kumimoji="0" lang="zh-CN" altLang="en-US" sz="3200" b="1" i="0" u="none" strike="noStrike" kern="1200" cap="none" spc="0" normalizeH="0" baseline="0" noProof="0" dirty="0">
+                <a:ln>
+                  <a:noFill/>
+                </a:ln>
+                <a:solidFill>
+                  <a:schemeClr val="bg1"/>
+                </a:solidFill>
+                <a:effectLst/>
+                <a:uLnTx/>
+                <a:uFillTx/>
+                <a:latin typeface="微软雅黑" panose="020B0503020204020204" pitchFamily="34" charset="-122"/>
+                <a:ea typeface="微软雅黑" panose="020B0503020204020204" pitchFamily="34" charset="-122"/>
+                <a:cs typeface="+mj-cs"/>
+              </a:rPr>
+              <a:t>特性测量</a:t>
+            </a:r>
+          </a:p>
+        </p:txBody>
+      </p:sp>
+      <p:sp>
+        <p:nvSpPr>
+          <p:cNvPr id="4" name="矩形 1">
+            <a:extLst>
+              <a:ext uri="{FF2B5EF4-FFF2-40B4-BE49-F238E27FC236}">
+                <a16:creationId xmlns:a16="http://schemas.microsoft.com/office/drawing/2014/main" id="{603F8E8F-886B-25BA-13D3-06C6FAB91200}"/>
+              </a:ext>
+            </a:extLst>
+          </p:cNvPr>
+          <p:cNvSpPr>
+            <a:spLocks noChangeArrowheads="1"/>
+          </p:cNvSpPr>
+          <p:nvPr/>
+        </p:nvSpPr>
+        <p:spPr bwMode="auto">
+          <a:xfrm>
+            <a:off x="8553133" y="3578225"/>
+            <a:ext cx="1992313" cy="400050"/>
+          </a:xfrm>
+          <a:prstGeom prst="rect">
+            <a:avLst/>
+          </a:prstGeom>
+          <a:noFill/>
+          <a:ln>
+            <a:noFill/>
+          </a:ln>
+        </p:spPr>
+        <p:txBody>
+          <a:bodyPr wrap="none">
+            <a:spAutoFit/>
+          </a:bodyPr>
+          <a:lstStyle/>
+          <a:p>
+            <a:pPr eaLnBrk="0" hangingPunct="0">
+              <a:defRPr/>
+            </a:pPr>
+            <a:r>
+              <a:rPr lang="zh-CN" altLang="en-US" sz="2000" b="1" kern="0" dirty="0">
+                <a:solidFill>
+                  <a:srgbClr val="000099"/>
+                </a:solidFill>
+                <a:latin typeface="Times New Roman" pitchFamily="18" charset="0"/>
+                <a:ea typeface="楷体" pitchFamily="49" charset="-122"/>
+                <a:cs typeface="Times New Roman" pitchFamily="18" charset="0"/>
+              </a:rPr>
+              <a:t>激光测距原理图</a:t>
+            </a:r>
+          </a:p>
+        </p:txBody>
+      </p:sp>
+      <p:grpSp>
+        <p:nvGrpSpPr>
+          <p:cNvPr id="7" name="组合 5">
+            <a:extLst>
+              <a:ext uri="{FF2B5EF4-FFF2-40B4-BE49-F238E27FC236}">
+                <a16:creationId xmlns:a16="http://schemas.microsoft.com/office/drawing/2014/main" id="{62D30452-0816-C600-4015-E6044854A703}"/>
+              </a:ext>
+            </a:extLst>
+          </p:cNvPr>
+          <p:cNvGrpSpPr>
+            <a:grpSpLocks/>
+          </p:cNvGrpSpPr>
+          <p:nvPr/>
+        </p:nvGrpSpPr>
+        <p:grpSpPr bwMode="auto">
+          <a:xfrm>
+            <a:off x="7251382" y="1160462"/>
+            <a:ext cx="4954588" cy="2433638"/>
+            <a:chOff x="2214563" y="2500306"/>
+            <a:chExt cx="5591125" cy="3148019"/>
+          </a:xfrm>
+        </p:grpSpPr>
+        <p:pic>
+          <p:nvPicPr>
+            <p:cNvPr id="8" name="Picture 8">
+              <a:extLst>
+                <a:ext uri="{FF2B5EF4-FFF2-40B4-BE49-F238E27FC236}">
+                  <a16:creationId xmlns:a16="http://schemas.microsoft.com/office/drawing/2014/main" id="{B29572A6-0D0E-713E-6BEA-F4800CD2BB86}"/>
+                </a:ext>
+              </a:extLst>
+            </p:cNvPr>
+            <p:cNvPicPr>
+              <a:picLocks noChangeAspect="1" noChangeArrowheads="1"/>
+            </p:cNvPicPr>
+            <p:nvPr/>
+          </p:nvPicPr>
+          <p:blipFill>
+            <a:blip r:embed="rId2"/>
+            <a:srcRect/>
+            <a:stretch>
+              <a:fillRect/>
+            </a:stretch>
+          </p:blipFill>
+          <p:spPr bwMode="auto">
+            <a:xfrm>
+              <a:off x="2214563" y="2500306"/>
+              <a:ext cx="5185590" cy="3148019"/>
+            </a:xfrm>
+            <a:prstGeom prst="rect">
+              <a:avLst/>
+            </a:prstGeom>
+            <a:noFill/>
+            <a:ln w="9525">
+              <a:noFill/>
+              <a:miter lim="800000"/>
+              <a:headEnd/>
+              <a:tailEnd/>
+            </a:ln>
+          </p:spPr>
+        </p:pic>
+        <p:pic>
+          <p:nvPicPr>
+            <p:cNvPr id="9" name="Picture 2" descr="C:\Documents and Settings\cho\桌面\未命名.bmp">
+              <a:extLst>
+                <a:ext uri="{FF2B5EF4-FFF2-40B4-BE49-F238E27FC236}">
+                  <a16:creationId xmlns:a16="http://schemas.microsoft.com/office/drawing/2014/main" id="{B050FB7D-FA0E-D712-D86A-21483D6C3A56}"/>
+                </a:ext>
+              </a:extLst>
+            </p:cNvPr>
+            <p:cNvPicPr>
+              <a:picLocks noChangeAspect="1" noChangeArrowheads="1"/>
+            </p:cNvPicPr>
+            <p:nvPr/>
+          </p:nvPicPr>
+          <p:blipFill>
+            <a:blip r:embed="rId3"/>
+            <a:srcRect/>
+            <a:stretch>
+              <a:fillRect/>
+            </a:stretch>
+          </p:blipFill>
+          <p:spPr bwMode="auto">
+            <a:xfrm rot="9379715">
+              <a:off x="6502351" y="2520851"/>
+              <a:ext cx="1303337" cy="636588"/>
+            </a:xfrm>
+            <a:prstGeom prst="rect">
+              <a:avLst/>
+            </a:prstGeom>
+            <a:noFill/>
+            <a:ln w="9525">
+              <a:noFill/>
+              <a:miter lim="800000"/>
+              <a:headEnd/>
+              <a:tailEnd/>
+            </a:ln>
+          </p:spPr>
+        </p:pic>
+      </p:grpSp>
+    </p:spTree>
+    <p:extLst>
+      <p:ext uri="{BB962C8B-B14F-4D97-AF65-F5344CB8AC3E}">
+        <p14:creationId xmlns:p14="http://schemas.microsoft.com/office/powerpoint/2010/main" val="1441747594"/>
+      </p:ext>
+    </p:extLst>
+  </p:cSld>
+  <p:clrMapOvr>
+    <a:masterClrMapping/>
+  </p:clrMapOvr>
+  <mc:AlternateContent xmlns:mc="http://schemas.openxmlformats.org/markup-compatibility/2006" xmlns:p159="http://schemas.microsoft.com/office/powerpoint/2015/09/main">
+    <mc:Choice Requires="p159">
+      <p:transition spd="slow">
+        <p159:morph option="byObject"/>
+      </p:transition>
+    </mc:Choice>
+    <mc:Fallback xmlns="">
+      <p:transition spd="slow">
+        <p:fade/>
+      </p:transition>
+    </mc:Fallback>
+  </mc:AlternateContent>
+</p:sld>
+</file>
+
+<file path=ppt/slides/slide12.xml><?xml version="1.0" encoding="utf-8"?>
+<p:sld xmlns:a="http://schemas.openxmlformats.org/drawingml/2006/main" xmlns:r="http://schemas.openxmlformats.org/officeDocument/2006/relationships" xmlns:p="http://schemas.openxmlformats.org/presentationml/2006/main">
+  <p:cSld>
+    <p:spTree>
+      <p:nvGrpSpPr>
+        <p:cNvPr id="1" name=""/>
+        <p:cNvGrpSpPr/>
+        <p:nvPr/>
+      </p:nvGrpSpPr>
+      <p:grpSpPr>
+        <a:xfrm>
+          <a:off x="0" y="0"/>
+          <a:ext cx="0" cy="0"/>
+          <a:chOff x="0" y="0"/>
+          <a:chExt cx="0" cy="0"/>
+        </a:xfrm>
+      </p:grpSpPr>
+      <p:sp>
+        <p:nvSpPr>
+          <p:cNvPr id="3" name="矩形 2"/>
+          <p:cNvSpPr/>
+          <p:nvPr/>
+        </p:nvSpPr>
+        <p:spPr>
+          <a:xfrm>
+            <a:off x="407987" y="1052513"/>
+            <a:ext cx="7105333" cy="5370188"/>
+          </a:xfrm>
+          <a:prstGeom prst="rect">
+            <a:avLst/>
+          </a:prstGeom>
+        </p:spPr>
+        <p:txBody>
+          <a:bodyPr wrap="square">
+            <a:spAutoFit/>
+          </a:bodyPr>
+          <a:lstStyle/>
+          <a:p>
+            <a:pPr marL="342900" indent="-342900" fontAlgn="auto">
+              <a:lnSpc>
+                <a:spcPct val="150000"/>
+              </a:lnSpc>
+              <a:spcAft>
+                <a:spcPts val="0"/>
+              </a:spcAft>
+              <a:buFont typeface="Arial" panose="020B0604020202020204" pitchFamily="34" charset="0"/>
+              <a:buChar char="•"/>
+            </a:pPr>
+            <a:r>
+              <a:rPr lang="zh-CN" altLang="en-US" sz="2800" b="1" dirty="0">
+                <a:solidFill>
+                  <a:schemeClr val="tx1"/>
+                </a:solidFill>
+                <a:latin typeface="Times New Roman" panose="02020603050405020304" pitchFamily="18" charset="0"/>
+                <a:ea typeface="微软雅黑" panose="020B0503020204020204" pitchFamily="34" charset="-122"/>
+                <a:cs typeface="Times New Roman" panose="02020603050405020304" pitchFamily="18" charset="0"/>
+                <a:sym typeface="+mn-ea"/>
+              </a:rPr>
+              <a:t>光谱测量</a:t>
+            </a:r>
+          </a:p>
+          <a:p>
+            <a:pPr marL="800100" lvl="1" indent="-342900">
+              <a:lnSpc>
+                <a:spcPct val="150000"/>
+              </a:lnSpc>
+              <a:buFont typeface="Arial" panose="020B0604020202020204" pitchFamily="34" charset="0"/>
+              <a:buChar char="•"/>
+            </a:pPr>
+            <a:r>
+              <a:rPr lang="zh-CN" altLang="en-US" sz="2000" b="1" dirty="0">
+                <a:solidFill>
+                  <a:schemeClr val="tx1"/>
+                </a:solidFill>
+                <a:latin typeface="Times New Roman" panose="02020603050405020304" pitchFamily="18" charset="0"/>
+                <a:ea typeface="微软雅黑" panose="020B0503020204020204" pitchFamily="34" charset="-122"/>
+                <a:cs typeface="Times New Roman" panose="02020603050405020304" pitchFamily="18" charset="0"/>
+                <a:sym typeface="+mn-ea"/>
+              </a:rPr>
+              <a:t>利用光谱仪测量空间碎片的反射能量随波长的变化</a:t>
+            </a:r>
+          </a:p>
+          <a:p>
+            <a:pPr marL="800100" lvl="1" indent="-342900">
+              <a:lnSpc>
+                <a:spcPct val="150000"/>
+              </a:lnSpc>
+              <a:buFont typeface="Arial" panose="020B0604020202020204" pitchFamily="34" charset="0"/>
+              <a:buChar char="•"/>
+            </a:pPr>
+            <a:r>
+              <a:rPr lang="zh-CN" altLang="en-US" sz="2000" b="1" dirty="0">
+                <a:solidFill>
+                  <a:schemeClr val="tx1"/>
+                </a:solidFill>
+                <a:latin typeface="Times New Roman" panose="02020603050405020304" pitchFamily="18" charset="0"/>
+                <a:ea typeface="微软雅黑" panose="020B0503020204020204" pitchFamily="34" charset="-122"/>
+                <a:cs typeface="Times New Roman" panose="02020603050405020304" pitchFamily="18" charset="0"/>
+                <a:sym typeface="+mn-ea"/>
+              </a:rPr>
+              <a:t>通过统计建模与聚类分析，探索空间碎片的表面物理特性与实测光谱的关系</a:t>
+            </a:r>
+            <a:endParaRPr lang="en-US" altLang="zh-CN" sz="2000" b="1" dirty="0">
+              <a:solidFill>
+                <a:schemeClr val="tx1"/>
+              </a:solidFill>
+              <a:latin typeface="Times New Roman" panose="02020603050405020304" pitchFamily="18" charset="0"/>
+              <a:ea typeface="微软雅黑" panose="020B0503020204020204" pitchFamily="34" charset="-122"/>
+              <a:cs typeface="Times New Roman" panose="02020603050405020304" pitchFamily="18" charset="0"/>
+              <a:sym typeface="+mn-ea"/>
+            </a:endParaRPr>
+          </a:p>
+          <a:p>
+            <a:pPr marL="342900" indent="-342900" fontAlgn="auto">
+              <a:lnSpc>
+                <a:spcPct val="150000"/>
+              </a:lnSpc>
+              <a:spcAft>
+                <a:spcPts val="0"/>
+              </a:spcAft>
+              <a:buFont typeface="Arial" panose="020B0604020202020204" pitchFamily="34" charset="0"/>
+              <a:buChar char="•"/>
+            </a:pPr>
+            <a:r>
+              <a:rPr lang="zh-CN" altLang="en-US" sz="2800" b="1" dirty="0">
+                <a:solidFill>
+                  <a:schemeClr val="tx1"/>
+                </a:solidFill>
+                <a:latin typeface="Times New Roman" panose="02020603050405020304" pitchFamily="18" charset="0"/>
+                <a:ea typeface="微软雅黑" panose="020B0503020204020204" pitchFamily="34" charset="-122"/>
+                <a:cs typeface="Times New Roman" panose="02020603050405020304" pitchFamily="18" charset="0"/>
+                <a:sym typeface="+mn-ea"/>
+              </a:rPr>
+              <a:t>偏振测量</a:t>
+            </a:r>
+          </a:p>
+          <a:p>
+            <a:pPr marL="800100" lvl="1" indent="-342900">
+              <a:lnSpc>
+                <a:spcPct val="150000"/>
+              </a:lnSpc>
+              <a:buFont typeface="Arial" panose="020B0604020202020204" pitchFamily="34" charset="0"/>
+              <a:buChar char="•"/>
+            </a:pPr>
+            <a:r>
+              <a:rPr lang="zh-CN" altLang="en-US" sz="2000" b="1" dirty="0">
+                <a:solidFill>
+                  <a:schemeClr val="tx1"/>
+                </a:solidFill>
+                <a:latin typeface="Times New Roman" panose="02020603050405020304" pitchFamily="18" charset="0"/>
+                <a:ea typeface="微软雅黑" panose="020B0503020204020204" pitchFamily="34" charset="-122"/>
+                <a:cs typeface="Times New Roman" panose="02020603050405020304" pitchFamily="18" charset="0"/>
+                <a:sym typeface="+mn-ea"/>
+              </a:rPr>
+              <a:t>空间碎片的光学偏振度是表面材料的有效特征，可以用于目标识别以及辅助材料判断</a:t>
+            </a:r>
+          </a:p>
+          <a:p>
+            <a:pPr marL="800100" lvl="1" indent="-342900">
+              <a:lnSpc>
+                <a:spcPct val="150000"/>
+              </a:lnSpc>
+              <a:buFont typeface="Arial" panose="020B0604020202020204" pitchFamily="34" charset="0"/>
+              <a:buChar char="•"/>
+            </a:pPr>
+            <a:r>
+              <a:rPr lang="zh-CN" altLang="en-US" sz="2000" b="1" dirty="0">
+                <a:solidFill>
+                  <a:schemeClr val="tx1"/>
+                </a:solidFill>
+                <a:latin typeface="Times New Roman" panose="02020603050405020304" pitchFamily="18" charset="0"/>
+                <a:ea typeface="微软雅黑" panose="020B0503020204020204" pitchFamily="34" charset="-122"/>
+                <a:cs typeface="Times New Roman" panose="02020603050405020304" pitchFamily="18" charset="0"/>
+                <a:sym typeface="+mn-ea"/>
+              </a:rPr>
+              <a:t>使用</a:t>
+            </a:r>
+            <a:r>
+              <a:rPr lang="en-US" altLang="zh-CN" sz="2000" b="1" dirty="0">
+                <a:solidFill>
+                  <a:schemeClr val="tx1"/>
+                </a:solidFill>
+                <a:latin typeface="Times New Roman" panose="02020603050405020304" pitchFamily="18" charset="0"/>
+                <a:ea typeface="微软雅黑" panose="020B0503020204020204" pitchFamily="34" charset="-122"/>
+                <a:cs typeface="Times New Roman" panose="02020603050405020304" pitchFamily="18" charset="0"/>
+                <a:sym typeface="+mn-ea"/>
+              </a:rPr>
+              <a:t>30cm</a:t>
+            </a:r>
+            <a:r>
+              <a:rPr lang="zh-CN" altLang="en-US" sz="2000" b="1" dirty="0">
+                <a:solidFill>
+                  <a:schemeClr val="tx1"/>
+                </a:solidFill>
+                <a:latin typeface="Times New Roman" panose="02020603050405020304" pitchFamily="18" charset="0"/>
+                <a:ea typeface="微软雅黑" panose="020B0503020204020204" pitchFamily="34" charset="-122"/>
+                <a:cs typeface="Times New Roman" panose="02020603050405020304" pitchFamily="18" charset="0"/>
+                <a:sym typeface="+mn-ea"/>
+              </a:rPr>
+              <a:t>口径四通道望远镜开展偏振测量实验</a:t>
+            </a:r>
+            <a:endParaRPr lang="en-US" altLang="zh-CN" sz="2000" b="1" dirty="0">
+              <a:solidFill>
+                <a:schemeClr val="tx1"/>
+              </a:solidFill>
+              <a:latin typeface="Times New Roman" panose="02020603050405020304" pitchFamily="18" charset="0"/>
+              <a:ea typeface="微软雅黑" panose="020B0503020204020204" pitchFamily="34" charset="-122"/>
+              <a:cs typeface="Times New Roman" panose="02020603050405020304" pitchFamily="18" charset="0"/>
+              <a:sym typeface="+mn-ea"/>
+            </a:endParaRPr>
+          </a:p>
+          <a:p>
+            <a:pPr marL="342900" indent="-342900" fontAlgn="auto">
+              <a:lnSpc>
+                <a:spcPct val="150000"/>
+              </a:lnSpc>
+              <a:spcAft>
+                <a:spcPts val="0"/>
+              </a:spcAft>
+              <a:buFont typeface="Arial" panose="020B0604020202020204" pitchFamily="34" charset="0"/>
+              <a:buChar char="•"/>
+            </a:pPr>
+            <a:endParaRPr lang="en-US" altLang="zh-CN" sz="2800" b="1" dirty="0">
+              <a:solidFill>
+                <a:schemeClr val="tx1"/>
+              </a:solidFill>
+              <a:latin typeface="Times New Roman" panose="02020603050405020304" pitchFamily="18" charset="0"/>
+              <a:ea typeface="微软雅黑" panose="020B0503020204020204" pitchFamily="34" charset="-122"/>
+              <a:cs typeface="Times New Roman" panose="02020603050405020304" pitchFamily="18" charset="0"/>
+              <a:sym typeface="+mn-ea"/>
+            </a:endParaRPr>
+          </a:p>
+          <a:p>
+            <a:pPr marL="342900" indent="-342900" fontAlgn="auto">
+              <a:lnSpc>
+                <a:spcPct val="150000"/>
+              </a:lnSpc>
+              <a:spcAft>
+                <a:spcPts val="0"/>
+              </a:spcAft>
+              <a:buFont typeface="Arial" panose="020B0604020202020204" pitchFamily="34" charset="0"/>
+              <a:buChar char="•"/>
+            </a:pPr>
+            <a:r>
+              <a:rPr lang="en-US" altLang="zh-CN" sz="2800" b="1" dirty="0">
+                <a:latin typeface="Times New Roman" panose="02020603050405020304" pitchFamily="18" charset="0"/>
+                <a:ea typeface="微软雅黑" panose="020B0503020204020204" pitchFamily="34" charset="-122"/>
+                <a:cs typeface="Times New Roman" panose="02020603050405020304" pitchFamily="18" charset="0"/>
+                <a:sym typeface="+mn-ea"/>
+              </a:rPr>
+              <a:t>80cm </a:t>
+            </a:r>
+            <a:r>
+              <a:rPr lang="zh-CN" altLang="en-US" sz="2800" b="1" dirty="0">
+                <a:latin typeface="Times New Roman" panose="02020603050405020304" pitchFamily="18" charset="0"/>
+                <a:ea typeface="微软雅黑" panose="020B0503020204020204" pitchFamily="34" charset="-122"/>
+                <a:cs typeface="Times New Roman" panose="02020603050405020304" pitchFamily="18" charset="0"/>
+                <a:sym typeface="+mn-ea"/>
+              </a:rPr>
+              <a:t>精测望远镜</a:t>
+            </a:r>
+            <a:endParaRPr lang="en-US" altLang="zh-CN" sz="2800" b="1" dirty="0">
+              <a:solidFill>
+                <a:schemeClr val="tx1"/>
+              </a:solidFill>
+              <a:latin typeface="Times New Roman" panose="02020603050405020304" pitchFamily="18" charset="0"/>
+              <a:ea typeface="微软雅黑" panose="020B0503020204020204" pitchFamily="34" charset="-122"/>
+              <a:cs typeface="Times New Roman" panose="02020603050405020304" pitchFamily="18" charset="0"/>
+              <a:sym typeface="+mn-ea"/>
+            </a:endParaRPr>
+          </a:p>
+        </p:txBody>
+      </p:sp>
+      <p:sp>
+        <p:nvSpPr>
+          <p:cNvPr id="5" name="灯片编号占位符 4"/>
+          <p:cNvSpPr>
+            <a:spLocks noGrp="1"/>
+          </p:cNvSpPr>
+          <p:nvPr>
+            <p:ph type="sldNum" sz="quarter" idx="4"/>
+          </p:nvPr>
+        </p:nvSpPr>
+        <p:spPr/>
+        <p:txBody>
+          <a:bodyPr/>
+          <a:lstStyle/>
+          <a:p>
+            <a:fld id="{5F1D8F20-F945-584B-B149-8CCFBEFE168A}" type="slidenum">
+              <a:rPr kumimoji="1" lang="zh-CN" altLang="en-US" smtClean="0"/>
+              <a:t>12</a:t>
+            </a:fld>
+            <a:endParaRPr kumimoji="1" lang="zh-CN" altLang="en-US"/>
+          </a:p>
+        </p:txBody>
+      </p:sp>
+      <p:sp>
+        <p:nvSpPr>
+          <p:cNvPr id="26" name="标题 1"/>
+          <p:cNvSpPr txBox="1"/>
+          <p:nvPr/>
+        </p:nvSpPr>
+        <p:spPr>
+          <a:xfrm>
+            <a:off x="0" y="0"/>
+            <a:ext cx="12187555" cy="711200"/>
+          </a:xfrm>
+          <a:prstGeom prst="rect">
+            <a:avLst/>
+          </a:prstGeom>
+          <a:noFill/>
+        </p:spPr>
+        <p:txBody>
+          <a:bodyPr vert="horz" lIns="91440" tIns="45720" rIns="91440" bIns="45720" rtlCol="0" anchor="ctr"/>
+          <a:lstStyle/>
+          <a:p>
+            <a:pPr marL="0" marR="0" lvl="0" indent="0" algn="ctr" defTabSz="914400" rtl="0" eaLnBrk="1" fontAlgn="base" latinLnBrk="0" hangingPunct="1">
+              <a:lnSpc>
+                <a:spcPct val="100000"/>
+              </a:lnSpc>
+              <a:spcBef>
+                <a:spcPct val="0"/>
+              </a:spcBef>
+              <a:spcAft>
+                <a:spcPct val="0"/>
+              </a:spcAft>
+              <a:buClrTx/>
+              <a:buSzTx/>
+              <a:buFontTx/>
+              <a:buNone/>
+              <a:defRPr/>
+            </a:pPr>
+            <a:r>
+              <a:rPr kumimoji="0" lang="zh-CN" altLang="en-US" sz="3200" b="1" i="0" u="none" strike="noStrike" kern="1200" cap="none" spc="0" normalizeH="0" baseline="0" noProof="0" dirty="0">
+                <a:ln>
+                  <a:noFill/>
+                </a:ln>
+                <a:solidFill>
+                  <a:schemeClr val="bg1"/>
+                </a:solidFill>
+                <a:effectLst/>
+                <a:uLnTx/>
+                <a:uFillTx/>
+                <a:latin typeface="微软雅黑" panose="020B0503020204020204" pitchFamily="34" charset="-122"/>
+                <a:ea typeface="微软雅黑" panose="020B0503020204020204" pitchFamily="34" charset="-122"/>
+                <a:cs typeface="+mj-cs"/>
+              </a:rPr>
+              <a:t>特性测量</a:t>
+            </a:r>
+          </a:p>
+        </p:txBody>
+      </p:sp>
+      <p:pic>
+        <p:nvPicPr>
+          <p:cNvPr id="4" name="图片 8" descr="1.jpg">
+            <a:extLst>
+              <a:ext uri="{FF2B5EF4-FFF2-40B4-BE49-F238E27FC236}">
+                <a16:creationId xmlns:a16="http://schemas.microsoft.com/office/drawing/2014/main" id="{5EF533E6-92E2-90A0-4CB8-9D9DF663457F}"/>
+              </a:ext>
+            </a:extLst>
+          </p:cNvPr>
+          <p:cNvPicPr>
+            <a:picLocks noChangeAspect="1"/>
+          </p:cNvPicPr>
+          <p:nvPr/>
+        </p:nvPicPr>
+        <p:blipFill>
+          <a:blip r:embed="rId2"/>
+          <a:srcRect/>
+          <a:stretch>
+            <a:fillRect/>
+          </a:stretch>
+        </p:blipFill>
+        <p:spPr bwMode="auto">
+          <a:xfrm>
+            <a:off x="8143557" y="1225239"/>
+            <a:ext cx="4062413" cy="2743200"/>
+          </a:xfrm>
+          <a:prstGeom prst="rect">
+            <a:avLst/>
+          </a:prstGeom>
+          <a:noFill/>
+          <a:ln w="9525">
+            <a:noFill/>
+            <a:miter lim="800000"/>
+            <a:headEnd/>
+            <a:tailEnd/>
+          </a:ln>
+        </p:spPr>
+      </p:pic>
+    </p:spTree>
+    <p:extLst>
+      <p:ext uri="{BB962C8B-B14F-4D97-AF65-F5344CB8AC3E}">
+        <p14:creationId xmlns:p14="http://schemas.microsoft.com/office/powerpoint/2010/main" val="496984215"/>
+      </p:ext>
+    </p:extLst>
+  </p:cSld>
+  <p:clrMapOvr>
+    <a:masterClrMapping/>
+  </p:clrMapOvr>
+  <mc:AlternateContent xmlns:mc="http://schemas.openxmlformats.org/markup-compatibility/2006" xmlns:p159="http://schemas.microsoft.com/office/powerpoint/2015/09/main">
+    <mc:Choice Requires="p159">
+      <p:transition spd="slow">
+        <p159:morph option="byObject"/>
+      </p:transition>
+    </mc:Choice>
+    <mc:Fallback xmlns="">
+      <p:transition spd="slow">
+        <p:fade/>
+      </p:transition>
+    </mc:Fallback>
+  </mc:AlternateContent>
+</p:sld>
+</file>
+
+<file path=ppt/slides/slide13.xml><?xml version="1.0" encoding="utf-8"?>
+<p:sld xmlns:a="http://schemas.openxmlformats.org/drawingml/2006/main" xmlns:r="http://schemas.openxmlformats.org/officeDocument/2006/relationships" xmlns:p="http://schemas.openxmlformats.org/presentationml/2006/main">
+  <p:cSld>
+    <p:spTree>
+      <p:nvGrpSpPr>
+        <p:cNvPr id="1" name=""/>
+        <p:cNvGrpSpPr/>
+        <p:nvPr/>
+      </p:nvGrpSpPr>
+      <p:grpSpPr>
+        <a:xfrm>
+          <a:off x="0" y="0"/>
+          <a:ext cx="0" cy="0"/>
+          <a:chOff x="0" y="0"/>
+          <a:chExt cx="0" cy="0"/>
+        </a:xfrm>
+      </p:grpSpPr>
+      <p:sp>
+        <p:nvSpPr>
+          <p:cNvPr id="3" name="矩形 2"/>
+          <p:cNvSpPr/>
+          <p:nvPr/>
+        </p:nvSpPr>
+        <p:spPr>
+          <a:xfrm>
+            <a:off x="407987" y="1052513"/>
+            <a:ext cx="11376025" cy="661207"/>
+          </a:xfrm>
+          <a:prstGeom prst="rect">
+            <a:avLst/>
+          </a:prstGeom>
+        </p:spPr>
+        <p:txBody>
+          <a:bodyPr wrap="square">
+            <a:spAutoFit/>
+          </a:bodyPr>
+          <a:lstStyle/>
+          <a:p>
+            <a:pPr marL="342900" indent="-342900" fontAlgn="auto">
+              <a:lnSpc>
+                <a:spcPct val="150000"/>
+              </a:lnSpc>
+              <a:spcAft>
+                <a:spcPts val="0"/>
+              </a:spcAft>
+              <a:buFont typeface="Arial" panose="020B0604020202020204" pitchFamily="34" charset="0"/>
+              <a:buChar char="•"/>
+            </a:pPr>
+            <a:r>
+              <a:rPr lang="zh-CN" altLang="en-US" sz="2800" b="1" dirty="0">
+                <a:solidFill>
+                  <a:schemeClr val="tx1"/>
+                </a:solidFill>
+                <a:latin typeface="Times New Roman" panose="02020603050405020304" pitchFamily="18" charset="0"/>
+                <a:ea typeface="微软雅黑" panose="020B0503020204020204" pitchFamily="34" charset="-122"/>
+                <a:cs typeface="Times New Roman" panose="02020603050405020304" pitchFamily="18" charset="0"/>
+                <a:sym typeface="+mn-ea"/>
+              </a:rPr>
+              <a:t>。</a:t>
+            </a:r>
+            <a:endParaRPr lang="en-US" altLang="zh-CN" sz="2800" b="1" dirty="0">
+              <a:solidFill>
+                <a:schemeClr val="tx1"/>
+              </a:solidFill>
+              <a:latin typeface="Times New Roman" panose="02020603050405020304" pitchFamily="18" charset="0"/>
+              <a:ea typeface="微软雅黑" panose="020B0503020204020204" pitchFamily="34" charset="-122"/>
+              <a:cs typeface="Times New Roman" panose="02020603050405020304" pitchFamily="18" charset="0"/>
+              <a:sym typeface="+mn-ea"/>
+            </a:endParaRPr>
+          </a:p>
+        </p:txBody>
+      </p:sp>
+      <p:sp>
+        <p:nvSpPr>
+          <p:cNvPr id="5" name="灯片编号占位符 4"/>
+          <p:cNvSpPr>
+            <a:spLocks noGrp="1"/>
+          </p:cNvSpPr>
+          <p:nvPr>
+            <p:ph type="sldNum" sz="quarter" idx="4"/>
+          </p:nvPr>
+        </p:nvSpPr>
+        <p:spPr/>
+        <p:txBody>
+          <a:bodyPr/>
+          <a:lstStyle/>
+          <a:p>
+            <a:fld id="{5F1D8F20-F945-584B-B149-8CCFBEFE168A}" type="slidenum">
+              <a:rPr kumimoji="1" lang="zh-CN" altLang="en-US" smtClean="0"/>
+              <a:t>13</a:t>
+            </a:fld>
+            <a:endParaRPr kumimoji="1" lang="zh-CN" altLang="en-US"/>
+          </a:p>
+        </p:txBody>
+      </p:sp>
+      <p:sp>
+        <p:nvSpPr>
+          <p:cNvPr id="26" name="标题 1"/>
+          <p:cNvSpPr txBox="1"/>
+          <p:nvPr/>
+        </p:nvSpPr>
+        <p:spPr>
+          <a:xfrm>
+            <a:off x="0" y="0"/>
+            <a:ext cx="12187555" cy="711200"/>
+          </a:xfrm>
+          <a:prstGeom prst="rect">
+            <a:avLst/>
+          </a:prstGeom>
+          <a:noFill/>
+        </p:spPr>
+        <p:txBody>
+          <a:bodyPr vert="horz" lIns="91440" tIns="45720" rIns="91440" bIns="45720" rtlCol="0" anchor="ctr"/>
+          <a:lstStyle/>
+          <a:p>
+            <a:pPr marL="0" marR="0" lvl="0" indent="0" algn="ctr" defTabSz="914400" rtl="0" eaLnBrk="1" fontAlgn="base" latinLnBrk="0" hangingPunct="1">
+              <a:lnSpc>
+                <a:spcPct val="100000"/>
+              </a:lnSpc>
+              <a:spcBef>
+                <a:spcPct val="0"/>
+              </a:spcBef>
+              <a:spcAft>
+                <a:spcPct val="0"/>
+              </a:spcAft>
+              <a:buClrTx/>
+              <a:buSzTx/>
+              <a:buFontTx/>
+              <a:buNone/>
+              <a:defRPr/>
+            </a:pPr>
+            <a:r>
+              <a:rPr kumimoji="0" lang="zh-CN" altLang="en-US" sz="3200" b="1" i="0" u="none" strike="noStrike" kern="1200" cap="none" spc="0" normalizeH="0" baseline="0" noProof="0" dirty="0">
+                <a:ln>
+                  <a:noFill/>
+                </a:ln>
+                <a:solidFill>
+                  <a:schemeClr val="bg1"/>
+                </a:solidFill>
+                <a:effectLst/>
+                <a:uLnTx/>
+                <a:uFillTx/>
+                <a:latin typeface="微软雅黑" panose="020B0503020204020204" pitchFamily="34" charset="-122"/>
+                <a:ea typeface="微软雅黑" panose="020B0503020204020204" pitchFamily="34" charset="-122"/>
+                <a:cs typeface="+mj-cs"/>
+              </a:rPr>
+              <a:t>天基探测</a:t>
+            </a:r>
+          </a:p>
+        </p:txBody>
+      </p:sp>
+    </p:spTree>
+    <p:extLst>
+      <p:ext uri="{BB962C8B-B14F-4D97-AF65-F5344CB8AC3E}">
+        <p14:creationId xmlns:p14="http://schemas.microsoft.com/office/powerpoint/2010/main" val="4052551725"/>
+      </p:ext>
+    </p:extLst>
   </p:cSld>
   <p:clrMapOvr>
     <a:masterClrMapping/>
@@ -2332,8 +6353,8 @@
         </p:nvSpPr>
         <p:spPr>
           <a:xfrm>
-            <a:off x="3582111" y="1333992"/>
-            <a:ext cx="7842633" cy="4437305"/>
+            <a:off x="3963111" y="2210292"/>
+            <a:ext cx="5889549" cy="2221314"/>
           </a:xfrm>
           <a:prstGeom prst="rect">
             <a:avLst/>
@@ -2410,142 +6431,7 @@
                 <a:ea typeface="微软雅黑" panose="020B0503020204020204" pitchFamily="34" charset="-122"/>
                 <a:sym typeface="+mn-ea"/>
               </a:rPr>
-              <a:t>观测相位</a:t>
-            </a:r>
-          </a:p>
-          <a:p>
-            <a:pPr marL="342900" indent="-342900" fontAlgn="auto">
-              <a:lnSpc>
-                <a:spcPct val="150000"/>
-              </a:lnSpc>
-              <a:spcAft>
-                <a:spcPts val="0"/>
-              </a:spcAft>
-              <a:buFont typeface="Arial" panose="020B0604020202020204" pitchFamily="34" charset="0"/>
-              <a:buChar char="•"/>
-            </a:pPr>
-            <a:r>
-              <a:rPr lang="en-US" altLang="zh-CN" sz="3200" b="1" dirty="0" err="1">
-                <a:solidFill>
-                  <a:schemeClr val="tx1"/>
-                </a:solidFill>
-                <a:latin typeface="微软雅黑" panose="020B0503020204020204" pitchFamily="34" charset="-122"/>
-                <a:ea typeface="微软雅黑" panose="020B0503020204020204" pitchFamily="34" charset="-122"/>
-                <a:sym typeface="+mn-ea"/>
-              </a:rPr>
-              <a:t>Lanmbert</a:t>
-            </a:r>
-            <a:r>
-              <a:rPr lang="zh-CN" altLang="en-US" sz="3200" b="1" dirty="0">
-                <a:solidFill>
-                  <a:schemeClr val="tx1"/>
-                </a:solidFill>
-                <a:latin typeface="微软雅黑" panose="020B0503020204020204" pitchFamily="34" charset="-122"/>
-                <a:ea typeface="微软雅黑" panose="020B0503020204020204" pitchFamily="34" charset="-122"/>
-                <a:sym typeface="+mn-ea"/>
-              </a:rPr>
-              <a:t>定律和</a:t>
-            </a:r>
-            <a:r>
-              <a:rPr lang="en-US" altLang="zh-CN" sz="3200" b="1" dirty="0">
-                <a:solidFill>
-                  <a:schemeClr val="tx1"/>
-                </a:solidFill>
-                <a:latin typeface="微软雅黑" panose="020B0503020204020204" pitchFamily="34" charset="-122"/>
-                <a:ea typeface="微软雅黑" panose="020B0503020204020204" pitchFamily="34" charset="-122"/>
-                <a:sym typeface="+mn-ea"/>
-              </a:rPr>
-              <a:t>BRDF</a:t>
-            </a:r>
-            <a:r>
-              <a:rPr lang="zh-CN" altLang="en-US" sz="3200" b="1" dirty="0">
-                <a:solidFill>
-                  <a:schemeClr val="tx1"/>
-                </a:solidFill>
-                <a:latin typeface="微软雅黑" panose="020B0503020204020204" pitchFamily="34" charset="-122"/>
-                <a:ea typeface="微软雅黑" panose="020B0503020204020204" pitchFamily="34" charset="-122"/>
-                <a:sym typeface="+mn-ea"/>
-              </a:rPr>
-              <a:t>双向反射函数</a:t>
-            </a:r>
-          </a:p>
-          <a:p>
-            <a:pPr marL="342900" indent="-342900" fontAlgn="auto">
-              <a:lnSpc>
-                <a:spcPct val="150000"/>
-              </a:lnSpc>
-              <a:spcAft>
-                <a:spcPts val="0"/>
-              </a:spcAft>
-              <a:buFont typeface="Arial" panose="020B0604020202020204" pitchFamily="34" charset="0"/>
-              <a:buChar char="•"/>
-            </a:pPr>
-            <a:r>
-              <a:rPr lang="zh-CN" altLang="en-US" sz="3200" b="1" dirty="0">
-                <a:solidFill>
-                  <a:schemeClr val="tx1"/>
-                </a:solidFill>
-                <a:latin typeface="微软雅黑" panose="020B0503020204020204" pitchFamily="34" charset="-122"/>
-                <a:ea typeface="微软雅黑" panose="020B0503020204020204" pitchFamily="34" charset="-122"/>
-                <a:sym typeface="+mn-ea"/>
-              </a:rPr>
-              <a:t>雷达</a:t>
-            </a:r>
-            <a:r>
-              <a:rPr lang="en-US" altLang="zh-CN" sz="3200" b="1" dirty="0">
-                <a:solidFill>
-                  <a:schemeClr val="tx1"/>
-                </a:solidFill>
-                <a:latin typeface="微软雅黑" panose="020B0503020204020204" pitchFamily="34" charset="-122"/>
-                <a:ea typeface="微软雅黑" panose="020B0503020204020204" pitchFamily="34" charset="-122"/>
-                <a:sym typeface="+mn-ea"/>
-              </a:rPr>
-              <a:t>RCS</a:t>
-            </a:r>
-            <a:r>
-              <a:rPr lang="zh-CN" altLang="en-US" sz="3200" b="1" dirty="0">
-                <a:solidFill>
-                  <a:schemeClr val="tx1"/>
-                </a:solidFill>
-                <a:latin typeface="微软雅黑" panose="020B0503020204020204" pitchFamily="34" charset="-122"/>
-                <a:ea typeface="微软雅黑" panose="020B0503020204020204" pitchFamily="34" charset="-122"/>
-                <a:sym typeface="+mn-ea"/>
-              </a:rPr>
-              <a:t>，</a:t>
-            </a:r>
-            <a:r>
-              <a:rPr lang="en-US" altLang="zh-CN" sz="3200" b="1" dirty="0">
-                <a:solidFill>
-                  <a:schemeClr val="tx1"/>
-                </a:solidFill>
-                <a:latin typeface="微软雅黑" panose="020B0503020204020204" pitchFamily="34" charset="-122"/>
-                <a:ea typeface="微软雅黑" panose="020B0503020204020204" pitchFamily="34" charset="-122"/>
-                <a:sym typeface="+mn-ea"/>
-              </a:rPr>
-              <a:t>ISAR</a:t>
-            </a:r>
-          </a:p>
-          <a:p>
-            <a:pPr marL="342900" indent="-342900" fontAlgn="auto">
-              <a:lnSpc>
-                <a:spcPct val="150000"/>
-              </a:lnSpc>
-              <a:spcAft>
-                <a:spcPts val="0"/>
-              </a:spcAft>
-              <a:buFont typeface="Arial" panose="020B0604020202020204" pitchFamily="34" charset="0"/>
-              <a:buChar char="•"/>
-            </a:pPr>
-            <a:r>
-              <a:rPr lang="zh-CN" altLang="en-US" sz="3200" b="1" dirty="0">
-                <a:solidFill>
-                  <a:schemeClr val="tx1"/>
-                </a:solidFill>
-                <a:latin typeface="微软雅黑" panose="020B0503020204020204" pitchFamily="34" charset="-122"/>
-                <a:ea typeface="微软雅黑" panose="020B0503020204020204" pitchFamily="34" charset="-122"/>
-                <a:sym typeface="+mn-ea"/>
-              </a:rPr>
-              <a:t>天基</a:t>
+              <a:t>天基探测</a:t>
             </a:r>
             <a:endParaRPr lang="en-US" altLang="zh-CN" sz="3200" b="1" dirty="0">
               <a:solidFill>
@@ -3059,7 +6945,7 @@
                 <a:ea typeface="微软雅黑" panose="020B0503020204020204" pitchFamily="34" charset="-122"/>
                 <a:cs typeface="+mj-cs"/>
               </a:rPr>
-              <a:t>版式、字体、字号、颜色等</a:t>
+              <a:t>空间态势感知概念</a:t>
             </a:r>
           </a:p>
         </p:txBody>
@@ -3078,8 +6964,8 @@
         </p:nvSpPr>
         <p:spPr>
           <a:xfrm>
-            <a:off x="2907785" y="3056049"/>
-            <a:ext cx="5748077" cy="1685911"/>
+            <a:off x="2907785" y="3728791"/>
+            <a:ext cx="5748077" cy="523220"/>
           </a:xfrm>
           <a:prstGeom prst="rect">
             <a:avLst/>
@@ -3092,9 +6978,6 @@
           <a:lstStyle/>
           <a:p>
             <a:pPr algn="ctr" fontAlgn="auto">
-              <a:lnSpc>
-                <a:spcPct val="200000"/>
-              </a:lnSpc>
               <a:spcAft>
                 <a:spcPts val="0"/>
               </a:spcAft>
@@ -3107,35 +6990,18 @@
                 <a:latin typeface="微软雅黑" panose="020B0503020204020204" pitchFamily="34" charset="-122"/>
                 <a:ea typeface="微软雅黑" panose="020B0503020204020204" pitchFamily="34" charset="-122"/>
               </a:rPr>
-              <a:t>开车 </a:t>
-            </a:r>
-            <a:r>
-              <a:rPr lang="zh-CN" altLang="en-US" b="1" dirty="0">
+              <a:t>人感知 </a:t>
+            </a:r>
+            <a:r>
+              <a:rPr lang="en-US" altLang="zh-CN" sz="2800" b="1" dirty="0">
                 <a:solidFill>
                   <a:srgbClr val="0000FF"/>
                 </a:solidFill>
                 <a:latin typeface="微软雅黑" panose="020B0503020204020204" pitchFamily="34" charset="-122"/>
                 <a:ea typeface="微软雅黑" panose="020B0503020204020204" pitchFamily="34" charset="-122"/>
               </a:rPr>
-              <a:t>看到红灯踩刹车同时避免被后车追尾</a:t>
-            </a:r>
-            <a:endParaRPr lang="en-US" altLang="zh-CN" b="1" dirty="0">
-              <a:solidFill>
-                <a:srgbClr val="0000FF"/>
-              </a:solidFill>
-              <a:latin typeface="微软雅黑" panose="020B0503020204020204" pitchFamily="34" charset="-122"/>
-              <a:ea typeface="微软雅黑" panose="020B0503020204020204" pitchFamily="34" charset="-122"/>
-            </a:endParaRPr>
-          </a:p>
-          <a:p>
-            <a:pPr algn="ctr" fontAlgn="auto">
-              <a:lnSpc>
-                <a:spcPct val="200000"/>
-              </a:lnSpc>
-              <a:spcAft>
-                <a:spcPts val="0"/>
-              </a:spcAft>
-            </a:pPr>
+              <a:t>--&gt; </a:t>
+            </a:r>
             <a:r>
               <a:rPr lang="zh-CN" altLang="en-US" sz="2800" b="1" dirty="0">
                 <a:solidFill>
@@ -3144,7 +7010,7 @@
                 <a:latin typeface="微软雅黑" panose="020B0503020204020204" pitchFamily="34" charset="-122"/>
                 <a:ea typeface="微软雅黑" panose="020B0503020204020204" pitchFamily="34" charset="-122"/>
               </a:rPr>
-              <a:t>开飞机</a:t>
+              <a:t>机器（算法）感知</a:t>
             </a:r>
             <a:endParaRPr lang="zh-CN" sz="2800" b="1" dirty="0">
               <a:solidFill>
@@ -3260,7 +7126,7 @@
                             </p:stCondLst>
                             <p:childTnLst>
                               <p:par>
-                                <p:cTn id="10" presetID="10" presetClass="entr" presetSubtype="0" fill="hold" grpId="0" nodeType="clickEffect">
+                                <p:cTn id="10" presetID="10" presetClass="entr" presetSubtype="0" fill="hold" nodeType="clickEffect">
                                   <p:stCondLst>
                                     <p:cond delay="0"/>
                                   </p:stCondLst>
@@ -3268,67 +7134,6 @@
                                     <p:set>
                                       <p:cBhvr>
                                         <p:cTn id="11" dur="1" fill="hold">
-                                          <p:stCondLst>
-                                            <p:cond delay="0"/>
-                                          </p:stCondLst>
-                                        </p:cTn>
-                                        <p:tgtEl>
-                                          <p:spTgt spid="4">
-                                            <p:txEl>
-                                              <p:pRg st="1" end="1"/>
-                                            </p:txEl>
-                                          </p:spTgt>
-                                        </p:tgtEl>
-                                        <p:attrNameLst>
-                                          <p:attrName>style.visibility</p:attrName>
-                                        </p:attrNameLst>
-                                      </p:cBhvr>
-                                      <p:to>
-                                        <p:strVal val="visible"/>
-                                      </p:to>
-                                    </p:set>
-                                    <p:animEffect transition="in" filter="fade">
-                                      <p:cBhvr>
-                                        <p:cTn id="12" dur="500"/>
-                                        <p:tgtEl>
-                                          <p:spTgt spid="4">
-                                            <p:txEl>
-                                              <p:pRg st="1" end="1"/>
-                                            </p:txEl>
-                                          </p:spTgt>
-                                        </p:tgtEl>
-                                      </p:cBhvr>
-                                    </p:animEffect>
-                                  </p:childTnLst>
-                                </p:cTn>
-                              </p:par>
-                            </p:childTnLst>
-                          </p:cTn>
-                        </p:par>
-                      </p:childTnLst>
-                    </p:cTn>
-                  </p:par>
-                  <p:par>
-                    <p:cTn id="13" fill="hold">
-                      <p:stCondLst>
-                        <p:cond delay="indefinite"/>
-                      </p:stCondLst>
-                      <p:childTnLst>
-                        <p:par>
-                          <p:cTn id="14" fill="hold">
-                            <p:stCondLst>
-                              <p:cond delay="0"/>
-                            </p:stCondLst>
-                            <p:childTnLst>
-                              <p:par>
-                                <p:cTn id="15" presetID="10" presetClass="entr" presetSubtype="0" fill="hold" nodeType="clickEffect">
-                                  <p:stCondLst>
-                                    <p:cond delay="0"/>
-                                  </p:stCondLst>
-                                  <p:childTnLst>
-                                    <p:set>
-                                      <p:cBhvr>
-                                        <p:cTn id="16" dur="1" fill="hold">
                                           <p:stCondLst>
                                             <p:cond delay="0"/>
                                           </p:stCondLst>
@@ -3350,7 +7155,7 @@
                                     </p:set>
                                     <p:animEffect transition="in" filter="fade">
                                       <p:cBhvr>
-                                        <p:cTn id="17" dur="500"/>
+                                        <p:cTn id="12" dur="500"/>
                                         <p:tgtEl>
                                           <p:spTgt spid="3">
                                             <p:txEl>
@@ -3364,14 +7169,14 @@
                                 </p:cTn>
                               </p:par>
                               <p:par>
-                                <p:cTn id="18" presetID="10" presetClass="entr" presetSubtype="0" fill="hold" nodeType="withEffect">
+                                <p:cTn id="13" presetID="10" presetClass="entr" presetSubtype="0" fill="hold" nodeType="withEffect">
                                   <p:stCondLst>
                                     <p:cond delay="0"/>
                                   </p:stCondLst>
                                   <p:childTnLst>
                                     <p:set>
                                       <p:cBhvr>
-                                        <p:cTn id="19" dur="1" fill="hold">
+                                        <p:cTn id="14" dur="1" fill="hold">
                                           <p:stCondLst>
                                             <p:cond delay="0"/>
                                           </p:stCondLst>
@@ -3393,7 +7198,7 @@
                                     </p:set>
                                     <p:animEffect transition="in" filter="fade">
                                       <p:cBhvr>
-                                        <p:cTn id="20" dur="500"/>
+                                        <p:cTn id="15" dur="500"/>
                                         <p:tgtEl>
                                           <p:spTgt spid="3">
                                             <p:txEl>
@@ -3459,82 +7264,6 @@
       </p:grpSpPr>
       <p:sp>
         <p:nvSpPr>
-          <p:cNvPr id="3" name="矩形 2"/>
-          <p:cNvSpPr/>
-          <p:nvPr/>
-        </p:nvSpPr>
-        <p:spPr>
-          <a:xfrm>
-            <a:off x="407987" y="1052513"/>
-            <a:ext cx="11376025" cy="1308884"/>
-          </a:xfrm>
-          <a:prstGeom prst="rect">
-            <a:avLst/>
-          </a:prstGeom>
-        </p:spPr>
-        <p:txBody>
-          <a:bodyPr wrap="square">
-            <a:spAutoFit/>
-          </a:bodyPr>
-          <a:lstStyle/>
-          <a:p>
-            <a:pPr marL="342900" indent="-342900" fontAlgn="auto">
-              <a:lnSpc>
-                <a:spcPct val="150000"/>
-              </a:lnSpc>
-              <a:spcAft>
-                <a:spcPts val="0"/>
-              </a:spcAft>
-              <a:buFont typeface="Arial" panose="020B0604020202020204" pitchFamily="34" charset="0"/>
-              <a:buChar char="•"/>
-            </a:pPr>
-            <a:r>
-              <a:rPr lang="zh-CN" altLang="en-US" sz="2800" b="1" dirty="0">
-                <a:solidFill>
-                  <a:schemeClr val="tx1"/>
-                </a:solidFill>
-                <a:latin typeface="Times New Roman" panose="02020603050405020304" pitchFamily="18" charset="0"/>
-                <a:ea typeface="微软雅黑" panose="020B0503020204020204" pitchFamily="34" charset="-122"/>
-                <a:cs typeface="Times New Roman" panose="02020603050405020304" pitchFamily="18" charset="0"/>
-                <a:sym typeface="+mn-ea"/>
-              </a:rPr>
-              <a:t>。</a:t>
-            </a:r>
-            <a:endParaRPr lang="en-US" altLang="zh-CN" sz="2800" b="1" dirty="0">
-              <a:solidFill>
-                <a:schemeClr val="tx1"/>
-              </a:solidFill>
-              <a:latin typeface="Times New Roman" panose="02020603050405020304" pitchFamily="18" charset="0"/>
-              <a:ea typeface="微软雅黑" panose="020B0503020204020204" pitchFamily="34" charset="-122"/>
-              <a:cs typeface="Times New Roman" panose="02020603050405020304" pitchFamily="18" charset="0"/>
-              <a:sym typeface="+mn-ea"/>
-            </a:endParaRPr>
-          </a:p>
-          <a:p>
-            <a:pPr marL="342900" indent="-342900" fontAlgn="auto">
-              <a:lnSpc>
-                <a:spcPct val="150000"/>
-              </a:lnSpc>
-              <a:spcAft>
-                <a:spcPts val="0"/>
-              </a:spcAft>
-              <a:buFont typeface="Arial" panose="020B0604020202020204" pitchFamily="34" charset="0"/>
-              <a:buChar char="•"/>
-            </a:pPr>
-            <a:endParaRPr lang="en-US" altLang="zh-CN" sz="2800" b="1" dirty="0">
-              <a:solidFill>
-                <a:schemeClr val="tx1"/>
-              </a:solidFill>
-              <a:latin typeface="Times New Roman" panose="02020603050405020304" pitchFamily="18" charset="0"/>
-              <a:ea typeface="微软雅黑" panose="020B0503020204020204" pitchFamily="34" charset="-122"/>
-              <a:cs typeface="Times New Roman" panose="02020603050405020304" pitchFamily="18" charset="0"/>
-              <a:sym typeface="+mn-ea"/>
-            </a:endParaRPr>
-          </a:p>
-        </p:txBody>
-      </p:sp>
-      <p:sp>
-        <p:nvSpPr>
           <p:cNvPr id="5" name="灯片编号占位符 4"/>
           <p:cNvSpPr>
             <a:spLocks noGrp="1"/>
@@ -3607,8 +7336,544 @@
                 <a:ea typeface="微软雅黑" panose="020B0503020204020204" pitchFamily="34" charset="-122"/>
                 <a:cs typeface="+mj-cs"/>
               </a:rPr>
-              <a:t>版式、字体、字号、颜色等</a:t>
-            </a:r>
+              <a:t>空间态势感知概念</a:t>
+            </a:r>
+          </a:p>
+        </p:txBody>
+      </p:sp>
+      <p:sp>
+        <p:nvSpPr>
+          <p:cNvPr id="2" name="矩形 1">
+            <a:extLst>
+              <a:ext uri="{FF2B5EF4-FFF2-40B4-BE49-F238E27FC236}">
+                <a16:creationId xmlns:a16="http://schemas.microsoft.com/office/drawing/2014/main" id="{66354F2F-4702-0826-4A1C-E12884673A10}"/>
+              </a:ext>
+            </a:extLst>
+          </p:cNvPr>
+          <p:cNvSpPr/>
+          <p:nvPr/>
+        </p:nvSpPr>
+        <p:spPr>
+          <a:xfrm>
+            <a:off x="2932158" y="893832"/>
+            <a:ext cx="6969397" cy="5751703"/>
+          </a:xfrm>
+          <a:prstGeom prst="rect">
+            <a:avLst/>
+          </a:prstGeom>
+        </p:spPr>
+        <p:txBody>
+          <a:bodyPr wrap="square">
+            <a:spAutoFit/>
+          </a:bodyPr>
+          <a:lstStyle/>
+          <a:p>
+            <a:pPr marL="342900" indent="-342900" fontAlgn="auto">
+              <a:lnSpc>
+                <a:spcPct val="110000"/>
+              </a:lnSpc>
+              <a:spcAft>
+                <a:spcPts val="0"/>
+              </a:spcAft>
+              <a:buFont typeface="Arial" panose="020B0604020202020204" pitchFamily="34" charset="0"/>
+              <a:buChar char="•"/>
+            </a:pPr>
+            <a:r>
+              <a:rPr lang="en-US" altLang="zh-CN" sz="2400" b="1" dirty="0">
+                <a:latin typeface="微软雅黑" panose="020B0503020204020204" pitchFamily="34" charset="-122"/>
+                <a:ea typeface="微软雅黑" panose="020B0503020204020204" pitchFamily="34" charset="-122"/>
+              </a:rPr>
+              <a:t>01</a:t>
+            </a:r>
+            <a:r>
+              <a:rPr lang="zh-CN" altLang="en-US" sz="2400" b="1" dirty="0">
+                <a:latin typeface="微软雅黑" panose="020B0503020204020204" pitchFamily="34" charset="-122"/>
+                <a:ea typeface="微软雅黑" panose="020B0503020204020204" pitchFamily="34" charset="-122"/>
+              </a:rPr>
+              <a:t>：天球概念与时间系统</a:t>
+            </a:r>
+          </a:p>
+          <a:p>
+            <a:pPr marL="342900" indent="-342900" fontAlgn="auto">
+              <a:lnSpc>
+                <a:spcPct val="110000"/>
+              </a:lnSpc>
+              <a:spcAft>
+                <a:spcPts val="0"/>
+              </a:spcAft>
+              <a:buFont typeface="Arial" panose="020B0604020202020204" pitchFamily="34" charset="0"/>
+              <a:buChar char="•"/>
+            </a:pPr>
+            <a:r>
+              <a:rPr lang="en-US" altLang="zh-CN" sz="2400" b="1" dirty="0">
+                <a:latin typeface="微软雅黑" panose="020B0503020204020204" pitchFamily="34" charset="-122"/>
+                <a:ea typeface="微软雅黑" panose="020B0503020204020204" pitchFamily="34" charset="-122"/>
+              </a:rPr>
+              <a:t>02-03</a:t>
+            </a:r>
+            <a:r>
+              <a:rPr lang="zh-CN" altLang="en-US" sz="2400" b="1" dirty="0">
+                <a:latin typeface="微软雅黑" panose="020B0503020204020204" pitchFamily="34" charset="-122"/>
+                <a:ea typeface="微软雅黑" panose="020B0503020204020204" pitchFamily="34" charset="-122"/>
+              </a:rPr>
+              <a:t>：地心坐标系统及相互转换</a:t>
+            </a:r>
+          </a:p>
+          <a:p>
+            <a:pPr marL="342900" indent="-342900" fontAlgn="auto">
+              <a:lnSpc>
+                <a:spcPct val="110000"/>
+              </a:lnSpc>
+              <a:spcAft>
+                <a:spcPts val="0"/>
+              </a:spcAft>
+              <a:buFont typeface="Arial" panose="020B0604020202020204" pitchFamily="34" charset="0"/>
+              <a:buChar char="•"/>
+            </a:pPr>
+            <a:r>
+              <a:rPr lang="en-US" altLang="zh-CN" sz="2400" b="1" dirty="0">
+                <a:latin typeface="微软雅黑" panose="020B0503020204020204" pitchFamily="34" charset="-122"/>
+                <a:ea typeface="微软雅黑" panose="020B0503020204020204" pitchFamily="34" charset="-122"/>
+              </a:rPr>
+              <a:t>04</a:t>
+            </a:r>
+            <a:r>
+              <a:rPr lang="zh-CN" altLang="en-US" sz="2400" b="1" dirty="0">
+                <a:latin typeface="微软雅黑" panose="020B0503020204020204" pitchFamily="34" charset="-122"/>
+                <a:ea typeface="微软雅黑" panose="020B0503020204020204" pitchFamily="34" charset="-122"/>
+              </a:rPr>
+              <a:t>：站心坐标系和观测几何</a:t>
+            </a:r>
+          </a:p>
+          <a:p>
+            <a:pPr marL="342900" indent="-342900" fontAlgn="auto">
+              <a:lnSpc>
+                <a:spcPct val="110000"/>
+              </a:lnSpc>
+              <a:spcAft>
+                <a:spcPts val="0"/>
+              </a:spcAft>
+              <a:buFont typeface="Arial" panose="020B0604020202020204" pitchFamily="34" charset="0"/>
+              <a:buChar char="•"/>
+            </a:pPr>
+            <a:r>
+              <a:rPr lang="en-US" altLang="zh-CN" sz="2400" b="1" dirty="0">
+                <a:latin typeface="微软雅黑" panose="020B0503020204020204" pitchFamily="34" charset="-122"/>
+                <a:ea typeface="微软雅黑" panose="020B0503020204020204" pitchFamily="34" charset="-122"/>
+              </a:rPr>
+              <a:t>05-06</a:t>
+            </a:r>
+            <a:r>
+              <a:rPr lang="zh-CN" altLang="en-US" sz="2400" b="1" dirty="0">
+                <a:latin typeface="微软雅黑" panose="020B0503020204020204" pitchFamily="34" charset="-122"/>
+                <a:ea typeface="微软雅黑" panose="020B0503020204020204" pitchFamily="34" charset="-122"/>
+              </a:rPr>
+              <a:t>：人造天体运动方程与二体问题积分</a:t>
+            </a:r>
+          </a:p>
+          <a:p>
+            <a:pPr marL="342900" indent="-342900" fontAlgn="auto">
+              <a:lnSpc>
+                <a:spcPct val="110000"/>
+              </a:lnSpc>
+              <a:spcAft>
+                <a:spcPts val="0"/>
+              </a:spcAft>
+              <a:buFont typeface="Arial" panose="020B0604020202020204" pitchFamily="34" charset="0"/>
+              <a:buChar char="•"/>
+            </a:pPr>
+            <a:r>
+              <a:rPr lang="en-US" altLang="zh-CN" sz="2400" b="1" dirty="0">
+                <a:latin typeface="微软雅黑" panose="020B0503020204020204" pitchFamily="34" charset="-122"/>
+                <a:ea typeface="微软雅黑" panose="020B0503020204020204" pitchFamily="34" charset="-122"/>
+              </a:rPr>
+              <a:t>07</a:t>
+            </a:r>
+            <a:r>
+              <a:rPr lang="zh-CN" altLang="en-US" sz="2400" b="1" dirty="0">
+                <a:latin typeface="微软雅黑" panose="020B0503020204020204" pitchFamily="34" charset="-122"/>
+                <a:ea typeface="微软雅黑" panose="020B0503020204020204" pitchFamily="34" charset="-122"/>
+              </a:rPr>
+              <a:t>：限制性三体问题</a:t>
+            </a:r>
+          </a:p>
+          <a:p>
+            <a:pPr marL="342900" indent="-342900" fontAlgn="auto">
+              <a:lnSpc>
+                <a:spcPct val="110000"/>
+              </a:lnSpc>
+              <a:spcAft>
+                <a:spcPts val="0"/>
+              </a:spcAft>
+              <a:buFont typeface="Arial" panose="020B0604020202020204" pitchFamily="34" charset="0"/>
+              <a:buChar char="•"/>
+            </a:pPr>
+            <a:r>
+              <a:rPr lang="en-US" altLang="zh-CN" sz="2400" b="1" dirty="0">
+                <a:latin typeface="微软雅黑" panose="020B0503020204020204" pitchFamily="34" charset="-122"/>
+                <a:ea typeface="微软雅黑" panose="020B0503020204020204" pitchFamily="34" charset="-122"/>
+              </a:rPr>
+              <a:t>08</a:t>
+            </a:r>
+            <a:r>
+              <a:rPr lang="zh-CN" altLang="en-US" sz="2400" b="1" dirty="0">
+                <a:latin typeface="微软雅黑" panose="020B0503020204020204" pitchFamily="34" charset="-122"/>
+                <a:ea typeface="微软雅黑" panose="020B0503020204020204" pitchFamily="34" charset="-122"/>
+              </a:rPr>
+              <a:t>：受摄二体问题</a:t>
+            </a:r>
+          </a:p>
+          <a:p>
+            <a:pPr marL="342900" indent="-342900" fontAlgn="auto">
+              <a:lnSpc>
+                <a:spcPct val="110000"/>
+              </a:lnSpc>
+              <a:spcAft>
+                <a:spcPts val="0"/>
+              </a:spcAft>
+              <a:buFont typeface="Arial" panose="020B0604020202020204" pitchFamily="34" charset="0"/>
+              <a:buChar char="•"/>
+            </a:pPr>
+            <a:r>
+              <a:rPr lang="en-US" altLang="zh-CN" sz="2400" b="1" dirty="0">
+                <a:latin typeface="微软雅黑" panose="020B0503020204020204" pitchFamily="34" charset="-122"/>
+                <a:ea typeface="微软雅黑" panose="020B0503020204020204" pitchFamily="34" charset="-122"/>
+              </a:rPr>
+              <a:t>09</a:t>
+            </a:r>
+            <a:r>
+              <a:rPr lang="zh-CN" altLang="en-US" sz="2400" b="1" dirty="0">
+                <a:latin typeface="微软雅黑" panose="020B0503020204020204" pitchFamily="34" charset="-122"/>
+                <a:ea typeface="微软雅黑" panose="020B0503020204020204" pitchFamily="34" charset="-122"/>
+              </a:rPr>
+              <a:t>：几种主要摄动的计算及摄动解</a:t>
+            </a:r>
+          </a:p>
+          <a:p>
+            <a:pPr marL="342900" indent="-342900" fontAlgn="auto">
+              <a:lnSpc>
+                <a:spcPct val="110000"/>
+              </a:lnSpc>
+              <a:spcAft>
+                <a:spcPts val="0"/>
+              </a:spcAft>
+              <a:buFont typeface="Arial" panose="020B0604020202020204" pitchFamily="34" charset="0"/>
+              <a:buChar char="•"/>
+            </a:pPr>
+            <a:r>
+              <a:rPr lang="en-US" altLang="zh-CN" sz="2400" b="1" dirty="0">
+                <a:latin typeface="微软雅黑" panose="020B0503020204020204" pitchFamily="34" charset="-122"/>
+                <a:ea typeface="微软雅黑" panose="020B0503020204020204" pitchFamily="34" charset="-122"/>
+              </a:rPr>
+              <a:t>10</a:t>
+            </a:r>
+            <a:r>
+              <a:rPr lang="zh-CN" altLang="en-US" sz="2400" b="1" dirty="0">
+                <a:latin typeface="微软雅黑" panose="020B0503020204020204" pitchFamily="34" charset="-122"/>
+                <a:ea typeface="微软雅黑" panose="020B0503020204020204" pitchFamily="34" charset="-122"/>
+              </a:rPr>
+              <a:t>：大气阻力摄动，大气密度模型，</a:t>
+            </a:r>
+            <a:r>
+              <a:rPr lang="zh-CN" altLang="en-US" sz="2400" b="1" dirty="0">
+                <a:solidFill>
+                  <a:srgbClr val="FF0000"/>
+                </a:solidFill>
+                <a:latin typeface="微软雅黑" panose="020B0503020204020204" pitchFamily="34" charset="-122"/>
+                <a:ea typeface="微软雅黑" panose="020B0503020204020204" pitchFamily="34" charset="-122"/>
+              </a:rPr>
+              <a:t>陨落预报</a:t>
+            </a:r>
+          </a:p>
+          <a:p>
+            <a:pPr marL="342900" indent="-342900" fontAlgn="auto">
+              <a:lnSpc>
+                <a:spcPct val="110000"/>
+              </a:lnSpc>
+              <a:spcAft>
+                <a:spcPts val="0"/>
+              </a:spcAft>
+              <a:buFont typeface="Arial" panose="020B0604020202020204" pitchFamily="34" charset="0"/>
+              <a:buChar char="•"/>
+            </a:pPr>
+            <a:r>
+              <a:rPr lang="en-US" altLang="zh-CN" sz="2400" b="1" dirty="0">
+                <a:latin typeface="微软雅黑" panose="020B0503020204020204" pitchFamily="34" charset="-122"/>
+                <a:ea typeface="微软雅黑" panose="020B0503020204020204" pitchFamily="34" charset="-122"/>
+              </a:rPr>
+              <a:t>11</a:t>
+            </a:r>
+            <a:r>
+              <a:rPr lang="zh-CN" altLang="en-US" sz="2400" b="1" dirty="0">
+                <a:latin typeface="微软雅黑" panose="020B0503020204020204" pitchFamily="34" charset="-122"/>
+                <a:ea typeface="微软雅黑" panose="020B0503020204020204" pitchFamily="34" charset="-122"/>
+              </a:rPr>
+              <a:t>：初轨确定和精密</a:t>
+            </a:r>
+            <a:r>
+              <a:rPr lang="zh-CN" altLang="en-US" sz="2400" b="1" dirty="0">
+                <a:solidFill>
+                  <a:srgbClr val="FF0000"/>
+                </a:solidFill>
+                <a:latin typeface="微软雅黑" panose="020B0503020204020204" pitchFamily="34" charset="-122"/>
+                <a:ea typeface="微软雅黑" panose="020B0503020204020204" pitchFamily="34" charset="-122"/>
+              </a:rPr>
+              <a:t>定轨</a:t>
+            </a:r>
+            <a:r>
+              <a:rPr lang="zh-CN" altLang="en-US" sz="2400" b="1" dirty="0">
+                <a:latin typeface="微软雅黑" panose="020B0503020204020204" pitchFamily="34" charset="-122"/>
+                <a:ea typeface="微软雅黑" panose="020B0503020204020204" pitchFamily="34" charset="-122"/>
+              </a:rPr>
+              <a:t>原理</a:t>
+            </a:r>
+          </a:p>
+          <a:p>
+            <a:pPr marL="342900" indent="-342900">
+              <a:lnSpc>
+                <a:spcPct val="110000"/>
+              </a:lnSpc>
+              <a:buFont typeface="Arial" panose="020B0604020202020204" pitchFamily="34" charset="0"/>
+              <a:buChar char="•"/>
+            </a:pPr>
+            <a:r>
+              <a:rPr lang="en-US" altLang="zh-CN" sz="2400" b="1" dirty="0">
+                <a:latin typeface="微软雅黑" panose="020B0503020204020204" pitchFamily="34" charset="-122"/>
+                <a:ea typeface="微软雅黑" panose="020B0503020204020204" pitchFamily="34" charset="-122"/>
+              </a:rPr>
+              <a:t>12</a:t>
+            </a:r>
+            <a:r>
+              <a:rPr lang="zh-CN" altLang="en-US" sz="2400" b="1" dirty="0">
+                <a:latin typeface="微软雅黑" panose="020B0503020204020204" pitchFamily="34" charset="-122"/>
+                <a:ea typeface="微软雅黑" panose="020B0503020204020204" pitchFamily="34" charset="-122"/>
+              </a:rPr>
+              <a:t>：轨道类型、动力学特征及</a:t>
+            </a:r>
+            <a:r>
+              <a:rPr lang="zh-CN" altLang="en-US" sz="2400" b="1" dirty="0">
+                <a:solidFill>
+                  <a:srgbClr val="FF0000"/>
+                </a:solidFill>
+                <a:latin typeface="微软雅黑" panose="020B0503020204020204" pitchFamily="34" charset="-122"/>
+                <a:ea typeface="微软雅黑" panose="020B0503020204020204" pitchFamily="34" charset="-122"/>
+              </a:rPr>
+              <a:t>轨道转移</a:t>
+            </a:r>
+          </a:p>
+          <a:p>
+            <a:pPr marL="342900" indent="-342900">
+              <a:lnSpc>
+                <a:spcPct val="110000"/>
+              </a:lnSpc>
+              <a:buFont typeface="Arial" panose="020B0604020202020204" pitchFamily="34" charset="0"/>
+              <a:buChar char="•"/>
+            </a:pPr>
+            <a:r>
+              <a:rPr lang="en-US" altLang="zh-CN" sz="2400" b="1" dirty="0">
+                <a:latin typeface="微软雅黑" panose="020B0503020204020204" pitchFamily="34" charset="-122"/>
+                <a:ea typeface="微软雅黑" panose="020B0503020204020204" pitchFamily="34" charset="-122"/>
+              </a:rPr>
+              <a:t>13</a:t>
+            </a:r>
+            <a:r>
+              <a:rPr lang="zh-CN" altLang="en-US" sz="2400" b="1" dirty="0">
+                <a:latin typeface="微软雅黑" panose="020B0503020204020204" pitchFamily="34" charset="-122"/>
+                <a:ea typeface="微软雅黑" panose="020B0503020204020204" pitchFamily="34" charset="-122"/>
+              </a:rPr>
+              <a:t>：人造天体</a:t>
+            </a:r>
+            <a:r>
+              <a:rPr lang="zh-CN" altLang="en-US" sz="2400" b="1" dirty="0">
+                <a:solidFill>
+                  <a:srgbClr val="FF0000"/>
+                </a:solidFill>
+                <a:latin typeface="微软雅黑" panose="020B0503020204020204" pitchFamily="34" charset="-122"/>
+                <a:ea typeface="微软雅黑" panose="020B0503020204020204" pitchFamily="34" charset="-122"/>
+              </a:rPr>
+              <a:t>旋转</a:t>
+            </a:r>
+            <a:r>
+              <a:rPr lang="zh-CN" altLang="en-US" sz="2400" b="1" dirty="0">
+                <a:latin typeface="微软雅黑" panose="020B0503020204020204" pitchFamily="34" charset="-122"/>
+                <a:ea typeface="微软雅黑" panose="020B0503020204020204" pitchFamily="34" charset="-122"/>
+              </a:rPr>
+              <a:t>动力学</a:t>
+            </a:r>
+          </a:p>
+          <a:p>
+            <a:pPr marL="342900" indent="-342900" fontAlgn="auto">
+              <a:lnSpc>
+                <a:spcPct val="110000"/>
+              </a:lnSpc>
+              <a:spcAft>
+                <a:spcPts val="0"/>
+              </a:spcAft>
+              <a:buFont typeface="Arial" panose="020B0604020202020204" pitchFamily="34" charset="0"/>
+              <a:buChar char="•"/>
+            </a:pPr>
+            <a:r>
+              <a:rPr lang="en-US" altLang="zh-CN" sz="2400" b="1" dirty="0">
+                <a:latin typeface="微软雅黑" panose="020B0503020204020204" pitchFamily="34" charset="-122"/>
+                <a:ea typeface="微软雅黑" panose="020B0503020204020204" pitchFamily="34" charset="-122"/>
+              </a:rPr>
+              <a:t>14</a:t>
+            </a:r>
+            <a:r>
+              <a:rPr lang="zh-CN" altLang="en-US" sz="2400" b="1" dirty="0">
+                <a:latin typeface="微软雅黑" panose="020B0503020204020204" pitchFamily="34" charset="-122"/>
+                <a:ea typeface="微软雅黑" panose="020B0503020204020204" pitchFamily="34" charset="-122"/>
+              </a:rPr>
+              <a:t>：轨道误差和</a:t>
+            </a:r>
+            <a:r>
+              <a:rPr lang="zh-CN" altLang="en-US" sz="2400" b="1" dirty="0">
+                <a:solidFill>
+                  <a:srgbClr val="FF0000"/>
+                </a:solidFill>
+                <a:latin typeface="微软雅黑" panose="020B0503020204020204" pitchFamily="34" charset="-122"/>
+                <a:ea typeface="微软雅黑" panose="020B0503020204020204" pitchFamily="34" charset="-122"/>
+              </a:rPr>
+              <a:t>碰撞概率</a:t>
+            </a:r>
+            <a:r>
+              <a:rPr lang="zh-CN" altLang="en-US" sz="2400" b="1" dirty="0">
+                <a:latin typeface="微软雅黑" panose="020B0503020204020204" pitchFamily="34" charset="-122"/>
+                <a:ea typeface="微软雅黑" panose="020B0503020204020204" pitchFamily="34" charset="-122"/>
+              </a:rPr>
+              <a:t>计算</a:t>
+            </a:r>
+          </a:p>
+          <a:p>
+            <a:pPr marL="342900" indent="-342900" fontAlgn="auto">
+              <a:lnSpc>
+                <a:spcPct val="110000"/>
+              </a:lnSpc>
+              <a:spcAft>
+                <a:spcPts val="0"/>
+              </a:spcAft>
+              <a:buFont typeface="Arial" panose="020B0604020202020204" pitchFamily="34" charset="0"/>
+              <a:buChar char="•"/>
+            </a:pPr>
+            <a:r>
+              <a:rPr lang="en-US" altLang="zh-CN" sz="2400" b="1" dirty="0">
+                <a:latin typeface="微软雅黑" panose="020B0503020204020204" pitchFamily="34" charset="-122"/>
+                <a:ea typeface="微软雅黑" panose="020B0503020204020204" pitchFamily="34" charset="-122"/>
+              </a:rPr>
+              <a:t>15</a:t>
+            </a:r>
+            <a:r>
+              <a:rPr lang="zh-CN" altLang="en-US" sz="2400" b="1" dirty="0">
+                <a:latin typeface="微软雅黑" panose="020B0503020204020204" pitchFamily="34" charset="-122"/>
+                <a:ea typeface="微软雅黑" panose="020B0503020204020204" pitchFamily="34" charset="-122"/>
+              </a:rPr>
+              <a:t>：空间目标</a:t>
+            </a:r>
+            <a:r>
+              <a:rPr lang="zh-CN" altLang="en-US" sz="2400" b="1" dirty="0">
+                <a:solidFill>
+                  <a:srgbClr val="FF0000"/>
+                </a:solidFill>
+                <a:latin typeface="微软雅黑" panose="020B0503020204020204" pitchFamily="34" charset="-122"/>
+                <a:ea typeface="微软雅黑" panose="020B0503020204020204" pitchFamily="34" charset="-122"/>
+              </a:rPr>
+              <a:t>编目</a:t>
+            </a:r>
+            <a:r>
+              <a:rPr lang="zh-CN" altLang="en-US" sz="2400" b="1" dirty="0">
+                <a:latin typeface="微软雅黑" panose="020B0503020204020204" pitchFamily="34" charset="-122"/>
+                <a:ea typeface="微软雅黑" panose="020B0503020204020204" pitchFamily="34" charset="-122"/>
+              </a:rPr>
+              <a:t>与空间碎片环境模型</a:t>
+            </a:r>
+          </a:p>
+          <a:p>
+            <a:pPr marL="342900" indent="-342900" fontAlgn="auto">
+              <a:lnSpc>
+                <a:spcPct val="110000"/>
+              </a:lnSpc>
+              <a:spcAft>
+                <a:spcPts val="0"/>
+              </a:spcAft>
+              <a:buFont typeface="Arial" panose="020B0604020202020204" pitchFamily="34" charset="0"/>
+              <a:buChar char="•"/>
+            </a:pPr>
+            <a:r>
+              <a:rPr lang="en-US" altLang="zh-CN" sz="2400" b="1" dirty="0">
+                <a:latin typeface="微软雅黑" panose="020B0503020204020204" pitchFamily="34" charset="-122"/>
+                <a:ea typeface="微软雅黑" panose="020B0503020204020204" pitchFamily="34" charset="-122"/>
+              </a:rPr>
+              <a:t>16</a:t>
+            </a:r>
+            <a:r>
+              <a:rPr lang="zh-CN" altLang="en-US" sz="2400" b="1" dirty="0">
+                <a:latin typeface="微软雅黑" panose="020B0503020204020204" pitchFamily="34" charset="-122"/>
+                <a:ea typeface="微软雅黑" panose="020B0503020204020204" pitchFamily="34" charset="-122"/>
+              </a:rPr>
+              <a:t>：空间态势感知概念与</a:t>
+            </a:r>
+            <a:r>
+              <a:rPr lang="zh-CN" altLang="en-US" sz="2400" b="1" dirty="0">
+                <a:solidFill>
+                  <a:srgbClr val="FF0000"/>
+                </a:solidFill>
+                <a:latin typeface="微软雅黑" panose="020B0503020204020204" pitchFamily="34" charset="-122"/>
+                <a:ea typeface="微软雅黑" panose="020B0503020204020204" pitchFamily="34" charset="-122"/>
+              </a:rPr>
+              <a:t>特性测量</a:t>
+            </a:r>
+          </a:p>
+        </p:txBody>
+      </p:sp>
+      <p:sp>
+        <p:nvSpPr>
+          <p:cNvPr id="4" name="左大括号 3">
+            <a:extLst>
+              <a:ext uri="{FF2B5EF4-FFF2-40B4-BE49-F238E27FC236}">
+                <a16:creationId xmlns:a16="http://schemas.microsoft.com/office/drawing/2014/main" id="{F3AC3F73-063B-9156-33F8-36F9CFA42AC0}"/>
+              </a:ext>
+            </a:extLst>
+          </p:cNvPr>
+          <p:cNvSpPr/>
+          <p:nvPr/>
+        </p:nvSpPr>
+        <p:spPr>
+          <a:xfrm>
+            <a:off x="2605110" y="3769682"/>
+            <a:ext cx="654095" cy="2769423"/>
+          </a:xfrm>
+          <a:prstGeom prst="leftBrace">
+            <a:avLst>
+              <a:gd name="adj1" fmla="val 66581"/>
+              <a:gd name="adj2" fmla="val 50000"/>
+            </a:avLst>
+          </a:prstGeom>
+          <a:ln w="57150">
+            <a:solidFill>
+              <a:srgbClr val="FF0000"/>
+            </a:solidFill>
+          </a:ln>
+        </p:spPr>
+        <p:style>
+          <a:lnRef idx="1">
+            <a:schemeClr val="accent1"/>
+          </a:lnRef>
+          <a:fillRef idx="0">
+            <a:schemeClr val="accent1"/>
+          </a:fillRef>
+          <a:effectRef idx="0">
+            <a:schemeClr val="accent1"/>
+          </a:effectRef>
+          <a:fontRef idx="minor">
+            <a:schemeClr val="tx1"/>
+          </a:fontRef>
+        </p:style>
+        <p:txBody>
+          <a:bodyPr rtlCol="0" anchor="ctr"/>
+          <a:lstStyle/>
+          <a:p>
+            <a:pPr algn="ctr"/>
+            <a:endParaRPr lang="zh-CN" altLang="en-US"/>
           </a:p>
         </p:txBody>
       </p:sp>
@@ -3663,7 +7928,7 @@
         <p:spPr>
           <a:xfrm>
             <a:off x="407987" y="1052513"/>
-            <a:ext cx="11376025" cy="1308884"/>
+            <a:ext cx="11376025" cy="4354525"/>
           </a:xfrm>
           <a:prstGeom prst="rect">
             <a:avLst/>
@@ -3695,7 +7960,7 @@
                 <a:cs typeface="Times New Roman" panose="02020603050405020304" pitchFamily="18" charset="0"/>
                 <a:sym typeface="+mn-ea"/>
               </a:rPr>
-              <a:t>。</a:t>
+              <a:t>传统的观测数据：</a:t>
             </a:r>
             <a:endParaRPr lang="en-US" altLang="zh-CN" sz="2800" b="1" dirty="0">
               <a:solidFill>
@@ -3708,6 +7973,36 @@
             </a:endParaRPr>
           </a:p>
           <a:p>
+            <a:pPr marL="800100" lvl="1" indent="-342900">
+              <a:lnSpc>
+                <a:spcPct val="150000"/>
+              </a:lnSpc>
+              <a:buFont typeface="Arial" panose="020B0604020202020204" pitchFamily="34" charset="0"/>
+              <a:buChar char="•"/>
+            </a:pPr>
+            <a:r>
+              <a:rPr lang="zh-CN" altLang="en-US" sz="2800" b="1" dirty="0">
+                <a:solidFill>
+                  <a:schemeClr val="tx1"/>
+                </a:solidFill>
+                <a:latin typeface="Times New Roman" panose="02020603050405020304" pitchFamily="18" charset="0"/>
+                <a:ea typeface="微软雅黑" panose="020B0503020204020204" pitchFamily="34" charset="-122"/>
+                <a:cs typeface="Times New Roman" panose="02020603050405020304" pitchFamily="18" charset="0"/>
+                <a:sym typeface="+mn-ea"/>
+              </a:rPr>
+              <a:t>质点运动、大小（光度）</a:t>
+            </a:r>
+            <a:endParaRPr lang="en-US" altLang="zh-CN" sz="2800" b="1" dirty="0">
+              <a:solidFill>
+                <a:schemeClr val="tx1"/>
+              </a:solidFill>
+              <a:latin typeface="Times New Roman" panose="02020603050405020304" pitchFamily="18" charset="0"/>
+              <a:ea typeface="微软雅黑" panose="020B0503020204020204" pitchFamily="34" charset="-122"/>
+              <a:cs typeface="Times New Roman" panose="02020603050405020304" pitchFamily="18" charset="0"/>
+              <a:sym typeface="+mn-ea"/>
+            </a:endParaRPr>
+          </a:p>
+          <a:p>
             <a:pPr marL="342900" indent="-342900" fontAlgn="auto">
               <a:lnSpc>
                 <a:spcPct val="150000"/>
@@ -3715,6 +8010,108 @@
               <a:spcAft>
                 <a:spcPts val="0"/>
               </a:spcAft>
+              <a:buFont typeface="Arial" panose="020B0604020202020204" pitchFamily="34" charset="0"/>
+              <a:buChar char="•"/>
+            </a:pPr>
+            <a:r>
+              <a:rPr lang="zh-CN" altLang="en-US" sz="2800" b="1" dirty="0">
+                <a:solidFill>
+                  <a:schemeClr val="tx1"/>
+                </a:solidFill>
+                <a:latin typeface="Times New Roman" panose="02020603050405020304" pitchFamily="18" charset="0"/>
+                <a:ea typeface="微软雅黑" panose="020B0503020204020204" pitchFamily="34" charset="-122"/>
+                <a:cs typeface="Times New Roman" panose="02020603050405020304" pitchFamily="18" charset="0"/>
+                <a:sym typeface="+mn-ea"/>
+              </a:rPr>
+              <a:t>新的需求：</a:t>
+            </a:r>
+            <a:endParaRPr lang="en-US" altLang="zh-CN" sz="2800" b="1" dirty="0">
+              <a:solidFill>
+                <a:schemeClr val="tx1"/>
+              </a:solidFill>
+              <a:latin typeface="Times New Roman" panose="02020603050405020304" pitchFamily="18" charset="0"/>
+              <a:ea typeface="微软雅黑" panose="020B0503020204020204" pitchFamily="34" charset="-122"/>
+              <a:cs typeface="Times New Roman" panose="02020603050405020304" pitchFamily="18" charset="0"/>
+              <a:sym typeface="+mn-ea"/>
+            </a:endParaRPr>
+          </a:p>
+          <a:p>
+            <a:pPr marL="800100" lvl="1" indent="-342900">
+              <a:lnSpc>
+                <a:spcPct val="150000"/>
+              </a:lnSpc>
+              <a:buFont typeface="Arial" panose="020B0604020202020204" pitchFamily="34" charset="0"/>
+              <a:buChar char="•"/>
+            </a:pPr>
+            <a:r>
+              <a:rPr lang="zh-CN" altLang="en-US" sz="2800" b="1" dirty="0">
+                <a:solidFill>
+                  <a:schemeClr val="tx1"/>
+                </a:solidFill>
+                <a:latin typeface="Times New Roman" panose="02020603050405020304" pitchFamily="18" charset="0"/>
+                <a:ea typeface="微软雅黑" panose="020B0503020204020204" pitchFamily="34" charset="-122"/>
+                <a:cs typeface="Times New Roman" panose="02020603050405020304" pitchFamily="18" charset="0"/>
+                <a:sym typeface="+mn-ea"/>
+              </a:rPr>
+              <a:t>姿态、材料、工作状态</a:t>
+            </a:r>
+            <a:endParaRPr lang="en-US" altLang="zh-CN" sz="2800" b="1" dirty="0">
+              <a:solidFill>
+                <a:schemeClr val="tx1"/>
+              </a:solidFill>
+              <a:latin typeface="Times New Roman" panose="02020603050405020304" pitchFamily="18" charset="0"/>
+              <a:ea typeface="微软雅黑" panose="020B0503020204020204" pitchFamily="34" charset="-122"/>
+              <a:cs typeface="Times New Roman" panose="02020603050405020304" pitchFamily="18" charset="0"/>
+              <a:sym typeface="+mn-ea"/>
+            </a:endParaRPr>
+          </a:p>
+          <a:p>
+            <a:pPr marL="1257300" lvl="2" indent="-342900">
+              <a:lnSpc>
+                <a:spcPct val="150000"/>
+              </a:lnSpc>
+              <a:buFont typeface="Arial" panose="020B0604020202020204" pitchFamily="34" charset="0"/>
+              <a:buChar char="•"/>
+            </a:pPr>
+            <a:r>
+              <a:rPr lang="zh-CN" altLang="en-US" sz="2400" b="1" dirty="0">
+                <a:solidFill>
+                  <a:schemeClr val="tx1"/>
+                </a:solidFill>
+                <a:latin typeface="Times New Roman" panose="02020603050405020304" pitchFamily="18" charset="0"/>
+                <a:ea typeface="微软雅黑" panose="020B0503020204020204" pitchFamily="34" charset="-122"/>
+                <a:cs typeface="Times New Roman" panose="02020603050405020304" pitchFamily="18" charset="0"/>
+                <a:sym typeface="+mn-ea"/>
+              </a:rPr>
+              <a:t>基于散射信号</a:t>
+            </a:r>
+          </a:p>
+          <a:p>
+            <a:pPr marL="1257300" lvl="2" indent="-342900">
+              <a:lnSpc>
+                <a:spcPct val="150000"/>
+              </a:lnSpc>
+              <a:buFont typeface="Arial" panose="020B0604020202020204" pitchFamily="34" charset="0"/>
+              <a:buChar char="•"/>
+            </a:pPr>
+            <a:r>
+              <a:rPr lang="zh-CN" altLang="en-US" sz="2400" b="1" dirty="0">
+                <a:solidFill>
+                  <a:schemeClr val="tx1"/>
+                </a:solidFill>
+                <a:latin typeface="Times New Roman" panose="02020603050405020304" pitchFamily="18" charset="0"/>
+                <a:ea typeface="微软雅黑" panose="020B0503020204020204" pitchFamily="34" charset="-122"/>
+                <a:cs typeface="Times New Roman" panose="02020603050405020304" pitchFamily="18" charset="0"/>
+                <a:sym typeface="+mn-ea"/>
+              </a:rPr>
+              <a:t>散射特征与散射截面相关：反射率、偏振、表面材质分布、几何结构</a:t>
+            </a:r>
+          </a:p>
+          <a:p>
+            <a:pPr marL="1257300" lvl="2" indent="-342900">
+              <a:lnSpc>
+                <a:spcPct val="150000"/>
+              </a:lnSpc>
               <a:buFont typeface="Arial" panose="020B0604020202020204" pitchFamily="34" charset="0"/>
               <a:buChar char="•"/>
             </a:pPr>
@@ -3804,15 +8201,43 @@
                 <a:ea typeface="微软雅黑" panose="020B0503020204020204" pitchFamily="34" charset="-122"/>
                 <a:cs typeface="+mj-cs"/>
               </a:rPr>
-              <a:t>版式、字体、字号、颜色等</a:t>
+              <a:t>特性测量</a:t>
             </a:r>
           </a:p>
         </p:txBody>
       </p:sp>
+      <p:graphicFrame>
+        <p:nvGraphicFramePr>
+          <p:cNvPr id="9" name="图示 8">
+            <a:extLst>
+              <a:ext uri="{FF2B5EF4-FFF2-40B4-BE49-F238E27FC236}">
+                <a16:creationId xmlns:a16="http://schemas.microsoft.com/office/drawing/2014/main" id="{0DA5AB85-81DB-068E-EEDE-2F667C6826BC}"/>
+              </a:ext>
+            </a:extLst>
+          </p:cNvPr>
+          <p:cNvGraphicFramePr/>
+          <p:nvPr>
+            <p:extLst>
+              <p:ext uri="{D42A27DB-BD31-4B8C-83A1-F6EECF244321}">
+                <p14:modId xmlns:p14="http://schemas.microsoft.com/office/powerpoint/2010/main" val="1507780643"/>
+              </p:ext>
+            </p:extLst>
+          </p:nvPr>
+        </p:nvGraphicFramePr>
+        <p:xfrm>
+          <a:off x="2906629" y="4848627"/>
+          <a:ext cx="6374296" cy="1584738"/>
+        </p:xfrm>
+        <a:graphic>
+          <a:graphicData uri="http://schemas.openxmlformats.org/drawingml/2006/diagram">
+            <dgm:relIds xmlns:dgm="http://schemas.openxmlformats.org/drawingml/2006/diagram" xmlns:r="http://schemas.openxmlformats.org/officeDocument/2006/relationships" r:dm="rId2" r:lo="rId3" r:qs="rId4" r:cs="rId5"/>
+          </a:graphicData>
+        </a:graphic>
+      </p:graphicFrame>
     </p:spTree>
     <p:extLst>
       <p:ext uri="{BB962C8B-B14F-4D97-AF65-F5344CB8AC3E}">
-        <p14:creationId xmlns:p14="http://schemas.microsoft.com/office/powerpoint/2010/main" val="915063817"/>
+        <p14:creationId xmlns:p14="http://schemas.microsoft.com/office/powerpoint/2010/main" val="1366850481"/>
       </p:ext>
     </p:extLst>
   </p:cSld>
@@ -3860,7 +8285,7 @@
         <p:spPr>
           <a:xfrm>
             <a:off x="407987" y="1052513"/>
-            <a:ext cx="11376025" cy="1308884"/>
+            <a:ext cx="11376025" cy="5116081"/>
           </a:xfrm>
           <a:prstGeom prst="rect">
             <a:avLst/>
@@ -3892,32 +8317,197 @@
                 <a:cs typeface="Times New Roman" panose="02020603050405020304" pitchFamily="18" charset="0"/>
                 <a:sym typeface="+mn-ea"/>
               </a:rPr>
-              <a:t>。</a:t>
-            </a:r>
-            <a:r>
-              <a:rPr lang="en-US" altLang="zh-CN" sz="2800" b="1" dirty="0">
-                <a:solidFill>
-                  <a:schemeClr val="tx1"/>
-                </a:solidFill>
-                <a:latin typeface="Times New Roman" panose="02020603050405020304" pitchFamily="18" charset="0"/>
-                <a:ea typeface="微软雅黑" panose="020B0503020204020204" pitchFamily="34" charset="-122"/>
-                <a:cs typeface="Times New Roman" panose="02020603050405020304" pitchFamily="18" charset="0"/>
-                <a:sym typeface="+mn-ea"/>
-              </a:rPr>
-              <a:t>2022-11-18</a:t>
-            </a:r>
-          </a:p>
-          <a:p>
-            <a:pPr marL="342900" indent="-342900" fontAlgn="auto">
+              <a:t>观测类型</a:t>
+            </a:r>
+          </a:p>
+          <a:p>
+            <a:pPr marL="800100" lvl="1" indent="-342900">
               <a:lnSpc>
                 <a:spcPct val="150000"/>
               </a:lnSpc>
-              <a:spcAft>
-                <a:spcPts val="0"/>
-              </a:spcAft>
               <a:buFont typeface="Arial" panose="020B0604020202020204" pitchFamily="34" charset="0"/>
               <a:buChar char="•"/>
             </a:pPr>
+            <a:r>
+              <a:rPr lang="zh-CN" altLang="en-US" sz="2400" b="1" dirty="0">
+                <a:solidFill>
+                  <a:schemeClr val="tx1"/>
+                </a:solidFill>
+                <a:latin typeface="Times New Roman" panose="02020603050405020304" pitchFamily="18" charset="0"/>
+                <a:ea typeface="微软雅黑" panose="020B0503020204020204" pitchFamily="34" charset="-122"/>
+                <a:cs typeface="Times New Roman" panose="02020603050405020304" pitchFamily="18" charset="0"/>
+                <a:sym typeface="+mn-ea"/>
+              </a:rPr>
+              <a:t>光学观测</a:t>
+            </a:r>
+          </a:p>
+          <a:p>
+            <a:pPr marL="1257300" lvl="2" indent="-342900">
+              <a:lnSpc>
+                <a:spcPct val="150000"/>
+              </a:lnSpc>
+              <a:buFont typeface="Arial" panose="020B0604020202020204" pitchFamily="34" charset="0"/>
+              <a:buChar char="•"/>
+            </a:pPr>
+            <a:r>
+              <a:rPr lang="zh-CN" altLang="en-US" sz="2000" b="1" dirty="0">
+                <a:solidFill>
+                  <a:schemeClr val="tx1"/>
+                </a:solidFill>
+                <a:latin typeface="Times New Roman" panose="02020603050405020304" pitchFamily="18" charset="0"/>
+                <a:ea typeface="微软雅黑" panose="020B0503020204020204" pitchFamily="34" charset="-122"/>
+                <a:cs typeface="Times New Roman" panose="02020603050405020304" pitchFamily="18" charset="0"/>
+                <a:sym typeface="+mn-ea"/>
+              </a:rPr>
+              <a:t>光散射截面随视向方向和太阳照射方向变化，测量光度变化</a:t>
+            </a:r>
+          </a:p>
+          <a:p>
+            <a:pPr marL="1257300" lvl="2" indent="-342900">
+              <a:lnSpc>
+                <a:spcPct val="150000"/>
+              </a:lnSpc>
+              <a:buFont typeface="Arial" panose="020B0604020202020204" pitchFamily="34" charset="0"/>
+              <a:buChar char="•"/>
+            </a:pPr>
+            <a:r>
+              <a:rPr lang="zh-CN" altLang="en-US" sz="2000" b="1" dirty="0">
+                <a:solidFill>
+                  <a:schemeClr val="tx1"/>
+                </a:solidFill>
+                <a:latin typeface="Times New Roman" panose="02020603050405020304" pitchFamily="18" charset="0"/>
+                <a:ea typeface="微软雅黑" panose="020B0503020204020204" pitchFamily="34" charset="-122"/>
+                <a:cs typeface="Times New Roman" panose="02020603050405020304" pitchFamily="18" charset="0"/>
+                <a:sym typeface="+mn-ea"/>
+              </a:rPr>
+              <a:t>距离远、性价比高、局限性</a:t>
+            </a:r>
+          </a:p>
+          <a:p>
+            <a:pPr marL="800100" lvl="1" indent="-342900">
+              <a:lnSpc>
+                <a:spcPct val="150000"/>
+              </a:lnSpc>
+              <a:buFont typeface="Arial" panose="020B0604020202020204" pitchFamily="34" charset="0"/>
+              <a:buChar char="•"/>
+            </a:pPr>
+            <a:r>
+              <a:rPr lang="zh-CN" altLang="en-US" sz="2400" b="1" dirty="0">
+                <a:solidFill>
+                  <a:schemeClr val="tx1"/>
+                </a:solidFill>
+                <a:latin typeface="Times New Roman" panose="02020603050405020304" pitchFamily="18" charset="0"/>
+                <a:ea typeface="微软雅黑" panose="020B0503020204020204" pitchFamily="34" charset="-122"/>
+                <a:cs typeface="Times New Roman" panose="02020603050405020304" pitchFamily="18" charset="0"/>
+                <a:sym typeface="+mn-ea"/>
+              </a:rPr>
+              <a:t>雷达观测</a:t>
+            </a:r>
+          </a:p>
+          <a:p>
+            <a:pPr marL="1257300" lvl="2" indent="-342900">
+              <a:lnSpc>
+                <a:spcPct val="150000"/>
+              </a:lnSpc>
+              <a:buFont typeface="Arial" panose="020B0604020202020204" pitchFamily="34" charset="0"/>
+              <a:buChar char="•"/>
+            </a:pPr>
+            <a:r>
+              <a:rPr lang="zh-CN" altLang="en-US" sz="2000" b="1" dirty="0">
+                <a:solidFill>
+                  <a:schemeClr val="tx1"/>
+                </a:solidFill>
+                <a:latin typeface="Times New Roman" panose="02020603050405020304" pitchFamily="18" charset="0"/>
+                <a:ea typeface="微软雅黑" panose="020B0503020204020204" pitchFamily="34" charset="-122"/>
+                <a:cs typeface="Times New Roman" panose="02020603050405020304" pitchFamily="18" charset="0"/>
+                <a:sym typeface="+mn-ea"/>
+              </a:rPr>
+              <a:t>雷达散射截面随视向方向变化，测量雷达回波强度</a:t>
+            </a:r>
+          </a:p>
+          <a:p>
+            <a:pPr marL="1257300" lvl="2" indent="-342900">
+              <a:lnSpc>
+                <a:spcPct val="150000"/>
+              </a:lnSpc>
+              <a:buFont typeface="Arial" panose="020B0604020202020204" pitchFamily="34" charset="0"/>
+              <a:buChar char="•"/>
+            </a:pPr>
+            <a:r>
+              <a:rPr lang="zh-CN" altLang="en-US" sz="2000" b="1" dirty="0">
+                <a:solidFill>
+                  <a:schemeClr val="tx1"/>
+                </a:solidFill>
+                <a:latin typeface="Times New Roman" panose="02020603050405020304" pitchFamily="18" charset="0"/>
+                <a:ea typeface="微软雅黑" panose="020B0503020204020204" pitchFamily="34" charset="-122"/>
+                <a:cs typeface="Times New Roman" panose="02020603050405020304" pitchFamily="18" charset="0"/>
+                <a:sym typeface="+mn-ea"/>
+              </a:rPr>
+              <a:t>精度高、全天候、价格昂贵</a:t>
+            </a:r>
+          </a:p>
+          <a:p>
+            <a:pPr marL="800100" lvl="1" indent="-342900">
+              <a:lnSpc>
+                <a:spcPct val="150000"/>
+              </a:lnSpc>
+              <a:buFont typeface="Arial" panose="020B0604020202020204" pitchFamily="34" charset="0"/>
+              <a:buChar char="•"/>
+            </a:pPr>
+            <a:r>
+              <a:rPr lang="zh-CN" altLang="en-US" sz="2400" b="1" dirty="0">
+                <a:solidFill>
+                  <a:schemeClr val="tx1"/>
+                </a:solidFill>
+                <a:latin typeface="Times New Roman" panose="02020603050405020304" pitchFamily="18" charset="0"/>
+                <a:ea typeface="微软雅黑" panose="020B0503020204020204" pitchFamily="34" charset="-122"/>
+                <a:cs typeface="Times New Roman" panose="02020603050405020304" pitchFamily="18" charset="0"/>
+                <a:sym typeface="+mn-ea"/>
+              </a:rPr>
+              <a:t>激光测距</a:t>
+            </a:r>
+          </a:p>
+          <a:p>
+            <a:pPr marL="1257300" lvl="2" indent="-342900">
+              <a:lnSpc>
+                <a:spcPct val="150000"/>
+              </a:lnSpc>
+              <a:buFont typeface="Arial" panose="020B0604020202020204" pitchFamily="34" charset="0"/>
+              <a:buChar char="•"/>
+            </a:pPr>
+            <a:r>
+              <a:rPr lang="zh-CN" altLang="en-US" sz="2000" b="1" dirty="0">
+                <a:solidFill>
+                  <a:schemeClr val="tx1"/>
+                </a:solidFill>
+                <a:latin typeface="Times New Roman" panose="02020603050405020304" pitchFamily="18" charset="0"/>
+                <a:ea typeface="微软雅黑" panose="020B0503020204020204" pitchFamily="34" charset="-122"/>
+                <a:cs typeface="Times New Roman" panose="02020603050405020304" pitchFamily="18" charset="0"/>
+                <a:sym typeface="+mn-ea"/>
+              </a:rPr>
+              <a:t>激光散射截面随视向方向变化，测量截面与质心的距离变化</a:t>
+            </a:r>
+          </a:p>
+          <a:p>
+            <a:pPr marL="1257300" lvl="2" indent="-342900">
+              <a:lnSpc>
+                <a:spcPct val="150000"/>
+              </a:lnSpc>
+              <a:buFont typeface="Arial" panose="020B0604020202020204" pitchFamily="34" charset="0"/>
+              <a:buChar char="•"/>
+            </a:pPr>
+            <a:r>
+              <a:rPr lang="zh-CN" altLang="en-US" sz="2000" b="1" dirty="0">
+                <a:solidFill>
+                  <a:schemeClr val="tx1"/>
+                </a:solidFill>
+                <a:latin typeface="Times New Roman" panose="02020603050405020304" pitchFamily="18" charset="0"/>
+                <a:ea typeface="微软雅黑" panose="020B0503020204020204" pitchFamily="34" charset="-122"/>
+                <a:cs typeface="Times New Roman" panose="02020603050405020304" pitchFamily="18" charset="0"/>
+                <a:sym typeface="+mn-ea"/>
+              </a:rPr>
+              <a:t>精度高、限于特定目标</a:t>
+            </a:r>
             <a:endParaRPr lang="en-US" altLang="zh-CN" sz="2800" b="1" dirty="0">
               <a:solidFill>
                 <a:schemeClr val="tx1"/>
@@ -4004,7 +8594,7 @@
                 <a:ea typeface="微软雅黑" panose="020B0503020204020204" pitchFamily="34" charset="-122"/>
                 <a:cs typeface="+mj-cs"/>
               </a:rPr>
-              <a:t>天基</a:t>
+              <a:t>特性测量</a:t>
             </a:r>
           </a:p>
         </p:txBody>
@@ -4012,7 +8602,7 @@
     </p:spTree>
     <p:extLst>
       <p:ext uri="{BB962C8B-B14F-4D97-AF65-F5344CB8AC3E}">
-        <p14:creationId xmlns:p14="http://schemas.microsoft.com/office/powerpoint/2010/main" val="4052551725"/>
+        <p14:creationId xmlns:p14="http://schemas.microsoft.com/office/powerpoint/2010/main" val="2099238721"/>
       </p:ext>
     </p:extLst>
   </p:cSld>
@@ -4060,7 +8650,7 @@
         <p:spPr>
           <a:xfrm>
             <a:off x="407987" y="1052513"/>
-            <a:ext cx="11376025" cy="662554"/>
+            <a:ext cx="11376025" cy="4725204"/>
           </a:xfrm>
           <a:prstGeom prst="rect">
             <a:avLst/>
@@ -4091,8 +8681,123 @@
                 <a:ea typeface="微软雅黑" panose="020B0503020204020204" pitchFamily="34" charset="-122"/>
                 <a:sym typeface="+mn-ea"/>
               </a:rPr>
-              <a:t>绪论</a:t>
-            </a:r>
+              <a:t>光度反演旋转状态</a:t>
+            </a:r>
+            <a:endParaRPr lang="en-US" altLang="zh-CN" sz="2800" b="1" dirty="0">
+              <a:solidFill>
+                <a:schemeClr val="tx1"/>
+              </a:solidFill>
+              <a:latin typeface="微软雅黑" panose="020B0503020204020204" pitchFamily="34" charset="-122"/>
+              <a:ea typeface="微软雅黑" panose="020B0503020204020204" pitchFamily="34" charset="-122"/>
+              <a:sym typeface="+mn-ea"/>
+            </a:endParaRPr>
+          </a:p>
+          <a:p>
+            <a:pPr marL="800100" lvl="1" indent="-342900">
+              <a:lnSpc>
+                <a:spcPct val="150000"/>
+              </a:lnSpc>
+              <a:buFont typeface="Arial" panose="020B0604020202020204" pitchFamily="34" charset="0"/>
+              <a:buChar char="•"/>
+            </a:pPr>
+            <a:r>
+              <a:rPr lang="zh-CN" altLang="en-US" sz="2400" b="1" dirty="0">
+                <a:latin typeface="微软雅黑" panose="020B0503020204020204" pitchFamily="34" charset="-122"/>
+                <a:ea typeface="微软雅黑" panose="020B0503020204020204" pitchFamily="34" charset="-122"/>
+                <a:sym typeface="+mn-ea"/>
+              </a:rPr>
+              <a:t>研究起步也较早</a:t>
+            </a:r>
+            <a:endParaRPr lang="en-US" altLang="zh-CN" sz="2400" b="1" dirty="0">
+              <a:latin typeface="微软雅黑" panose="020B0503020204020204" pitchFamily="34" charset="-122"/>
+              <a:ea typeface="微软雅黑" panose="020B0503020204020204" pitchFamily="34" charset="-122"/>
+              <a:sym typeface="+mn-ea"/>
+            </a:endParaRPr>
+          </a:p>
+          <a:p>
+            <a:pPr marL="800100" lvl="1" indent="-342900">
+              <a:lnSpc>
+                <a:spcPct val="150000"/>
+              </a:lnSpc>
+              <a:buFont typeface="Arial" panose="020B0604020202020204" pitchFamily="34" charset="0"/>
+              <a:buChar char="•"/>
+            </a:pPr>
+            <a:endParaRPr lang="en-US" altLang="zh-CN" sz="2400" b="1" dirty="0">
+              <a:latin typeface="微软雅黑" panose="020B0503020204020204" pitchFamily="34" charset="-122"/>
+              <a:ea typeface="微软雅黑" panose="020B0503020204020204" pitchFamily="34" charset="-122"/>
+              <a:sym typeface="+mn-ea"/>
+            </a:endParaRPr>
+          </a:p>
+          <a:p>
+            <a:pPr marL="800100" lvl="1" indent="-342900">
+              <a:lnSpc>
+                <a:spcPct val="150000"/>
+              </a:lnSpc>
+              <a:buFont typeface="Arial" panose="020B0604020202020204" pitchFamily="34" charset="0"/>
+              <a:buChar char="•"/>
+            </a:pPr>
+            <a:endParaRPr lang="en-US" altLang="zh-CN" sz="2400" b="1" dirty="0">
+              <a:latin typeface="微软雅黑" panose="020B0503020204020204" pitchFamily="34" charset="-122"/>
+              <a:ea typeface="微软雅黑" panose="020B0503020204020204" pitchFamily="34" charset="-122"/>
+              <a:sym typeface="+mn-ea"/>
+            </a:endParaRPr>
+          </a:p>
+          <a:p>
+            <a:pPr marL="800100" lvl="1" indent="-342900">
+              <a:lnSpc>
+                <a:spcPct val="150000"/>
+              </a:lnSpc>
+              <a:buFont typeface="Arial" panose="020B0604020202020204" pitchFamily="34" charset="0"/>
+              <a:buChar char="•"/>
+            </a:pPr>
+            <a:endParaRPr lang="en-US" altLang="zh-CN" sz="2400" b="1" dirty="0">
+              <a:latin typeface="微软雅黑" panose="020B0503020204020204" pitchFamily="34" charset="-122"/>
+              <a:ea typeface="微软雅黑" panose="020B0503020204020204" pitchFamily="34" charset="-122"/>
+              <a:sym typeface="+mn-ea"/>
+            </a:endParaRPr>
+          </a:p>
+          <a:p>
+            <a:pPr marL="800100" lvl="1" indent="-342900">
+              <a:lnSpc>
+                <a:spcPct val="150000"/>
+              </a:lnSpc>
+              <a:buFont typeface="Arial" panose="020B0604020202020204" pitchFamily="34" charset="0"/>
+              <a:buChar char="•"/>
+            </a:pPr>
+            <a:r>
+              <a:rPr lang="zh-CN" altLang="en-US" sz="2400" b="1" dirty="0">
+                <a:latin typeface="微软雅黑" panose="020B0503020204020204" pitchFamily="34" charset="-122"/>
+                <a:ea typeface="微软雅黑" panose="020B0503020204020204" pitchFamily="34" charset="-122"/>
+                <a:sym typeface="+mn-ea"/>
+              </a:rPr>
+              <a:t>近年来的发展主要得益于观测技术的提升</a:t>
+            </a:r>
+          </a:p>
+          <a:p>
+            <a:pPr marL="800100" lvl="1" indent="-342900">
+              <a:lnSpc>
+                <a:spcPct val="150000"/>
+              </a:lnSpc>
+              <a:buFont typeface="Arial" panose="020B0604020202020204" pitchFamily="34" charset="0"/>
+              <a:buChar char="•"/>
+            </a:pPr>
+            <a:endParaRPr lang="en-US" altLang="zh-CN" sz="2800" b="1" dirty="0">
+              <a:latin typeface="微软雅黑" panose="020B0503020204020204" pitchFamily="34" charset="-122"/>
+              <a:ea typeface="微软雅黑" panose="020B0503020204020204" pitchFamily="34" charset="-122"/>
+              <a:sym typeface="+mn-ea"/>
+            </a:endParaRPr>
+          </a:p>
+          <a:p>
+            <a:pPr marL="342900" indent="-342900" fontAlgn="auto">
+              <a:lnSpc>
+                <a:spcPct val="150000"/>
+              </a:lnSpc>
+              <a:spcAft>
+                <a:spcPts val="0"/>
+              </a:spcAft>
+              <a:buFont typeface="Arial" panose="020B0604020202020204" pitchFamily="34" charset="0"/>
+              <a:buChar char="•"/>
+            </a:pPr>
             <a:endParaRPr lang="en-US" altLang="zh-CN" sz="2800" b="1" dirty="0">
               <a:solidFill>
                 <a:schemeClr val="tx1"/>
@@ -4185,10 +8890,1821 @@
       </p:sp>
       <p:pic>
         <p:nvPicPr>
-          <p:cNvPr id="7" name="图片 6">
+          <p:cNvPr id="4" name="Picture 9">
             <a:extLst>
               <a:ext uri="{FF2B5EF4-FFF2-40B4-BE49-F238E27FC236}">
-                <a16:creationId xmlns:a16="http://schemas.microsoft.com/office/drawing/2014/main" id="{D3E2566E-6026-59D0-9E3B-F98300EEDAF8}"/>
+                <a16:creationId xmlns:a16="http://schemas.microsoft.com/office/drawing/2014/main" id="{63F358DE-EA6E-CD25-7634-DC3F7FD075F5}"/>
+              </a:ext>
+            </a:extLst>
+          </p:cNvPr>
+          <p:cNvPicPr>
+            <a:picLocks noChangeAspect="1" noChangeArrowheads="1"/>
+          </p:cNvPicPr>
+          <p:nvPr/>
+        </p:nvPicPr>
+        <p:blipFill>
+          <a:blip r:embed="rId2"/>
+          <a:srcRect/>
+          <a:stretch>
+            <a:fillRect/>
+          </a:stretch>
+        </p:blipFill>
+        <p:spPr bwMode="auto">
+          <a:xfrm>
+            <a:off x="689474" y="4458146"/>
+            <a:ext cx="3352424" cy="2185988"/>
+          </a:xfrm>
+          <a:prstGeom prst="rect">
+            <a:avLst/>
+          </a:prstGeom>
+          <a:noFill/>
+          <a:ln w="9525">
+            <a:noFill/>
+            <a:miter lim="800000"/>
+            <a:headEnd/>
+            <a:tailEnd/>
+          </a:ln>
+        </p:spPr>
+      </p:pic>
+      <p:sp>
+        <p:nvSpPr>
+          <p:cNvPr id="6" name="Text Box 10">
+            <a:extLst>
+              <a:ext uri="{FF2B5EF4-FFF2-40B4-BE49-F238E27FC236}">
+                <a16:creationId xmlns:a16="http://schemas.microsoft.com/office/drawing/2014/main" id="{160FECDA-9D50-D36A-DA09-97D6E6D3C487}"/>
+              </a:ext>
+            </a:extLst>
+          </p:cNvPr>
+          <p:cNvSpPr txBox="1">
+            <a:spLocks noChangeArrowheads="1"/>
+          </p:cNvSpPr>
+          <p:nvPr/>
+        </p:nvSpPr>
+        <p:spPr bwMode="auto">
+          <a:xfrm>
+            <a:off x="3989867" y="4458146"/>
+            <a:ext cx="4783137" cy="2185988"/>
+          </a:xfrm>
+          <a:prstGeom prst="rect">
+            <a:avLst/>
+          </a:prstGeom>
+          <a:noFill/>
+          <a:ln w="9525">
+            <a:noFill/>
+            <a:miter lim="800000"/>
+            <a:headEnd/>
+            <a:tailEnd/>
+          </a:ln>
+          <a:effectLst/>
+        </p:spPr>
+        <p:txBody>
+          <a:bodyPr>
+            <a:spAutoFit/>
+          </a:bodyPr>
+          <a:lstStyle/>
+          <a:p>
+            <a:pPr eaLnBrk="0" hangingPunct="0">
+              <a:defRPr/>
+            </a:pPr>
+            <a:r>
+              <a:rPr lang="zh-CN" altLang="en-US" b="1" dirty="0">
+                <a:solidFill>
+                  <a:srgbClr val="000099"/>
+                </a:solidFill>
+                <a:latin typeface="楷体" pitchFamily="49" charset="-122"/>
+                <a:ea typeface="楷体" pitchFamily="49" charset="-122"/>
+              </a:rPr>
+              <a:t>利用对称目标绕对称轴旋转的特点，经过多次光变观测</a:t>
+            </a:r>
+            <a:r>
+              <a:rPr lang="zh-CN" altLang="en-US" b="1" dirty="0">
+                <a:solidFill>
+                  <a:srgbClr val="000099"/>
+                </a:solidFill>
+                <a:latin typeface="Times New Roman" pitchFamily="18" charset="0"/>
+                <a:ea typeface="楷体" pitchFamily="49" charset="-122"/>
+                <a:cs typeface="Times New Roman" pitchFamily="18" charset="0"/>
+              </a:rPr>
+              <a:t>确定其转轴指向的球坐标</a:t>
+            </a:r>
+            <a:endParaRPr lang="en-US" altLang="zh-CN" b="1" dirty="0">
+              <a:solidFill>
+                <a:srgbClr val="000099"/>
+              </a:solidFill>
+              <a:latin typeface="Times New Roman" pitchFamily="18" charset="0"/>
+              <a:ea typeface="楷体" pitchFamily="49" charset="-122"/>
+              <a:cs typeface="Times New Roman" pitchFamily="18" charset="0"/>
+            </a:endParaRPr>
+          </a:p>
+          <a:p>
+            <a:pPr marL="539750" indent="-539750" eaLnBrk="0" hangingPunct="0">
+              <a:defRPr/>
+            </a:pPr>
+            <a:r>
+              <a:rPr lang="en-US" altLang="zh-CN" dirty="0">
+                <a:solidFill>
+                  <a:srgbClr val="000099"/>
+                </a:solidFill>
+                <a:latin typeface="Times New Roman" pitchFamily="18" charset="0"/>
+                <a:ea typeface="楷体" pitchFamily="49" charset="-122"/>
+                <a:cs typeface="Times New Roman" pitchFamily="18" charset="0"/>
+              </a:rPr>
+              <a:t>(</a:t>
+            </a:r>
+            <a:r>
+              <a:rPr lang="zh-CN" altLang="en-US" b="1" dirty="0">
+                <a:solidFill>
+                  <a:srgbClr val="000099"/>
+                </a:solidFill>
+                <a:latin typeface="Times New Roman" pitchFamily="18" charset="0"/>
+                <a:ea typeface="楷体" pitchFamily="49" charset="-122"/>
+                <a:cs typeface="Times New Roman" pitchFamily="18" charset="0"/>
+              </a:rPr>
+              <a:t>图：</a:t>
+            </a:r>
+            <a:r>
+              <a:rPr lang="en-US" altLang="zh-CN" sz="1400" b="1" dirty="0" err="1">
+                <a:solidFill>
+                  <a:srgbClr val="000099"/>
+                </a:solidFill>
+                <a:latin typeface="Times New Roman" pitchFamily="18" charset="0"/>
+                <a:ea typeface="楷体" pitchFamily="49" charset="-122"/>
+                <a:cs typeface="Times New Roman" pitchFamily="18" charset="0"/>
+              </a:rPr>
+              <a:t>Satoni</a:t>
+            </a:r>
+            <a:r>
+              <a:rPr lang="en-US" altLang="zh-CN" sz="1400" b="1" dirty="0">
+                <a:solidFill>
+                  <a:srgbClr val="000099"/>
+                </a:solidFill>
+                <a:latin typeface="Times New Roman" pitchFamily="18" charset="0"/>
+                <a:ea typeface="楷体" pitchFamily="49" charset="-122"/>
+                <a:cs typeface="Times New Roman" pitchFamily="18" charset="0"/>
+              </a:rPr>
+              <a:t> et al. </a:t>
+            </a:r>
+            <a:r>
+              <a:rPr lang="en-US" altLang="zh-CN" sz="1400" dirty="0">
+                <a:solidFill>
+                  <a:srgbClr val="000099"/>
+                </a:solidFill>
+                <a:latin typeface="Times New Roman" pitchFamily="18" charset="0"/>
+                <a:ea typeface="楷体" pitchFamily="49" charset="-122"/>
+                <a:cs typeface="Times New Roman" pitchFamily="18" charset="0"/>
+              </a:rPr>
+              <a:t>Determination of Disposed-Upper-Stage Attitude Motion by Ground-Based Optical Observations. </a:t>
+            </a:r>
+            <a:r>
+              <a:rPr lang="en-US" altLang="zh-CN" sz="1400" b="1" i="1" dirty="0">
+                <a:solidFill>
+                  <a:srgbClr val="000099"/>
+                </a:solidFill>
+                <a:latin typeface="Times New Roman" pitchFamily="18" charset="0"/>
+                <a:ea typeface="楷体" pitchFamily="49" charset="-122"/>
+                <a:cs typeface="Times New Roman" pitchFamily="18" charset="0"/>
+              </a:rPr>
+              <a:t>Journal of Spacecraft and Rockets. </a:t>
+            </a:r>
+            <a:r>
+              <a:rPr lang="en-US" altLang="zh-CN" sz="1600" b="1" dirty="0">
+                <a:solidFill>
+                  <a:srgbClr val="FF0000"/>
+                </a:solidFill>
+                <a:latin typeface="Times New Roman" pitchFamily="18" charset="0"/>
+                <a:ea typeface="楷体" pitchFamily="49" charset="-122"/>
+                <a:cs typeface="Times New Roman" pitchFamily="18" charset="0"/>
+              </a:rPr>
+              <a:t>2013</a:t>
+            </a:r>
+            <a:r>
+              <a:rPr lang="en-US" altLang="zh-CN" dirty="0">
+                <a:solidFill>
+                  <a:srgbClr val="000099"/>
+                </a:solidFill>
+                <a:latin typeface="Times New Roman" pitchFamily="18" charset="0"/>
+                <a:ea typeface="楷体" pitchFamily="49" charset="-122"/>
+                <a:cs typeface="Times New Roman" pitchFamily="18" charset="0"/>
+              </a:rPr>
+              <a:t>)</a:t>
+            </a:r>
+          </a:p>
+          <a:p>
+            <a:pPr marL="539750" indent="-539750" eaLnBrk="0" hangingPunct="0">
+              <a:defRPr/>
+            </a:pPr>
+            <a:r>
+              <a:rPr lang="en-US" altLang="zh-CN" dirty="0">
+                <a:solidFill>
+                  <a:srgbClr val="000099"/>
+                </a:solidFill>
+                <a:latin typeface="Times New Roman" pitchFamily="18" charset="0"/>
+                <a:ea typeface="楷体" pitchFamily="49" charset="-122"/>
+                <a:cs typeface="Times New Roman" pitchFamily="18" charset="0"/>
+              </a:rPr>
+              <a:t>(</a:t>
+            </a:r>
+            <a:r>
+              <a:rPr lang="zh-CN" altLang="en-US" b="1" dirty="0">
+                <a:solidFill>
+                  <a:srgbClr val="000099"/>
+                </a:solidFill>
+                <a:latin typeface="Times New Roman" pitchFamily="18" charset="0"/>
+                <a:ea typeface="楷体" pitchFamily="49" charset="-122"/>
+                <a:cs typeface="Times New Roman" pitchFamily="18" charset="0"/>
+              </a:rPr>
+              <a:t>方法：</a:t>
+            </a:r>
+            <a:r>
+              <a:rPr lang="en-US" altLang="zh-CN" sz="1400" b="1" dirty="0">
+                <a:solidFill>
+                  <a:srgbClr val="000099"/>
+                </a:solidFill>
+                <a:latin typeface="Times New Roman" pitchFamily="18" charset="0"/>
+                <a:ea typeface="楷体" pitchFamily="49" charset="-122"/>
+                <a:cs typeface="Times New Roman" pitchFamily="18" charset="0"/>
+              </a:rPr>
+              <a:t>Williams. </a:t>
+            </a:r>
+            <a:r>
+              <a:rPr lang="en-US" altLang="zh-CN" sz="1400" dirty="0">
+                <a:solidFill>
+                  <a:srgbClr val="000099"/>
+                </a:solidFill>
+                <a:latin typeface="Times New Roman" pitchFamily="18" charset="0"/>
+                <a:ea typeface="楷体" pitchFamily="49" charset="-122"/>
+                <a:cs typeface="Times New Roman" pitchFamily="18" charset="0"/>
+              </a:rPr>
+              <a:t>Location of the rotation axis of a tumbling cylindrical earth satellite by using visual observations Part I : Theory. </a:t>
+            </a:r>
+            <a:r>
+              <a:rPr lang="en-US" altLang="zh-CN" sz="1400" b="1" i="1" dirty="0">
+                <a:solidFill>
+                  <a:srgbClr val="000099"/>
+                </a:solidFill>
+                <a:latin typeface="Times New Roman" pitchFamily="18" charset="0"/>
+                <a:ea typeface="楷体" pitchFamily="49" charset="-122"/>
+                <a:cs typeface="Times New Roman" pitchFamily="18" charset="0"/>
+              </a:rPr>
+              <a:t>Planetary and Space Science. </a:t>
+            </a:r>
+            <a:r>
+              <a:rPr lang="en-US" altLang="zh-CN" sz="1600" b="1" dirty="0">
+                <a:solidFill>
+                  <a:srgbClr val="FF0000"/>
+                </a:solidFill>
+                <a:latin typeface="Times New Roman" pitchFamily="18" charset="0"/>
+                <a:ea typeface="楷体" pitchFamily="49" charset="-122"/>
+                <a:cs typeface="Times New Roman" pitchFamily="18" charset="0"/>
+              </a:rPr>
+              <a:t>1979</a:t>
+            </a:r>
+            <a:r>
+              <a:rPr lang="en-US" altLang="zh-CN" dirty="0">
+                <a:solidFill>
+                  <a:srgbClr val="000099"/>
+                </a:solidFill>
+                <a:latin typeface="Times New Roman" pitchFamily="18" charset="0"/>
+                <a:ea typeface="楷体" pitchFamily="49" charset="-122"/>
+                <a:cs typeface="Times New Roman" pitchFamily="18" charset="0"/>
+              </a:rPr>
+              <a:t>)</a:t>
+            </a:r>
+          </a:p>
+        </p:txBody>
+      </p:sp>
+      <p:pic>
+        <p:nvPicPr>
+          <p:cNvPr id="8" name="Picture 9">
+            <a:extLst>
+              <a:ext uri="{FF2B5EF4-FFF2-40B4-BE49-F238E27FC236}">
+                <a16:creationId xmlns:a16="http://schemas.microsoft.com/office/drawing/2014/main" id="{A6A880B3-367F-7750-32E7-F7F19EF54BAC}"/>
+              </a:ext>
+            </a:extLst>
+          </p:cNvPr>
+          <p:cNvPicPr>
+            <a:picLocks noChangeAspect="1" noChangeArrowheads="1"/>
+          </p:cNvPicPr>
+          <p:nvPr/>
+        </p:nvPicPr>
+        <p:blipFill>
+          <a:blip r:embed="rId3"/>
+          <a:srcRect/>
+          <a:stretch>
+            <a:fillRect/>
+          </a:stretch>
+        </p:blipFill>
+        <p:spPr bwMode="auto">
+          <a:xfrm>
+            <a:off x="1520272" y="2252597"/>
+            <a:ext cx="1463675" cy="1681163"/>
+          </a:xfrm>
+          <a:prstGeom prst="rect">
+            <a:avLst/>
+          </a:prstGeom>
+          <a:noFill/>
+          <a:ln w="9525">
+            <a:noFill/>
+            <a:miter lim="800000"/>
+            <a:headEnd/>
+            <a:tailEnd/>
+          </a:ln>
+        </p:spPr>
+      </p:pic>
+      <p:pic>
+        <p:nvPicPr>
+          <p:cNvPr id="9" name="Picture 10">
+            <a:extLst>
+              <a:ext uri="{FF2B5EF4-FFF2-40B4-BE49-F238E27FC236}">
+                <a16:creationId xmlns:a16="http://schemas.microsoft.com/office/drawing/2014/main" id="{53092B39-5432-4A63-6B3A-A769972393D2}"/>
+              </a:ext>
+            </a:extLst>
+          </p:cNvPr>
+          <p:cNvPicPr>
+            <a:picLocks noChangeAspect="1" noChangeArrowheads="1"/>
+          </p:cNvPicPr>
+          <p:nvPr/>
+        </p:nvPicPr>
+        <p:blipFill>
+          <a:blip r:embed="rId4" cstate="screen">
+            <a:extLst>
+              <a:ext uri="{28A0092B-C50C-407E-A947-70E740481C1C}">
+                <a14:useLocalDpi xmlns:a14="http://schemas.microsoft.com/office/drawing/2010/main"/>
+              </a:ext>
+            </a:extLst>
+          </a:blip>
+          <a:srcRect/>
+          <a:stretch>
+            <a:fillRect/>
+          </a:stretch>
+        </p:blipFill>
+        <p:spPr bwMode="auto">
+          <a:xfrm>
+            <a:off x="3182940" y="2252596"/>
+            <a:ext cx="1371600" cy="1792288"/>
+          </a:xfrm>
+          <a:prstGeom prst="rect">
+            <a:avLst/>
+          </a:prstGeom>
+          <a:noFill/>
+          <a:ln w="9525">
+            <a:noFill/>
+            <a:miter lim="800000"/>
+            <a:headEnd/>
+            <a:tailEnd/>
+          </a:ln>
+        </p:spPr>
+      </p:pic>
+      <p:sp>
+        <p:nvSpPr>
+          <p:cNvPr id="10" name="Text Box 11">
+            <a:extLst>
+              <a:ext uri="{FF2B5EF4-FFF2-40B4-BE49-F238E27FC236}">
+                <a16:creationId xmlns:a16="http://schemas.microsoft.com/office/drawing/2014/main" id="{3A44F5C0-534E-554D-268E-062FE8CA2FDF}"/>
+              </a:ext>
+            </a:extLst>
+          </p:cNvPr>
+          <p:cNvSpPr txBox="1">
+            <a:spLocks noChangeArrowheads="1"/>
+          </p:cNvSpPr>
+          <p:nvPr/>
+        </p:nvSpPr>
+        <p:spPr bwMode="auto">
+          <a:xfrm>
+            <a:off x="4592641" y="2605654"/>
+            <a:ext cx="4138612" cy="1108075"/>
+          </a:xfrm>
+          <a:prstGeom prst="rect">
+            <a:avLst/>
+          </a:prstGeom>
+          <a:noFill/>
+          <a:ln w="9525">
+            <a:noFill/>
+            <a:miter lim="800000"/>
+            <a:headEnd/>
+            <a:tailEnd/>
+          </a:ln>
+        </p:spPr>
+        <p:txBody>
+          <a:bodyPr>
+            <a:spAutoFit/>
+          </a:bodyPr>
+          <a:lstStyle/>
+          <a:p>
+            <a:pPr algn="ctr" eaLnBrk="0" hangingPunct="0"/>
+            <a:r>
+              <a:rPr lang="zh-CN" altLang="en-US" b="1" dirty="0">
+                <a:solidFill>
+                  <a:srgbClr val="000099"/>
+                </a:solidFill>
+                <a:latin typeface="Times New Roman" pitchFamily="18" charset="0"/>
+                <a:ea typeface="楷体"/>
+                <a:cs typeface="Times New Roman" pitchFamily="18" charset="0"/>
+              </a:rPr>
+              <a:t>漫反射模型反演研究</a:t>
+            </a:r>
+            <a:endParaRPr lang="en-US" altLang="zh-CN" b="1" dirty="0">
+              <a:solidFill>
+                <a:srgbClr val="000099"/>
+              </a:solidFill>
+              <a:latin typeface="Times New Roman" pitchFamily="18" charset="0"/>
+              <a:ea typeface="楷体"/>
+              <a:cs typeface="Times New Roman" pitchFamily="18" charset="0"/>
+            </a:endParaRPr>
+          </a:p>
+          <a:p>
+            <a:pPr algn="ctr" eaLnBrk="0" hangingPunct="0"/>
+            <a:r>
+              <a:rPr lang="zh-CN" altLang="en-US" sz="1600" dirty="0">
+                <a:solidFill>
+                  <a:srgbClr val="000099"/>
+                </a:solidFill>
+                <a:latin typeface="Times New Roman" pitchFamily="18" charset="0"/>
+                <a:ea typeface="楷体"/>
+                <a:cs typeface="Times New Roman" pitchFamily="18" charset="0"/>
+              </a:rPr>
+              <a:t> </a:t>
+            </a:r>
+            <a:r>
+              <a:rPr lang="en-US" altLang="zh-CN" sz="1600" dirty="0">
+                <a:solidFill>
+                  <a:srgbClr val="000099"/>
+                </a:solidFill>
+                <a:latin typeface="Times New Roman" pitchFamily="18" charset="0"/>
+                <a:ea typeface="楷体"/>
+                <a:cs typeface="Times New Roman" pitchFamily="18" charset="0"/>
+              </a:rPr>
+              <a:t>(</a:t>
+            </a:r>
+            <a:r>
+              <a:rPr lang="en-US" altLang="zh-CN" sz="1600" b="1" dirty="0">
+                <a:solidFill>
+                  <a:srgbClr val="000099"/>
+                </a:solidFill>
+                <a:latin typeface="Times New Roman" pitchFamily="18" charset="0"/>
+                <a:ea typeface="楷体"/>
+                <a:cs typeface="Times New Roman" pitchFamily="18" charset="0"/>
+              </a:rPr>
+              <a:t>Giese. </a:t>
+            </a:r>
+            <a:r>
+              <a:rPr lang="en-US" altLang="zh-CN" sz="1600" dirty="0">
+                <a:solidFill>
+                  <a:srgbClr val="000099"/>
+                </a:solidFill>
+                <a:latin typeface="Times New Roman" pitchFamily="18" charset="0"/>
+                <a:ea typeface="楷体"/>
+                <a:cs typeface="Times New Roman" pitchFamily="18" charset="0"/>
+              </a:rPr>
+              <a:t>Attitude Determination from Specular, and Diffuse Reflection by Cylindrical Artificial Satellites. In </a:t>
+            </a:r>
+            <a:r>
+              <a:rPr lang="en-US" altLang="zh-CN" sz="1600" b="1" i="1" dirty="0">
+                <a:solidFill>
+                  <a:srgbClr val="000099"/>
+                </a:solidFill>
+                <a:latin typeface="Times New Roman" pitchFamily="18" charset="0"/>
+                <a:ea typeface="楷体"/>
+                <a:cs typeface="Times New Roman" pitchFamily="18" charset="0"/>
+              </a:rPr>
+              <a:t>SAO Special Report</a:t>
+            </a:r>
+            <a:r>
+              <a:rPr lang="en-US" altLang="zh-CN" sz="1600" b="1" dirty="0">
+                <a:solidFill>
+                  <a:srgbClr val="000099"/>
+                </a:solidFill>
+                <a:latin typeface="Times New Roman" pitchFamily="18" charset="0"/>
+                <a:ea typeface="楷体"/>
+                <a:cs typeface="Times New Roman" pitchFamily="18" charset="0"/>
+              </a:rPr>
+              <a:t>. 1963</a:t>
+            </a:r>
+            <a:r>
+              <a:rPr lang="en-US" altLang="zh-CN" sz="1600" dirty="0">
+                <a:solidFill>
+                  <a:srgbClr val="000099"/>
+                </a:solidFill>
+                <a:latin typeface="Times New Roman" pitchFamily="18" charset="0"/>
+                <a:ea typeface="楷体"/>
+                <a:cs typeface="Times New Roman" pitchFamily="18" charset="0"/>
+              </a:rPr>
+              <a:t>)</a:t>
+            </a:r>
+          </a:p>
+        </p:txBody>
+      </p:sp>
+      <p:pic>
+        <p:nvPicPr>
+          <p:cNvPr id="11" name="Picture 4">
+            <a:extLst>
+              <a:ext uri="{FF2B5EF4-FFF2-40B4-BE49-F238E27FC236}">
+                <a16:creationId xmlns:a16="http://schemas.microsoft.com/office/drawing/2014/main" id="{2000C371-8B92-CEC7-5D98-1EC19341CA4D}"/>
+              </a:ext>
+            </a:extLst>
+          </p:cNvPr>
+          <p:cNvPicPr>
+            <a:picLocks noChangeAspect="1" noChangeArrowheads="1"/>
+          </p:cNvPicPr>
+          <p:nvPr/>
+        </p:nvPicPr>
+        <p:blipFill>
+          <a:blip r:embed="rId5"/>
+          <a:srcRect/>
+          <a:stretch>
+            <a:fillRect/>
+          </a:stretch>
+        </p:blipFill>
+        <p:spPr bwMode="auto">
+          <a:xfrm>
+            <a:off x="8761414" y="1471385"/>
+            <a:ext cx="3409950" cy="2090738"/>
+          </a:xfrm>
+          <a:prstGeom prst="rect">
+            <a:avLst/>
+          </a:prstGeom>
+          <a:noFill/>
+          <a:ln w="9525">
+            <a:noFill/>
+            <a:miter lim="800000"/>
+            <a:headEnd/>
+            <a:tailEnd/>
+          </a:ln>
+        </p:spPr>
+      </p:pic>
+      <p:pic>
+        <p:nvPicPr>
+          <p:cNvPr id="12" name="Picture 5">
+            <a:extLst>
+              <a:ext uri="{FF2B5EF4-FFF2-40B4-BE49-F238E27FC236}">
+                <a16:creationId xmlns:a16="http://schemas.microsoft.com/office/drawing/2014/main" id="{3996B6CB-6798-7B98-611A-9953EF8FDFE3}"/>
+              </a:ext>
+            </a:extLst>
+          </p:cNvPr>
+          <p:cNvPicPr>
+            <a:picLocks noChangeAspect="1" noChangeArrowheads="1"/>
+          </p:cNvPicPr>
+          <p:nvPr/>
+        </p:nvPicPr>
+        <p:blipFill>
+          <a:blip r:embed="rId6"/>
+          <a:srcRect/>
+          <a:stretch>
+            <a:fillRect/>
+          </a:stretch>
+        </p:blipFill>
+        <p:spPr bwMode="auto">
+          <a:xfrm>
+            <a:off x="8731253" y="3570060"/>
+            <a:ext cx="3438525" cy="2255838"/>
+          </a:xfrm>
+          <a:prstGeom prst="rect">
+            <a:avLst/>
+          </a:prstGeom>
+          <a:noFill/>
+          <a:ln w="9525">
+            <a:noFill/>
+            <a:miter lim="800000"/>
+            <a:headEnd/>
+            <a:tailEnd/>
+          </a:ln>
+        </p:spPr>
+      </p:pic>
+      <p:sp>
+        <p:nvSpPr>
+          <p:cNvPr id="13" name="矩形 8">
+            <a:extLst>
+              <a:ext uri="{FF2B5EF4-FFF2-40B4-BE49-F238E27FC236}">
+                <a16:creationId xmlns:a16="http://schemas.microsoft.com/office/drawing/2014/main" id="{DA582F97-F062-AEFD-A001-A850046413A2}"/>
+              </a:ext>
+            </a:extLst>
+          </p:cNvPr>
+          <p:cNvSpPr>
+            <a:spLocks noChangeArrowheads="1"/>
+          </p:cNvSpPr>
+          <p:nvPr/>
+        </p:nvSpPr>
+        <p:spPr bwMode="auto">
+          <a:xfrm>
+            <a:off x="9009065" y="5845843"/>
+            <a:ext cx="3160713" cy="338137"/>
+          </a:xfrm>
+          <a:prstGeom prst="rect">
+            <a:avLst/>
+          </a:prstGeom>
+          <a:noFill/>
+          <a:ln w="9525">
+            <a:noFill/>
+            <a:miter lim="800000"/>
+            <a:headEnd/>
+            <a:tailEnd/>
+          </a:ln>
+        </p:spPr>
+        <p:txBody>
+          <a:bodyPr>
+            <a:spAutoFit/>
+          </a:bodyPr>
+          <a:lstStyle/>
+          <a:p>
+            <a:pPr eaLnBrk="0" hangingPunct="0"/>
+            <a:r>
+              <a:rPr lang="zh-CN" altLang="en-US" sz="1600" b="1">
+                <a:solidFill>
+                  <a:srgbClr val="000099"/>
+                </a:solidFill>
+                <a:latin typeface="Times New Roman" pitchFamily="18" charset="0"/>
+                <a:ea typeface="楷体"/>
+                <a:cs typeface="楷体"/>
+              </a:rPr>
+              <a:t>单目标观测不可重复 </a:t>
+            </a:r>
+            <a:r>
+              <a:rPr lang="en-US" altLang="zh-CN" sz="1600">
+                <a:solidFill>
+                  <a:srgbClr val="000099"/>
+                </a:solidFill>
+              </a:rPr>
+              <a:t>(From</a:t>
+            </a:r>
+            <a:r>
+              <a:rPr lang="zh-CN" altLang="en-US" sz="1600">
+                <a:solidFill>
+                  <a:srgbClr val="000099"/>
+                </a:solidFill>
+              </a:rPr>
+              <a:t> </a:t>
+            </a:r>
+            <a:r>
+              <a:rPr lang="en-US" altLang="zh-CN" sz="1600">
+                <a:solidFill>
+                  <a:srgbClr val="000099"/>
+                </a:solidFill>
+              </a:rPr>
+              <a:t>JAXA)</a:t>
+            </a:r>
+            <a:endParaRPr lang="zh-CN" altLang="en-US" sz="1600">
+              <a:solidFill>
+                <a:srgbClr val="000099"/>
+              </a:solidFill>
+            </a:endParaRPr>
+          </a:p>
+        </p:txBody>
+      </p:sp>
+    </p:spTree>
+    <p:extLst>
+      <p:ext uri="{BB962C8B-B14F-4D97-AF65-F5344CB8AC3E}">
+        <p14:creationId xmlns:p14="http://schemas.microsoft.com/office/powerpoint/2010/main" val="1134993147"/>
+      </p:ext>
+    </p:extLst>
+  </p:cSld>
+  <p:clrMapOvr>
+    <a:masterClrMapping/>
+  </p:clrMapOvr>
+  <mc:AlternateContent xmlns:mc="http://schemas.openxmlformats.org/markup-compatibility/2006" xmlns:p159="http://schemas.microsoft.com/office/powerpoint/2015/09/main">
+    <mc:Choice Requires="p159">
+      <p:transition spd="slow">
+        <p159:morph option="byObject"/>
+      </p:transition>
+    </mc:Choice>
+    <mc:Fallback xmlns="">
+      <p:transition spd="slow">
+        <p:fade/>
+      </p:transition>
+    </mc:Fallback>
+  </mc:AlternateContent>
+</p:sld>
+</file>
+
+<file path=ppt/slides/slide8.xml><?xml version="1.0" encoding="utf-8"?>
+<p:sld xmlns:a="http://schemas.openxmlformats.org/drawingml/2006/main" xmlns:r="http://schemas.openxmlformats.org/officeDocument/2006/relationships" xmlns:p="http://schemas.openxmlformats.org/presentationml/2006/main">
+  <p:cSld>
+    <p:spTree>
+      <p:nvGrpSpPr>
+        <p:cNvPr id="1" name=""/>
+        <p:cNvGrpSpPr/>
+        <p:nvPr/>
+      </p:nvGrpSpPr>
+      <p:grpSpPr>
+        <a:xfrm>
+          <a:off x="0" y="0"/>
+          <a:ext cx="0" cy="0"/>
+          <a:chOff x="0" y="0"/>
+          <a:chExt cx="0" cy="0"/>
+        </a:xfrm>
+      </p:grpSpPr>
+      <p:sp>
+        <p:nvSpPr>
+          <p:cNvPr id="3" name="矩形 2"/>
+          <p:cNvSpPr/>
+          <p:nvPr/>
+        </p:nvSpPr>
+        <p:spPr>
+          <a:xfrm>
+            <a:off x="407987" y="1052513"/>
+            <a:ext cx="8591233" cy="5300746"/>
+          </a:xfrm>
+          <a:prstGeom prst="rect">
+            <a:avLst/>
+          </a:prstGeom>
+        </p:spPr>
+        <p:txBody>
+          <a:bodyPr wrap="square">
+            <a:spAutoFit/>
+          </a:bodyPr>
+          <a:lstStyle/>
+          <a:p>
+            <a:pPr marL="342900" indent="-342900" fontAlgn="auto">
+              <a:lnSpc>
+                <a:spcPct val="150000"/>
+              </a:lnSpc>
+              <a:spcAft>
+                <a:spcPts val="0"/>
+              </a:spcAft>
+              <a:buFont typeface="Arial" panose="020B0604020202020204" pitchFamily="34" charset="0"/>
+              <a:buChar char="•"/>
+            </a:pPr>
+            <a:r>
+              <a:rPr lang="zh-CN" altLang="en-US" sz="2800" b="1" dirty="0">
+                <a:solidFill>
+                  <a:schemeClr val="tx1"/>
+                </a:solidFill>
+                <a:latin typeface="Times New Roman" panose="02020603050405020304" pitchFamily="18" charset="0"/>
+                <a:ea typeface="微软雅黑" panose="020B0503020204020204" pitchFamily="34" charset="-122"/>
+                <a:cs typeface="Times New Roman" panose="02020603050405020304" pitchFamily="18" charset="0"/>
+                <a:sym typeface="+mn-ea"/>
+              </a:rPr>
+              <a:t>表面材料光散射特性</a:t>
+            </a:r>
+          </a:p>
+          <a:p>
+            <a:pPr marL="800100" lvl="1" indent="-342900">
+              <a:lnSpc>
+                <a:spcPct val="150000"/>
+              </a:lnSpc>
+              <a:buFont typeface="Arial" panose="020B0604020202020204" pitchFamily="34" charset="0"/>
+              <a:buChar char="•"/>
+            </a:pPr>
+            <a:r>
+              <a:rPr lang="zh-CN" altLang="en-US" sz="2400" b="1" dirty="0">
+                <a:solidFill>
+                  <a:schemeClr val="tx1"/>
+                </a:solidFill>
+                <a:latin typeface="Times New Roman" panose="02020603050405020304" pitchFamily="18" charset="0"/>
+                <a:ea typeface="微软雅黑" panose="020B0503020204020204" pitchFamily="34" charset="-122"/>
+                <a:cs typeface="Times New Roman" panose="02020603050405020304" pitchFamily="18" charset="0"/>
+                <a:sym typeface="+mn-ea"/>
+              </a:rPr>
+              <a:t>光变曲线研究形状、姿态、旋转与小行星研究类似</a:t>
+            </a:r>
+            <a:endParaRPr lang="en-US" altLang="zh-CN" sz="2400" b="1" dirty="0">
+              <a:solidFill>
+                <a:schemeClr val="tx1"/>
+              </a:solidFill>
+              <a:latin typeface="Times New Roman" panose="02020603050405020304" pitchFamily="18" charset="0"/>
+              <a:ea typeface="微软雅黑" panose="020B0503020204020204" pitchFamily="34" charset="-122"/>
+              <a:cs typeface="Times New Roman" panose="02020603050405020304" pitchFamily="18" charset="0"/>
+              <a:sym typeface="+mn-ea"/>
+            </a:endParaRPr>
+          </a:p>
+          <a:p>
+            <a:pPr marL="800100" lvl="1" indent="-342900">
+              <a:lnSpc>
+                <a:spcPct val="150000"/>
+              </a:lnSpc>
+              <a:buFont typeface="Arial" panose="020B0604020202020204" pitchFamily="34" charset="0"/>
+              <a:buChar char="•"/>
+            </a:pPr>
+            <a:r>
+              <a:rPr lang="zh-CN" altLang="en-US" sz="2400" b="1" dirty="0">
+                <a:solidFill>
+                  <a:schemeClr val="tx1"/>
+                </a:solidFill>
+                <a:latin typeface="Times New Roman" panose="02020603050405020304" pitchFamily="18" charset="0"/>
+                <a:ea typeface="微软雅黑" panose="020B0503020204020204" pitchFamily="34" charset="-122"/>
+                <a:cs typeface="Times New Roman" panose="02020603050405020304" pitchFamily="18" charset="0"/>
+                <a:sym typeface="+mn-ea"/>
+              </a:rPr>
+              <a:t>人造天体主要区别：</a:t>
+            </a:r>
+          </a:p>
+          <a:p>
+            <a:pPr marL="1257300" lvl="2" indent="-342900">
+              <a:lnSpc>
+                <a:spcPct val="150000"/>
+              </a:lnSpc>
+              <a:buFont typeface="Arial" panose="020B0604020202020204" pitchFamily="34" charset="0"/>
+              <a:buChar char="•"/>
+            </a:pPr>
+            <a:r>
+              <a:rPr lang="zh-CN" altLang="en-US" sz="2400" b="1" dirty="0">
+                <a:latin typeface="Times New Roman" panose="02020603050405020304" pitchFamily="18" charset="0"/>
+                <a:ea typeface="微软雅黑" panose="020B0503020204020204" pitchFamily="34" charset="-122"/>
+                <a:cs typeface="Times New Roman" panose="02020603050405020304" pitchFamily="18" charset="0"/>
+                <a:sym typeface="+mn-ea"/>
+              </a:rPr>
+              <a:t>结构</a:t>
+            </a:r>
+            <a:r>
+              <a:rPr lang="zh-CN" altLang="en-US" sz="2400" b="1" dirty="0">
+                <a:solidFill>
+                  <a:schemeClr val="tx1"/>
+                </a:solidFill>
+                <a:latin typeface="Times New Roman" panose="02020603050405020304" pitchFamily="18" charset="0"/>
+                <a:ea typeface="微软雅黑" panose="020B0503020204020204" pitchFamily="34" charset="-122"/>
+                <a:cs typeface="Times New Roman" panose="02020603050405020304" pitchFamily="18" charset="0"/>
+                <a:sym typeface="+mn-ea"/>
+              </a:rPr>
+              <a:t>规整</a:t>
+            </a:r>
+            <a:endParaRPr lang="en-US" altLang="zh-CN" sz="2400" b="1" dirty="0">
+              <a:solidFill>
+                <a:schemeClr val="tx1"/>
+              </a:solidFill>
+              <a:latin typeface="Times New Roman" panose="02020603050405020304" pitchFamily="18" charset="0"/>
+              <a:ea typeface="微软雅黑" panose="020B0503020204020204" pitchFamily="34" charset="-122"/>
+              <a:cs typeface="Times New Roman" panose="02020603050405020304" pitchFamily="18" charset="0"/>
+              <a:sym typeface="+mn-ea"/>
+            </a:endParaRPr>
+          </a:p>
+          <a:p>
+            <a:pPr marL="1257300" lvl="2" indent="-342900">
+              <a:lnSpc>
+                <a:spcPct val="150000"/>
+              </a:lnSpc>
+              <a:buFont typeface="Arial" panose="020B0604020202020204" pitchFamily="34" charset="0"/>
+              <a:buChar char="•"/>
+            </a:pPr>
+            <a:r>
+              <a:rPr lang="zh-CN" altLang="en-US" sz="2400" b="1" dirty="0">
+                <a:latin typeface="Times New Roman" panose="02020603050405020304" pitchFamily="18" charset="0"/>
+                <a:ea typeface="微软雅黑" panose="020B0503020204020204" pitchFamily="34" charset="-122"/>
+                <a:cs typeface="Times New Roman" panose="02020603050405020304" pitchFamily="18" charset="0"/>
+                <a:sym typeface="+mn-ea"/>
+              </a:rPr>
+              <a:t>表面较光滑（镜面反射特性突出）</a:t>
+            </a:r>
+            <a:endParaRPr lang="zh-CN" altLang="en-US" sz="2400" b="1" dirty="0">
+              <a:solidFill>
+                <a:schemeClr val="tx1"/>
+              </a:solidFill>
+              <a:latin typeface="Times New Roman" panose="02020603050405020304" pitchFamily="18" charset="0"/>
+              <a:ea typeface="微软雅黑" panose="020B0503020204020204" pitchFamily="34" charset="-122"/>
+              <a:cs typeface="Times New Roman" panose="02020603050405020304" pitchFamily="18" charset="0"/>
+              <a:sym typeface="+mn-ea"/>
+            </a:endParaRPr>
+          </a:p>
+          <a:p>
+            <a:pPr marL="1257300" lvl="2" indent="-342900">
+              <a:lnSpc>
+                <a:spcPct val="150000"/>
+              </a:lnSpc>
+              <a:buFont typeface="Arial" panose="020B0604020202020204" pitchFamily="34" charset="0"/>
+              <a:buChar char="•"/>
+            </a:pPr>
+            <a:r>
+              <a:rPr lang="zh-CN" altLang="en-US" sz="2400" b="1" dirty="0">
+                <a:solidFill>
+                  <a:schemeClr val="tx1"/>
+                </a:solidFill>
+                <a:latin typeface="Times New Roman" panose="02020603050405020304" pitchFamily="18" charset="0"/>
+                <a:ea typeface="微软雅黑" panose="020B0503020204020204" pitchFamily="34" charset="-122"/>
+                <a:cs typeface="Times New Roman" panose="02020603050405020304" pitchFamily="18" charset="0"/>
+                <a:sym typeface="+mn-ea"/>
+              </a:rPr>
+              <a:t>表面材料分布复杂（反射率不统一）</a:t>
+            </a:r>
+            <a:endParaRPr lang="en-US" altLang="zh-CN" sz="2400" b="1" dirty="0">
+              <a:solidFill>
+                <a:schemeClr val="tx1"/>
+              </a:solidFill>
+              <a:latin typeface="Times New Roman" panose="02020603050405020304" pitchFamily="18" charset="0"/>
+              <a:ea typeface="微软雅黑" panose="020B0503020204020204" pitchFamily="34" charset="-122"/>
+              <a:cs typeface="Times New Roman" panose="02020603050405020304" pitchFamily="18" charset="0"/>
+              <a:sym typeface="+mn-ea"/>
+            </a:endParaRPr>
+          </a:p>
+          <a:p>
+            <a:pPr marL="1257300" lvl="2" indent="-342900">
+              <a:lnSpc>
+                <a:spcPct val="150000"/>
+              </a:lnSpc>
+              <a:buFont typeface="Arial" panose="020B0604020202020204" pitchFamily="34" charset="0"/>
+              <a:buChar char="•"/>
+            </a:pPr>
+            <a:endParaRPr lang="zh-CN" altLang="en-US" sz="2000" b="1" dirty="0">
+              <a:solidFill>
+                <a:schemeClr val="tx1"/>
+              </a:solidFill>
+              <a:latin typeface="Times New Roman" panose="02020603050405020304" pitchFamily="18" charset="0"/>
+              <a:ea typeface="微软雅黑" panose="020B0503020204020204" pitchFamily="34" charset="-122"/>
+              <a:cs typeface="Times New Roman" panose="02020603050405020304" pitchFamily="18" charset="0"/>
+              <a:sym typeface="+mn-ea"/>
+            </a:endParaRPr>
+          </a:p>
+          <a:p>
+            <a:pPr marL="800100" lvl="1" indent="-342900">
+              <a:lnSpc>
+                <a:spcPct val="150000"/>
+              </a:lnSpc>
+              <a:buFont typeface="Arial" panose="020B0604020202020204" pitchFamily="34" charset="0"/>
+              <a:buChar char="•"/>
+            </a:pPr>
+            <a:endParaRPr lang="en-US" altLang="zh-CN" sz="2000" b="1" dirty="0">
+              <a:solidFill>
+                <a:schemeClr val="tx1"/>
+              </a:solidFill>
+              <a:latin typeface="Times New Roman" panose="02020603050405020304" pitchFamily="18" charset="0"/>
+              <a:ea typeface="微软雅黑" panose="020B0503020204020204" pitchFamily="34" charset="-122"/>
+              <a:cs typeface="Times New Roman" panose="02020603050405020304" pitchFamily="18" charset="0"/>
+              <a:sym typeface="+mn-ea"/>
+            </a:endParaRPr>
+          </a:p>
+          <a:p>
+            <a:pPr marL="800100" lvl="1" indent="-342900">
+              <a:lnSpc>
+                <a:spcPct val="150000"/>
+              </a:lnSpc>
+              <a:buFont typeface="Arial" panose="020B0604020202020204" pitchFamily="34" charset="0"/>
+              <a:buChar char="•"/>
+            </a:pPr>
+            <a:r>
+              <a:rPr lang="zh-CN" altLang="en-US" sz="2000" b="1" dirty="0">
+                <a:solidFill>
+                  <a:schemeClr val="tx1"/>
+                </a:solidFill>
+                <a:latin typeface="Times New Roman" panose="02020603050405020304" pitchFamily="18" charset="0"/>
+                <a:ea typeface="微软雅黑" panose="020B0503020204020204" pitchFamily="34" charset="-122"/>
+                <a:cs typeface="Times New Roman" panose="02020603050405020304" pitchFamily="18" charset="0"/>
+                <a:sym typeface="+mn-ea"/>
+              </a:rPr>
+              <a:t>光度、</a:t>
+            </a:r>
+            <a:r>
+              <a:rPr lang="en-US" altLang="zh-CN" sz="2000" b="1" dirty="0">
+                <a:solidFill>
+                  <a:schemeClr val="tx1"/>
+                </a:solidFill>
+                <a:latin typeface="Times New Roman" panose="02020603050405020304" pitchFamily="18" charset="0"/>
+                <a:ea typeface="微软雅黑" panose="020B0503020204020204" pitchFamily="34" charset="-122"/>
+                <a:cs typeface="Times New Roman" panose="02020603050405020304" pitchFamily="18" charset="0"/>
+                <a:sym typeface="+mn-ea"/>
+              </a:rPr>
+              <a:t>BRDF</a:t>
+            </a:r>
+            <a:r>
+              <a:rPr lang="zh-CN" altLang="en-US" sz="2000" b="1" dirty="0">
+                <a:solidFill>
+                  <a:schemeClr val="tx1"/>
+                </a:solidFill>
+                <a:latin typeface="Times New Roman" panose="02020603050405020304" pitchFamily="18" charset="0"/>
+                <a:ea typeface="微软雅黑" panose="020B0503020204020204" pitchFamily="34" charset="-122"/>
+                <a:cs typeface="Times New Roman" panose="02020603050405020304" pitchFamily="18" charset="0"/>
+                <a:sym typeface="+mn-ea"/>
+              </a:rPr>
+              <a:t>的研究</a:t>
+            </a:r>
+            <a:endParaRPr lang="en-US" altLang="zh-CN" sz="2000" b="1" dirty="0">
+              <a:solidFill>
+                <a:schemeClr val="tx1"/>
+              </a:solidFill>
+              <a:latin typeface="Times New Roman" panose="02020603050405020304" pitchFamily="18" charset="0"/>
+              <a:ea typeface="微软雅黑" panose="020B0503020204020204" pitchFamily="34" charset="-122"/>
+              <a:cs typeface="Times New Roman" panose="02020603050405020304" pitchFamily="18" charset="0"/>
+              <a:sym typeface="+mn-ea"/>
+            </a:endParaRPr>
+          </a:p>
+          <a:p>
+            <a:pPr marL="800100" lvl="1" indent="-342900">
+              <a:lnSpc>
+                <a:spcPct val="150000"/>
+              </a:lnSpc>
+              <a:buFont typeface="Arial" panose="020B0604020202020204" pitchFamily="34" charset="0"/>
+              <a:buChar char="•"/>
+            </a:pPr>
+            <a:r>
+              <a:rPr lang="zh-CN" altLang="en-US" sz="2000" b="1" dirty="0">
+                <a:solidFill>
+                  <a:schemeClr val="tx1"/>
+                </a:solidFill>
+                <a:latin typeface="Times New Roman" panose="02020603050405020304" pitchFamily="18" charset="0"/>
+                <a:ea typeface="微软雅黑" panose="020B0503020204020204" pitchFamily="34" charset="-122"/>
+                <a:cs typeface="Times New Roman" panose="02020603050405020304" pitchFamily="18" charset="0"/>
+                <a:sym typeface="+mn-ea"/>
+              </a:rPr>
+              <a:t>光谱、偏振、激光等辅助手段</a:t>
+            </a:r>
+            <a:endParaRPr lang="en-US" altLang="zh-CN" sz="2800" b="1" dirty="0">
+              <a:solidFill>
+                <a:schemeClr val="tx1"/>
+              </a:solidFill>
+              <a:latin typeface="Times New Roman" panose="02020603050405020304" pitchFamily="18" charset="0"/>
+              <a:ea typeface="微软雅黑" panose="020B0503020204020204" pitchFamily="34" charset="-122"/>
+              <a:cs typeface="Times New Roman" panose="02020603050405020304" pitchFamily="18" charset="0"/>
+              <a:sym typeface="+mn-ea"/>
+            </a:endParaRPr>
+          </a:p>
+        </p:txBody>
+      </p:sp>
+      <p:sp>
+        <p:nvSpPr>
+          <p:cNvPr id="5" name="灯片编号占位符 4"/>
+          <p:cNvSpPr>
+            <a:spLocks noGrp="1"/>
+          </p:cNvSpPr>
+          <p:nvPr>
+            <p:ph type="sldNum" sz="quarter" idx="4"/>
+          </p:nvPr>
+        </p:nvSpPr>
+        <p:spPr/>
+        <p:txBody>
+          <a:bodyPr/>
+          <a:lstStyle/>
+          <a:p>
+            <a:fld id="{5F1D8F20-F945-584B-B149-8CCFBEFE168A}" type="slidenum">
+              <a:rPr kumimoji="1" lang="zh-CN" altLang="en-US" smtClean="0"/>
+              <a:t>8</a:t>
+            </a:fld>
+            <a:endParaRPr kumimoji="1" lang="zh-CN" altLang="en-US"/>
+          </a:p>
+        </p:txBody>
+      </p:sp>
+      <p:sp>
+        <p:nvSpPr>
+          <p:cNvPr id="26" name="标题 1"/>
+          <p:cNvSpPr txBox="1"/>
+          <p:nvPr/>
+        </p:nvSpPr>
+        <p:spPr>
+          <a:xfrm>
+            <a:off x="0" y="0"/>
+            <a:ext cx="12187555" cy="711200"/>
+          </a:xfrm>
+          <a:prstGeom prst="rect">
+            <a:avLst/>
+          </a:prstGeom>
+          <a:noFill/>
+        </p:spPr>
+        <p:txBody>
+          <a:bodyPr vert="horz" lIns="91440" tIns="45720" rIns="91440" bIns="45720" rtlCol="0" anchor="ctr"/>
+          <a:lstStyle/>
+          <a:p>
+            <a:pPr marL="0" marR="0" lvl="0" indent="0" algn="ctr" defTabSz="914400" rtl="0" eaLnBrk="1" fontAlgn="base" latinLnBrk="0" hangingPunct="1">
+              <a:lnSpc>
+                <a:spcPct val="100000"/>
+              </a:lnSpc>
+              <a:spcBef>
+                <a:spcPct val="0"/>
+              </a:spcBef>
+              <a:spcAft>
+                <a:spcPct val="0"/>
+              </a:spcAft>
+              <a:buClrTx/>
+              <a:buSzTx/>
+              <a:buFontTx/>
+              <a:buNone/>
+              <a:defRPr/>
+            </a:pPr>
+            <a:r>
+              <a:rPr kumimoji="0" lang="zh-CN" altLang="en-US" sz="3200" b="1" i="0" u="none" strike="noStrike" kern="1200" cap="none" spc="0" normalizeH="0" baseline="0" noProof="0" dirty="0">
+                <a:ln>
+                  <a:noFill/>
+                </a:ln>
+                <a:solidFill>
+                  <a:schemeClr val="bg1"/>
+                </a:solidFill>
+                <a:effectLst/>
+                <a:uLnTx/>
+                <a:uFillTx/>
+                <a:latin typeface="微软雅黑" panose="020B0503020204020204" pitchFamily="34" charset="-122"/>
+                <a:ea typeface="微软雅黑" panose="020B0503020204020204" pitchFamily="34" charset="-122"/>
+                <a:cs typeface="+mj-cs"/>
+              </a:rPr>
+              <a:t>特性测量</a:t>
+            </a:r>
+          </a:p>
+        </p:txBody>
+      </p:sp>
+      <p:pic>
+        <p:nvPicPr>
+          <p:cNvPr id="11" name="Picture 2" descr="Image result for asteroid Toutatis">
+            <a:extLst>
+              <a:ext uri="{FF2B5EF4-FFF2-40B4-BE49-F238E27FC236}">
+                <a16:creationId xmlns:a16="http://schemas.microsoft.com/office/drawing/2014/main" id="{E16EEFC8-8184-A980-A33A-87793DB259ED}"/>
+              </a:ext>
+            </a:extLst>
+          </p:cNvPr>
+          <p:cNvPicPr>
+            <a:picLocks noChangeAspect="1" noChangeArrowheads="1"/>
+          </p:cNvPicPr>
+          <p:nvPr/>
+        </p:nvPicPr>
+        <p:blipFill>
+          <a:blip r:embed="rId2"/>
+          <a:srcRect/>
+          <a:stretch>
+            <a:fillRect/>
+          </a:stretch>
+        </p:blipFill>
+        <p:spPr bwMode="auto">
+          <a:xfrm>
+            <a:off x="9549607" y="1200149"/>
+            <a:ext cx="1941513" cy="1092200"/>
+          </a:xfrm>
+          <a:prstGeom prst="rect">
+            <a:avLst/>
+          </a:prstGeom>
+          <a:noFill/>
+          <a:ln w="9525">
+            <a:noFill/>
+            <a:miter lim="800000"/>
+            <a:headEnd/>
+            <a:tailEnd/>
+          </a:ln>
+        </p:spPr>
+      </p:pic>
+      <p:pic>
+        <p:nvPicPr>
+          <p:cNvPr id="12" name="Picture 4" descr="Image result for satellite">
+            <a:extLst>
+              <a:ext uri="{FF2B5EF4-FFF2-40B4-BE49-F238E27FC236}">
+                <a16:creationId xmlns:a16="http://schemas.microsoft.com/office/drawing/2014/main" id="{CC65551E-EDB5-6B31-669A-A720CE8ADF05}"/>
+              </a:ext>
+            </a:extLst>
+          </p:cNvPr>
+          <p:cNvPicPr>
+            <a:picLocks noChangeAspect="1" noChangeArrowheads="1"/>
+          </p:cNvPicPr>
+          <p:nvPr/>
+        </p:nvPicPr>
+        <p:blipFill>
+          <a:blip r:embed="rId3"/>
+          <a:srcRect/>
+          <a:stretch>
+            <a:fillRect/>
+          </a:stretch>
+        </p:blipFill>
+        <p:spPr bwMode="auto">
+          <a:xfrm>
+            <a:off x="9549607" y="2406649"/>
+            <a:ext cx="1941513" cy="1257300"/>
+          </a:xfrm>
+          <a:prstGeom prst="rect">
+            <a:avLst/>
+          </a:prstGeom>
+          <a:noFill/>
+          <a:ln w="9525">
+            <a:noFill/>
+            <a:miter lim="800000"/>
+            <a:headEnd/>
+            <a:tailEnd/>
+          </a:ln>
+        </p:spPr>
+      </p:pic>
+      <p:pic>
+        <p:nvPicPr>
+          <p:cNvPr id="13" name="Picture 6" descr="Image result for space debris">
+            <a:extLst>
+              <a:ext uri="{FF2B5EF4-FFF2-40B4-BE49-F238E27FC236}">
+                <a16:creationId xmlns:a16="http://schemas.microsoft.com/office/drawing/2014/main" id="{624B44F0-A3AF-18C9-DE88-22B43CDE1627}"/>
+              </a:ext>
+            </a:extLst>
+          </p:cNvPr>
+          <p:cNvPicPr>
+            <a:picLocks noChangeAspect="1" noChangeArrowheads="1"/>
+          </p:cNvPicPr>
+          <p:nvPr/>
+        </p:nvPicPr>
+        <p:blipFill>
+          <a:blip r:embed="rId4"/>
+          <a:srcRect/>
+          <a:stretch>
+            <a:fillRect/>
+          </a:stretch>
+        </p:blipFill>
+        <p:spPr bwMode="auto">
+          <a:xfrm>
+            <a:off x="9543257" y="3778249"/>
+            <a:ext cx="1947863" cy="1128712"/>
+          </a:xfrm>
+          <a:prstGeom prst="rect">
+            <a:avLst/>
+          </a:prstGeom>
+          <a:noFill/>
+          <a:ln w="9525">
+            <a:noFill/>
+            <a:miter lim="800000"/>
+            <a:headEnd/>
+            <a:tailEnd/>
+          </a:ln>
+        </p:spPr>
+      </p:pic>
+      <p:pic>
+        <p:nvPicPr>
+          <p:cNvPr id="14" name="Picture 8" descr="http://lfvn.astronomer.ru/report/0000048/007/image009.png">
+            <a:extLst>
+              <a:ext uri="{FF2B5EF4-FFF2-40B4-BE49-F238E27FC236}">
+                <a16:creationId xmlns:a16="http://schemas.microsoft.com/office/drawing/2014/main" id="{01845FE7-8934-E3C5-FA9E-9F9B155EB07A}"/>
+              </a:ext>
+            </a:extLst>
+          </p:cNvPr>
+          <p:cNvPicPr>
+            <a:picLocks noChangeAspect="1" noChangeArrowheads="1"/>
+          </p:cNvPicPr>
+          <p:nvPr/>
+        </p:nvPicPr>
+        <p:blipFill>
+          <a:blip r:embed="rId5" cstate="screen">
+            <a:extLst>
+              <a:ext uri="{28A0092B-C50C-407E-A947-70E740481C1C}">
+                <a14:useLocalDpi xmlns:a14="http://schemas.microsoft.com/office/drawing/2010/main"/>
+              </a:ext>
+            </a:extLst>
+          </a:blip>
+          <a:srcRect/>
+          <a:stretch>
+            <a:fillRect/>
+          </a:stretch>
+        </p:blipFill>
+        <p:spPr bwMode="auto">
+          <a:xfrm>
+            <a:off x="9549607" y="5054600"/>
+            <a:ext cx="1941513" cy="1393825"/>
+          </a:xfrm>
+          <a:prstGeom prst="rect">
+            <a:avLst/>
+          </a:prstGeom>
+          <a:noFill/>
+          <a:ln w="9525">
+            <a:noFill/>
+            <a:miter lim="800000"/>
+            <a:headEnd/>
+            <a:tailEnd/>
+          </a:ln>
+        </p:spPr>
+      </p:pic>
+    </p:spTree>
+    <p:extLst>
+      <p:ext uri="{BB962C8B-B14F-4D97-AF65-F5344CB8AC3E}">
+        <p14:creationId xmlns:p14="http://schemas.microsoft.com/office/powerpoint/2010/main" val="1583508697"/>
+      </p:ext>
+    </p:extLst>
+  </p:cSld>
+  <p:clrMapOvr>
+    <a:masterClrMapping/>
+  </p:clrMapOvr>
+  <mc:AlternateContent xmlns:mc="http://schemas.openxmlformats.org/markup-compatibility/2006" xmlns:p159="http://schemas.microsoft.com/office/powerpoint/2015/09/main">
+    <mc:Choice Requires="p159">
+      <p:transition spd="slow">
+        <p159:morph option="byObject"/>
+      </p:transition>
+    </mc:Choice>
+    <mc:Fallback xmlns="">
+      <p:transition spd="slow">
+        <p:fade/>
+      </p:transition>
+    </mc:Fallback>
+  </mc:AlternateContent>
+</p:sld>
+</file>
+
+<file path=ppt/slides/slide9.xml><?xml version="1.0" encoding="utf-8"?>
+<p:sld xmlns:a="http://schemas.openxmlformats.org/drawingml/2006/main" xmlns:r="http://schemas.openxmlformats.org/officeDocument/2006/relationships" xmlns:p="http://schemas.openxmlformats.org/presentationml/2006/main">
+  <p:cSld>
+    <p:spTree>
+      <p:nvGrpSpPr>
+        <p:cNvPr id="1" name=""/>
+        <p:cNvGrpSpPr/>
+        <p:nvPr/>
+      </p:nvGrpSpPr>
+      <p:grpSpPr>
+        <a:xfrm>
+          <a:off x="0" y="0"/>
+          <a:ext cx="0" cy="0"/>
+          <a:chOff x="0" y="0"/>
+          <a:chExt cx="0" cy="0"/>
+        </a:xfrm>
+      </p:grpSpPr>
+      <p:sp>
+        <p:nvSpPr>
+          <p:cNvPr id="3" name="矩形 2"/>
+          <p:cNvSpPr/>
+          <p:nvPr/>
+        </p:nvSpPr>
+        <p:spPr>
+          <a:xfrm>
+            <a:off x="407987" y="1052513"/>
+            <a:ext cx="11376025" cy="5358455"/>
+          </a:xfrm>
+          <a:prstGeom prst="rect">
+            <a:avLst/>
+          </a:prstGeom>
+        </p:spPr>
+        <p:txBody>
+          <a:bodyPr wrap="square">
+            <a:spAutoFit/>
+          </a:bodyPr>
+          <a:lstStyle/>
+          <a:p>
+            <a:pPr marL="342900" indent="-342900" fontAlgn="auto">
+              <a:lnSpc>
+                <a:spcPct val="150000"/>
+              </a:lnSpc>
+              <a:spcAft>
+                <a:spcPts val="0"/>
+              </a:spcAft>
+              <a:buFont typeface="Arial" panose="020B0604020202020204" pitchFamily="34" charset="0"/>
+              <a:buChar char="•"/>
+            </a:pPr>
+            <a:r>
+              <a:rPr lang="en-GB" altLang="zh-CN" sz="2800" b="1" dirty="0">
+                <a:solidFill>
+                  <a:schemeClr val="tx1"/>
+                </a:solidFill>
+                <a:latin typeface="Times New Roman" panose="02020603050405020304" pitchFamily="18" charset="0"/>
+                <a:ea typeface="微软雅黑" panose="020B0503020204020204" pitchFamily="34" charset="-122"/>
+                <a:cs typeface="Times New Roman" panose="02020603050405020304" pitchFamily="18" charset="0"/>
+                <a:sym typeface="+mn-ea"/>
+              </a:rPr>
+              <a:t>Lambert </a:t>
+            </a:r>
+            <a:r>
+              <a:rPr lang="zh-CN" altLang="en-US" sz="2800" b="1" dirty="0">
+                <a:solidFill>
+                  <a:schemeClr val="tx1"/>
+                </a:solidFill>
+                <a:latin typeface="Times New Roman" panose="02020603050405020304" pitchFamily="18" charset="0"/>
+                <a:ea typeface="微软雅黑" panose="020B0503020204020204" pitchFamily="34" charset="-122"/>
+                <a:cs typeface="Times New Roman" panose="02020603050405020304" pitchFamily="18" charset="0"/>
+                <a:sym typeface="+mn-ea"/>
+              </a:rPr>
+              <a:t>反射定律</a:t>
+            </a:r>
+            <a:endParaRPr lang="en-US" altLang="zh-CN" sz="2800" b="1" dirty="0">
+              <a:solidFill>
+                <a:schemeClr val="tx1"/>
+              </a:solidFill>
+              <a:latin typeface="Times New Roman" panose="02020603050405020304" pitchFamily="18" charset="0"/>
+              <a:ea typeface="微软雅黑" panose="020B0503020204020204" pitchFamily="34" charset="-122"/>
+              <a:cs typeface="Times New Roman" panose="02020603050405020304" pitchFamily="18" charset="0"/>
+              <a:sym typeface="+mn-ea"/>
+            </a:endParaRPr>
+          </a:p>
+          <a:p>
+            <a:pPr marL="800100" lvl="1" indent="-342900">
+              <a:lnSpc>
+                <a:spcPct val="150000"/>
+              </a:lnSpc>
+              <a:buFont typeface="Arial" panose="020B0604020202020204" pitchFamily="34" charset="0"/>
+              <a:buChar char="•"/>
+            </a:pPr>
+            <a:r>
+              <a:rPr lang="zh-CN" altLang="en-US" sz="2000" b="1" dirty="0">
+                <a:latin typeface="Times New Roman" panose="02020603050405020304" pitchFamily="18" charset="0"/>
+                <a:ea typeface="微软雅黑" panose="020B0503020204020204" pitchFamily="34" charset="-122"/>
+                <a:cs typeface="Times New Roman" panose="02020603050405020304" pitchFamily="18" charset="0"/>
+                <a:sym typeface="+mn-ea"/>
+              </a:rPr>
+              <a:t>余弦定律</a:t>
+            </a:r>
+            <a:endParaRPr lang="en-US" altLang="zh-CN" sz="2000" b="1" dirty="0">
+              <a:latin typeface="Times New Roman" panose="02020603050405020304" pitchFamily="18" charset="0"/>
+              <a:ea typeface="微软雅黑" panose="020B0503020204020204" pitchFamily="34" charset="-122"/>
+              <a:cs typeface="Times New Roman" panose="02020603050405020304" pitchFamily="18" charset="0"/>
+              <a:sym typeface="+mn-ea"/>
+            </a:endParaRPr>
+          </a:p>
+          <a:p>
+            <a:pPr marL="800100" lvl="1" indent="-342900">
+              <a:lnSpc>
+                <a:spcPct val="150000"/>
+              </a:lnSpc>
+              <a:buFont typeface="Arial" panose="020B0604020202020204" pitchFamily="34" charset="0"/>
+              <a:buChar char="•"/>
+            </a:pPr>
+            <a:r>
+              <a:rPr lang="zh-CN" altLang="en-US" sz="2000" b="1" dirty="0">
+                <a:latin typeface="Times New Roman" panose="02020603050405020304" pitchFamily="18" charset="0"/>
+                <a:ea typeface="微软雅黑" panose="020B0503020204020204" pitchFamily="34" charset="-122"/>
+                <a:cs typeface="Times New Roman" panose="02020603050405020304" pitchFamily="18" charset="0"/>
+                <a:sym typeface="+mn-ea"/>
+              </a:rPr>
+              <a:t>理想漫反射体</a:t>
+            </a:r>
+            <a:endParaRPr lang="en-US" altLang="zh-CN" sz="2000" b="1" dirty="0">
+              <a:latin typeface="Times New Roman" panose="02020603050405020304" pitchFamily="18" charset="0"/>
+              <a:ea typeface="微软雅黑" panose="020B0503020204020204" pitchFamily="34" charset="-122"/>
+              <a:cs typeface="Times New Roman" panose="02020603050405020304" pitchFamily="18" charset="0"/>
+              <a:sym typeface="+mn-ea"/>
+            </a:endParaRPr>
+          </a:p>
+          <a:p>
+            <a:pPr marL="800100" lvl="1" indent="-342900">
+              <a:lnSpc>
+                <a:spcPct val="150000"/>
+              </a:lnSpc>
+              <a:buFont typeface="Arial" panose="020B0604020202020204" pitchFamily="34" charset="0"/>
+              <a:buChar char="•"/>
+            </a:pPr>
+            <a:endParaRPr lang="en-US" altLang="zh-CN" sz="1050" b="1" dirty="0">
+              <a:latin typeface="Times New Roman" panose="02020603050405020304" pitchFamily="18" charset="0"/>
+              <a:ea typeface="微软雅黑" panose="020B0503020204020204" pitchFamily="34" charset="-122"/>
+              <a:cs typeface="Times New Roman" panose="02020603050405020304" pitchFamily="18" charset="0"/>
+              <a:sym typeface="+mn-ea"/>
+            </a:endParaRPr>
+          </a:p>
+          <a:p>
+            <a:pPr marL="342900" indent="-342900" fontAlgn="auto">
+              <a:lnSpc>
+                <a:spcPct val="150000"/>
+              </a:lnSpc>
+              <a:spcAft>
+                <a:spcPts val="0"/>
+              </a:spcAft>
+              <a:buFont typeface="Arial" panose="020B0604020202020204" pitchFamily="34" charset="0"/>
+              <a:buChar char="•"/>
+            </a:pPr>
+            <a:r>
+              <a:rPr lang="zh-CN" altLang="en-US" sz="2800" b="1" dirty="0">
+                <a:solidFill>
+                  <a:schemeClr val="tx1"/>
+                </a:solidFill>
+                <a:latin typeface="Times New Roman" panose="02020603050405020304" pitchFamily="18" charset="0"/>
+                <a:ea typeface="微软雅黑" panose="020B0503020204020204" pitchFamily="34" charset="-122"/>
+                <a:cs typeface="Times New Roman" panose="02020603050405020304" pitchFamily="18" charset="0"/>
+                <a:sym typeface="+mn-ea"/>
+              </a:rPr>
+              <a:t>双向反射分布函数</a:t>
+            </a:r>
+            <a:r>
+              <a:rPr lang="zh-CN" altLang="en-US" sz="3200" b="1" dirty="0">
+                <a:solidFill>
+                  <a:schemeClr val="tx1"/>
+                </a:solidFill>
+                <a:latin typeface="Times New Roman" panose="02020603050405020304" pitchFamily="18" charset="0"/>
+                <a:ea typeface="微软雅黑" panose="020B0503020204020204" pitchFamily="34" charset="-122"/>
+                <a:cs typeface="Times New Roman" panose="02020603050405020304" pitchFamily="18" charset="0"/>
+                <a:sym typeface="+mn-ea"/>
+              </a:rPr>
+              <a:t> </a:t>
+            </a:r>
+            <a:r>
+              <a:rPr lang="en-GB" altLang="zh-CN" sz="2800" b="1" dirty="0">
+                <a:solidFill>
+                  <a:schemeClr val="tx1"/>
+                </a:solidFill>
+                <a:latin typeface="Times New Roman" panose="02020603050405020304" pitchFamily="18" charset="0"/>
+                <a:ea typeface="微软雅黑" panose="020B0503020204020204" pitchFamily="34" charset="-122"/>
+                <a:cs typeface="Times New Roman" panose="02020603050405020304" pitchFamily="18" charset="0"/>
+                <a:sym typeface="+mn-ea"/>
+              </a:rPr>
+              <a:t>BRDF</a:t>
+            </a:r>
+            <a:r>
+              <a:rPr lang="zh-CN" altLang="en-US" sz="2800" b="1" dirty="0">
+                <a:latin typeface="Times New Roman" panose="02020603050405020304" pitchFamily="18" charset="0"/>
+                <a:ea typeface="微软雅黑" panose="020B0503020204020204" pitchFamily="34" charset="-122"/>
+                <a:cs typeface="Times New Roman" panose="02020603050405020304" pitchFamily="18" charset="0"/>
+                <a:sym typeface="+mn-ea"/>
+              </a:rPr>
+              <a:t> </a:t>
+            </a:r>
+            <a:r>
+              <a:rPr lang="en-US" altLang="zh-CN" sz="2000" b="1" dirty="0">
+                <a:latin typeface="Times New Roman" panose="02020603050405020304" pitchFamily="18" charset="0"/>
+                <a:ea typeface="微软雅黑" panose="020B0503020204020204" pitchFamily="34" charset="-122"/>
+                <a:cs typeface="Times New Roman" panose="02020603050405020304" pitchFamily="18" charset="0"/>
+                <a:sym typeface="+mn-ea"/>
+              </a:rPr>
+              <a:t>(</a:t>
+            </a:r>
+            <a:r>
+              <a:rPr lang="en-GB" altLang="zh-CN" sz="2000" b="1" i="0" dirty="0">
+                <a:solidFill>
+                  <a:srgbClr val="121212"/>
+                </a:solidFill>
+                <a:effectLst/>
+                <a:latin typeface="Times New Roman" panose="02020603050405020304" pitchFamily="18" charset="0"/>
+                <a:cs typeface="Times New Roman" panose="02020603050405020304" pitchFamily="18" charset="0"/>
+              </a:rPr>
+              <a:t>Bidirectional reflectance distribution function</a:t>
+            </a:r>
+            <a:r>
+              <a:rPr lang="en-US" altLang="zh-CN" sz="2000" b="1" i="0" dirty="0">
+                <a:effectLst/>
+                <a:latin typeface="Times New Roman" panose="02020603050405020304" pitchFamily="18" charset="0"/>
+                <a:ea typeface="微软雅黑" panose="020B0503020204020204" pitchFamily="34" charset="-122"/>
+                <a:cs typeface="Times New Roman" panose="02020603050405020304" pitchFamily="18" charset="0"/>
+                <a:sym typeface="+mn-ea"/>
+              </a:rPr>
+              <a:t>)</a:t>
+            </a:r>
+            <a:endParaRPr lang="zh-CN" altLang="en-US" sz="2400" b="1" dirty="0">
+              <a:solidFill>
+                <a:schemeClr val="tx1"/>
+              </a:solidFill>
+              <a:latin typeface="Times New Roman" panose="02020603050405020304" pitchFamily="18" charset="0"/>
+              <a:ea typeface="微软雅黑" panose="020B0503020204020204" pitchFamily="34" charset="-122"/>
+              <a:cs typeface="Times New Roman" panose="02020603050405020304" pitchFamily="18" charset="0"/>
+              <a:sym typeface="+mn-ea"/>
+            </a:endParaRPr>
+          </a:p>
+          <a:p>
+            <a:pPr marL="800100" lvl="1" indent="-342900">
+              <a:lnSpc>
+                <a:spcPct val="150000"/>
+              </a:lnSpc>
+              <a:buFont typeface="Arial" panose="020B0604020202020204" pitchFamily="34" charset="0"/>
+              <a:buChar char="•"/>
+            </a:pPr>
+            <a:r>
+              <a:rPr lang="zh-CN" altLang="en-US" sz="2000" b="1" dirty="0">
+                <a:solidFill>
+                  <a:schemeClr val="tx1"/>
+                </a:solidFill>
+                <a:latin typeface="Times New Roman" panose="02020603050405020304" pitchFamily="18" charset="0"/>
+                <a:ea typeface="微软雅黑" panose="020B0503020204020204" pitchFamily="34" charset="-122"/>
+                <a:cs typeface="Times New Roman" panose="02020603050405020304" pitchFamily="18" charset="0"/>
+                <a:sym typeface="+mn-ea"/>
+              </a:rPr>
+              <a:t>最常见</a:t>
+            </a:r>
+            <a:endParaRPr lang="en-US" altLang="zh-CN" sz="2000" b="1" dirty="0">
+              <a:solidFill>
+                <a:schemeClr val="tx1"/>
+              </a:solidFill>
+              <a:latin typeface="Times New Roman" panose="02020603050405020304" pitchFamily="18" charset="0"/>
+              <a:ea typeface="微软雅黑" panose="020B0503020204020204" pitchFamily="34" charset="-122"/>
+              <a:cs typeface="Times New Roman" panose="02020603050405020304" pitchFamily="18" charset="0"/>
+              <a:sym typeface="+mn-ea"/>
+            </a:endParaRPr>
+          </a:p>
+          <a:p>
+            <a:pPr marL="800100" lvl="1" indent="-342900">
+              <a:lnSpc>
+                <a:spcPct val="150000"/>
+              </a:lnSpc>
+              <a:buFont typeface="Arial" panose="020B0604020202020204" pitchFamily="34" charset="0"/>
+              <a:buChar char="•"/>
+            </a:pPr>
+            <a:endParaRPr lang="en-US" altLang="zh-CN" sz="2000" b="1" dirty="0">
+              <a:solidFill>
+                <a:schemeClr val="tx1"/>
+              </a:solidFill>
+              <a:latin typeface="Times New Roman" panose="02020603050405020304" pitchFamily="18" charset="0"/>
+              <a:ea typeface="微软雅黑" panose="020B0503020204020204" pitchFamily="34" charset="-122"/>
+              <a:cs typeface="Times New Roman" panose="02020603050405020304" pitchFamily="18" charset="0"/>
+              <a:sym typeface="+mn-ea"/>
+            </a:endParaRPr>
+          </a:p>
+          <a:p>
+            <a:pPr marL="342900" indent="-342900" fontAlgn="auto">
+              <a:lnSpc>
+                <a:spcPct val="150000"/>
+              </a:lnSpc>
+              <a:spcAft>
+                <a:spcPts val="0"/>
+              </a:spcAft>
+              <a:buFont typeface="Arial" panose="020B0604020202020204" pitchFamily="34" charset="0"/>
+              <a:buChar char="•"/>
+            </a:pPr>
+            <a:r>
+              <a:rPr lang="en-US" altLang="zh-CN" sz="2800" b="1" dirty="0">
+                <a:latin typeface="Times New Roman" panose="02020603050405020304" pitchFamily="18" charset="0"/>
+                <a:ea typeface="微软雅黑" panose="020B0503020204020204" pitchFamily="34" charset="-122"/>
+                <a:cs typeface="Times New Roman" panose="02020603050405020304" pitchFamily="18" charset="0"/>
+                <a:sym typeface="+mn-ea"/>
+              </a:rPr>
+              <a:t>Phong</a:t>
+            </a:r>
+            <a:r>
+              <a:rPr lang="zh-CN" altLang="en-US" sz="2800" b="1" dirty="0">
+                <a:latin typeface="Times New Roman" panose="02020603050405020304" pitchFamily="18" charset="0"/>
+                <a:ea typeface="微软雅黑" panose="020B0503020204020204" pitchFamily="34" charset="-122"/>
+                <a:cs typeface="Times New Roman" panose="02020603050405020304" pitchFamily="18" charset="0"/>
+                <a:sym typeface="+mn-ea"/>
+              </a:rPr>
+              <a:t>模型和</a:t>
+            </a:r>
+            <a:r>
+              <a:rPr lang="en-US" altLang="zh-CN" sz="2800" b="1" dirty="0">
+                <a:latin typeface="Times New Roman" panose="02020603050405020304" pitchFamily="18" charset="0"/>
+                <a:ea typeface="微软雅黑" panose="020B0503020204020204" pitchFamily="34" charset="-122"/>
+                <a:cs typeface="Times New Roman" panose="02020603050405020304" pitchFamily="18" charset="0"/>
+                <a:sym typeface="+mn-ea"/>
+              </a:rPr>
+              <a:t>Blinn-Phong</a:t>
+            </a:r>
+            <a:r>
+              <a:rPr lang="zh-CN" altLang="en-US" sz="2800" b="1" dirty="0">
+                <a:latin typeface="Times New Roman" panose="02020603050405020304" pitchFamily="18" charset="0"/>
+                <a:ea typeface="微软雅黑" panose="020B0503020204020204" pitchFamily="34" charset="-122"/>
+                <a:cs typeface="Times New Roman" panose="02020603050405020304" pitchFamily="18" charset="0"/>
+                <a:sym typeface="+mn-ea"/>
+              </a:rPr>
+              <a:t>模型</a:t>
+            </a:r>
+            <a:endParaRPr lang="en-US" altLang="zh-CN" sz="2800" b="1" dirty="0">
+              <a:latin typeface="Times New Roman" panose="02020603050405020304" pitchFamily="18" charset="0"/>
+              <a:ea typeface="微软雅黑" panose="020B0503020204020204" pitchFamily="34" charset="-122"/>
+              <a:cs typeface="Times New Roman" panose="02020603050405020304" pitchFamily="18" charset="0"/>
+              <a:sym typeface="+mn-ea"/>
+            </a:endParaRPr>
+          </a:p>
+          <a:p>
+            <a:pPr marL="800100" lvl="1" indent="-342900">
+              <a:lnSpc>
+                <a:spcPct val="150000"/>
+              </a:lnSpc>
+              <a:buFont typeface="Arial" panose="020B0604020202020204" pitchFamily="34" charset="0"/>
+              <a:buChar char="•"/>
+            </a:pPr>
+            <a:endParaRPr lang="en-US" altLang="zh-CN" sz="3200" b="1" dirty="0">
+              <a:solidFill>
+                <a:schemeClr val="tx1"/>
+              </a:solidFill>
+              <a:latin typeface="Times New Roman" panose="02020603050405020304" pitchFamily="18" charset="0"/>
+              <a:ea typeface="微软雅黑" panose="020B0503020204020204" pitchFamily="34" charset="-122"/>
+              <a:cs typeface="Times New Roman" panose="02020603050405020304" pitchFamily="18" charset="0"/>
+              <a:sym typeface="+mn-ea"/>
+            </a:endParaRPr>
+          </a:p>
+          <a:p>
+            <a:pPr marL="800100" lvl="1" indent="-342900">
+              <a:lnSpc>
+                <a:spcPct val="150000"/>
+              </a:lnSpc>
+              <a:buFont typeface="Arial" panose="020B0604020202020204" pitchFamily="34" charset="0"/>
+              <a:buChar char="•"/>
+            </a:pPr>
+            <a:r>
+              <a:rPr lang="en-US" altLang="zh-CN" sz="2000" b="1" dirty="0">
+                <a:solidFill>
+                  <a:schemeClr val="tx1"/>
+                </a:solidFill>
+                <a:latin typeface="Times New Roman" panose="02020603050405020304" pitchFamily="18" charset="0"/>
+                <a:ea typeface="微软雅黑" panose="020B0503020204020204" pitchFamily="34" charset="-122"/>
+                <a:cs typeface="Times New Roman" panose="02020603050405020304" pitchFamily="18" charset="0"/>
+                <a:sym typeface="+mn-ea"/>
+              </a:rPr>
+              <a:t>a </a:t>
+            </a:r>
+            <a:r>
+              <a:rPr lang="zh-CN" altLang="en-US" sz="2000" b="1" dirty="0">
+                <a:solidFill>
+                  <a:schemeClr val="tx1"/>
+                </a:solidFill>
+                <a:latin typeface="Times New Roman" panose="02020603050405020304" pitchFamily="18" charset="0"/>
+                <a:ea typeface="微软雅黑" panose="020B0503020204020204" pitchFamily="34" charset="-122"/>
+                <a:cs typeface="Times New Roman" panose="02020603050405020304" pitchFamily="18" charset="0"/>
+                <a:sym typeface="+mn-ea"/>
+              </a:rPr>
+              <a:t>环境光、</a:t>
+            </a:r>
+            <a:r>
+              <a:rPr lang="en-US" altLang="zh-CN" sz="2000" b="1" dirty="0">
+                <a:solidFill>
+                  <a:schemeClr val="tx1"/>
+                </a:solidFill>
+                <a:latin typeface="Times New Roman" panose="02020603050405020304" pitchFamily="18" charset="0"/>
+                <a:ea typeface="微软雅黑" panose="020B0503020204020204" pitchFamily="34" charset="-122"/>
+                <a:cs typeface="Times New Roman" panose="02020603050405020304" pitchFamily="18" charset="0"/>
+                <a:sym typeface="+mn-ea"/>
+              </a:rPr>
+              <a:t>d </a:t>
+            </a:r>
+            <a:r>
+              <a:rPr lang="zh-CN" altLang="en-US" sz="2000" b="1" dirty="0">
+                <a:solidFill>
+                  <a:schemeClr val="tx1"/>
+                </a:solidFill>
+                <a:latin typeface="Times New Roman" panose="02020603050405020304" pitchFamily="18" charset="0"/>
+                <a:ea typeface="微软雅黑" panose="020B0503020204020204" pitchFamily="34" charset="-122"/>
+                <a:cs typeface="Times New Roman" panose="02020603050405020304" pitchFamily="18" charset="0"/>
+                <a:sym typeface="+mn-ea"/>
+              </a:rPr>
+              <a:t>漫反射光、</a:t>
+            </a:r>
+            <a:r>
+              <a:rPr lang="en-US" altLang="zh-CN" sz="2000" b="1" dirty="0">
+                <a:solidFill>
+                  <a:schemeClr val="tx1"/>
+                </a:solidFill>
+                <a:latin typeface="Times New Roman" panose="02020603050405020304" pitchFamily="18" charset="0"/>
+                <a:ea typeface="微软雅黑" panose="020B0503020204020204" pitchFamily="34" charset="-122"/>
+                <a:cs typeface="Times New Roman" panose="02020603050405020304" pitchFamily="18" charset="0"/>
+                <a:sym typeface="+mn-ea"/>
+              </a:rPr>
+              <a:t>s </a:t>
+            </a:r>
+            <a:r>
+              <a:rPr lang="zh-CN" altLang="en-US" sz="2000" b="1" dirty="0">
+                <a:solidFill>
+                  <a:schemeClr val="tx1"/>
+                </a:solidFill>
+                <a:latin typeface="Times New Roman" panose="02020603050405020304" pitchFamily="18" charset="0"/>
+                <a:ea typeface="微软雅黑" panose="020B0503020204020204" pitchFamily="34" charset="-122"/>
+                <a:cs typeface="Times New Roman" panose="02020603050405020304" pitchFamily="18" charset="0"/>
+                <a:sym typeface="+mn-ea"/>
+              </a:rPr>
+              <a:t>镜面反射光（高光）</a:t>
+            </a:r>
+            <a:endParaRPr lang="en-US" altLang="zh-CN" sz="2000" b="1" dirty="0">
+              <a:solidFill>
+                <a:schemeClr val="tx1"/>
+              </a:solidFill>
+              <a:latin typeface="Times New Roman" panose="02020603050405020304" pitchFamily="18" charset="0"/>
+              <a:ea typeface="微软雅黑" panose="020B0503020204020204" pitchFamily="34" charset="-122"/>
+              <a:cs typeface="Times New Roman" panose="02020603050405020304" pitchFamily="18" charset="0"/>
+              <a:sym typeface="+mn-ea"/>
+            </a:endParaRPr>
+          </a:p>
+        </p:txBody>
+      </p:sp>
+      <p:sp>
+        <p:nvSpPr>
+          <p:cNvPr id="5" name="灯片编号占位符 4"/>
+          <p:cNvSpPr>
+            <a:spLocks noGrp="1"/>
+          </p:cNvSpPr>
+          <p:nvPr>
+            <p:ph type="sldNum" sz="quarter" idx="4"/>
+          </p:nvPr>
+        </p:nvSpPr>
+        <p:spPr/>
+        <p:txBody>
+          <a:bodyPr/>
+          <a:lstStyle/>
+          <a:p>
+            <a:fld id="{5F1D8F20-F945-584B-B149-8CCFBEFE168A}" type="slidenum">
+              <a:rPr kumimoji="1" lang="zh-CN" altLang="en-US" smtClean="0"/>
+              <a:t>9</a:t>
+            </a:fld>
+            <a:endParaRPr kumimoji="1" lang="zh-CN" altLang="en-US"/>
+          </a:p>
+        </p:txBody>
+      </p:sp>
+      <p:sp>
+        <p:nvSpPr>
+          <p:cNvPr id="26" name="标题 1"/>
+          <p:cNvSpPr txBox="1"/>
+          <p:nvPr/>
+        </p:nvSpPr>
+        <p:spPr>
+          <a:xfrm>
+            <a:off x="0" y="0"/>
+            <a:ext cx="12187555" cy="711200"/>
+          </a:xfrm>
+          <a:prstGeom prst="rect">
+            <a:avLst/>
+          </a:prstGeom>
+          <a:noFill/>
+        </p:spPr>
+        <p:txBody>
+          <a:bodyPr vert="horz" lIns="91440" tIns="45720" rIns="91440" bIns="45720" rtlCol="0" anchor="ctr"/>
+          <a:lstStyle/>
+          <a:p>
+            <a:pPr marL="0" marR="0" lvl="0" indent="0" algn="ctr" defTabSz="914400" rtl="0" eaLnBrk="1" fontAlgn="base" latinLnBrk="0" hangingPunct="1">
+              <a:lnSpc>
+                <a:spcPct val="100000"/>
+              </a:lnSpc>
+              <a:spcBef>
+                <a:spcPct val="0"/>
+              </a:spcBef>
+              <a:spcAft>
+                <a:spcPct val="0"/>
+              </a:spcAft>
+              <a:buClrTx/>
+              <a:buSzTx/>
+              <a:buFontTx/>
+              <a:buNone/>
+              <a:defRPr/>
+            </a:pPr>
+            <a:r>
+              <a:rPr kumimoji="0" lang="zh-CN" altLang="en-US" sz="3200" b="1" i="0" u="none" strike="noStrike" kern="1200" cap="none" spc="0" normalizeH="0" baseline="0" noProof="0" dirty="0">
+                <a:ln>
+                  <a:noFill/>
+                </a:ln>
+                <a:solidFill>
+                  <a:schemeClr val="bg1"/>
+                </a:solidFill>
+                <a:effectLst/>
+                <a:uLnTx/>
+                <a:uFillTx/>
+                <a:latin typeface="微软雅黑" panose="020B0503020204020204" pitchFamily="34" charset="-122"/>
+                <a:ea typeface="微软雅黑" panose="020B0503020204020204" pitchFamily="34" charset="-122"/>
+                <a:cs typeface="+mj-cs"/>
+              </a:rPr>
+              <a:t>特性测量</a:t>
+            </a:r>
+          </a:p>
+        </p:txBody>
+      </p:sp>
+      <p:pic>
+        <p:nvPicPr>
+          <p:cNvPr id="2" name="图片 19" descr="http://soap.siteturbine.com/uploaded_files/www.oceanopticsbook.info/images/WebBook/a6c154d563e55b8adc5f0422089f52c1.png">
+            <a:extLst>
+              <a:ext uri="{FF2B5EF4-FFF2-40B4-BE49-F238E27FC236}">
+                <a16:creationId xmlns:a16="http://schemas.microsoft.com/office/drawing/2014/main" id="{782A94D4-25DB-16C3-0E8C-C27633040327}"/>
               </a:ext>
             </a:extLst>
           </p:cNvPr>
@@ -4199,14 +10715,355 @@
         </p:nvPicPr>
         <p:blipFill>
           <a:blip r:embed="rId2"/>
+          <a:srcRect/>
+          <a:stretch>
+            <a:fillRect/>
+          </a:stretch>
+        </p:blipFill>
+        <p:spPr bwMode="auto">
+          <a:xfrm>
+            <a:off x="8164680" y="3685574"/>
+            <a:ext cx="3449638" cy="2470935"/>
+          </a:xfrm>
+          <a:prstGeom prst="rect">
+            <a:avLst/>
+          </a:prstGeom>
+          <a:noFill/>
+          <a:ln w="9525">
+            <a:noFill/>
+            <a:miter lim="800000"/>
+            <a:headEnd/>
+            <a:tailEnd/>
+          </a:ln>
+        </p:spPr>
+      </p:pic>
+      <p:graphicFrame>
+        <p:nvGraphicFramePr>
+          <p:cNvPr id="9" name="对象 8">
+            <a:extLst>
+              <a:ext uri="{FF2B5EF4-FFF2-40B4-BE49-F238E27FC236}">
+                <a16:creationId xmlns:a16="http://schemas.microsoft.com/office/drawing/2014/main" id="{F4D81C77-40CE-4DFE-14EC-A528F1A2078B}"/>
+              </a:ext>
+            </a:extLst>
+          </p:cNvPr>
+          <p:cNvGraphicFramePr>
+            <a:graphicFrameLocks noChangeAspect="1"/>
+          </p:cNvGraphicFramePr>
+          <p:nvPr>
+            <p:extLst>
+              <p:ext uri="{D42A27DB-BD31-4B8C-83A1-F6EECF244321}">
+                <p14:modId xmlns:p14="http://schemas.microsoft.com/office/powerpoint/2010/main" val="3324163106"/>
+              </p:ext>
+            </p:extLst>
+          </p:nvPr>
+        </p:nvGraphicFramePr>
+        <p:xfrm>
+          <a:off x="3497898" y="1906867"/>
+          <a:ext cx="3333750" cy="692150"/>
+        </p:xfrm>
+        <a:graphic>
+          <a:graphicData uri="http://schemas.openxmlformats.org/presentationml/2006/ole">
+            <mc:AlternateContent xmlns:mc="http://schemas.openxmlformats.org/markup-compatibility/2006">
+              <mc:Choice xmlns:v="urn:schemas-microsoft-com:vml" Requires="v">
+                <p:oleObj name="AxMath" r:id="rId3" imgW="1667520" imgH="346680" progId="Equation.AxMath">
+                  <p:embed/>
+                </p:oleObj>
+              </mc:Choice>
+              <mc:Fallback>
+                <p:oleObj name="AxMath" r:id="rId3" imgW="1667520" imgH="346680" progId="Equation.AxMath">
+                  <p:embed/>
+                  <p:pic>
+                    <p:nvPicPr>
+                      <p:cNvPr id="0" name=""/>
+                      <p:cNvPicPr/>
+                      <p:nvPr/>
+                    </p:nvPicPr>
+                    <p:blipFill>
+                      <a:blip r:embed="rId4"/>
+                      <a:stretch>
+                        <a:fillRect/>
+                      </a:stretch>
+                    </p:blipFill>
+                    <p:spPr>
+                      <a:xfrm>
+                        <a:off x="3497898" y="1906867"/>
+                        <a:ext cx="3333750" cy="692150"/>
+                      </a:xfrm>
+                      <a:prstGeom prst="rect">
+                        <a:avLst/>
+                      </a:prstGeom>
+                    </p:spPr>
+                  </p:pic>
+                </p:oleObj>
+              </mc:Fallback>
+            </mc:AlternateContent>
+          </a:graphicData>
+        </a:graphic>
+      </p:graphicFrame>
+      <p:sp>
+        <p:nvSpPr>
+          <p:cNvPr id="10" name="矩形 9">
+            <a:extLst>
+              <a:ext uri="{FF2B5EF4-FFF2-40B4-BE49-F238E27FC236}">
+                <a16:creationId xmlns:a16="http://schemas.microsoft.com/office/drawing/2014/main" id="{011F7FC4-DA7B-7A50-1536-B3D5A193F562}"/>
+              </a:ext>
+            </a:extLst>
+          </p:cNvPr>
+          <p:cNvSpPr/>
+          <p:nvPr/>
+        </p:nvSpPr>
+        <p:spPr>
+          <a:xfrm>
+            <a:off x="3353547" y="1235518"/>
+            <a:ext cx="2158502" cy="400110"/>
+          </a:xfrm>
+          <a:prstGeom prst="rect">
+            <a:avLst/>
+          </a:prstGeom>
+          <a:noFill/>
+          <a:ln w="28575">
+            <a:noFill/>
+          </a:ln>
+        </p:spPr>
+        <p:style>
+          <a:lnRef idx="2">
+            <a:schemeClr val="dk1"/>
+          </a:lnRef>
+          <a:fillRef idx="1">
+            <a:schemeClr val="lt1"/>
+          </a:fillRef>
+          <a:effectRef idx="0">
+            <a:schemeClr val="dk1"/>
+          </a:effectRef>
+          <a:fontRef idx="minor">
+            <a:schemeClr val="dk1"/>
+          </a:fontRef>
+        </p:style>
+        <p:txBody>
+          <a:bodyPr wrap="square">
+            <a:spAutoFit/>
+          </a:bodyPr>
+          <a:lstStyle/>
+          <a:p>
+            <a:pPr algn="ctr" fontAlgn="auto">
+              <a:spcAft>
+                <a:spcPts val="0"/>
+              </a:spcAft>
+            </a:pPr>
+            <a:r>
+              <a:rPr lang="zh-CN" altLang="en-US" sz="2000" b="1" dirty="0">
+                <a:solidFill>
+                  <a:srgbClr val="FF0000"/>
+                </a:solidFill>
+                <a:latin typeface="微软雅黑" panose="020B0503020204020204" pitchFamily="34" charset="-122"/>
+                <a:ea typeface="微软雅黑" panose="020B0503020204020204" pitchFamily="34" charset="-122"/>
+              </a:rPr>
+              <a:t>理论简化</a:t>
+            </a:r>
+            <a:endParaRPr lang="zh-CN" sz="2000" b="1" dirty="0">
+              <a:solidFill>
+                <a:srgbClr val="FF0000"/>
+              </a:solidFill>
+              <a:latin typeface="微软雅黑" panose="020B0503020204020204" pitchFamily="34" charset="-122"/>
+              <a:ea typeface="微软雅黑" panose="020B0503020204020204" pitchFamily="34" charset="-122"/>
+            </a:endParaRPr>
+          </a:p>
+        </p:txBody>
+      </p:sp>
+      <p:sp>
+        <p:nvSpPr>
+          <p:cNvPr id="11" name="矩形 10">
+            <a:extLst>
+              <a:ext uri="{FF2B5EF4-FFF2-40B4-BE49-F238E27FC236}">
+                <a16:creationId xmlns:a16="http://schemas.microsoft.com/office/drawing/2014/main" id="{1D182EEE-E81D-B901-3BBC-BCC083F6CB4D}"/>
+              </a:ext>
+            </a:extLst>
+          </p:cNvPr>
+          <p:cNvSpPr/>
+          <p:nvPr/>
+        </p:nvSpPr>
+        <p:spPr>
+          <a:xfrm>
+            <a:off x="9889499" y="3157693"/>
+            <a:ext cx="1894513" cy="400110"/>
+          </a:xfrm>
+          <a:prstGeom prst="rect">
+            <a:avLst/>
+          </a:prstGeom>
+          <a:noFill/>
+          <a:ln w="28575">
+            <a:noFill/>
+          </a:ln>
+        </p:spPr>
+        <p:style>
+          <a:lnRef idx="2">
+            <a:schemeClr val="dk1"/>
+          </a:lnRef>
+          <a:fillRef idx="1">
+            <a:schemeClr val="lt1"/>
+          </a:fillRef>
+          <a:effectRef idx="0">
+            <a:schemeClr val="dk1"/>
+          </a:effectRef>
+          <a:fontRef idx="minor">
+            <a:schemeClr val="dk1"/>
+          </a:fontRef>
+        </p:style>
+        <p:txBody>
+          <a:bodyPr wrap="square">
+            <a:spAutoFit/>
+          </a:bodyPr>
+          <a:lstStyle/>
+          <a:p>
+            <a:pPr algn="ctr" fontAlgn="auto">
+              <a:spcAft>
+                <a:spcPts val="0"/>
+              </a:spcAft>
+            </a:pPr>
+            <a:r>
+              <a:rPr lang="zh-CN" altLang="en-US" sz="2000" b="1" dirty="0">
+                <a:solidFill>
+                  <a:srgbClr val="FF0000"/>
+                </a:solidFill>
+                <a:latin typeface="微软雅黑" panose="020B0503020204020204" pitchFamily="34" charset="-122"/>
+                <a:ea typeface="微软雅黑" panose="020B0503020204020204" pitchFamily="34" charset="-122"/>
+              </a:rPr>
+              <a:t>依赖测量参数</a:t>
+            </a:r>
+            <a:endParaRPr lang="zh-CN" sz="2000" b="1" dirty="0">
+              <a:solidFill>
+                <a:srgbClr val="FF0000"/>
+              </a:solidFill>
+              <a:latin typeface="微软雅黑" panose="020B0503020204020204" pitchFamily="34" charset="-122"/>
+              <a:ea typeface="微软雅黑" panose="020B0503020204020204" pitchFamily="34" charset="-122"/>
+            </a:endParaRPr>
+          </a:p>
+        </p:txBody>
+      </p:sp>
+      <p:sp>
+        <p:nvSpPr>
+          <p:cNvPr id="12" name="矩形 11">
+            <a:extLst>
+              <a:ext uri="{FF2B5EF4-FFF2-40B4-BE49-F238E27FC236}">
+                <a16:creationId xmlns:a16="http://schemas.microsoft.com/office/drawing/2014/main" id="{3D7CBDEC-7D90-F5E4-394A-54CB84258370}"/>
+              </a:ext>
+            </a:extLst>
+          </p:cNvPr>
+          <p:cNvSpPr/>
+          <p:nvPr/>
+        </p:nvSpPr>
+        <p:spPr>
+          <a:xfrm>
+            <a:off x="5514000" y="4670937"/>
+            <a:ext cx="1381648" cy="400110"/>
+          </a:xfrm>
+          <a:prstGeom prst="rect">
+            <a:avLst/>
+          </a:prstGeom>
+          <a:noFill/>
+          <a:ln w="28575">
+            <a:noFill/>
+          </a:ln>
+        </p:spPr>
+        <p:style>
+          <a:lnRef idx="2">
+            <a:schemeClr val="dk1"/>
+          </a:lnRef>
+          <a:fillRef idx="1">
+            <a:schemeClr val="lt1"/>
+          </a:fillRef>
+          <a:effectRef idx="0">
+            <a:schemeClr val="dk1"/>
+          </a:effectRef>
+          <a:fontRef idx="minor">
+            <a:schemeClr val="dk1"/>
+          </a:fontRef>
+        </p:style>
+        <p:txBody>
+          <a:bodyPr wrap="square">
+            <a:spAutoFit/>
+          </a:bodyPr>
+          <a:lstStyle/>
+          <a:p>
+            <a:pPr algn="ctr" fontAlgn="auto">
+              <a:spcAft>
+                <a:spcPts val="0"/>
+              </a:spcAft>
+            </a:pPr>
+            <a:r>
+              <a:rPr lang="zh-CN" altLang="en-US" sz="2000" b="1" dirty="0">
+                <a:solidFill>
+                  <a:srgbClr val="FF0000"/>
+                </a:solidFill>
+                <a:latin typeface="微软雅黑" panose="020B0503020204020204" pitchFamily="34" charset="-122"/>
+                <a:ea typeface="微软雅黑" panose="020B0503020204020204" pitchFamily="34" charset="-122"/>
+              </a:rPr>
+              <a:t>经验模型</a:t>
+            </a:r>
+            <a:endParaRPr lang="zh-CN" sz="2000" b="1" dirty="0">
+              <a:solidFill>
+                <a:srgbClr val="FF0000"/>
+              </a:solidFill>
+              <a:latin typeface="微软雅黑" panose="020B0503020204020204" pitchFamily="34" charset="-122"/>
+              <a:ea typeface="微软雅黑" panose="020B0503020204020204" pitchFamily="34" charset="-122"/>
+            </a:endParaRPr>
+          </a:p>
+        </p:txBody>
+      </p:sp>
+      <p:pic>
+        <p:nvPicPr>
+          <p:cNvPr id="14" name="图片 13">
+            <a:extLst>
+              <a:ext uri="{FF2B5EF4-FFF2-40B4-BE49-F238E27FC236}">
+                <a16:creationId xmlns:a16="http://schemas.microsoft.com/office/drawing/2014/main" id="{8D9B6AF6-5576-0087-8F52-9A15BE018520}"/>
+              </a:ext>
+            </a:extLst>
+          </p:cNvPr>
+          <p:cNvPicPr>
+            <a:picLocks noChangeAspect="1"/>
+          </p:cNvPicPr>
+          <p:nvPr/>
+        </p:nvPicPr>
+        <p:blipFill>
+          <a:blip r:embed="rId5"/>
           <a:stretch>
             <a:fillRect/>
           </a:stretch>
         </p:blipFill>
         <p:spPr>
           <a:xfrm>
-            <a:off x="6368185" y="1313716"/>
-            <a:ext cx="5010849" cy="4277322"/>
+            <a:off x="2577166" y="5212305"/>
+            <a:ext cx="3711262" cy="320068"/>
+          </a:xfrm>
+          <a:prstGeom prst="rect">
+            <a:avLst/>
+          </a:prstGeom>
+        </p:spPr>
+      </p:pic>
+      <p:pic>
+        <p:nvPicPr>
+          <p:cNvPr id="16" name="图片 15">
+            <a:extLst>
+              <a:ext uri="{FF2B5EF4-FFF2-40B4-BE49-F238E27FC236}">
+                <a16:creationId xmlns:a16="http://schemas.microsoft.com/office/drawing/2014/main" id="{09800F8A-1A8A-0A2E-951F-3BAFF491C23F}"/>
+              </a:ext>
+            </a:extLst>
+          </p:cNvPr>
+          <p:cNvPicPr>
+            <a:picLocks noChangeAspect="1"/>
+          </p:cNvPicPr>
+          <p:nvPr/>
+        </p:nvPicPr>
+        <p:blipFill>
+          <a:blip r:embed="rId6"/>
+          <a:stretch>
+            <a:fillRect/>
+          </a:stretch>
+        </p:blipFill>
+        <p:spPr>
+          <a:xfrm>
+            <a:off x="2318064" y="5622482"/>
+            <a:ext cx="4229467" cy="304826"/>
           </a:xfrm>
           <a:prstGeom prst="rect">
             <a:avLst/>
@@ -4216,7 +11073,7 @@
     </p:spTree>
     <p:extLst>
       <p:ext uri="{BB962C8B-B14F-4D97-AF65-F5344CB8AC3E}">
-        <p14:creationId xmlns:p14="http://schemas.microsoft.com/office/powerpoint/2010/main" val="1134993147"/>
+        <p14:creationId xmlns:p14="http://schemas.microsoft.com/office/powerpoint/2010/main" val="2549460368"/>
       </p:ext>
     </p:extLst>
   </p:cSld>
